--- a/Crash!.pptx
+++ b/Crash!.pptx
@@ -1,52 +1,52 @@
 
 <file path=ppt/presentation.xml><?xml version="1.0" encoding="utf-8"?>
-<p:presentation xmlns:a="http://schemas.openxmlformats.org/drawingml/2006/main" xmlns:r="http://schemas.openxmlformats.org/officeDocument/2006/relationships" xmlns:mc="http://schemas.openxmlformats.org/markup-compatibility/2006" xmlns:mv="urn:schemas-microsoft-com:mac:vml" xmlns:p="http://schemas.openxmlformats.org/presentationml/2006/main" xmlns:c="http://schemas.openxmlformats.org/drawingml/2006/chart" xmlns:dgm="http://schemas.openxmlformats.org/drawingml/2006/diagram" xmlns:o="urn:schemas-microsoft-com:office:office" xmlns:v="urn:schemas-microsoft-com:vml" xmlns:pvml="urn:schemas-microsoft-com:office:powerpoint" xmlns:com="http://schemas.openxmlformats.org/drawingml/2006/compatibility" xmlns:p14="http://schemas.microsoft.com/office/powerpoint/2010/main" xmlns:p15="http://schemas.microsoft.com/office/powerpoint/2012/main" autoCompressPictures="0" embedTrueTypeFonts="1" strictFirstAndLastChars="0" saveSubsetFonts="1">
+<p:presentation xmlns:a="http://schemas.openxmlformats.org/drawingml/2006/main" xmlns:r="http://schemas.openxmlformats.org/officeDocument/2006/relationships" xmlns:p="http://schemas.openxmlformats.org/presentationml/2006/main" strictFirstAndLastChars="0" embedTrueTypeFonts="1" saveSubsetFonts="1" autoCompressPictures="0">
   <p:sldMasterIdLst>
-    <p:sldMasterId id="2147483659" r:id="rId3"/>
+    <p:sldMasterId id="2147483659" r:id="rId1"/>
   </p:sldMasterIdLst>
   <p:notesMasterIdLst>
-    <p:notesMasterId r:id="rId4"/>
+    <p:notesMasterId r:id="rId20"/>
   </p:notesMasterIdLst>
   <p:sldIdLst>
-    <p:sldId id="256" r:id="rId5"/>
-    <p:sldId id="257" r:id="rId6"/>
-    <p:sldId id="258" r:id="rId7"/>
-    <p:sldId id="259" r:id="rId8"/>
-    <p:sldId id="260" r:id="rId9"/>
-    <p:sldId id="261" r:id="rId10"/>
-    <p:sldId id="262" r:id="rId11"/>
-    <p:sldId id="263" r:id="rId12"/>
-    <p:sldId id="264" r:id="rId13"/>
-    <p:sldId id="265" r:id="rId14"/>
-    <p:sldId id="266" r:id="rId15"/>
-    <p:sldId id="267" r:id="rId16"/>
-    <p:sldId id="268" r:id="rId17"/>
-    <p:sldId id="269" r:id="rId18"/>
-    <p:sldId id="270" r:id="rId19"/>
-    <p:sldId id="271" r:id="rId20"/>
-    <p:sldId id="272" r:id="rId21"/>
-    <p:sldId id="273" r:id="rId22"/>
+    <p:sldId id="256" r:id="rId2"/>
+    <p:sldId id="257" r:id="rId3"/>
+    <p:sldId id="258" r:id="rId4"/>
+    <p:sldId id="259" r:id="rId5"/>
+    <p:sldId id="260" r:id="rId6"/>
+    <p:sldId id="261" r:id="rId7"/>
+    <p:sldId id="262" r:id="rId8"/>
+    <p:sldId id="263" r:id="rId9"/>
+    <p:sldId id="264" r:id="rId10"/>
+    <p:sldId id="265" r:id="rId11"/>
+    <p:sldId id="266" r:id="rId12"/>
+    <p:sldId id="267" r:id="rId13"/>
+    <p:sldId id="268" r:id="rId14"/>
+    <p:sldId id="269" r:id="rId15"/>
+    <p:sldId id="270" r:id="rId16"/>
+    <p:sldId id="271" r:id="rId17"/>
+    <p:sldId id="272" r:id="rId18"/>
+    <p:sldId id="273" r:id="rId19"/>
   </p:sldIdLst>
-  <p:sldSz cy="5143500" cx="9144000"/>
+  <p:sldSz cx="9144000" cy="5143500" type="screen16x9"/>
   <p:notesSz cx="6858000" cy="9144000"/>
   <p:embeddedFontLst>
     <p:embeddedFont>
-      <p:font typeface="Montserrat"/>
-      <p:regular r:id="rId23"/>
-      <p:bold r:id="rId24"/>
-      <p:italic r:id="rId25"/>
-      <p:boldItalic r:id="rId26"/>
+      <p:font typeface="Lato" panose="020B0604020202020204" charset="0"/>
+      <p:regular r:id="rId21"/>
+      <p:bold r:id="rId22"/>
+      <p:italic r:id="rId23"/>
+      <p:boldItalic r:id="rId24"/>
     </p:embeddedFont>
     <p:embeddedFont>
-      <p:font typeface="Lato"/>
-      <p:regular r:id="rId27"/>
-      <p:bold r:id="rId28"/>
-      <p:italic r:id="rId29"/>
-      <p:boldItalic r:id="rId30"/>
+      <p:font typeface="Montserrat" panose="020B0604020202020204" charset="0"/>
+      <p:regular r:id="rId25"/>
+      <p:bold r:id="rId26"/>
+      <p:italic r:id="rId27"/>
+      <p:boldItalic r:id="rId28"/>
     </p:embeddedFont>
   </p:embeddedFontLst>
   <p:defaultTextStyle>
-    <a:defPPr lvl="0" marR="0" rtl="0" algn="l">
+    <a:defPPr marR="0" lvl="0" algn="l" rtl="0">
       <a:lnSpc>
         <a:spcPct val="100000"/>
       </a:lnSpc>
@@ -57,7 +57,7 @@
         <a:spcPts val="0"/>
       </a:spcAft>
     </a:defPPr>
-    <a:lvl1pPr lvl="0" marR="0" rtl="0" algn="l">
+    <a:lvl1pPr marR="0" lvl="0" algn="l" rtl="0">
       <a:lnSpc>
         <a:spcPct val="100000"/>
       </a:lnSpc>
@@ -71,7 +71,7 @@
         <a:srgbClr val="000000"/>
       </a:buClr>
       <a:buFont typeface="Arial"/>
-      <a:defRPr b="0" i="0" sz="1400" u="none" cap="none" strike="noStrike">
+      <a:defRPr sz="1400" b="0" i="0" u="none" strike="noStrike" cap="none">
         <a:solidFill>
           <a:srgbClr val="000000"/>
         </a:solidFill>
@@ -81,7 +81,7 @@
         <a:sym typeface="Arial"/>
       </a:defRPr>
     </a:lvl1pPr>
-    <a:lvl2pPr lvl="1" marR="0" rtl="0" algn="l">
+    <a:lvl2pPr marR="0" lvl="1" algn="l" rtl="0">
       <a:lnSpc>
         <a:spcPct val="100000"/>
       </a:lnSpc>
@@ -95,7 +95,7 @@
         <a:srgbClr val="000000"/>
       </a:buClr>
       <a:buFont typeface="Arial"/>
-      <a:defRPr b="0" i="0" sz="1400" u="none" cap="none" strike="noStrike">
+      <a:defRPr sz="1400" b="0" i="0" u="none" strike="noStrike" cap="none">
         <a:solidFill>
           <a:srgbClr val="000000"/>
         </a:solidFill>
@@ -105,7 +105,7 @@
         <a:sym typeface="Arial"/>
       </a:defRPr>
     </a:lvl2pPr>
-    <a:lvl3pPr lvl="2" marR="0" rtl="0" algn="l">
+    <a:lvl3pPr marR="0" lvl="2" algn="l" rtl="0">
       <a:lnSpc>
         <a:spcPct val="100000"/>
       </a:lnSpc>
@@ -119,7 +119,7 @@
         <a:srgbClr val="000000"/>
       </a:buClr>
       <a:buFont typeface="Arial"/>
-      <a:defRPr b="0" i="0" sz="1400" u="none" cap="none" strike="noStrike">
+      <a:defRPr sz="1400" b="0" i="0" u="none" strike="noStrike" cap="none">
         <a:solidFill>
           <a:srgbClr val="000000"/>
         </a:solidFill>
@@ -129,7 +129,7 @@
         <a:sym typeface="Arial"/>
       </a:defRPr>
     </a:lvl3pPr>
-    <a:lvl4pPr lvl="3" marR="0" rtl="0" algn="l">
+    <a:lvl4pPr marR="0" lvl="3" algn="l" rtl="0">
       <a:lnSpc>
         <a:spcPct val="100000"/>
       </a:lnSpc>
@@ -143,7 +143,7 @@
         <a:srgbClr val="000000"/>
       </a:buClr>
       <a:buFont typeface="Arial"/>
-      <a:defRPr b="0" i="0" sz="1400" u="none" cap="none" strike="noStrike">
+      <a:defRPr sz="1400" b="0" i="0" u="none" strike="noStrike" cap="none">
         <a:solidFill>
           <a:srgbClr val="000000"/>
         </a:solidFill>
@@ -153,7 +153,7 @@
         <a:sym typeface="Arial"/>
       </a:defRPr>
     </a:lvl4pPr>
-    <a:lvl5pPr lvl="4" marR="0" rtl="0" algn="l">
+    <a:lvl5pPr marR="0" lvl="4" algn="l" rtl="0">
       <a:lnSpc>
         <a:spcPct val="100000"/>
       </a:lnSpc>
@@ -167,7 +167,7 @@
         <a:srgbClr val="000000"/>
       </a:buClr>
       <a:buFont typeface="Arial"/>
-      <a:defRPr b="0" i="0" sz="1400" u="none" cap="none" strike="noStrike">
+      <a:defRPr sz="1400" b="0" i="0" u="none" strike="noStrike" cap="none">
         <a:solidFill>
           <a:srgbClr val="000000"/>
         </a:solidFill>
@@ -177,7 +177,7 @@
         <a:sym typeface="Arial"/>
       </a:defRPr>
     </a:lvl5pPr>
-    <a:lvl6pPr lvl="5" marR="0" rtl="0" algn="l">
+    <a:lvl6pPr marR="0" lvl="5" algn="l" rtl="0">
       <a:lnSpc>
         <a:spcPct val="100000"/>
       </a:lnSpc>
@@ -191,7 +191,7 @@
         <a:srgbClr val="000000"/>
       </a:buClr>
       <a:buFont typeface="Arial"/>
-      <a:defRPr b="0" i="0" sz="1400" u="none" cap="none" strike="noStrike">
+      <a:defRPr sz="1400" b="0" i="0" u="none" strike="noStrike" cap="none">
         <a:solidFill>
           <a:srgbClr val="000000"/>
         </a:solidFill>
@@ -201,7 +201,7 @@
         <a:sym typeface="Arial"/>
       </a:defRPr>
     </a:lvl6pPr>
-    <a:lvl7pPr lvl="6" marR="0" rtl="0" algn="l">
+    <a:lvl7pPr marR="0" lvl="6" algn="l" rtl="0">
       <a:lnSpc>
         <a:spcPct val="100000"/>
       </a:lnSpc>
@@ -215,7 +215,7 @@
         <a:srgbClr val="000000"/>
       </a:buClr>
       <a:buFont typeface="Arial"/>
-      <a:defRPr b="0" i="0" sz="1400" u="none" cap="none" strike="noStrike">
+      <a:defRPr sz="1400" b="0" i="0" u="none" strike="noStrike" cap="none">
         <a:solidFill>
           <a:srgbClr val="000000"/>
         </a:solidFill>
@@ -225,7 +225,7 @@
         <a:sym typeface="Arial"/>
       </a:defRPr>
     </a:lvl7pPr>
-    <a:lvl8pPr lvl="7" marR="0" rtl="0" algn="l">
+    <a:lvl8pPr marR="0" lvl="7" algn="l" rtl="0">
       <a:lnSpc>
         <a:spcPct val="100000"/>
       </a:lnSpc>
@@ -239,7 +239,7 @@
         <a:srgbClr val="000000"/>
       </a:buClr>
       <a:buFont typeface="Arial"/>
-      <a:defRPr b="0" i="0" sz="1400" u="none" cap="none" strike="noStrike">
+      <a:defRPr sz="1400" b="0" i="0" u="none" strike="noStrike" cap="none">
         <a:solidFill>
           <a:srgbClr val="000000"/>
         </a:solidFill>
@@ -249,7 +249,7 @@
         <a:sym typeface="Arial"/>
       </a:defRPr>
     </a:lvl8pPr>
-    <a:lvl9pPr lvl="8" marR="0" rtl="0" algn="l">
+    <a:lvl9pPr marR="0" lvl="8" algn="l" rtl="0">
       <a:lnSpc>
         <a:spcPct val="100000"/>
       </a:lnSpc>
@@ -263,7 +263,7 @@
         <a:srgbClr val="000000"/>
       </a:buClr>
       <a:buFont typeface="Arial"/>
-      <a:defRPr b="0" i="0" sz="1400" u="none" cap="none" strike="noStrike">
+      <a:defRPr sz="1400" b="0" i="0" u="none" strike="noStrike" cap="none">
         <a:solidFill>
           <a:srgbClr val="000000"/>
         </a:solidFill>
@@ -278,11 +278,16 @@
 </file>
 
 <file path=ppt/notesMasters/notesMaster1.xml><?xml version="1.0" encoding="utf-8"?>
-<p:notesMaster xmlns:a="http://schemas.openxmlformats.org/drawingml/2006/main" xmlns:r="http://schemas.openxmlformats.org/officeDocument/2006/relationships" xmlns:mc="http://schemas.openxmlformats.org/markup-compatibility/2006" xmlns:mv="urn:schemas-microsoft-com:mac:vml" xmlns:p="http://schemas.openxmlformats.org/presentationml/2006/main" xmlns:c="http://schemas.openxmlformats.org/drawingml/2006/chart" xmlns:dgm="http://schemas.openxmlformats.org/drawingml/2006/diagram" xmlns:o="urn:schemas-microsoft-com:office:office" xmlns:v="urn:schemas-microsoft-com:vml" xmlns:pvml="urn:schemas-microsoft-com:office:powerpoint" xmlns:com="http://schemas.openxmlformats.org/drawingml/2006/compatibility" xmlns:p14="http://schemas.microsoft.com/office/powerpoint/2010/main" xmlns:p15="http://schemas.microsoft.com/office/powerpoint/2012/main">
+<p:notesMaster xmlns:a="http://schemas.openxmlformats.org/drawingml/2006/main" xmlns:r="http://schemas.openxmlformats.org/officeDocument/2006/relationships" xmlns:p="http://schemas.openxmlformats.org/presentationml/2006/main">
   <p:cSld>
+    <p:bg>
+      <p:bgRef idx="1001">
+        <a:schemeClr val="bg1"/>
+      </p:bgRef>
+    </p:bg>
     <p:spTree>
       <p:nvGrpSpPr>
-        <p:cNvPr id="2" name="Shape 2"/>
+        <p:cNvPr id="1" name="Shape 2"/>
         <p:cNvGrpSpPr/>
         <p:nvPr/>
       </p:nvGrpSpPr>
@@ -297,9 +302,11 @@
       <p:sp>
         <p:nvSpPr>
           <p:cNvPr id="3" name="Google Shape;3;n"/>
-          <p:cNvSpPr/>
+          <p:cNvSpPr>
+            <a:spLocks noGrp="1" noRot="1" noChangeAspect="1"/>
+          </p:cNvSpPr>
           <p:nvPr>
-            <p:ph idx="2" type="sldImg"/>
+            <p:ph type="sldImg" idx="2"/>
           </p:nvPr>
         </p:nvSpPr>
         <p:spPr>
@@ -308,9 +315,13 @@
             <a:ext cx="6096075" cy="3429000"/>
           </a:xfrm>
           <a:custGeom>
-            <a:rect b="b" l="l" r="r" t="t"/>
+            <a:avLst/>
+            <a:gdLst/>
+            <a:ahLst/>
+            <a:cxnLst/>
+            <a:rect l="l" t="t" r="r" b="b"/>
             <a:pathLst>
-              <a:path extrusionOk="0" h="120000" w="120000">
+              <a:path w="120000" h="120000" extrusionOk="0">
                 <a:moveTo>
                   <a:pt x="0" y="0"/>
                 </a:moveTo>
@@ -328,23 +339,25 @@
             </a:pathLst>
           </a:custGeom>
           <a:noFill/>
-          <a:ln cap="flat" cmpd="sng" w="9525">
+          <a:ln w="9525" cap="flat" cmpd="sng">
             <a:solidFill>
               <a:srgbClr val="000000"/>
             </a:solidFill>
             <a:prstDash val="solid"/>
             <a:round/>
-            <a:headEnd len="sm" w="sm" type="none"/>
-            <a:tailEnd len="sm" w="sm" type="none"/>
+            <a:headEnd type="none" w="sm" len="sm"/>
+            <a:tailEnd type="none" w="sm" len="sm"/>
           </a:ln>
         </p:spPr>
       </p:sp>
       <p:sp>
         <p:nvSpPr>
           <p:cNvPr id="4" name="Google Shape;4;n"/>
-          <p:cNvSpPr txBox="1"/>
+          <p:cNvSpPr txBox="1">
+            <a:spLocks noGrp="1"/>
+          </p:cNvSpPr>
           <p:nvPr>
-            <p:ph idx="1" type="body"/>
+            <p:ph type="body" idx="1"/>
           </p:nvPr>
         </p:nvSpPr>
         <p:spPr>
@@ -361,9 +374,9 @@
           </a:ln>
         </p:spPr>
         <p:txBody>
-          <a:bodyPr anchorCtr="0" anchor="t" bIns="91425" lIns="91425" spcFirstLastPara="1" rIns="91425" wrap="square" tIns="91425"/>
+          <a:bodyPr spcFirstLastPara="1" wrap="square" lIns="91425" tIns="91425" rIns="91425" bIns="91425" anchor="t" anchorCtr="0"/>
           <a:lstStyle>
-            <a:lvl1pPr indent="-298450" lvl="0" marL="457200">
+            <a:lvl1pPr marL="457200" lvl="0" indent="-298450">
               <a:spcBef>
                 <a:spcPts val="0"/>
               </a:spcBef>
@@ -374,7 +387,7 @@
               <a:buChar char="●"/>
               <a:defRPr sz="1100"/>
             </a:lvl1pPr>
-            <a:lvl2pPr indent="-298450" lvl="1" marL="914400">
+            <a:lvl2pPr marL="914400" lvl="1" indent="-298450">
               <a:spcBef>
                 <a:spcPts val="0"/>
               </a:spcBef>
@@ -385,7 +398,7 @@
               <a:buChar char="○"/>
               <a:defRPr sz="1100"/>
             </a:lvl2pPr>
-            <a:lvl3pPr indent="-298450" lvl="2" marL="1371600">
+            <a:lvl3pPr marL="1371600" lvl="2" indent="-298450">
               <a:spcBef>
                 <a:spcPts val="0"/>
               </a:spcBef>
@@ -396,7 +409,7 @@
               <a:buChar char="■"/>
               <a:defRPr sz="1100"/>
             </a:lvl3pPr>
-            <a:lvl4pPr indent="-298450" lvl="3" marL="1828800">
+            <a:lvl4pPr marL="1828800" lvl="3" indent="-298450">
               <a:spcBef>
                 <a:spcPts val="0"/>
               </a:spcBef>
@@ -407,7 +420,7 @@
               <a:buChar char="●"/>
               <a:defRPr sz="1100"/>
             </a:lvl4pPr>
-            <a:lvl5pPr indent="-298450" lvl="4" marL="2286000">
+            <a:lvl5pPr marL="2286000" lvl="4" indent="-298450">
               <a:spcBef>
                 <a:spcPts val="0"/>
               </a:spcBef>
@@ -418,7 +431,7 @@
               <a:buChar char="○"/>
               <a:defRPr sz="1100"/>
             </a:lvl5pPr>
-            <a:lvl6pPr indent="-298450" lvl="5" marL="2743200">
+            <a:lvl6pPr marL="2743200" lvl="5" indent="-298450">
               <a:spcBef>
                 <a:spcPts val="0"/>
               </a:spcBef>
@@ -429,7 +442,7 @@
               <a:buChar char="■"/>
               <a:defRPr sz="1100"/>
             </a:lvl6pPr>
-            <a:lvl7pPr indent="-298450" lvl="6" marL="3200400">
+            <a:lvl7pPr marL="3200400" lvl="6" indent="-298450">
               <a:spcBef>
                 <a:spcPts val="0"/>
               </a:spcBef>
@@ -440,7 +453,7 @@
               <a:buChar char="●"/>
               <a:defRPr sz="1100"/>
             </a:lvl7pPr>
-            <a:lvl8pPr indent="-298450" lvl="7" marL="3657600">
+            <a:lvl8pPr marL="3657600" lvl="7" indent="-298450">
               <a:spcBef>
                 <a:spcPts val="0"/>
               </a:spcBef>
@@ -451,7 +464,7 @@
               <a:buChar char="○"/>
               <a:defRPr sz="1100"/>
             </a:lvl8pPr>
-            <a:lvl9pPr indent="-298450" lvl="8" marL="4114800">
+            <a:lvl9pPr marL="4114800" lvl="8" indent="-298450">
               <a:spcBef>
                 <a:spcPts val="0"/>
               </a:spcBef>
@@ -463,14 +476,16 @@
               <a:defRPr sz="1100"/>
             </a:lvl9pPr>
           </a:lstStyle>
-          <a:p/>
+          <a:p>
+            <a:endParaRPr/>
+          </a:p>
         </p:txBody>
       </p:sp>
     </p:spTree>
   </p:cSld>
-  <p:clrMap accent1="accent1" accent2="accent2" accent3="accent3" accent4="accent4" accent5="accent5" accent6="accent6" bg1="lt1" bg2="dk2" tx1="dk1" tx2="lt2" folHlink="folHlink" hlink="hlink"/>
+  <p:clrMap bg1="lt1" tx1="dk1" bg2="dk2" tx2="lt2" accent1="accent1" accent2="accent2" accent3="accent3" accent4="accent4" accent5="accent5" accent6="accent6" hlink="hlink" folHlink="folHlink"/>
   <p:notesStyle>
-    <a:defPPr lvl="0" marR="0" rtl="0" algn="l">
+    <a:defPPr marR="0" lvl="0" algn="l" rtl="0">
       <a:lnSpc>
         <a:spcPct val="100000"/>
       </a:lnSpc>
@@ -481,7 +496,7 @@
         <a:spcPts val="0"/>
       </a:spcAft>
     </a:defPPr>
-    <a:lvl1pPr lvl="0" marR="0" rtl="0" algn="l">
+    <a:lvl1pPr marR="0" lvl="0" algn="l" rtl="0">
       <a:lnSpc>
         <a:spcPct val="100000"/>
       </a:lnSpc>
@@ -495,7 +510,7 @@
         <a:srgbClr val="000000"/>
       </a:buClr>
       <a:buFont typeface="Arial"/>
-      <a:defRPr b="0" i="0" sz="1400" u="none" cap="none" strike="noStrike">
+      <a:defRPr sz="1400" b="0" i="0" u="none" strike="noStrike" cap="none">
         <a:solidFill>
           <a:srgbClr val="000000"/>
         </a:solidFill>
@@ -505,7 +520,7 @@
         <a:sym typeface="Arial"/>
       </a:defRPr>
     </a:lvl1pPr>
-    <a:lvl2pPr lvl="1" marR="0" rtl="0" algn="l">
+    <a:lvl2pPr marR="0" lvl="1" algn="l" rtl="0">
       <a:lnSpc>
         <a:spcPct val="100000"/>
       </a:lnSpc>
@@ -519,7 +534,7 @@
         <a:srgbClr val="000000"/>
       </a:buClr>
       <a:buFont typeface="Arial"/>
-      <a:defRPr b="0" i="0" sz="1400" u="none" cap="none" strike="noStrike">
+      <a:defRPr sz="1400" b="0" i="0" u="none" strike="noStrike" cap="none">
         <a:solidFill>
           <a:srgbClr val="000000"/>
         </a:solidFill>
@@ -529,7 +544,7 @@
         <a:sym typeface="Arial"/>
       </a:defRPr>
     </a:lvl2pPr>
-    <a:lvl3pPr lvl="2" marR="0" rtl="0" algn="l">
+    <a:lvl3pPr marR="0" lvl="2" algn="l" rtl="0">
       <a:lnSpc>
         <a:spcPct val="100000"/>
       </a:lnSpc>
@@ -543,7 +558,7 @@
         <a:srgbClr val="000000"/>
       </a:buClr>
       <a:buFont typeface="Arial"/>
-      <a:defRPr b="0" i="0" sz="1400" u="none" cap="none" strike="noStrike">
+      <a:defRPr sz="1400" b="0" i="0" u="none" strike="noStrike" cap="none">
         <a:solidFill>
           <a:srgbClr val="000000"/>
         </a:solidFill>
@@ -553,7 +568,7 @@
         <a:sym typeface="Arial"/>
       </a:defRPr>
     </a:lvl3pPr>
-    <a:lvl4pPr lvl="3" marR="0" rtl="0" algn="l">
+    <a:lvl4pPr marR="0" lvl="3" algn="l" rtl="0">
       <a:lnSpc>
         <a:spcPct val="100000"/>
       </a:lnSpc>
@@ -567,7 +582,7 @@
         <a:srgbClr val="000000"/>
       </a:buClr>
       <a:buFont typeface="Arial"/>
-      <a:defRPr b="0" i="0" sz="1400" u="none" cap="none" strike="noStrike">
+      <a:defRPr sz="1400" b="0" i="0" u="none" strike="noStrike" cap="none">
         <a:solidFill>
           <a:srgbClr val="000000"/>
         </a:solidFill>
@@ -577,7 +592,7 @@
         <a:sym typeface="Arial"/>
       </a:defRPr>
     </a:lvl4pPr>
-    <a:lvl5pPr lvl="4" marR="0" rtl="0" algn="l">
+    <a:lvl5pPr marR="0" lvl="4" algn="l" rtl="0">
       <a:lnSpc>
         <a:spcPct val="100000"/>
       </a:lnSpc>
@@ -591,7 +606,7 @@
         <a:srgbClr val="000000"/>
       </a:buClr>
       <a:buFont typeface="Arial"/>
-      <a:defRPr b="0" i="0" sz="1400" u="none" cap="none" strike="noStrike">
+      <a:defRPr sz="1400" b="0" i="0" u="none" strike="noStrike" cap="none">
         <a:solidFill>
           <a:srgbClr val="000000"/>
         </a:solidFill>
@@ -601,7 +616,7 @@
         <a:sym typeface="Arial"/>
       </a:defRPr>
     </a:lvl5pPr>
-    <a:lvl6pPr lvl="5" marR="0" rtl="0" algn="l">
+    <a:lvl6pPr marR="0" lvl="5" algn="l" rtl="0">
       <a:lnSpc>
         <a:spcPct val="100000"/>
       </a:lnSpc>
@@ -615,7 +630,7 @@
         <a:srgbClr val="000000"/>
       </a:buClr>
       <a:buFont typeface="Arial"/>
-      <a:defRPr b="0" i="0" sz="1400" u="none" cap="none" strike="noStrike">
+      <a:defRPr sz="1400" b="0" i="0" u="none" strike="noStrike" cap="none">
         <a:solidFill>
           <a:srgbClr val="000000"/>
         </a:solidFill>
@@ -625,7 +640,7 @@
         <a:sym typeface="Arial"/>
       </a:defRPr>
     </a:lvl6pPr>
-    <a:lvl7pPr lvl="6" marR="0" rtl="0" algn="l">
+    <a:lvl7pPr marR="0" lvl="6" algn="l" rtl="0">
       <a:lnSpc>
         <a:spcPct val="100000"/>
       </a:lnSpc>
@@ -639,7 +654,7 @@
         <a:srgbClr val="000000"/>
       </a:buClr>
       <a:buFont typeface="Arial"/>
-      <a:defRPr b="0" i="0" sz="1400" u="none" cap="none" strike="noStrike">
+      <a:defRPr sz="1400" b="0" i="0" u="none" strike="noStrike" cap="none">
         <a:solidFill>
           <a:srgbClr val="000000"/>
         </a:solidFill>
@@ -649,7 +664,7 @@
         <a:sym typeface="Arial"/>
       </a:defRPr>
     </a:lvl7pPr>
-    <a:lvl8pPr lvl="7" marR="0" rtl="0" algn="l">
+    <a:lvl8pPr marR="0" lvl="7" algn="l" rtl="0">
       <a:lnSpc>
         <a:spcPct val="100000"/>
       </a:lnSpc>
@@ -663,7 +678,7 @@
         <a:srgbClr val="000000"/>
       </a:buClr>
       <a:buFont typeface="Arial"/>
-      <a:defRPr b="0" i="0" sz="1400" u="none" cap="none" strike="noStrike">
+      <a:defRPr sz="1400" b="0" i="0" u="none" strike="noStrike" cap="none">
         <a:solidFill>
           <a:srgbClr val="000000"/>
         </a:solidFill>
@@ -673,7 +688,7 @@
         <a:sym typeface="Arial"/>
       </a:defRPr>
     </a:lvl8pPr>
-    <a:lvl9pPr lvl="8" marR="0" rtl="0" algn="l">
+    <a:lvl9pPr marR="0" lvl="8" algn="l" rtl="0">
       <a:lnSpc>
         <a:spcPct val="100000"/>
       </a:lnSpc>
@@ -687,7 +702,7 @@
         <a:srgbClr val="000000"/>
       </a:buClr>
       <a:buFont typeface="Arial"/>
-      <a:defRPr b="0" i="0" sz="1400" u="none" cap="none" strike="noStrike">
+      <a:defRPr sz="1400" b="0" i="0" u="none" strike="noStrike" cap="none">
         <a:solidFill>
           <a:srgbClr val="000000"/>
         </a:solidFill>
@@ -702,11 +717,11 @@
 </file>
 
 <file path=ppt/notesSlides/notesSlide1.xml><?xml version="1.0" encoding="utf-8"?>
-<p:notes xmlns:a="http://schemas.openxmlformats.org/drawingml/2006/main" xmlns:r="http://schemas.openxmlformats.org/officeDocument/2006/relationships" xmlns:mc="http://schemas.openxmlformats.org/markup-compatibility/2006" xmlns:mv="urn:schemas-microsoft-com:mac:vml" xmlns:p="http://schemas.openxmlformats.org/presentationml/2006/main" xmlns:c="http://schemas.openxmlformats.org/drawingml/2006/chart" xmlns:dgm="http://schemas.openxmlformats.org/drawingml/2006/diagram" xmlns:o="urn:schemas-microsoft-com:office:office" xmlns:v="urn:schemas-microsoft-com:vml" xmlns:pvml="urn:schemas-microsoft-com:office:powerpoint" xmlns:com="http://schemas.openxmlformats.org/drawingml/2006/compatibility" xmlns:p14="http://schemas.microsoft.com/office/powerpoint/2010/main" xmlns:p15="http://schemas.microsoft.com/office/powerpoint/2012/main" showMasterPhAnim="0" showMasterSp="0">
+<p:notes xmlns:a="http://schemas.openxmlformats.org/drawingml/2006/main" xmlns:r="http://schemas.openxmlformats.org/officeDocument/2006/relationships" xmlns:p="http://schemas.openxmlformats.org/presentationml/2006/main" showMasterSp="0" showMasterPhAnim="0">
   <p:cSld>
     <p:spTree>
       <p:nvGrpSpPr>
-        <p:cNvPr id="130" name="Shape 130"/>
+        <p:cNvPr id="1" name="Shape 130"/>
         <p:cNvGrpSpPr/>
         <p:nvPr/>
       </p:nvGrpSpPr>
@@ -721,9 +736,11 @@
       <p:sp>
         <p:nvSpPr>
           <p:cNvPr id="131" name="Google Shape;131;p:notes"/>
-          <p:cNvSpPr/>
+          <p:cNvSpPr>
+            <a:spLocks noGrp="1" noRot="1" noChangeAspect="1"/>
+          </p:cNvSpPr>
           <p:nvPr>
-            <p:ph idx="2" type="sldImg"/>
+            <p:ph type="sldImg" idx="2"/>
           </p:nvPr>
         </p:nvSpPr>
         <p:spPr>
@@ -732,9 +749,13 @@
             <a:ext cx="6096075" cy="3429000"/>
           </a:xfrm>
           <a:custGeom>
-            <a:rect b="b" l="l" r="r" t="t"/>
+            <a:avLst/>
+            <a:gdLst/>
+            <a:ahLst/>
+            <a:cxnLst/>
+            <a:rect l="l" t="t" r="r" b="b"/>
             <a:pathLst>
-              <a:path extrusionOk="0" h="120000" w="120000">
+              <a:path w="120000" h="120000" extrusionOk="0">
                 <a:moveTo>
                   <a:pt x="0" y="0"/>
                 </a:moveTo>
@@ -756,9 +777,11 @@
       <p:sp>
         <p:nvSpPr>
           <p:cNvPr id="132" name="Google Shape;132;p:notes"/>
-          <p:cNvSpPr txBox="1"/>
+          <p:cNvSpPr txBox="1">
+            <a:spLocks noGrp="1"/>
+          </p:cNvSpPr>
           <p:nvPr>
-            <p:ph idx="1" type="body"/>
+            <p:ph type="body" idx="1"/>
           </p:nvPr>
         </p:nvSpPr>
         <p:spPr>
@@ -771,12 +794,12 @@
           </a:prstGeom>
         </p:spPr>
         <p:txBody>
-          <a:bodyPr anchorCtr="0" anchor="t" bIns="91425" lIns="91425" spcFirstLastPara="1" rIns="91425" wrap="square" tIns="91425">
+          <a:bodyPr spcFirstLastPara="1" wrap="square" lIns="91425" tIns="91425" rIns="91425" bIns="91425" anchor="t" anchorCtr="0">
             <a:noAutofit/>
           </a:bodyPr>
           <a:lstStyle/>
           <a:p>
-            <a:pPr indent="0" lvl="0" marL="0" rtl="0" algn="l">
+            <a:pPr marL="0" lvl="0" indent="0" algn="l" rtl="0">
               <a:spcBef>
                 <a:spcPts val="0"/>
               </a:spcBef>
@@ -785,9 +808,6 @@
               </a:spcAft>
               <a:buNone/>
             </a:pPr>
-            <a:r>
-              <a:t/>
-            </a:r>
             <a:endParaRPr/>
           </a:p>
         </p:txBody>
@@ -801,11 +821,11 @@
 </file>
 
 <file path=ppt/notesSlides/notesSlide10.xml><?xml version="1.0" encoding="utf-8"?>
-<p:notes xmlns:a="http://schemas.openxmlformats.org/drawingml/2006/main" xmlns:r="http://schemas.openxmlformats.org/officeDocument/2006/relationships" xmlns:mc="http://schemas.openxmlformats.org/markup-compatibility/2006" xmlns:mv="urn:schemas-microsoft-com:mac:vml" xmlns:p="http://schemas.openxmlformats.org/presentationml/2006/main" xmlns:c="http://schemas.openxmlformats.org/drawingml/2006/chart" xmlns:dgm="http://schemas.openxmlformats.org/drawingml/2006/diagram" xmlns:o="urn:schemas-microsoft-com:office:office" xmlns:v="urn:schemas-microsoft-com:vml" xmlns:pvml="urn:schemas-microsoft-com:office:powerpoint" xmlns:com="http://schemas.openxmlformats.org/drawingml/2006/compatibility" xmlns:p14="http://schemas.microsoft.com/office/powerpoint/2010/main" xmlns:p15="http://schemas.microsoft.com/office/powerpoint/2012/main" showMasterPhAnim="0" showMasterSp="0">
+<p:notes xmlns:a="http://schemas.openxmlformats.org/drawingml/2006/main" xmlns:r="http://schemas.openxmlformats.org/officeDocument/2006/relationships" xmlns:p="http://schemas.openxmlformats.org/presentationml/2006/main" showMasterSp="0" showMasterPhAnim="0">
   <p:cSld>
     <p:spTree>
       <p:nvGrpSpPr>
-        <p:cNvPr id="197" name="Shape 197"/>
+        <p:cNvPr id="1" name="Shape 197"/>
         <p:cNvGrpSpPr/>
         <p:nvPr/>
       </p:nvGrpSpPr>
@@ -820,9 +840,11 @@
       <p:sp>
         <p:nvSpPr>
           <p:cNvPr id="198" name="Google Shape;198;g4d9b55e13a_0_70:notes"/>
-          <p:cNvSpPr/>
+          <p:cNvSpPr>
+            <a:spLocks noGrp="1" noRot="1" noChangeAspect="1"/>
+          </p:cNvSpPr>
           <p:nvPr>
-            <p:ph idx="2" type="sldImg"/>
+            <p:ph type="sldImg" idx="2"/>
           </p:nvPr>
         </p:nvSpPr>
         <p:spPr>
@@ -831,9 +853,13 @@
             <a:ext cx="6096000" cy="3429000"/>
           </a:xfrm>
           <a:custGeom>
-            <a:rect b="b" l="l" r="r" t="t"/>
+            <a:avLst/>
+            <a:gdLst/>
+            <a:ahLst/>
+            <a:cxnLst/>
+            <a:rect l="l" t="t" r="r" b="b"/>
             <a:pathLst>
-              <a:path extrusionOk="0" h="120000" w="120000">
+              <a:path w="120000" h="120000" extrusionOk="0">
                 <a:moveTo>
                   <a:pt x="0" y="0"/>
                 </a:moveTo>
@@ -855,9 +881,11 @@
       <p:sp>
         <p:nvSpPr>
           <p:cNvPr id="199" name="Google Shape;199;g4d9b55e13a_0_70:notes"/>
-          <p:cNvSpPr txBox="1"/>
+          <p:cNvSpPr txBox="1">
+            <a:spLocks noGrp="1"/>
+          </p:cNvSpPr>
           <p:nvPr>
-            <p:ph idx="1" type="body"/>
+            <p:ph type="body" idx="1"/>
           </p:nvPr>
         </p:nvSpPr>
         <p:spPr>
@@ -870,12 +898,12 @@
           </a:prstGeom>
         </p:spPr>
         <p:txBody>
-          <a:bodyPr anchorCtr="0" anchor="t" bIns="91425" lIns="91425" spcFirstLastPara="1" rIns="91425" wrap="square" tIns="91425">
+          <a:bodyPr spcFirstLastPara="1" wrap="square" lIns="91425" tIns="91425" rIns="91425" bIns="91425" anchor="t" anchorCtr="0">
             <a:noAutofit/>
           </a:bodyPr>
           <a:lstStyle/>
           <a:p>
-            <a:pPr indent="0" lvl="0" marL="0" rtl="0" algn="l">
+            <a:pPr marL="0" lvl="0" indent="0" algn="l" rtl="0">
               <a:spcBef>
                 <a:spcPts val="0"/>
               </a:spcBef>
@@ -884,9 +912,6 @@
               </a:spcAft>
               <a:buNone/>
             </a:pPr>
-            <a:r>
-              <a:t/>
-            </a:r>
             <a:endParaRPr/>
           </a:p>
         </p:txBody>
@@ -900,11 +925,11 @@
 </file>
 
 <file path=ppt/notesSlides/notesSlide11.xml><?xml version="1.0" encoding="utf-8"?>
-<p:notes xmlns:a="http://schemas.openxmlformats.org/drawingml/2006/main" xmlns:r="http://schemas.openxmlformats.org/officeDocument/2006/relationships" xmlns:mc="http://schemas.openxmlformats.org/markup-compatibility/2006" xmlns:mv="urn:schemas-microsoft-com:mac:vml" xmlns:p="http://schemas.openxmlformats.org/presentationml/2006/main" xmlns:c="http://schemas.openxmlformats.org/drawingml/2006/chart" xmlns:dgm="http://schemas.openxmlformats.org/drawingml/2006/diagram" xmlns:o="urn:schemas-microsoft-com:office:office" xmlns:v="urn:schemas-microsoft-com:vml" xmlns:pvml="urn:schemas-microsoft-com:office:powerpoint" xmlns:com="http://schemas.openxmlformats.org/drawingml/2006/compatibility" xmlns:p14="http://schemas.microsoft.com/office/powerpoint/2010/main" xmlns:p15="http://schemas.microsoft.com/office/powerpoint/2012/main" showMasterPhAnim="0" showMasterSp="0">
+<p:notes xmlns:a="http://schemas.openxmlformats.org/drawingml/2006/main" xmlns:r="http://schemas.openxmlformats.org/officeDocument/2006/relationships" xmlns:p="http://schemas.openxmlformats.org/presentationml/2006/main" showMasterSp="0" showMasterPhAnim="0">
   <p:cSld>
     <p:spTree>
       <p:nvGrpSpPr>
-        <p:cNvPr id="206" name="Shape 206"/>
+        <p:cNvPr id="1" name="Shape 206"/>
         <p:cNvGrpSpPr/>
         <p:nvPr/>
       </p:nvGrpSpPr>
@@ -919,9 +944,11 @@
       <p:sp>
         <p:nvSpPr>
           <p:cNvPr id="207" name="Google Shape;207;g4d9b55e13a_0_31:notes"/>
-          <p:cNvSpPr/>
+          <p:cNvSpPr>
+            <a:spLocks noGrp="1" noRot="1" noChangeAspect="1"/>
+          </p:cNvSpPr>
           <p:nvPr>
-            <p:ph idx="2" type="sldImg"/>
+            <p:ph type="sldImg" idx="2"/>
           </p:nvPr>
         </p:nvSpPr>
         <p:spPr>
@@ -930,9 +957,13 @@
             <a:ext cx="6096000" cy="3429000"/>
           </a:xfrm>
           <a:custGeom>
-            <a:rect b="b" l="l" r="r" t="t"/>
+            <a:avLst/>
+            <a:gdLst/>
+            <a:ahLst/>
+            <a:cxnLst/>
+            <a:rect l="l" t="t" r="r" b="b"/>
             <a:pathLst>
-              <a:path extrusionOk="0" h="120000" w="120000">
+              <a:path w="120000" h="120000" extrusionOk="0">
                 <a:moveTo>
                   <a:pt x="0" y="0"/>
                 </a:moveTo>
@@ -954,9 +985,11 @@
       <p:sp>
         <p:nvSpPr>
           <p:cNvPr id="208" name="Google Shape;208;g4d9b55e13a_0_31:notes"/>
-          <p:cNvSpPr txBox="1"/>
+          <p:cNvSpPr txBox="1">
+            <a:spLocks noGrp="1"/>
+          </p:cNvSpPr>
           <p:nvPr>
-            <p:ph idx="1" type="body"/>
+            <p:ph type="body" idx="1"/>
           </p:nvPr>
         </p:nvSpPr>
         <p:spPr>
@@ -969,12 +1002,12 @@
           </a:prstGeom>
         </p:spPr>
         <p:txBody>
-          <a:bodyPr anchorCtr="0" anchor="t" bIns="91425" lIns="91425" spcFirstLastPara="1" rIns="91425" wrap="square" tIns="91425">
+          <a:bodyPr spcFirstLastPara="1" wrap="square" lIns="91425" tIns="91425" rIns="91425" bIns="91425" anchor="t" anchorCtr="0">
             <a:noAutofit/>
           </a:bodyPr>
           <a:lstStyle/>
           <a:p>
-            <a:pPr indent="0" lvl="0" marL="0" rtl="0" algn="l">
+            <a:pPr marL="0" lvl="0" indent="0" algn="l" rtl="0">
               <a:spcBef>
                 <a:spcPts val="0"/>
               </a:spcBef>
@@ -983,9 +1016,6 @@
               </a:spcAft>
               <a:buNone/>
             </a:pPr>
-            <a:r>
-              <a:t/>
-            </a:r>
             <a:endParaRPr/>
           </a:p>
         </p:txBody>
@@ -999,11 +1029,11 @@
 </file>
 
 <file path=ppt/notesSlides/notesSlide12.xml><?xml version="1.0" encoding="utf-8"?>
-<p:notes xmlns:a="http://schemas.openxmlformats.org/drawingml/2006/main" xmlns:r="http://schemas.openxmlformats.org/officeDocument/2006/relationships" xmlns:mc="http://schemas.openxmlformats.org/markup-compatibility/2006" xmlns:mv="urn:schemas-microsoft-com:mac:vml" xmlns:p="http://schemas.openxmlformats.org/presentationml/2006/main" xmlns:c="http://schemas.openxmlformats.org/drawingml/2006/chart" xmlns:dgm="http://schemas.openxmlformats.org/drawingml/2006/diagram" xmlns:o="urn:schemas-microsoft-com:office:office" xmlns:v="urn:schemas-microsoft-com:vml" xmlns:pvml="urn:schemas-microsoft-com:office:powerpoint" xmlns:com="http://schemas.openxmlformats.org/drawingml/2006/compatibility" xmlns:p14="http://schemas.microsoft.com/office/powerpoint/2010/main" xmlns:p15="http://schemas.microsoft.com/office/powerpoint/2012/main" showMasterPhAnim="0" showMasterSp="0">
+<p:notes xmlns:a="http://schemas.openxmlformats.org/drawingml/2006/main" xmlns:r="http://schemas.openxmlformats.org/officeDocument/2006/relationships" xmlns:p="http://schemas.openxmlformats.org/presentationml/2006/main" showMasterSp="0" showMasterPhAnim="0">
   <p:cSld>
     <p:spTree>
       <p:nvGrpSpPr>
-        <p:cNvPr id="214" name="Shape 214"/>
+        <p:cNvPr id="1" name="Shape 214"/>
         <p:cNvGrpSpPr/>
         <p:nvPr/>
       </p:nvGrpSpPr>
@@ -1018,9 +1048,11 @@
       <p:sp>
         <p:nvSpPr>
           <p:cNvPr id="215" name="Google Shape;215;g4d9b55e13a_0_98:notes"/>
-          <p:cNvSpPr/>
+          <p:cNvSpPr>
+            <a:spLocks noGrp="1" noRot="1" noChangeAspect="1"/>
+          </p:cNvSpPr>
           <p:nvPr>
-            <p:ph idx="2" type="sldImg"/>
+            <p:ph type="sldImg" idx="2"/>
           </p:nvPr>
         </p:nvSpPr>
         <p:spPr>
@@ -1029,9 +1061,13 @@
             <a:ext cx="6096000" cy="3429000"/>
           </a:xfrm>
           <a:custGeom>
-            <a:rect b="b" l="l" r="r" t="t"/>
+            <a:avLst/>
+            <a:gdLst/>
+            <a:ahLst/>
+            <a:cxnLst/>
+            <a:rect l="l" t="t" r="r" b="b"/>
             <a:pathLst>
-              <a:path extrusionOk="0" h="120000" w="120000">
+              <a:path w="120000" h="120000" extrusionOk="0">
                 <a:moveTo>
                   <a:pt x="0" y="0"/>
                 </a:moveTo>
@@ -1053,9 +1089,11 @@
       <p:sp>
         <p:nvSpPr>
           <p:cNvPr id="216" name="Google Shape;216;g4d9b55e13a_0_98:notes"/>
-          <p:cNvSpPr txBox="1"/>
+          <p:cNvSpPr txBox="1">
+            <a:spLocks noGrp="1"/>
+          </p:cNvSpPr>
           <p:nvPr>
-            <p:ph idx="1" type="body"/>
+            <p:ph type="body" idx="1"/>
           </p:nvPr>
         </p:nvSpPr>
         <p:spPr>
@@ -1068,12 +1106,12 @@
           </a:prstGeom>
         </p:spPr>
         <p:txBody>
-          <a:bodyPr anchorCtr="0" anchor="t" bIns="91425" lIns="91425" spcFirstLastPara="1" rIns="91425" wrap="square" tIns="91425">
+          <a:bodyPr spcFirstLastPara="1" wrap="square" lIns="91425" tIns="91425" rIns="91425" bIns="91425" anchor="t" anchorCtr="0">
             <a:noAutofit/>
           </a:bodyPr>
           <a:lstStyle/>
           <a:p>
-            <a:pPr indent="0" lvl="0" marL="0" rtl="0" algn="l">
+            <a:pPr marL="0" lvl="0" indent="0" algn="l" rtl="0">
               <a:spcBef>
                 <a:spcPts val="0"/>
               </a:spcBef>
@@ -1082,9 +1120,6 @@
               </a:spcAft>
               <a:buNone/>
             </a:pPr>
-            <a:r>
-              <a:t/>
-            </a:r>
             <a:endParaRPr/>
           </a:p>
         </p:txBody>
@@ -1098,11 +1133,11 @@
 </file>
 
 <file path=ppt/notesSlides/notesSlide13.xml><?xml version="1.0" encoding="utf-8"?>
-<p:notes xmlns:a="http://schemas.openxmlformats.org/drawingml/2006/main" xmlns:r="http://schemas.openxmlformats.org/officeDocument/2006/relationships" xmlns:mc="http://schemas.openxmlformats.org/markup-compatibility/2006" xmlns:mv="urn:schemas-microsoft-com:mac:vml" xmlns:p="http://schemas.openxmlformats.org/presentationml/2006/main" xmlns:c="http://schemas.openxmlformats.org/drawingml/2006/chart" xmlns:dgm="http://schemas.openxmlformats.org/drawingml/2006/diagram" xmlns:o="urn:schemas-microsoft-com:office:office" xmlns:v="urn:schemas-microsoft-com:vml" xmlns:pvml="urn:schemas-microsoft-com:office:powerpoint" xmlns:com="http://schemas.openxmlformats.org/drawingml/2006/compatibility" xmlns:p14="http://schemas.microsoft.com/office/powerpoint/2010/main" xmlns:p15="http://schemas.microsoft.com/office/powerpoint/2012/main" showMasterPhAnim="0" showMasterSp="0">
+<p:notes xmlns:a="http://schemas.openxmlformats.org/drawingml/2006/main" xmlns:r="http://schemas.openxmlformats.org/officeDocument/2006/relationships" xmlns:p="http://schemas.openxmlformats.org/presentationml/2006/main" showMasterSp="0" showMasterPhAnim="0">
   <p:cSld>
     <p:spTree>
       <p:nvGrpSpPr>
-        <p:cNvPr id="221" name="Shape 221"/>
+        <p:cNvPr id="1" name="Shape 221"/>
         <p:cNvGrpSpPr/>
         <p:nvPr/>
       </p:nvGrpSpPr>
@@ -1117,9 +1152,11 @@
       <p:sp>
         <p:nvSpPr>
           <p:cNvPr id="222" name="Google Shape;222;g4d9b55e13a_0_85:notes"/>
-          <p:cNvSpPr/>
+          <p:cNvSpPr>
+            <a:spLocks noGrp="1" noRot="1" noChangeAspect="1"/>
+          </p:cNvSpPr>
           <p:nvPr>
-            <p:ph idx="2" type="sldImg"/>
+            <p:ph type="sldImg" idx="2"/>
           </p:nvPr>
         </p:nvSpPr>
         <p:spPr>
@@ -1128,9 +1165,13 @@
             <a:ext cx="6096000" cy="3429000"/>
           </a:xfrm>
           <a:custGeom>
-            <a:rect b="b" l="l" r="r" t="t"/>
+            <a:avLst/>
+            <a:gdLst/>
+            <a:ahLst/>
+            <a:cxnLst/>
+            <a:rect l="l" t="t" r="r" b="b"/>
             <a:pathLst>
-              <a:path extrusionOk="0" h="120000" w="120000">
+              <a:path w="120000" h="120000" extrusionOk="0">
                 <a:moveTo>
                   <a:pt x="0" y="0"/>
                 </a:moveTo>
@@ -1152,9 +1193,11 @@
       <p:sp>
         <p:nvSpPr>
           <p:cNvPr id="223" name="Google Shape;223;g4d9b55e13a_0_85:notes"/>
-          <p:cNvSpPr txBox="1"/>
+          <p:cNvSpPr txBox="1">
+            <a:spLocks noGrp="1"/>
+          </p:cNvSpPr>
           <p:nvPr>
-            <p:ph idx="1" type="body"/>
+            <p:ph type="body" idx="1"/>
           </p:nvPr>
         </p:nvSpPr>
         <p:spPr>
@@ -1167,12 +1210,12 @@
           </a:prstGeom>
         </p:spPr>
         <p:txBody>
-          <a:bodyPr anchorCtr="0" anchor="t" bIns="91425" lIns="91425" spcFirstLastPara="1" rIns="91425" wrap="square" tIns="91425">
+          <a:bodyPr spcFirstLastPara="1" wrap="square" lIns="91425" tIns="91425" rIns="91425" bIns="91425" anchor="t" anchorCtr="0">
             <a:noAutofit/>
           </a:bodyPr>
           <a:lstStyle/>
           <a:p>
-            <a:pPr indent="0" lvl="0" marL="0" rtl="0" algn="l">
+            <a:pPr marL="0" lvl="0" indent="0" algn="l" rtl="0">
               <a:spcBef>
                 <a:spcPts val="0"/>
               </a:spcBef>
@@ -1181,9 +1224,6 @@
               </a:spcAft>
               <a:buNone/>
             </a:pPr>
-            <a:r>
-              <a:t/>
-            </a:r>
             <a:endParaRPr/>
           </a:p>
         </p:txBody>
@@ -1197,11 +1237,11 @@
 </file>
 
 <file path=ppt/notesSlides/notesSlide14.xml><?xml version="1.0" encoding="utf-8"?>
-<p:notes xmlns:a="http://schemas.openxmlformats.org/drawingml/2006/main" xmlns:r="http://schemas.openxmlformats.org/officeDocument/2006/relationships" xmlns:mc="http://schemas.openxmlformats.org/markup-compatibility/2006" xmlns:mv="urn:schemas-microsoft-com:mac:vml" xmlns:p="http://schemas.openxmlformats.org/presentationml/2006/main" xmlns:c="http://schemas.openxmlformats.org/drawingml/2006/chart" xmlns:dgm="http://schemas.openxmlformats.org/drawingml/2006/diagram" xmlns:o="urn:schemas-microsoft-com:office:office" xmlns:v="urn:schemas-microsoft-com:vml" xmlns:pvml="urn:schemas-microsoft-com:office:powerpoint" xmlns:com="http://schemas.openxmlformats.org/drawingml/2006/compatibility" xmlns:p14="http://schemas.microsoft.com/office/powerpoint/2010/main" xmlns:p15="http://schemas.microsoft.com/office/powerpoint/2012/main" showMasterPhAnim="0" showMasterSp="0">
+<p:notes xmlns:a="http://schemas.openxmlformats.org/drawingml/2006/main" xmlns:r="http://schemas.openxmlformats.org/officeDocument/2006/relationships" xmlns:p="http://schemas.openxmlformats.org/presentationml/2006/main" showMasterSp="0" showMasterPhAnim="0">
   <p:cSld>
     <p:spTree>
       <p:nvGrpSpPr>
-        <p:cNvPr id="228" name="Shape 228"/>
+        <p:cNvPr id="1" name="Shape 228"/>
         <p:cNvGrpSpPr/>
         <p:nvPr/>
       </p:nvGrpSpPr>
@@ -1216,9 +1256,11 @@
       <p:sp>
         <p:nvSpPr>
           <p:cNvPr id="229" name="Google Shape;229;g4d9b55e13a_0_92:notes"/>
-          <p:cNvSpPr/>
+          <p:cNvSpPr>
+            <a:spLocks noGrp="1" noRot="1" noChangeAspect="1"/>
+          </p:cNvSpPr>
           <p:nvPr>
-            <p:ph idx="2" type="sldImg"/>
+            <p:ph type="sldImg" idx="2"/>
           </p:nvPr>
         </p:nvSpPr>
         <p:spPr>
@@ -1227,9 +1269,13 @@
             <a:ext cx="6096000" cy="3429000"/>
           </a:xfrm>
           <a:custGeom>
-            <a:rect b="b" l="l" r="r" t="t"/>
+            <a:avLst/>
+            <a:gdLst/>
+            <a:ahLst/>
+            <a:cxnLst/>
+            <a:rect l="l" t="t" r="r" b="b"/>
             <a:pathLst>
-              <a:path extrusionOk="0" h="120000" w="120000">
+              <a:path w="120000" h="120000" extrusionOk="0">
                 <a:moveTo>
                   <a:pt x="0" y="0"/>
                 </a:moveTo>
@@ -1251,9 +1297,11 @@
       <p:sp>
         <p:nvSpPr>
           <p:cNvPr id="230" name="Google Shape;230;g4d9b55e13a_0_92:notes"/>
-          <p:cNvSpPr txBox="1"/>
+          <p:cNvSpPr txBox="1">
+            <a:spLocks noGrp="1"/>
+          </p:cNvSpPr>
           <p:nvPr>
-            <p:ph idx="1" type="body"/>
+            <p:ph type="body" idx="1"/>
           </p:nvPr>
         </p:nvSpPr>
         <p:spPr>
@@ -1266,12 +1314,12 @@
           </a:prstGeom>
         </p:spPr>
         <p:txBody>
-          <a:bodyPr anchorCtr="0" anchor="t" bIns="91425" lIns="91425" spcFirstLastPara="1" rIns="91425" wrap="square" tIns="91425">
+          <a:bodyPr spcFirstLastPara="1" wrap="square" lIns="91425" tIns="91425" rIns="91425" bIns="91425" anchor="t" anchorCtr="0">
             <a:noAutofit/>
           </a:bodyPr>
           <a:lstStyle/>
           <a:p>
-            <a:pPr indent="0" lvl="0" marL="0" rtl="0" algn="l">
+            <a:pPr marL="0" lvl="0" indent="0" algn="l" rtl="0">
               <a:spcBef>
                 <a:spcPts val="0"/>
               </a:spcBef>
@@ -1280,9 +1328,6 @@
               </a:spcAft>
               <a:buNone/>
             </a:pPr>
-            <a:r>
-              <a:t/>
-            </a:r>
             <a:endParaRPr/>
           </a:p>
         </p:txBody>
@@ -1296,11 +1341,11 @@
 </file>
 
 <file path=ppt/notesSlides/notesSlide15.xml><?xml version="1.0" encoding="utf-8"?>
-<p:notes xmlns:a="http://schemas.openxmlformats.org/drawingml/2006/main" xmlns:r="http://schemas.openxmlformats.org/officeDocument/2006/relationships" xmlns:mc="http://schemas.openxmlformats.org/markup-compatibility/2006" xmlns:mv="urn:schemas-microsoft-com:mac:vml" xmlns:p="http://schemas.openxmlformats.org/presentationml/2006/main" xmlns:c="http://schemas.openxmlformats.org/drawingml/2006/chart" xmlns:dgm="http://schemas.openxmlformats.org/drawingml/2006/diagram" xmlns:o="urn:schemas-microsoft-com:office:office" xmlns:v="urn:schemas-microsoft-com:vml" xmlns:pvml="urn:schemas-microsoft-com:office:powerpoint" xmlns:com="http://schemas.openxmlformats.org/drawingml/2006/compatibility" xmlns:p14="http://schemas.microsoft.com/office/powerpoint/2010/main" xmlns:p15="http://schemas.microsoft.com/office/powerpoint/2012/main" showMasterPhAnim="0" showMasterSp="0">
+<p:notes xmlns:a="http://schemas.openxmlformats.org/drawingml/2006/main" xmlns:r="http://schemas.openxmlformats.org/officeDocument/2006/relationships" xmlns:p="http://schemas.openxmlformats.org/presentationml/2006/main" showMasterSp="0" showMasterPhAnim="0">
   <p:cSld>
     <p:spTree>
       <p:nvGrpSpPr>
-        <p:cNvPr id="236" name="Shape 236"/>
+        <p:cNvPr id="1" name="Shape 236"/>
         <p:cNvGrpSpPr/>
         <p:nvPr/>
       </p:nvGrpSpPr>
@@ -1315,20 +1360,26 @@
       <p:sp>
         <p:nvSpPr>
           <p:cNvPr id="237" name="Google Shape;237;g4d836cdf37_0_154:notes"/>
-          <p:cNvSpPr/>
+          <p:cNvSpPr>
+            <a:spLocks noGrp="1" noRot="1" noChangeAspect="1"/>
+          </p:cNvSpPr>
           <p:nvPr>
-            <p:ph idx="2" type="sldImg"/>
+            <p:ph type="sldImg" idx="2"/>
           </p:nvPr>
         </p:nvSpPr>
         <p:spPr>
           <a:xfrm>
-            <a:off x="381300" y="685800"/>
+            <a:off x="381000" y="685800"/>
             <a:ext cx="6096000" cy="3429000"/>
           </a:xfrm>
           <a:custGeom>
-            <a:rect b="b" l="l" r="r" t="t"/>
+            <a:avLst/>
+            <a:gdLst/>
+            <a:ahLst/>
+            <a:cxnLst/>
+            <a:rect l="l" t="t" r="r" b="b"/>
             <a:pathLst>
-              <a:path extrusionOk="0" h="120000" w="120000">
+              <a:path w="120000" h="120000" extrusionOk="0">
                 <a:moveTo>
                   <a:pt x="0" y="0"/>
                 </a:moveTo>
@@ -1350,9 +1401,11 @@
       <p:sp>
         <p:nvSpPr>
           <p:cNvPr id="238" name="Google Shape;238;g4d836cdf37_0_154:notes"/>
-          <p:cNvSpPr txBox="1"/>
+          <p:cNvSpPr txBox="1">
+            <a:spLocks noGrp="1"/>
+          </p:cNvSpPr>
           <p:nvPr>
-            <p:ph idx="1" type="body"/>
+            <p:ph type="body" idx="1"/>
           </p:nvPr>
         </p:nvSpPr>
         <p:spPr>
@@ -1365,12 +1418,12 @@
           </a:prstGeom>
         </p:spPr>
         <p:txBody>
-          <a:bodyPr anchorCtr="0" anchor="t" bIns="91425" lIns="91425" spcFirstLastPara="1" rIns="91425" wrap="square" tIns="91425">
+          <a:bodyPr spcFirstLastPara="1" wrap="square" lIns="91425" tIns="91425" rIns="91425" bIns="91425" anchor="t" anchorCtr="0">
             <a:noAutofit/>
           </a:bodyPr>
           <a:lstStyle/>
           <a:p>
-            <a:pPr indent="0" lvl="0" marL="0" rtl="0" algn="l">
+            <a:pPr marL="0" lvl="0" indent="0" algn="l" rtl="0">
               <a:spcBef>
                 <a:spcPts val="0"/>
               </a:spcBef>
@@ -1391,7 +1444,7 @@
             <a:endParaRPr/>
           </a:p>
           <a:p>
-            <a:pPr indent="0" lvl="0" marL="0" rtl="0" algn="l">
+            <a:pPr marL="0" lvl="0" indent="0" algn="l" rtl="0">
               <a:spcBef>
                 <a:spcPts val="0"/>
               </a:spcBef>
@@ -1405,13 +1458,10 @@
               <a:buFont typeface="Arial"/>
               <a:buNone/>
             </a:pPr>
-            <a:r>
-              <a:t/>
-            </a:r>
             <a:endParaRPr/>
           </a:p>
           <a:p>
-            <a:pPr indent="0" lvl="0" marL="0" rtl="0" algn="l">
+            <a:pPr marL="0" lvl="0" indent="0" algn="l" rtl="0">
               <a:spcBef>
                 <a:spcPts val="0"/>
               </a:spcBef>
@@ -1432,7 +1482,7 @@
             <a:endParaRPr/>
           </a:p>
           <a:p>
-            <a:pPr indent="0" lvl="0" marL="0" rtl="0" algn="l">
+            <a:pPr marL="0" lvl="0" indent="0" algn="l" rtl="0">
               <a:spcBef>
                 <a:spcPts val="0"/>
               </a:spcBef>
@@ -1441,9 +1491,6 @@
               </a:spcAft>
               <a:buNone/>
             </a:pPr>
-            <a:r>
-              <a:t/>
-            </a:r>
             <a:endParaRPr/>
           </a:p>
         </p:txBody>
@@ -1457,11 +1504,11 @@
 </file>
 
 <file path=ppt/notesSlides/notesSlide16.xml><?xml version="1.0" encoding="utf-8"?>
-<p:notes xmlns:a="http://schemas.openxmlformats.org/drawingml/2006/main" xmlns:r="http://schemas.openxmlformats.org/officeDocument/2006/relationships" xmlns:mc="http://schemas.openxmlformats.org/markup-compatibility/2006" xmlns:mv="urn:schemas-microsoft-com:mac:vml" xmlns:p="http://schemas.openxmlformats.org/presentationml/2006/main" xmlns:c="http://schemas.openxmlformats.org/drawingml/2006/chart" xmlns:dgm="http://schemas.openxmlformats.org/drawingml/2006/diagram" xmlns:o="urn:schemas-microsoft-com:office:office" xmlns:v="urn:schemas-microsoft-com:vml" xmlns:pvml="urn:schemas-microsoft-com:office:powerpoint" xmlns:com="http://schemas.openxmlformats.org/drawingml/2006/compatibility" xmlns:p14="http://schemas.microsoft.com/office/powerpoint/2010/main" xmlns:p15="http://schemas.microsoft.com/office/powerpoint/2012/main" showMasterPhAnim="0" showMasterSp="0">
+<p:notes xmlns:a="http://schemas.openxmlformats.org/drawingml/2006/main" xmlns:r="http://schemas.openxmlformats.org/officeDocument/2006/relationships" xmlns:p="http://schemas.openxmlformats.org/presentationml/2006/main" showMasterSp="0" showMasterPhAnim="0">
   <p:cSld>
     <p:spTree>
       <p:nvGrpSpPr>
-        <p:cNvPr id="242" name="Shape 242"/>
+        <p:cNvPr id="1" name="Shape 242"/>
         <p:cNvGrpSpPr/>
         <p:nvPr/>
       </p:nvGrpSpPr>
@@ -1476,9 +1523,11 @@
       <p:sp>
         <p:nvSpPr>
           <p:cNvPr id="243" name="Google Shape;243;g4d9b55e13a_0_133:notes"/>
-          <p:cNvSpPr/>
+          <p:cNvSpPr>
+            <a:spLocks noGrp="1" noRot="1" noChangeAspect="1"/>
+          </p:cNvSpPr>
           <p:nvPr>
-            <p:ph idx="2" type="sldImg"/>
+            <p:ph type="sldImg" idx="2"/>
           </p:nvPr>
         </p:nvSpPr>
         <p:spPr>
@@ -1487,9 +1536,13 @@
             <a:ext cx="6096000" cy="3429000"/>
           </a:xfrm>
           <a:custGeom>
-            <a:rect b="b" l="l" r="r" t="t"/>
+            <a:avLst/>
+            <a:gdLst/>
+            <a:ahLst/>
+            <a:cxnLst/>
+            <a:rect l="l" t="t" r="r" b="b"/>
             <a:pathLst>
-              <a:path extrusionOk="0" h="120000" w="120000">
+              <a:path w="120000" h="120000" extrusionOk="0">
                 <a:moveTo>
                   <a:pt x="0" y="0"/>
                 </a:moveTo>
@@ -1511,9 +1564,11 @@
       <p:sp>
         <p:nvSpPr>
           <p:cNvPr id="244" name="Google Shape;244;g4d9b55e13a_0_133:notes"/>
-          <p:cNvSpPr txBox="1"/>
+          <p:cNvSpPr txBox="1">
+            <a:spLocks noGrp="1"/>
+          </p:cNvSpPr>
           <p:nvPr>
-            <p:ph idx="1" type="body"/>
+            <p:ph type="body" idx="1"/>
           </p:nvPr>
         </p:nvSpPr>
         <p:spPr>
@@ -1526,12 +1581,12 @@
           </a:prstGeom>
         </p:spPr>
         <p:txBody>
-          <a:bodyPr anchorCtr="0" anchor="t" bIns="91425" lIns="91425" spcFirstLastPara="1" rIns="91425" wrap="square" tIns="91425">
+          <a:bodyPr spcFirstLastPara="1" wrap="square" lIns="91425" tIns="91425" rIns="91425" bIns="91425" anchor="t" anchorCtr="0">
             <a:noAutofit/>
           </a:bodyPr>
           <a:lstStyle/>
           <a:p>
-            <a:pPr indent="0" lvl="0" marL="0" rtl="0" algn="l">
+            <a:pPr marL="0" lvl="0" indent="0" algn="l" rtl="0">
               <a:spcBef>
                 <a:spcPts val="0"/>
               </a:spcBef>
@@ -1540,9 +1595,6 @@
               </a:spcAft>
               <a:buNone/>
             </a:pPr>
-            <a:r>
-              <a:t/>
-            </a:r>
             <a:endParaRPr/>
           </a:p>
         </p:txBody>
@@ -1556,11 +1608,11 @@
 </file>
 
 <file path=ppt/notesSlides/notesSlide17.xml><?xml version="1.0" encoding="utf-8"?>
-<p:notes xmlns:a="http://schemas.openxmlformats.org/drawingml/2006/main" xmlns:r="http://schemas.openxmlformats.org/officeDocument/2006/relationships" xmlns:mc="http://schemas.openxmlformats.org/markup-compatibility/2006" xmlns:mv="urn:schemas-microsoft-com:mac:vml" xmlns:p="http://schemas.openxmlformats.org/presentationml/2006/main" xmlns:c="http://schemas.openxmlformats.org/drawingml/2006/chart" xmlns:dgm="http://schemas.openxmlformats.org/drawingml/2006/diagram" xmlns:o="urn:schemas-microsoft-com:office:office" xmlns:v="urn:schemas-microsoft-com:vml" xmlns:pvml="urn:schemas-microsoft-com:office:powerpoint" xmlns:com="http://schemas.openxmlformats.org/drawingml/2006/compatibility" xmlns:p14="http://schemas.microsoft.com/office/powerpoint/2010/main" xmlns:p15="http://schemas.microsoft.com/office/powerpoint/2012/main" showMasterPhAnim="0" showMasterSp="0">
+<p:notes xmlns:a="http://schemas.openxmlformats.org/drawingml/2006/main" xmlns:r="http://schemas.openxmlformats.org/officeDocument/2006/relationships" xmlns:p="http://schemas.openxmlformats.org/presentationml/2006/main" showMasterSp="0" showMasterPhAnim="0">
   <p:cSld>
     <p:spTree>
       <p:nvGrpSpPr>
-        <p:cNvPr id="248" name="Shape 248"/>
+        <p:cNvPr id="1" name="Shape 248"/>
         <p:cNvGrpSpPr/>
         <p:nvPr/>
       </p:nvGrpSpPr>
@@ -1575,9 +1627,11 @@
       <p:sp>
         <p:nvSpPr>
           <p:cNvPr id="249" name="Google Shape;249;g4d836cdf37_0_160:notes"/>
-          <p:cNvSpPr/>
+          <p:cNvSpPr>
+            <a:spLocks noGrp="1" noRot="1" noChangeAspect="1"/>
+          </p:cNvSpPr>
           <p:nvPr>
-            <p:ph idx="2" type="sldImg"/>
+            <p:ph type="sldImg" idx="2"/>
           </p:nvPr>
         </p:nvSpPr>
         <p:spPr>
@@ -1586,9 +1640,13 @@
             <a:ext cx="6096000" cy="3429000"/>
           </a:xfrm>
           <a:custGeom>
-            <a:rect b="b" l="l" r="r" t="t"/>
+            <a:avLst/>
+            <a:gdLst/>
+            <a:ahLst/>
+            <a:cxnLst/>
+            <a:rect l="l" t="t" r="r" b="b"/>
             <a:pathLst>
-              <a:path extrusionOk="0" h="120000" w="120000">
+              <a:path w="120000" h="120000" extrusionOk="0">
                 <a:moveTo>
                   <a:pt x="0" y="0"/>
                 </a:moveTo>
@@ -1610,9 +1668,11 @@
       <p:sp>
         <p:nvSpPr>
           <p:cNvPr id="250" name="Google Shape;250;g4d836cdf37_0_160:notes"/>
-          <p:cNvSpPr txBox="1"/>
+          <p:cNvSpPr txBox="1">
+            <a:spLocks noGrp="1"/>
+          </p:cNvSpPr>
           <p:nvPr>
-            <p:ph idx="1" type="body"/>
+            <p:ph type="body" idx="1"/>
           </p:nvPr>
         </p:nvSpPr>
         <p:spPr>
@@ -1625,12 +1685,12 @@
           </a:prstGeom>
         </p:spPr>
         <p:txBody>
-          <a:bodyPr anchorCtr="0" anchor="t" bIns="91425" lIns="91425" spcFirstLastPara="1" rIns="91425" wrap="square" tIns="91425">
+          <a:bodyPr spcFirstLastPara="1" wrap="square" lIns="91425" tIns="91425" rIns="91425" bIns="91425" anchor="t" anchorCtr="0">
             <a:noAutofit/>
           </a:bodyPr>
           <a:lstStyle/>
           <a:p>
-            <a:pPr indent="0" lvl="0" marL="0" rtl="0" algn="l">
+            <a:pPr marL="0" lvl="0" indent="0" algn="l" rtl="0">
               <a:spcBef>
                 <a:spcPts val="0"/>
               </a:spcBef>
@@ -1651,7 +1711,7 @@
             <a:endParaRPr/>
           </a:p>
           <a:p>
-            <a:pPr indent="0" lvl="0" marL="0" rtl="0" algn="l">
+            <a:pPr marL="0" lvl="0" indent="0" algn="l" rtl="0">
               <a:spcBef>
                 <a:spcPts val="0"/>
               </a:spcBef>
@@ -1665,13 +1725,10 @@
               <a:buFont typeface="Arial"/>
               <a:buNone/>
             </a:pPr>
-            <a:r>
-              <a:t/>
-            </a:r>
             <a:endParaRPr/>
           </a:p>
           <a:p>
-            <a:pPr indent="0" lvl="0" marL="0" rtl="0" algn="l">
+            <a:pPr marL="0" lvl="0" indent="0" algn="l" rtl="0">
               <a:spcBef>
                 <a:spcPts val="0"/>
               </a:spcBef>
@@ -1692,7 +1749,7 @@
             <a:endParaRPr/>
           </a:p>
           <a:p>
-            <a:pPr indent="0" lvl="0" marL="0" rtl="0" algn="l">
+            <a:pPr marL="0" lvl="0" indent="0" algn="l" rtl="0">
               <a:spcBef>
                 <a:spcPts val="0"/>
               </a:spcBef>
@@ -1713,7 +1770,7 @@
             <a:endParaRPr/>
           </a:p>
           <a:p>
-            <a:pPr indent="0" lvl="0" marL="0" rtl="0" algn="l">
+            <a:pPr marL="0" lvl="0" indent="0" algn="l" rtl="0">
               <a:spcBef>
                 <a:spcPts val="0"/>
               </a:spcBef>
@@ -1722,9 +1779,6 @@
               </a:spcAft>
               <a:buNone/>
             </a:pPr>
-            <a:r>
-              <a:t/>
-            </a:r>
             <a:endParaRPr/>
           </a:p>
         </p:txBody>
@@ -1738,11 +1792,11 @@
 </file>
 
 <file path=ppt/notesSlides/notesSlide18.xml><?xml version="1.0" encoding="utf-8"?>
-<p:notes xmlns:a="http://schemas.openxmlformats.org/drawingml/2006/main" xmlns:r="http://schemas.openxmlformats.org/officeDocument/2006/relationships" xmlns:mc="http://schemas.openxmlformats.org/markup-compatibility/2006" xmlns:mv="urn:schemas-microsoft-com:mac:vml" xmlns:p="http://schemas.openxmlformats.org/presentationml/2006/main" xmlns:c="http://schemas.openxmlformats.org/drawingml/2006/chart" xmlns:dgm="http://schemas.openxmlformats.org/drawingml/2006/diagram" xmlns:o="urn:schemas-microsoft-com:office:office" xmlns:v="urn:schemas-microsoft-com:vml" xmlns:pvml="urn:schemas-microsoft-com:office:powerpoint" xmlns:com="http://schemas.openxmlformats.org/drawingml/2006/compatibility" xmlns:p14="http://schemas.microsoft.com/office/powerpoint/2010/main" xmlns:p15="http://schemas.microsoft.com/office/powerpoint/2012/main" showMasterPhAnim="0" showMasterSp="0">
+<p:notes xmlns:a="http://schemas.openxmlformats.org/drawingml/2006/main" xmlns:r="http://schemas.openxmlformats.org/officeDocument/2006/relationships" xmlns:p="http://schemas.openxmlformats.org/presentationml/2006/main" showMasterSp="0" showMasterPhAnim="0">
   <p:cSld>
     <p:spTree>
       <p:nvGrpSpPr>
-        <p:cNvPr id="254" name="Shape 254"/>
+        <p:cNvPr id="1" name="Shape 254"/>
         <p:cNvGrpSpPr/>
         <p:nvPr/>
       </p:nvGrpSpPr>
@@ -1757,9 +1811,11 @@
       <p:sp>
         <p:nvSpPr>
           <p:cNvPr id="255" name="Google Shape;255;g4d9b55e13a_0_139:notes"/>
-          <p:cNvSpPr/>
+          <p:cNvSpPr>
+            <a:spLocks noGrp="1" noRot="1" noChangeAspect="1"/>
+          </p:cNvSpPr>
           <p:nvPr>
-            <p:ph idx="2" type="sldImg"/>
+            <p:ph type="sldImg" idx="2"/>
           </p:nvPr>
         </p:nvSpPr>
         <p:spPr>
@@ -1768,9 +1824,13 @@
             <a:ext cx="6096000" cy="3429000"/>
           </a:xfrm>
           <a:custGeom>
-            <a:rect b="b" l="l" r="r" t="t"/>
+            <a:avLst/>
+            <a:gdLst/>
+            <a:ahLst/>
+            <a:cxnLst/>
+            <a:rect l="l" t="t" r="r" b="b"/>
             <a:pathLst>
-              <a:path extrusionOk="0" h="120000" w="120000">
+              <a:path w="120000" h="120000" extrusionOk="0">
                 <a:moveTo>
                   <a:pt x="0" y="0"/>
                 </a:moveTo>
@@ -1792,9 +1852,11 @@
       <p:sp>
         <p:nvSpPr>
           <p:cNvPr id="256" name="Google Shape;256;g4d9b55e13a_0_139:notes"/>
-          <p:cNvSpPr txBox="1"/>
+          <p:cNvSpPr txBox="1">
+            <a:spLocks noGrp="1"/>
+          </p:cNvSpPr>
           <p:nvPr>
-            <p:ph idx="1" type="body"/>
+            <p:ph type="body" idx="1"/>
           </p:nvPr>
         </p:nvSpPr>
         <p:spPr>
@@ -1807,12 +1869,12 @@
           </a:prstGeom>
         </p:spPr>
         <p:txBody>
-          <a:bodyPr anchorCtr="0" anchor="t" bIns="91425" lIns="91425" spcFirstLastPara="1" rIns="91425" wrap="square" tIns="91425">
+          <a:bodyPr spcFirstLastPara="1" wrap="square" lIns="91425" tIns="91425" rIns="91425" bIns="91425" anchor="t" anchorCtr="0">
             <a:noAutofit/>
           </a:bodyPr>
           <a:lstStyle/>
           <a:p>
-            <a:pPr indent="0" lvl="0" marL="0" rtl="0" algn="l">
+            <a:pPr marL="0" lvl="0" indent="0" algn="l" rtl="0">
               <a:spcBef>
                 <a:spcPts val="0"/>
               </a:spcBef>
@@ -1821,9 +1883,6 @@
               </a:spcAft>
               <a:buNone/>
             </a:pPr>
-            <a:r>
-              <a:t/>
-            </a:r>
             <a:endParaRPr/>
           </a:p>
         </p:txBody>
@@ -1837,11 +1896,11 @@
 </file>
 
 <file path=ppt/notesSlides/notesSlide2.xml><?xml version="1.0" encoding="utf-8"?>
-<p:notes xmlns:a="http://schemas.openxmlformats.org/drawingml/2006/main" xmlns:r="http://schemas.openxmlformats.org/officeDocument/2006/relationships" xmlns:mc="http://schemas.openxmlformats.org/markup-compatibility/2006" xmlns:mv="urn:schemas-microsoft-com:mac:vml" xmlns:p="http://schemas.openxmlformats.org/presentationml/2006/main" xmlns:c="http://schemas.openxmlformats.org/drawingml/2006/chart" xmlns:dgm="http://schemas.openxmlformats.org/drawingml/2006/diagram" xmlns:o="urn:schemas-microsoft-com:office:office" xmlns:v="urn:schemas-microsoft-com:vml" xmlns:pvml="urn:schemas-microsoft-com:office:powerpoint" xmlns:com="http://schemas.openxmlformats.org/drawingml/2006/compatibility" xmlns:p14="http://schemas.microsoft.com/office/powerpoint/2010/main" xmlns:p15="http://schemas.microsoft.com/office/powerpoint/2012/main" showMasterPhAnim="0" showMasterSp="0">
+<p:notes xmlns:a="http://schemas.openxmlformats.org/drawingml/2006/main" xmlns:r="http://schemas.openxmlformats.org/officeDocument/2006/relationships" xmlns:p="http://schemas.openxmlformats.org/presentationml/2006/main" showMasterSp="0" showMasterPhAnim="0">
   <p:cSld>
     <p:spTree>
       <p:nvGrpSpPr>
-        <p:cNvPr id="135" name="Shape 135"/>
+        <p:cNvPr id="1" name="Shape 135"/>
         <p:cNvGrpSpPr/>
         <p:nvPr/>
       </p:nvGrpSpPr>
@@ -1856,9 +1915,11 @@
       <p:sp>
         <p:nvSpPr>
           <p:cNvPr id="136" name="Google Shape;136;g4d836cdf37_0_136:notes"/>
-          <p:cNvSpPr/>
+          <p:cNvSpPr>
+            <a:spLocks noGrp="1" noRot="1" noChangeAspect="1"/>
+          </p:cNvSpPr>
           <p:nvPr>
-            <p:ph idx="2" type="sldImg"/>
+            <p:ph type="sldImg" idx="2"/>
           </p:nvPr>
         </p:nvSpPr>
         <p:spPr>
@@ -1867,9 +1928,13 @@
             <a:ext cx="6096000" cy="3429000"/>
           </a:xfrm>
           <a:custGeom>
-            <a:rect b="b" l="l" r="r" t="t"/>
+            <a:avLst/>
+            <a:gdLst/>
+            <a:ahLst/>
+            <a:cxnLst/>
+            <a:rect l="l" t="t" r="r" b="b"/>
             <a:pathLst>
-              <a:path extrusionOk="0" h="120000" w="120000">
+              <a:path w="120000" h="120000" extrusionOk="0">
                 <a:moveTo>
                   <a:pt x="0" y="0"/>
                 </a:moveTo>
@@ -1891,9 +1956,11 @@
       <p:sp>
         <p:nvSpPr>
           <p:cNvPr id="137" name="Google Shape;137;g4d836cdf37_0_136:notes"/>
-          <p:cNvSpPr txBox="1"/>
+          <p:cNvSpPr txBox="1">
+            <a:spLocks noGrp="1"/>
+          </p:cNvSpPr>
           <p:nvPr>
-            <p:ph idx="1" type="body"/>
+            <p:ph type="body" idx="1"/>
           </p:nvPr>
         </p:nvSpPr>
         <p:spPr>
@@ -1906,12 +1973,12 @@
           </a:prstGeom>
         </p:spPr>
         <p:txBody>
-          <a:bodyPr anchorCtr="0" anchor="t" bIns="91425" lIns="91425" spcFirstLastPara="1" rIns="91425" wrap="square" tIns="91425">
+          <a:bodyPr spcFirstLastPara="1" wrap="square" lIns="91425" tIns="91425" rIns="91425" bIns="91425" anchor="t" anchorCtr="0">
             <a:noAutofit/>
           </a:bodyPr>
           <a:lstStyle/>
           <a:p>
-            <a:pPr indent="-298450" lvl="0" marL="457200" rtl="0" algn="l">
+            <a:pPr marL="457200" lvl="0" indent="-298450" algn="l" rtl="0">
               <a:spcBef>
                 <a:spcPts val="0"/>
               </a:spcBef>
@@ -1928,7 +1995,7 @@
             <a:endParaRPr/>
           </a:p>
           <a:p>
-            <a:pPr indent="-298450" lvl="1" marL="914400" rtl="0" algn="l">
+            <a:pPr marL="914400" lvl="1" indent="-298450" algn="l" rtl="0">
               <a:spcBef>
                 <a:spcPts val="0"/>
               </a:spcBef>
@@ -1945,7 +2012,7 @@
             <a:endParaRPr/>
           </a:p>
           <a:p>
-            <a:pPr indent="-298450" lvl="1" marL="914400" rtl="0" algn="l">
+            <a:pPr marL="914400" lvl="1" indent="-298450" algn="l" rtl="0">
               <a:spcBef>
                 <a:spcPts val="0"/>
               </a:spcBef>
@@ -1962,7 +2029,7 @@
             <a:endParaRPr/>
           </a:p>
           <a:p>
-            <a:pPr indent="-298450" lvl="0" marL="457200" rtl="0" algn="l">
+            <a:pPr marL="457200" lvl="0" indent="-298450" algn="l" rtl="0">
               <a:spcBef>
                 <a:spcPts val="0"/>
               </a:spcBef>
@@ -1979,7 +2046,7 @@
             <a:endParaRPr/>
           </a:p>
           <a:p>
-            <a:pPr indent="-298450" lvl="1" marL="914400" rtl="0" algn="l">
+            <a:pPr marL="914400" lvl="1" indent="-298450" algn="l" rtl="0">
               <a:spcBef>
                 <a:spcPts val="0"/>
               </a:spcBef>
@@ -1996,7 +2063,7 @@
             <a:endParaRPr/>
           </a:p>
           <a:p>
-            <a:pPr indent="-298450" lvl="1" marL="914400" rtl="0" algn="l">
+            <a:pPr marL="914400" lvl="1" indent="-298450" algn="l" rtl="0">
               <a:spcBef>
                 <a:spcPts val="0"/>
               </a:spcBef>
@@ -2013,7 +2080,7 @@
             <a:endParaRPr/>
           </a:p>
           <a:p>
-            <a:pPr indent="-298450" lvl="1" marL="914400" rtl="0" algn="l">
+            <a:pPr marL="914400" lvl="1" indent="-298450" algn="l" rtl="0">
               <a:spcBef>
                 <a:spcPts val="0"/>
               </a:spcBef>
@@ -2040,11 +2107,11 @@
 </file>
 
 <file path=ppt/notesSlides/notesSlide3.xml><?xml version="1.0" encoding="utf-8"?>
-<p:notes xmlns:a="http://schemas.openxmlformats.org/drawingml/2006/main" xmlns:r="http://schemas.openxmlformats.org/officeDocument/2006/relationships" xmlns:mc="http://schemas.openxmlformats.org/markup-compatibility/2006" xmlns:mv="urn:schemas-microsoft-com:mac:vml" xmlns:p="http://schemas.openxmlformats.org/presentationml/2006/main" xmlns:c="http://schemas.openxmlformats.org/drawingml/2006/chart" xmlns:dgm="http://schemas.openxmlformats.org/drawingml/2006/diagram" xmlns:o="urn:schemas-microsoft-com:office:office" xmlns:v="urn:schemas-microsoft-com:vml" xmlns:pvml="urn:schemas-microsoft-com:office:powerpoint" xmlns:com="http://schemas.openxmlformats.org/drawingml/2006/compatibility" xmlns:p14="http://schemas.microsoft.com/office/powerpoint/2010/main" xmlns:p15="http://schemas.microsoft.com/office/powerpoint/2012/main" showMasterPhAnim="0" showMasterSp="0">
+<p:notes xmlns:a="http://schemas.openxmlformats.org/drawingml/2006/main" xmlns:r="http://schemas.openxmlformats.org/officeDocument/2006/relationships" xmlns:p="http://schemas.openxmlformats.org/presentationml/2006/main" showMasterSp="0" showMasterPhAnim="0">
   <p:cSld>
     <p:spTree>
       <p:nvGrpSpPr>
-        <p:cNvPr id="141" name="Shape 141"/>
+        <p:cNvPr id="1" name="Shape 141"/>
         <p:cNvGrpSpPr/>
         <p:nvPr/>
       </p:nvGrpSpPr>
@@ -2059,9 +2126,11 @@
       <p:sp>
         <p:nvSpPr>
           <p:cNvPr id="142" name="Google Shape;142;g4d836cdf37_0_130:notes"/>
-          <p:cNvSpPr/>
+          <p:cNvSpPr>
+            <a:spLocks noGrp="1" noRot="1" noChangeAspect="1"/>
+          </p:cNvSpPr>
           <p:nvPr>
-            <p:ph idx="2" type="sldImg"/>
+            <p:ph type="sldImg" idx="2"/>
           </p:nvPr>
         </p:nvSpPr>
         <p:spPr>
@@ -2070,9 +2139,13 @@
             <a:ext cx="6096000" cy="3429000"/>
           </a:xfrm>
           <a:custGeom>
-            <a:rect b="b" l="l" r="r" t="t"/>
+            <a:avLst/>
+            <a:gdLst/>
+            <a:ahLst/>
+            <a:cxnLst/>
+            <a:rect l="l" t="t" r="r" b="b"/>
             <a:pathLst>
-              <a:path extrusionOk="0" h="120000" w="120000">
+              <a:path w="120000" h="120000" extrusionOk="0">
                 <a:moveTo>
                   <a:pt x="0" y="0"/>
                 </a:moveTo>
@@ -2094,9 +2167,11 @@
       <p:sp>
         <p:nvSpPr>
           <p:cNvPr id="143" name="Google Shape;143;g4d836cdf37_0_130:notes"/>
-          <p:cNvSpPr txBox="1"/>
+          <p:cNvSpPr txBox="1">
+            <a:spLocks noGrp="1"/>
+          </p:cNvSpPr>
           <p:nvPr>
-            <p:ph idx="1" type="body"/>
+            <p:ph type="body" idx="1"/>
           </p:nvPr>
         </p:nvSpPr>
         <p:spPr>
@@ -2109,12 +2184,12 @@
           </a:prstGeom>
         </p:spPr>
         <p:txBody>
-          <a:bodyPr anchorCtr="0" anchor="t" bIns="91425" lIns="91425" spcFirstLastPara="1" rIns="91425" wrap="square" tIns="91425">
+          <a:bodyPr spcFirstLastPara="1" wrap="square" lIns="91425" tIns="91425" rIns="91425" bIns="91425" anchor="t" anchorCtr="0">
             <a:noAutofit/>
           </a:bodyPr>
           <a:lstStyle/>
           <a:p>
-            <a:pPr indent="-298450" lvl="0" marL="457200" rtl="0" algn="l">
+            <a:pPr marL="457200" lvl="0" indent="-298450" algn="l" rtl="0">
               <a:spcBef>
                 <a:spcPts val="0"/>
               </a:spcBef>
@@ -2131,7 +2206,7 @@
             <a:endParaRPr/>
           </a:p>
           <a:p>
-            <a:pPr indent="-298450" lvl="0" marL="457200" rtl="0" algn="l">
+            <a:pPr marL="457200" lvl="0" indent="-298450" algn="l" rtl="0">
               <a:spcBef>
                 <a:spcPts val="0"/>
               </a:spcBef>
@@ -2148,7 +2223,7 @@
             <a:endParaRPr/>
           </a:p>
           <a:p>
-            <a:pPr indent="-298450" lvl="0" marL="457200" rtl="0" algn="l">
+            <a:pPr marL="457200" lvl="0" indent="-298450" algn="l" rtl="0">
               <a:spcBef>
                 <a:spcPts val="0"/>
               </a:spcBef>
@@ -2175,11 +2250,11 @@
 </file>
 
 <file path=ppt/notesSlides/notesSlide4.xml><?xml version="1.0" encoding="utf-8"?>
-<p:notes xmlns:a="http://schemas.openxmlformats.org/drawingml/2006/main" xmlns:r="http://schemas.openxmlformats.org/officeDocument/2006/relationships" xmlns:mc="http://schemas.openxmlformats.org/markup-compatibility/2006" xmlns:mv="urn:schemas-microsoft-com:mac:vml" xmlns:p="http://schemas.openxmlformats.org/presentationml/2006/main" xmlns:c="http://schemas.openxmlformats.org/drawingml/2006/chart" xmlns:dgm="http://schemas.openxmlformats.org/drawingml/2006/diagram" xmlns:o="urn:schemas-microsoft-com:office:office" xmlns:v="urn:schemas-microsoft-com:vml" xmlns:pvml="urn:schemas-microsoft-com:office:powerpoint" xmlns:com="http://schemas.openxmlformats.org/drawingml/2006/compatibility" xmlns:p14="http://schemas.microsoft.com/office/powerpoint/2010/main" xmlns:p15="http://schemas.microsoft.com/office/powerpoint/2012/main" showMasterPhAnim="0" showMasterSp="0">
+<p:notes xmlns:a="http://schemas.openxmlformats.org/drawingml/2006/main" xmlns:r="http://schemas.openxmlformats.org/officeDocument/2006/relationships" xmlns:p="http://schemas.openxmlformats.org/presentationml/2006/main" showMasterSp="0" showMasterPhAnim="0">
   <p:cSld>
     <p:spTree>
       <p:nvGrpSpPr>
-        <p:cNvPr id="147" name="Shape 147"/>
+        <p:cNvPr id="1" name="Shape 147"/>
         <p:cNvGrpSpPr/>
         <p:nvPr/>
       </p:nvGrpSpPr>
@@ -2194,9 +2269,11 @@
       <p:sp>
         <p:nvSpPr>
           <p:cNvPr id="148" name="Google Shape;148;g4d9b55e13a_0_22:notes"/>
-          <p:cNvSpPr/>
+          <p:cNvSpPr>
+            <a:spLocks noGrp="1" noRot="1" noChangeAspect="1"/>
+          </p:cNvSpPr>
           <p:nvPr>
-            <p:ph idx="2" type="sldImg"/>
+            <p:ph type="sldImg" idx="2"/>
           </p:nvPr>
         </p:nvSpPr>
         <p:spPr>
@@ -2205,9 +2282,13 @@
             <a:ext cx="6096000" cy="3429000"/>
           </a:xfrm>
           <a:custGeom>
-            <a:rect b="b" l="l" r="r" t="t"/>
+            <a:avLst/>
+            <a:gdLst/>
+            <a:ahLst/>
+            <a:cxnLst/>
+            <a:rect l="l" t="t" r="r" b="b"/>
             <a:pathLst>
-              <a:path extrusionOk="0" h="120000" w="120000">
+              <a:path w="120000" h="120000" extrusionOk="0">
                 <a:moveTo>
                   <a:pt x="0" y="0"/>
                 </a:moveTo>
@@ -2229,9 +2310,11 @@
       <p:sp>
         <p:nvSpPr>
           <p:cNvPr id="149" name="Google Shape;149;g4d9b55e13a_0_22:notes"/>
-          <p:cNvSpPr txBox="1"/>
+          <p:cNvSpPr txBox="1">
+            <a:spLocks noGrp="1"/>
+          </p:cNvSpPr>
           <p:nvPr>
-            <p:ph idx="1" type="body"/>
+            <p:ph type="body" idx="1"/>
           </p:nvPr>
         </p:nvSpPr>
         <p:spPr>
@@ -2244,12 +2327,12 @@
           </a:prstGeom>
         </p:spPr>
         <p:txBody>
-          <a:bodyPr anchorCtr="0" anchor="t" bIns="91425" lIns="91425" spcFirstLastPara="1" rIns="91425" wrap="square" tIns="91425">
+          <a:bodyPr spcFirstLastPara="1" wrap="square" lIns="91425" tIns="91425" rIns="91425" bIns="91425" anchor="t" anchorCtr="0">
             <a:noAutofit/>
           </a:bodyPr>
           <a:lstStyle/>
           <a:p>
-            <a:pPr indent="0" lvl="0" marL="0" rtl="0" algn="l">
+            <a:pPr marL="0" lvl="0" indent="0" algn="l" rtl="0">
               <a:spcBef>
                 <a:spcPts val="0"/>
               </a:spcBef>
@@ -2258,9 +2341,6 @@
               </a:spcAft>
               <a:buNone/>
             </a:pPr>
-            <a:r>
-              <a:t/>
-            </a:r>
             <a:endParaRPr/>
           </a:p>
         </p:txBody>
@@ -2274,11 +2354,11 @@
 </file>
 
 <file path=ppt/notesSlides/notesSlide5.xml><?xml version="1.0" encoding="utf-8"?>
-<p:notes xmlns:a="http://schemas.openxmlformats.org/drawingml/2006/main" xmlns:r="http://schemas.openxmlformats.org/officeDocument/2006/relationships" xmlns:mc="http://schemas.openxmlformats.org/markup-compatibility/2006" xmlns:mv="urn:schemas-microsoft-com:mac:vml" xmlns:p="http://schemas.openxmlformats.org/presentationml/2006/main" xmlns:c="http://schemas.openxmlformats.org/drawingml/2006/chart" xmlns:dgm="http://schemas.openxmlformats.org/drawingml/2006/diagram" xmlns:o="urn:schemas-microsoft-com:office:office" xmlns:v="urn:schemas-microsoft-com:vml" xmlns:pvml="urn:schemas-microsoft-com:office:powerpoint" xmlns:com="http://schemas.openxmlformats.org/drawingml/2006/compatibility" xmlns:p14="http://schemas.microsoft.com/office/powerpoint/2010/main" xmlns:p15="http://schemas.microsoft.com/office/powerpoint/2012/main" showMasterPhAnim="0" showMasterSp="0">
+<p:notes xmlns:a="http://schemas.openxmlformats.org/drawingml/2006/main" xmlns:r="http://schemas.openxmlformats.org/officeDocument/2006/relationships" xmlns:p="http://schemas.openxmlformats.org/presentationml/2006/main" showMasterSp="0" showMasterPhAnim="0">
   <p:cSld>
     <p:spTree>
       <p:nvGrpSpPr>
-        <p:cNvPr id="154" name="Shape 154"/>
+        <p:cNvPr id="1" name="Shape 154"/>
         <p:cNvGrpSpPr/>
         <p:nvPr/>
       </p:nvGrpSpPr>
@@ -2293,9 +2373,11 @@
       <p:sp>
         <p:nvSpPr>
           <p:cNvPr id="155" name="Google Shape;155;g4d9b55e13a_0_14:notes"/>
-          <p:cNvSpPr/>
+          <p:cNvSpPr>
+            <a:spLocks noGrp="1" noRot="1" noChangeAspect="1"/>
+          </p:cNvSpPr>
           <p:nvPr>
-            <p:ph idx="2" type="sldImg"/>
+            <p:ph type="sldImg" idx="2"/>
           </p:nvPr>
         </p:nvSpPr>
         <p:spPr>
@@ -2304,9 +2386,13 @@
             <a:ext cx="6096000" cy="3429000"/>
           </a:xfrm>
           <a:custGeom>
-            <a:rect b="b" l="l" r="r" t="t"/>
+            <a:avLst/>
+            <a:gdLst/>
+            <a:ahLst/>
+            <a:cxnLst/>
+            <a:rect l="l" t="t" r="r" b="b"/>
             <a:pathLst>
-              <a:path extrusionOk="0" h="120000" w="120000">
+              <a:path w="120000" h="120000" extrusionOk="0">
                 <a:moveTo>
                   <a:pt x="0" y="0"/>
                 </a:moveTo>
@@ -2328,9 +2414,11 @@
       <p:sp>
         <p:nvSpPr>
           <p:cNvPr id="156" name="Google Shape;156;g4d9b55e13a_0_14:notes"/>
-          <p:cNvSpPr txBox="1"/>
+          <p:cNvSpPr txBox="1">
+            <a:spLocks noGrp="1"/>
+          </p:cNvSpPr>
           <p:nvPr>
-            <p:ph idx="1" type="body"/>
+            <p:ph type="body" idx="1"/>
           </p:nvPr>
         </p:nvSpPr>
         <p:spPr>
@@ -2343,12 +2431,12 @@
           </a:prstGeom>
         </p:spPr>
         <p:txBody>
-          <a:bodyPr anchorCtr="0" anchor="t" bIns="91425" lIns="91425" spcFirstLastPara="1" rIns="91425" wrap="square" tIns="91425">
+          <a:bodyPr spcFirstLastPara="1" wrap="square" lIns="91425" tIns="91425" rIns="91425" bIns="91425" anchor="t" anchorCtr="0">
             <a:noAutofit/>
           </a:bodyPr>
           <a:lstStyle/>
           <a:p>
-            <a:pPr indent="0" lvl="0" marL="0" rtl="0" algn="l">
+            <a:pPr marL="0" lvl="0" indent="0" algn="l" rtl="0">
               <a:spcBef>
                 <a:spcPts val="0"/>
               </a:spcBef>
@@ -2357,9 +2445,6 @@
               </a:spcAft>
               <a:buNone/>
             </a:pPr>
-            <a:r>
-              <a:t/>
-            </a:r>
             <a:endParaRPr/>
           </a:p>
         </p:txBody>
@@ -2373,11 +2458,11 @@
 </file>
 
 <file path=ppt/notesSlides/notesSlide6.xml><?xml version="1.0" encoding="utf-8"?>
-<p:notes xmlns:a="http://schemas.openxmlformats.org/drawingml/2006/main" xmlns:r="http://schemas.openxmlformats.org/officeDocument/2006/relationships" xmlns:mc="http://schemas.openxmlformats.org/markup-compatibility/2006" xmlns:mv="urn:schemas-microsoft-com:mac:vml" xmlns:p="http://schemas.openxmlformats.org/presentationml/2006/main" xmlns:c="http://schemas.openxmlformats.org/drawingml/2006/chart" xmlns:dgm="http://schemas.openxmlformats.org/drawingml/2006/diagram" xmlns:o="urn:schemas-microsoft-com:office:office" xmlns:v="urn:schemas-microsoft-com:vml" xmlns:pvml="urn:schemas-microsoft-com:office:powerpoint" xmlns:com="http://schemas.openxmlformats.org/drawingml/2006/compatibility" xmlns:p14="http://schemas.microsoft.com/office/powerpoint/2010/main" xmlns:p15="http://schemas.microsoft.com/office/powerpoint/2012/main" showMasterPhAnim="0" showMasterSp="0">
+<p:notes xmlns:a="http://schemas.openxmlformats.org/drawingml/2006/main" xmlns:r="http://schemas.openxmlformats.org/officeDocument/2006/relationships" xmlns:p="http://schemas.openxmlformats.org/presentationml/2006/main" showMasterSp="0" showMasterPhAnim="0">
   <p:cSld>
     <p:spTree>
       <p:nvGrpSpPr>
-        <p:cNvPr id="164" name="Shape 164"/>
+        <p:cNvPr id="1" name="Shape 164"/>
         <p:cNvGrpSpPr/>
         <p:nvPr/>
       </p:nvGrpSpPr>
@@ -2392,9 +2477,11 @@
       <p:sp>
         <p:nvSpPr>
           <p:cNvPr id="165" name="Google Shape;165;g4d9b55e13a_0_117:notes"/>
-          <p:cNvSpPr/>
+          <p:cNvSpPr>
+            <a:spLocks noGrp="1" noRot="1" noChangeAspect="1"/>
+          </p:cNvSpPr>
           <p:nvPr>
-            <p:ph idx="2" type="sldImg"/>
+            <p:ph type="sldImg" idx="2"/>
           </p:nvPr>
         </p:nvSpPr>
         <p:spPr>
@@ -2403,9 +2490,13 @@
             <a:ext cx="6096000" cy="3429000"/>
           </a:xfrm>
           <a:custGeom>
-            <a:rect b="b" l="l" r="r" t="t"/>
+            <a:avLst/>
+            <a:gdLst/>
+            <a:ahLst/>
+            <a:cxnLst/>
+            <a:rect l="l" t="t" r="r" b="b"/>
             <a:pathLst>
-              <a:path extrusionOk="0" h="120000" w="120000">
+              <a:path w="120000" h="120000" extrusionOk="0">
                 <a:moveTo>
                   <a:pt x="0" y="0"/>
                 </a:moveTo>
@@ -2427,9 +2518,11 @@
       <p:sp>
         <p:nvSpPr>
           <p:cNvPr id="166" name="Google Shape;166;g4d9b55e13a_0_117:notes"/>
-          <p:cNvSpPr txBox="1"/>
+          <p:cNvSpPr txBox="1">
+            <a:spLocks noGrp="1"/>
+          </p:cNvSpPr>
           <p:nvPr>
-            <p:ph idx="1" type="body"/>
+            <p:ph type="body" idx="1"/>
           </p:nvPr>
         </p:nvSpPr>
         <p:spPr>
@@ -2442,12 +2535,12 @@
           </a:prstGeom>
         </p:spPr>
         <p:txBody>
-          <a:bodyPr anchorCtr="0" anchor="t" bIns="91425" lIns="91425" spcFirstLastPara="1" rIns="91425" wrap="square" tIns="91425">
+          <a:bodyPr spcFirstLastPara="1" wrap="square" lIns="91425" tIns="91425" rIns="91425" bIns="91425" anchor="t" anchorCtr="0">
             <a:noAutofit/>
           </a:bodyPr>
           <a:lstStyle/>
           <a:p>
-            <a:pPr indent="0" lvl="0" marL="0" rtl="0" algn="l">
+            <a:pPr marL="0" lvl="0" indent="0" algn="l" rtl="0">
               <a:spcBef>
                 <a:spcPts val="0"/>
               </a:spcBef>
@@ -2456,9 +2549,6 @@
               </a:spcAft>
               <a:buNone/>
             </a:pPr>
-            <a:r>
-              <a:t/>
-            </a:r>
             <a:endParaRPr/>
           </a:p>
         </p:txBody>
@@ -2472,11 +2562,11 @@
 </file>
 
 <file path=ppt/notesSlides/notesSlide7.xml><?xml version="1.0" encoding="utf-8"?>
-<p:notes xmlns:a="http://schemas.openxmlformats.org/drawingml/2006/main" xmlns:r="http://schemas.openxmlformats.org/officeDocument/2006/relationships" xmlns:mc="http://schemas.openxmlformats.org/markup-compatibility/2006" xmlns:mv="urn:schemas-microsoft-com:mac:vml" xmlns:p="http://schemas.openxmlformats.org/presentationml/2006/main" xmlns:c="http://schemas.openxmlformats.org/drawingml/2006/chart" xmlns:dgm="http://schemas.openxmlformats.org/drawingml/2006/diagram" xmlns:o="urn:schemas-microsoft-com:office:office" xmlns:v="urn:schemas-microsoft-com:vml" xmlns:pvml="urn:schemas-microsoft-com:office:powerpoint" xmlns:com="http://schemas.openxmlformats.org/drawingml/2006/compatibility" xmlns:p14="http://schemas.microsoft.com/office/powerpoint/2010/main" xmlns:p15="http://schemas.microsoft.com/office/powerpoint/2012/main" showMasterPhAnim="0" showMasterSp="0">
+<p:notes xmlns:a="http://schemas.openxmlformats.org/drawingml/2006/main" xmlns:r="http://schemas.openxmlformats.org/officeDocument/2006/relationships" xmlns:p="http://schemas.openxmlformats.org/presentationml/2006/main" showMasterSp="0" showMasterPhAnim="0">
   <p:cSld>
     <p:spTree>
       <p:nvGrpSpPr>
-        <p:cNvPr id="170" name="Shape 170"/>
+        <p:cNvPr id="1" name="Shape 170"/>
         <p:cNvGrpSpPr/>
         <p:nvPr/>
       </p:nvGrpSpPr>
@@ -2491,9 +2581,11 @@
       <p:sp>
         <p:nvSpPr>
           <p:cNvPr id="171" name="Google Shape;171;g4d9b55e13a_0_60:notes"/>
-          <p:cNvSpPr/>
+          <p:cNvSpPr>
+            <a:spLocks noGrp="1" noRot="1" noChangeAspect="1"/>
+          </p:cNvSpPr>
           <p:nvPr>
-            <p:ph idx="2" type="sldImg"/>
+            <p:ph type="sldImg" idx="2"/>
           </p:nvPr>
         </p:nvSpPr>
         <p:spPr>
@@ -2502,9 +2594,13 @@
             <a:ext cx="6096000" cy="3429000"/>
           </a:xfrm>
           <a:custGeom>
-            <a:rect b="b" l="l" r="r" t="t"/>
+            <a:avLst/>
+            <a:gdLst/>
+            <a:ahLst/>
+            <a:cxnLst/>
+            <a:rect l="l" t="t" r="r" b="b"/>
             <a:pathLst>
-              <a:path extrusionOk="0" h="120000" w="120000">
+              <a:path w="120000" h="120000" extrusionOk="0">
                 <a:moveTo>
                   <a:pt x="0" y="0"/>
                 </a:moveTo>
@@ -2526,9 +2622,11 @@
       <p:sp>
         <p:nvSpPr>
           <p:cNvPr id="172" name="Google Shape;172;g4d9b55e13a_0_60:notes"/>
-          <p:cNvSpPr txBox="1"/>
+          <p:cNvSpPr txBox="1">
+            <a:spLocks noGrp="1"/>
+          </p:cNvSpPr>
           <p:nvPr>
-            <p:ph idx="1" type="body"/>
+            <p:ph type="body" idx="1"/>
           </p:nvPr>
         </p:nvSpPr>
         <p:spPr>
@@ -2541,12 +2639,12 @@
           </a:prstGeom>
         </p:spPr>
         <p:txBody>
-          <a:bodyPr anchorCtr="0" anchor="t" bIns="91425" lIns="91425" spcFirstLastPara="1" rIns="91425" wrap="square" tIns="91425">
+          <a:bodyPr spcFirstLastPara="1" wrap="square" lIns="91425" tIns="91425" rIns="91425" bIns="91425" anchor="t" anchorCtr="0">
             <a:noAutofit/>
           </a:bodyPr>
           <a:lstStyle/>
           <a:p>
-            <a:pPr indent="0" lvl="0" marL="0" rtl="0" algn="l">
+            <a:pPr marL="0" lvl="0" indent="0" algn="l" rtl="0">
               <a:spcBef>
                 <a:spcPts val="0"/>
               </a:spcBef>
@@ -2555,9 +2653,6 @@
               </a:spcAft>
               <a:buNone/>
             </a:pPr>
-            <a:r>
-              <a:t/>
-            </a:r>
             <a:endParaRPr/>
           </a:p>
         </p:txBody>
@@ -2571,11 +2666,11 @@
 </file>
 
 <file path=ppt/notesSlides/notesSlide8.xml><?xml version="1.0" encoding="utf-8"?>
-<p:notes xmlns:a="http://schemas.openxmlformats.org/drawingml/2006/main" xmlns:r="http://schemas.openxmlformats.org/officeDocument/2006/relationships" xmlns:mc="http://schemas.openxmlformats.org/markup-compatibility/2006" xmlns:mv="urn:schemas-microsoft-com:mac:vml" xmlns:p="http://schemas.openxmlformats.org/presentationml/2006/main" xmlns:c="http://schemas.openxmlformats.org/drawingml/2006/chart" xmlns:dgm="http://schemas.openxmlformats.org/drawingml/2006/diagram" xmlns:o="urn:schemas-microsoft-com:office:office" xmlns:v="urn:schemas-microsoft-com:vml" xmlns:pvml="urn:schemas-microsoft-com:office:powerpoint" xmlns:com="http://schemas.openxmlformats.org/drawingml/2006/compatibility" xmlns:p14="http://schemas.microsoft.com/office/powerpoint/2010/main" xmlns:p15="http://schemas.microsoft.com/office/powerpoint/2012/main" showMasterPhAnim="0" showMasterSp="0">
+<p:notes xmlns:a="http://schemas.openxmlformats.org/drawingml/2006/main" xmlns:r="http://schemas.openxmlformats.org/officeDocument/2006/relationships" xmlns:p="http://schemas.openxmlformats.org/presentationml/2006/main" showMasterSp="0" showMasterPhAnim="0">
   <p:cSld>
     <p:spTree>
       <p:nvGrpSpPr>
-        <p:cNvPr id="178" name="Shape 178"/>
+        <p:cNvPr id="1" name="Shape 178"/>
         <p:cNvGrpSpPr/>
         <p:nvPr/>
       </p:nvGrpSpPr>
@@ -2590,9 +2685,11 @@
       <p:sp>
         <p:nvSpPr>
           <p:cNvPr id="179" name="Google Shape;179;g4d9b55e13a_0_124:notes"/>
-          <p:cNvSpPr/>
+          <p:cNvSpPr>
+            <a:spLocks noGrp="1" noRot="1" noChangeAspect="1"/>
+          </p:cNvSpPr>
           <p:nvPr>
-            <p:ph idx="2" type="sldImg"/>
+            <p:ph type="sldImg" idx="2"/>
           </p:nvPr>
         </p:nvSpPr>
         <p:spPr>
@@ -2601,9 +2698,13 @@
             <a:ext cx="6096000" cy="3429000"/>
           </a:xfrm>
           <a:custGeom>
-            <a:rect b="b" l="l" r="r" t="t"/>
+            <a:avLst/>
+            <a:gdLst/>
+            <a:ahLst/>
+            <a:cxnLst/>
+            <a:rect l="l" t="t" r="r" b="b"/>
             <a:pathLst>
-              <a:path extrusionOk="0" h="120000" w="120000">
+              <a:path w="120000" h="120000" extrusionOk="0">
                 <a:moveTo>
                   <a:pt x="0" y="0"/>
                 </a:moveTo>
@@ -2625,9 +2726,11 @@
       <p:sp>
         <p:nvSpPr>
           <p:cNvPr id="180" name="Google Shape;180;g4d9b55e13a_0_124:notes"/>
-          <p:cNvSpPr txBox="1"/>
+          <p:cNvSpPr txBox="1">
+            <a:spLocks noGrp="1"/>
+          </p:cNvSpPr>
           <p:nvPr>
-            <p:ph idx="1" type="body"/>
+            <p:ph type="body" idx="1"/>
           </p:nvPr>
         </p:nvSpPr>
         <p:spPr>
@@ -2640,12 +2743,12 @@
           </a:prstGeom>
         </p:spPr>
         <p:txBody>
-          <a:bodyPr anchorCtr="0" anchor="t" bIns="91425" lIns="91425" spcFirstLastPara="1" rIns="91425" wrap="square" tIns="91425">
+          <a:bodyPr spcFirstLastPara="1" wrap="square" lIns="91425" tIns="91425" rIns="91425" bIns="91425" anchor="t" anchorCtr="0">
             <a:noAutofit/>
           </a:bodyPr>
           <a:lstStyle/>
           <a:p>
-            <a:pPr indent="0" lvl="0" marL="0" rtl="0" algn="l">
+            <a:pPr marL="0" lvl="0" indent="0" algn="l" rtl="0">
               <a:spcBef>
                 <a:spcPts val="0"/>
               </a:spcBef>
@@ -2654,9 +2757,6 @@
               </a:spcAft>
               <a:buNone/>
             </a:pPr>
-            <a:r>
-              <a:t/>
-            </a:r>
             <a:endParaRPr/>
           </a:p>
         </p:txBody>
@@ -2670,11 +2770,11 @@
 </file>
 
 <file path=ppt/notesSlides/notesSlide9.xml><?xml version="1.0" encoding="utf-8"?>
-<p:notes xmlns:a="http://schemas.openxmlformats.org/drawingml/2006/main" xmlns:r="http://schemas.openxmlformats.org/officeDocument/2006/relationships" xmlns:mc="http://schemas.openxmlformats.org/markup-compatibility/2006" xmlns:mv="urn:schemas-microsoft-com:mac:vml" xmlns:p="http://schemas.openxmlformats.org/presentationml/2006/main" xmlns:c="http://schemas.openxmlformats.org/drawingml/2006/chart" xmlns:dgm="http://schemas.openxmlformats.org/drawingml/2006/diagram" xmlns:o="urn:schemas-microsoft-com:office:office" xmlns:v="urn:schemas-microsoft-com:vml" xmlns:pvml="urn:schemas-microsoft-com:office:powerpoint" xmlns:com="http://schemas.openxmlformats.org/drawingml/2006/compatibility" xmlns:p14="http://schemas.microsoft.com/office/powerpoint/2010/main" xmlns:p15="http://schemas.microsoft.com/office/powerpoint/2012/main" showMasterPhAnim="0" showMasterSp="0">
+<p:notes xmlns:a="http://schemas.openxmlformats.org/drawingml/2006/main" xmlns:r="http://schemas.openxmlformats.org/officeDocument/2006/relationships" xmlns:p="http://schemas.openxmlformats.org/presentationml/2006/main" showMasterSp="0" showMasterPhAnim="0">
   <p:cSld>
     <p:spTree>
       <p:nvGrpSpPr>
-        <p:cNvPr id="187" name="Shape 187"/>
+        <p:cNvPr id="1" name="Shape 187"/>
         <p:cNvGrpSpPr/>
         <p:nvPr/>
       </p:nvGrpSpPr>
@@ -2689,9 +2789,11 @@
       <p:sp>
         <p:nvSpPr>
           <p:cNvPr id="188" name="Google Shape;188;g4d9b55e13a_0_40:notes"/>
-          <p:cNvSpPr/>
+          <p:cNvSpPr>
+            <a:spLocks noGrp="1" noRot="1" noChangeAspect="1"/>
+          </p:cNvSpPr>
           <p:nvPr>
-            <p:ph idx="2" type="sldImg"/>
+            <p:ph type="sldImg" idx="2"/>
           </p:nvPr>
         </p:nvSpPr>
         <p:spPr>
@@ -2700,9 +2802,13 @@
             <a:ext cx="6096000" cy="3429000"/>
           </a:xfrm>
           <a:custGeom>
-            <a:rect b="b" l="l" r="r" t="t"/>
+            <a:avLst/>
+            <a:gdLst/>
+            <a:ahLst/>
+            <a:cxnLst/>
+            <a:rect l="l" t="t" r="r" b="b"/>
             <a:pathLst>
-              <a:path extrusionOk="0" h="120000" w="120000">
+              <a:path w="120000" h="120000" extrusionOk="0">
                 <a:moveTo>
                   <a:pt x="0" y="0"/>
                 </a:moveTo>
@@ -2724,9 +2830,11 @@
       <p:sp>
         <p:nvSpPr>
           <p:cNvPr id="189" name="Google Shape;189;g4d9b55e13a_0_40:notes"/>
-          <p:cNvSpPr txBox="1"/>
+          <p:cNvSpPr txBox="1">
+            <a:spLocks noGrp="1"/>
+          </p:cNvSpPr>
           <p:nvPr>
-            <p:ph idx="1" type="body"/>
+            <p:ph type="body" idx="1"/>
           </p:nvPr>
         </p:nvSpPr>
         <p:spPr>
@@ -2739,12 +2847,12 @@
           </a:prstGeom>
         </p:spPr>
         <p:txBody>
-          <a:bodyPr anchorCtr="0" anchor="t" bIns="91425" lIns="91425" spcFirstLastPara="1" rIns="91425" wrap="square" tIns="91425">
+          <a:bodyPr spcFirstLastPara="1" wrap="square" lIns="91425" tIns="91425" rIns="91425" bIns="91425" anchor="t" anchorCtr="0">
             <a:noAutofit/>
           </a:bodyPr>
           <a:lstStyle/>
           <a:p>
-            <a:pPr indent="0" lvl="0" marL="0" rtl="0" algn="l">
+            <a:pPr marL="0" lvl="0" indent="0" algn="l" rtl="0">
               <a:spcBef>
                 <a:spcPts val="0"/>
               </a:spcBef>
@@ -2753,9 +2861,6 @@
               </a:spcAft>
               <a:buNone/>
             </a:pPr>
-            <a:r>
-              <a:t/>
-            </a:r>
             <a:endParaRPr/>
           </a:p>
         </p:txBody>
@@ -2769,11 +2874,11 @@
 </file>
 
 <file path=ppt/slideLayouts/slideLayout1.xml><?xml version="1.0" encoding="utf-8"?>
-<p:sldLayout xmlns:a="http://schemas.openxmlformats.org/drawingml/2006/main" xmlns:r="http://schemas.openxmlformats.org/officeDocument/2006/relationships" xmlns:mc="http://schemas.openxmlformats.org/markup-compatibility/2006" xmlns:mv="urn:schemas-microsoft-com:mac:vml" xmlns:p="http://schemas.openxmlformats.org/presentationml/2006/main" xmlns:c="http://schemas.openxmlformats.org/drawingml/2006/chart" xmlns:dgm="http://schemas.openxmlformats.org/drawingml/2006/diagram" xmlns:o="urn:schemas-microsoft-com:office:office" xmlns:v="urn:schemas-microsoft-com:vml" xmlns:pvml="urn:schemas-microsoft-com:office:powerpoint" xmlns:com="http://schemas.openxmlformats.org/drawingml/2006/compatibility" xmlns:p14="http://schemas.microsoft.com/office/powerpoint/2010/main" xmlns:p15="http://schemas.microsoft.com/office/powerpoint/2012/main" matchingName="Title slide" type="title">
+<p:sldLayout xmlns:a="http://schemas.openxmlformats.org/drawingml/2006/main" xmlns:r="http://schemas.openxmlformats.org/officeDocument/2006/relationships" xmlns:p="http://schemas.openxmlformats.org/presentationml/2006/main" matchingName="Title slide" type="title">
   <p:cSld name="TITLE">
     <p:spTree>
       <p:nvGrpSpPr>
-        <p:cNvPr id="9" name="Shape 9"/>
+        <p:cNvPr id="1" name="Shape 9"/>
         <p:cNvGrpSpPr/>
         <p:nvPr/>
       </p:nvGrpSpPr>
@@ -2798,7 +2903,7 @@
           </a:xfrm>
           <a:prstGeom prst="diagStripe">
             <a:avLst>
-              <a:gd fmla="val 0" name="adj"/>
+              <a:gd name="adj" fmla="val 0"/>
             </a:avLst>
           </a:prstGeom>
           <a:solidFill>
@@ -2811,12 +2916,12 @@
           </a:ln>
         </p:spPr>
         <p:txBody>
-          <a:bodyPr anchorCtr="0" anchor="ctr" bIns="91425" lIns="91425" spcFirstLastPara="1" rIns="91425" wrap="square" tIns="91425">
+          <a:bodyPr spcFirstLastPara="1" wrap="square" lIns="91425" tIns="91425" rIns="91425" bIns="91425" anchor="ctr" anchorCtr="0">
             <a:noAutofit/>
           </a:bodyPr>
           <a:lstStyle/>
           <a:p>
-            <a:pPr indent="0" lvl="0" marL="0" rtl="0" algn="l">
+            <a:pPr marL="0" lvl="0" indent="0" algn="l" rtl="0">
               <a:spcBef>
                 <a:spcPts val="0"/>
               </a:spcBef>
@@ -2825,9 +2930,6 @@
               </a:spcAft>
               <a:buNone/>
             </a:pPr>
-            <a:r>
-              <a:t/>
-            </a:r>
             <a:endParaRPr/>
           </a:p>
         </p:txBody>
@@ -2859,7 +2961,7 @@
             </a:xfrm>
             <a:prstGeom prst="diagStripe">
               <a:avLst>
-                <a:gd fmla="val 50000" name="adj"/>
+                <a:gd name="adj" fmla="val 50000"/>
               </a:avLst>
             </a:prstGeom>
             <a:solidFill>
@@ -2872,12 +2974,12 @@
             </a:ln>
           </p:spPr>
           <p:txBody>
-            <a:bodyPr anchorCtr="0" anchor="ctr" bIns="91425" lIns="91425" spcFirstLastPara="1" rIns="91425" wrap="square" tIns="91425">
+            <a:bodyPr spcFirstLastPara="1" wrap="square" lIns="91425" tIns="91425" rIns="91425" bIns="91425" anchor="ctr" anchorCtr="0">
               <a:noAutofit/>
             </a:bodyPr>
             <a:lstStyle/>
             <a:p>
-              <a:pPr indent="0" lvl="0" marL="0" rtl="0" algn="l">
+              <a:pPr marL="0" lvl="0" indent="0" algn="l" rtl="0">
                 <a:spcBef>
                   <a:spcPts val="0"/>
                 </a:spcBef>
@@ -2886,9 +2988,6 @@
                 </a:spcAft>
                 <a:buNone/>
               </a:pPr>
-              <a:r>
-                <a:t/>
-              </a:r>
               <a:endParaRPr/>
             </a:p>
           </p:txBody>
@@ -2906,7 +3005,7 @@
             </a:xfrm>
             <a:prstGeom prst="diagStripe">
               <a:avLst>
-                <a:gd fmla="val 58774" name="adj"/>
+                <a:gd name="adj" fmla="val 58774"/>
               </a:avLst>
             </a:prstGeom>
             <a:solidFill>
@@ -2919,12 +3018,12 @@
             </a:ln>
           </p:spPr>
           <p:txBody>
-            <a:bodyPr anchorCtr="0" anchor="ctr" bIns="91425" lIns="91425" spcFirstLastPara="1" rIns="91425" wrap="square" tIns="91425">
+            <a:bodyPr spcFirstLastPara="1" wrap="square" lIns="91425" tIns="91425" rIns="91425" bIns="91425" anchor="ctr" anchorCtr="0">
               <a:noAutofit/>
             </a:bodyPr>
             <a:lstStyle/>
             <a:p>
-              <a:pPr indent="0" lvl="0" marL="0" rtl="0" algn="l">
+              <a:pPr marL="0" lvl="0" indent="0" algn="l" rtl="0">
                 <a:spcBef>
                   <a:spcPts val="0"/>
                 </a:spcBef>
@@ -2933,9 +3032,6 @@
                 </a:spcAft>
                 <a:buNone/>
               </a:pPr>
-              <a:r>
-                <a:t/>
-              </a:r>
               <a:endParaRPr/>
             </a:p>
           </p:txBody>
@@ -2953,7 +3049,7 @@
             </a:xfrm>
             <a:prstGeom prst="diagStripe">
               <a:avLst>
-                <a:gd fmla="val 50000" name="adj"/>
+                <a:gd name="adj" fmla="val 50000"/>
               </a:avLst>
             </a:prstGeom>
             <a:solidFill>
@@ -2964,12 +3060,12 @@
             </a:ln>
           </p:spPr>
           <p:txBody>
-            <a:bodyPr anchorCtr="0" anchor="ctr" bIns="91425" lIns="91425" spcFirstLastPara="1" rIns="91425" wrap="square" tIns="91425">
+            <a:bodyPr spcFirstLastPara="1" wrap="square" lIns="91425" tIns="91425" rIns="91425" bIns="91425" anchor="ctr" anchorCtr="0">
               <a:noAutofit/>
             </a:bodyPr>
             <a:lstStyle/>
             <a:p>
-              <a:pPr indent="0" lvl="0" marL="0" rtl="0" algn="l">
+              <a:pPr marL="0" lvl="0" indent="0" algn="l" rtl="0">
                 <a:spcBef>
                   <a:spcPts val="0"/>
                 </a:spcBef>
@@ -2978,9 +3074,6 @@
                 </a:spcAft>
                 <a:buNone/>
               </a:pPr>
-              <a:r>
-                <a:t/>
-              </a:r>
               <a:endParaRPr/>
             </a:p>
           </p:txBody>
@@ -2998,7 +3091,7 @@
             </a:xfrm>
             <a:prstGeom prst="diagStripe">
               <a:avLst>
-                <a:gd fmla="val 50000" name="adj"/>
+                <a:gd name="adj" fmla="val 50000"/>
               </a:avLst>
             </a:prstGeom>
             <a:solidFill>
@@ -3009,12 +3102,12 @@
             </a:ln>
           </p:spPr>
           <p:txBody>
-            <a:bodyPr anchorCtr="0" anchor="ctr" bIns="91425" lIns="91425" spcFirstLastPara="1" rIns="91425" wrap="square" tIns="91425">
+            <a:bodyPr spcFirstLastPara="1" wrap="square" lIns="91425" tIns="91425" rIns="91425" bIns="91425" anchor="ctr" anchorCtr="0">
               <a:noAutofit/>
             </a:bodyPr>
             <a:lstStyle/>
             <a:p>
-              <a:pPr indent="0" lvl="0" marL="0" rtl="0" algn="l">
+              <a:pPr marL="0" lvl="0" indent="0" algn="l" rtl="0">
                 <a:spcBef>
                   <a:spcPts val="0"/>
                 </a:spcBef>
@@ -3023,9 +3116,6 @@
                 </a:spcAft>
                 <a:buNone/>
               </a:pPr>
-              <a:r>
-                <a:t/>
-              </a:r>
               <a:endParaRPr/>
             </a:p>
           </p:txBody>
@@ -3034,7 +3124,9 @@
       <p:sp>
         <p:nvSpPr>
           <p:cNvPr id="16" name="Google Shape;16;p2"/>
-          <p:cNvSpPr txBox="1"/>
+          <p:cNvSpPr txBox="1">
+            <a:spLocks noGrp="1"/>
+          </p:cNvSpPr>
           <p:nvPr>
             <p:ph type="ctrTitle"/>
           </p:nvPr>
@@ -3049,7 +3141,7 @@
           </a:prstGeom>
         </p:spPr>
         <p:txBody>
-          <a:bodyPr anchorCtr="0" anchor="t" bIns="91425" lIns="91425" spcFirstLastPara="1" rIns="91425" wrap="square" tIns="91425"/>
+          <a:bodyPr spcFirstLastPara="1" wrap="square" lIns="91425" tIns="91425" rIns="91425" bIns="91425" anchor="t" anchorCtr="0"/>
           <a:lstStyle>
             <a:lvl1pPr lvl="0">
               <a:spcBef>
@@ -3151,15 +3243,19 @@
               <a:defRPr sz="4000"/>
             </a:lvl9pPr>
           </a:lstStyle>
-          <a:p/>
+          <a:p>
+            <a:endParaRPr/>
+          </a:p>
         </p:txBody>
       </p:sp>
       <p:sp>
         <p:nvSpPr>
           <p:cNvPr id="17" name="Google Shape;17;p2"/>
-          <p:cNvSpPr txBox="1"/>
+          <p:cNvSpPr txBox="1">
+            <a:spLocks noGrp="1"/>
+          </p:cNvSpPr>
           <p:nvPr>
-            <p:ph idx="1" type="subTitle"/>
+            <p:ph type="subTitle" idx="1"/>
           </p:nvPr>
         </p:nvSpPr>
         <p:spPr>
@@ -3172,7 +3268,7 @@
           </a:prstGeom>
         </p:spPr>
         <p:txBody>
-          <a:bodyPr anchorCtr="0" anchor="t" bIns="91425" lIns="91425" spcFirstLastPara="1" rIns="91425" wrap="square" tIns="91425"/>
+          <a:bodyPr spcFirstLastPara="1" wrap="square" lIns="91425" tIns="91425" rIns="91425" bIns="91425" anchor="t" anchorCtr="0"/>
           <a:lstStyle>
             <a:lvl1pPr lvl="0">
               <a:lnSpc>
@@ -3301,15 +3397,19 @@
               <a:defRPr sz="1300"/>
             </a:lvl9pPr>
           </a:lstStyle>
-          <a:p/>
+          <a:p>
+            <a:endParaRPr/>
+          </a:p>
         </p:txBody>
       </p:sp>
       <p:sp>
         <p:nvSpPr>
           <p:cNvPr id="18" name="Google Shape;18;p2"/>
-          <p:cNvSpPr txBox="1"/>
+          <p:cNvSpPr txBox="1">
+            <a:spLocks noGrp="1"/>
+          </p:cNvSpPr>
           <p:nvPr>
-            <p:ph idx="12" type="sldNum"/>
+            <p:ph type="sldNum" idx="12"/>
           </p:nvPr>
         </p:nvSpPr>
         <p:spPr>
@@ -3322,7 +3422,7 @@
           </a:prstGeom>
         </p:spPr>
         <p:txBody>
-          <a:bodyPr anchorCtr="0" anchor="ctr" bIns="91425" lIns="91425" spcFirstLastPara="1" rIns="91425" wrap="square" tIns="91425">
+          <a:bodyPr spcFirstLastPara="1" wrap="square" lIns="91425" tIns="91425" rIns="91425" bIns="91425" anchor="ctr" anchorCtr="0">
             <a:noAutofit/>
           </a:bodyPr>
           <a:lstStyle>
@@ -3364,7 +3464,7 @@
             </a:lvl9pPr>
           </a:lstStyle>
           <a:p>
-            <a:pPr indent="0" lvl="0" marL="0" rtl="0" algn="r">
+            <a:pPr marL="0" lvl="0" indent="0" algn="r" rtl="0">
               <a:spcBef>
                 <a:spcPts val="0"/>
               </a:spcBef>
@@ -3390,11 +3490,11 @@
 </file>
 
 <file path=ppt/slideLayouts/slideLayout10.xml><?xml version="1.0" encoding="utf-8"?>
-<p:sldLayout xmlns:a="http://schemas.openxmlformats.org/drawingml/2006/main" xmlns:r="http://schemas.openxmlformats.org/officeDocument/2006/relationships" xmlns:mc="http://schemas.openxmlformats.org/markup-compatibility/2006" xmlns:mv="urn:schemas-microsoft-com:mac:vml" xmlns:p="http://schemas.openxmlformats.org/presentationml/2006/main" xmlns:c="http://schemas.openxmlformats.org/drawingml/2006/chart" xmlns:dgm="http://schemas.openxmlformats.org/drawingml/2006/diagram" xmlns:o="urn:schemas-microsoft-com:office:office" xmlns:v="urn:schemas-microsoft-com:vml" xmlns:pvml="urn:schemas-microsoft-com:office:powerpoint" xmlns:com="http://schemas.openxmlformats.org/drawingml/2006/compatibility" xmlns:p14="http://schemas.microsoft.com/office/powerpoint/2010/main" xmlns:p15="http://schemas.microsoft.com/office/powerpoint/2012/main" matchingName="Big number">
+<p:sldLayout xmlns:a="http://schemas.openxmlformats.org/drawingml/2006/main" xmlns:r="http://schemas.openxmlformats.org/officeDocument/2006/relationships" xmlns:p="http://schemas.openxmlformats.org/presentationml/2006/main" matchingName="Big number">
   <p:cSld name="BIG_NUMBER">
     <p:spTree>
       <p:nvGrpSpPr>
-        <p:cNvPr id="105" name="Shape 105"/>
+        <p:cNvPr id="1" name="Shape 105"/>
         <p:cNvGrpSpPr/>
         <p:nvPr/>
       </p:nvGrpSpPr>
@@ -3433,7 +3533,7 @@
             </a:xfrm>
             <a:prstGeom prst="diagStripe">
               <a:avLst>
-                <a:gd fmla="val 49469" name="adj"/>
+                <a:gd name="adj" fmla="val 49469"/>
               </a:avLst>
             </a:prstGeom>
             <a:solidFill>
@@ -3446,12 +3546,12 @@
             </a:ln>
           </p:spPr>
           <p:txBody>
-            <a:bodyPr anchorCtr="0" anchor="ctr" bIns="91425" lIns="91425" spcFirstLastPara="1" rIns="91425" wrap="square" tIns="91425">
+            <a:bodyPr spcFirstLastPara="1" wrap="square" lIns="91425" tIns="91425" rIns="91425" bIns="91425" anchor="ctr" anchorCtr="0">
               <a:noAutofit/>
             </a:bodyPr>
             <a:lstStyle/>
             <a:p>
-              <a:pPr indent="0" lvl="0" marL="0" rtl="0" algn="l">
+              <a:pPr marL="0" lvl="0" indent="0" algn="l" rtl="0">
                 <a:spcBef>
                   <a:spcPts val="0"/>
                 </a:spcBef>
@@ -3460,9 +3560,6 @@
                 </a:spcAft>
                 <a:buNone/>
               </a:pPr>
-              <a:r>
-                <a:t/>
-              </a:r>
               <a:endParaRPr/>
             </a:p>
           </p:txBody>
@@ -3480,7 +3577,7 @@
             </a:xfrm>
             <a:prstGeom prst="diagStripe">
               <a:avLst>
-                <a:gd fmla="val 0" name="adj"/>
+                <a:gd name="adj" fmla="val 0"/>
               </a:avLst>
             </a:prstGeom>
             <a:solidFill>
@@ -3493,12 +3590,12 @@
             </a:ln>
           </p:spPr>
           <p:txBody>
-            <a:bodyPr anchorCtr="0" anchor="ctr" bIns="91425" lIns="91425" spcFirstLastPara="1" rIns="91425" wrap="square" tIns="91425">
+            <a:bodyPr spcFirstLastPara="1" wrap="square" lIns="91425" tIns="91425" rIns="91425" bIns="91425" anchor="ctr" anchorCtr="0">
               <a:noAutofit/>
             </a:bodyPr>
             <a:lstStyle/>
             <a:p>
-              <a:pPr indent="0" lvl="0" marL="0" rtl="0" algn="l">
+              <a:pPr marL="0" lvl="0" indent="0" algn="l" rtl="0">
                 <a:spcBef>
                   <a:spcPts val="0"/>
                 </a:spcBef>
@@ -3507,9 +3604,6 @@
                 </a:spcAft>
                 <a:buNone/>
               </a:pPr>
-              <a:r>
-                <a:t/>
-              </a:r>
               <a:endParaRPr/>
             </a:p>
           </p:txBody>
@@ -3527,7 +3621,7 @@
             </a:xfrm>
             <a:prstGeom prst="diagStripe">
               <a:avLst>
-                <a:gd fmla="val 50000" name="adj"/>
+                <a:gd name="adj" fmla="val 50000"/>
               </a:avLst>
             </a:prstGeom>
             <a:solidFill>
@@ -3540,12 +3634,12 @@
             </a:ln>
           </p:spPr>
           <p:txBody>
-            <a:bodyPr anchorCtr="0" anchor="ctr" bIns="91425" lIns="91425" spcFirstLastPara="1" rIns="91425" wrap="square" tIns="91425">
+            <a:bodyPr spcFirstLastPara="1" wrap="square" lIns="91425" tIns="91425" rIns="91425" bIns="91425" anchor="ctr" anchorCtr="0">
               <a:noAutofit/>
             </a:bodyPr>
             <a:lstStyle/>
             <a:p>
-              <a:pPr indent="0" lvl="0" marL="0" rtl="0" algn="l">
+              <a:pPr marL="0" lvl="0" indent="0" algn="l" rtl="0">
                 <a:spcBef>
                   <a:spcPts val="0"/>
                 </a:spcBef>
@@ -3554,9 +3648,6 @@
                 </a:spcAft>
                 <a:buNone/>
               </a:pPr>
-              <a:r>
-                <a:t/>
-              </a:r>
               <a:endParaRPr/>
             </a:p>
           </p:txBody>
@@ -3574,7 +3665,7 @@
             </a:xfrm>
             <a:prstGeom prst="diagStripe">
               <a:avLst>
-                <a:gd fmla="val 50000" name="adj"/>
+                <a:gd name="adj" fmla="val 50000"/>
               </a:avLst>
             </a:prstGeom>
             <a:solidFill>
@@ -3587,12 +3678,12 @@
             </a:ln>
           </p:spPr>
           <p:txBody>
-            <a:bodyPr anchorCtr="0" anchor="ctr" bIns="91425" lIns="91425" spcFirstLastPara="1" rIns="91425" wrap="square" tIns="91425">
+            <a:bodyPr spcFirstLastPara="1" wrap="square" lIns="91425" tIns="91425" rIns="91425" bIns="91425" anchor="ctr" anchorCtr="0">
               <a:noAutofit/>
             </a:bodyPr>
             <a:lstStyle/>
             <a:p>
-              <a:pPr indent="0" lvl="0" marL="0" rtl="0" algn="l">
+              <a:pPr marL="0" lvl="0" indent="0" algn="l" rtl="0">
                 <a:spcBef>
                   <a:spcPts val="0"/>
                 </a:spcBef>
@@ -3601,9 +3692,6 @@
                 </a:spcAft>
                 <a:buNone/>
               </a:pPr>
-              <a:r>
-                <a:t/>
-              </a:r>
               <a:endParaRPr/>
             </a:p>
           </p:txBody>
@@ -3621,7 +3709,7 @@
             </a:xfrm>
             <a:prstGeom prst="diagStripe">
               <a:avLst>
-                <a:gd fmla="val 50000" name="adj"/>
+                <a:gd name="adj" fmla="val 50000"/>
               </a:avLst>
             </a:prstGeom>
             <a:solidFill>
@@ -3634,12 +3722,12 @@
             </a:ln>
           </p:spPr>
           <p:txBody>
-            <a:bodyPr anchorCtr="0" anchor="ctr" bIns="91425" lIns="91425" spcFirstLastPara="1" rIns="91425" wrap="square" tIns="91425">
+            <a:bodyPr spcFirstLastPara="1" wrap="square" lIns="91425" tIns="91425" rIns="91425" bIns="91425" anchor="ctr" anchorCtr="0">
               <a:noAutofit/>
             </a:bodyPr>
             <a:lstStyle/>
             <a:p>
-              <a:pPr indent="0" lvl="0" marL="0" rtl="0" algn="l">
+              <a:pPr marL="0" lvl="0" indent="0" algn="l" rtl="0">
                 <a:spcBef>
                   <a:spcPts val="0"/>
                 </a:spcBef>
@@ -3648,9 +3736,6 @@
                 </a:spcAft>
                 <a:buNone/>
               </a:pPr>
-              <a:r>
-                <a:t/>
-              </a:r>
               <a:endParaRPr/>
             </a:p>
           </p:txBody>
@@ -3668,7 +3753,7 @@
             </a:xfrm>
             <a:prstGeom prst="diagStripe">
               <a:avLst>
-                <a:gd fmla="val 50000" name="adj"/>
+                <a:gd name="adj" fmla="val 50000"/>
               </a:avLst>
             </a:prstGeom>
             <a:solidFill>
@@ -3681,12 +3766,12 @@
             </a:ln>
           </p:spPr>
           <p:txBody>
-            <a:bodyPr anchorCtr="0" anchor="ctr" bIns="91425" lIns="91425" spcFirstLastPara="1" rIns="91425" wrap="square" tIns="91425">
+            <a:bodyPr spcFirstLastPara="1" wrap="square" lIns="91425" tIns="91425" rIns="91425" bIns="91425" anchor="ctr" anchorCtr="0">
               <a:noAutofit/>
             </a:bodyPr>
             <a:lstStyle/>
             <a:p>
-              <a:pPr indent="0" lvl="0" marL="0" rtl="0" algn="l">
+              <a:pPr marL="0" lvl="0" indent="0" algn="l" rtl="0">
                 <a:spcBef>
                   <a:spcPts val="0"/>
                 </a:spcBef>
@@ -3695,9 +3780,6 @@
                 </a:spcAft>
                 <a:buNone/>
               </a:pPr>
-              <a:r>
-                <a:t/>
-              </a:r>
               <a:endParaRPr/>
             </a:p>
           </p:txBody>
@@ -3715,7 +3797,7 @@
             </a:xfrm>
             <a:prstGeom prst="diagStripe">
               <a:avLst>
-                <a:gd fmla="val 50000" name="adj"/>
+                <a:gd name="adj" fmla="val 50000"/>
               </a:avLst>
             </a:prstGeom>
             <a:solidFill>
@@ -3728,12 +3810,12 @@
             </a:ln>
           </p:spPr>
           <p:txBody>
-            <a:bodyPr anchorCtr="0" anchor="ctr" bIns="91425" lIns="91425" spcFirstLastPara="1" rIns="91425" wrap="square" tIns="91425">
+            <a:bodyPr spcFirstLastPara="1" wrap="square" lIns="91425" tIns="91425" rIns="91425" bIns="91425" anchor="ctr" anchorCtr="0">
               <a:noAutofit/>
             </a:bodyPr>
             <a:lstStyle/>
             <a:p>
-              <a:pPr indent="0" lvl="0" marL="0" rtl="0" algn="l">
+              <a:pPr marL="0" lvl="0" indent="0" algn="l" rtl="0">
                 <a:spcBef>
                   <a:spcPts val="0"/>
                 </a:spcBef>
@@ -3742,9 +3824,6 @@
                 </a:spcAft>
                 <a:buNone/>
               </a:pPr>
-              <a:r>
-                <a:t/>
-              </a:r>
               <a:endParaRPr/>
             </a:p>
           </p:txBody>
@@ -3762,7 +3841,7 @@
             </a:xfrm>
             <a:prstGeom prst="diagStripe">
               <a:avLst>
-                <a:gd fmla="val 50000" name="adj"/>
+                <a:gd name="adj" fmla="val 50000"/>
               </a:avLst>
             </a:prstGeom>
             <a:solidFill>
@@ -3773,12 +3852,12 @@
             </a:ln>
           </p:spPr>
           <p:txBody>
-            <a:bodyPr anchorCtr="0" anchor="ctr" bIns="91425" lIns="91425" spcFirstLastPara="1" rIns="91425" wrap="square" tIns="91425">
+            <a:bodyPr spcFirstLastPara="1" wrap="square" lIns="91425" tIns="91425" rIns="91425" bIns="91425" anchor="ctr" anchorCtr="0">
               <a:noAutofit/>
             </a:bodyPr>
             <a:lstStyle/>
             <a:p>
-              <a:pPr indent="0" lvl="0" marL="0" rtl="0" algn="l">
+              <a:pPr marL="0" lvl="0" indent="0" algn="l" rtl="0">
                 <a:spcBef>
                   <a:spcPts val="0"/>
                 </a:spcBef>
@@ -3787,9 +3866,6 @@
                 </a:spcAft>
                 <a:buNone/>
               </a:pPr>
-              <a:r>
-                <a:t/>
-              </a:r>
               <a:endParaRPr/>
             </a:p>
           </p:txBody>
@@ -3807,7 +3883,7 @@
             </a:xfrm>
             <a:prstGeom prst="diagStripe">
               <a:avLst>
-                <a:gd fmla="val 50000" name="adj"/>
+                <a:gd name="adj" fmla="val 50000"/>
               </a:avLst>
             </a:prstGeom>
             <a:solidFill>
@@ -3820,12 +3896,12 @@
             </a:ln>
           </p:spPr>
           <p:txBody>
-            <a:bodyPr anchorCtr="0" anchor="ctr" bIns="91425" lIns="91425" spcFirstLastPara="1" rIns="91425" wrap="square" tIns="91425">
+            <a:bodyPr spcFirstLastPara="1" wrap="square" lIns="91425" tIns="91425" rIns="91425" bIns="91425" anchor="ctr" anchorCtr="0">
               <a:noAutofit/>
             </a:bodyPr>
             <a:lstStyle/>
             <a:p>
-              <a:pPr indent="0" lvl="0" marL="0" rtl="0" algn="l">
+              <a:pPr marL="0" lvl="0" indent="0" algn="l" rtl="0">
                 <a:spcBef>
                   <a:spcPts val="0"/>
                 </a:spcBef>
@@ -3834,9 +3910,6 @@
                 </a:spcAft>
                 <a:buNone/>
               </a:pPr>
-              <a:r>
-                <a:t/>
-              </a:r>
               <a:endParaRPr/>
             </a:p>
           </p:txBody>
@@ -3854,7 +3927,7 @@
             </a:xfrm>
             <a:prstGeom prst="diagStripe">
               <a:avLst>
-                <a:gd fmla="val 50000" name="adj"/>
+                <a:gd name="adj" fmla="val 50000"/>
               </a:avLst>
             </a:prstGeom>
             <a:solidFill>
@@ -3867,12 +3940,12 @@
             </a:ln>
           </p:spPr>
           <p:txBody>
-            <a:bodyPr anchorCtr="0" anchor="ctr" bIns="91425" lIns="91425" spcFirstLastPara="1" rIns="91425" wrap="square" tIns="91425">
+            <a:bodyPr spcFirstLastPara="1" wrap="square" lIns="91425" tIns="91425" rIns="91425" bIns="91425" anchor="ctr" anchorCtr="0">
               <a:noAutofit/>
             </a:bodyPr>
             <a:lstStyle/>
             <a:p>
-              <a:pPr indent="0" lvl="0" marL="0" rtl="0" algn="l">
+              <a:pPr marL="0" lvl="0" indent="0" algn="l" rtl="0">
                 <a:spcBef>
                   <a:spcPts val="0"/>
                 </a:spcBef>
@@ -3881,9 +3954,6 @@
                 </a:spcAft>
                 <a:buNone/>
               </a:pPr>
-              <a:r>
-                <a:t/>
-              </a:r>
               <a:endParaRPr/>
             </a:p>
           </p:txBody>
@@ -3901,7 +3971,7 @@
             </a:xfrm>
             <a:prstGeom prst="diagStripe">
               <a:avLst>
-                <a:gd fmla="val 50000" name="adj"/>
+                <a:gd name="adj" fmla="val 50000"/>
               </a:avLst>
             </a:prstGeom>
             <a:solidFill>
@@ -3914,12 +3984,12 @@
             </a:ln>
           </p:spPr>
           <p:txBody>
-            <a:bodyPr anchorCtr="0" anchor="ctr" bIns="91425" lIns="91425" spcFirstLastPara="1" rIns="91425" wrap="square" tIns="91425">
+            <a:bodyPr spcFirstLastPara="1" wrap="square" lIns="91425" tIns="91425" rIns="91425" bIns="91425" anchor="ctr" anchorCtr="0">
               <a:noAutofit/>
             </a:bodyPr>
             <a:lstStyle/>
             <a:p>
-              <a:pPr indent="0" lvl="0" marL="0" rtl="0" algn="l">
+              <a:pPr marL="0" lvl="0" indent="0" algn="l" rtl="0">
                 <a:spcBef>
                   <a:spcPts val="0"/>
                 </a:spcBef>
@@ -3928,9 +3998,6 @@
                 </a:spcAft>
                 <a:buNone/>
               </a:pPr>
-              <a:r>
-                <a:t/>
-              </a:r>
               <a:endParaRPr/>
             </a:p>
           </p:txBody>
@@ -3948,7 +4015,7 @@
             </a:xfrm>
             <a:prstGeom prst="diagStripe">
               <a:avLst>
-                <a:gd fmla="val 50000" name="adj"/>
+                <a:gd name="adj" fmla="val 50000"/>
               </a:avLst>
             </a:prstGeom>
             <a:solidFill>
@@ -3961,12 +4028,12 @@
             </a:ln>
           </p:spPr>
           <p:txBody>
-            <a:bodyPr anchorCtr="0" anchor="ctr" bIns="91425" lIns="91425" spcFirstLastPara="1" rIns="91425" wrap="square" tIns="91425">
+            <a:bodyPr spcFirstLastPara="1" wrap="square" lIns="91425" tIns="91425" rIns="91425" bIns="91425" anchor="ctr" anchorCtr="0">
               <a:noAutofit/>
             </a:bodyPr>
             <a:lstStyle/>
             <a:p>
-              <a:pPr indent="0" lvl="0" marL="0" rtl="0" algn="l">
+              <a:pPr marL="0" lvl="0" indent="0" algn="l" rtl="0">
                 <a:spcBef>
                   <a:spcPts val="0"/>
                 </a:spcBef>
@@ -3975,9 +4042,6 @@
                 </a:spcAft>
                 <a:buNone/>
               </a:pPr>
-              <a:r>
-                <a:t/>
-              </a:r>
               <a:endParaRPr/>
             </a:p>
           </p:txBody>
@@ -3995,7 +4059,7 @@
             </a:xfrm>
             <a:prstGeom prst="diagStripe">
               <a:avLst>
-                <a:gd fmla="val 50000" name="adj"/>
+                <a:gd name="adj" fmla="val 50000"/>
               </a:avLst>
             </a:prstGeom>
             <a:solidFill>
@@ -4008,12 +4072,12 @@
             </a:ln>
           </p:spPr>
           <p:txBody>
-            <a:bodyPr anchorCtr="0" anchor="ctr" bIns="91425" lIns="91425" spcFirstLastPara="1" rIns="91425" wrap="square" tIns="91425">
+            <a:bodyPr spcFirstLastPara="1" wrap="square" lIns="91425" tIns="91425" rIns="91425" bIns="91425" anchor="ctr" anchorCtr="0">
               <a:noAutofit/>
             </a:bodyPr>
             <a:lstStyle/>
             <a:p>
-              <a:pPr indent="0" lvl="0" marL="0" rtl="0" algn="l">
+              <a:pPr marL="0" lvl="0" indent="0" algn="l" rtl="0">
                 <a:spcBef>
                   <a:spcPts val="0"/>
                 </a:spcBef>
@@ -4022,9 +4086,6 @@
                 </a:spcAft>
                 <a:buNone/>
               </a:pPr>
-              <a:r>
-                <a:t/>
-              </a:r>
               <a:endParaRPr/>
             </a:p>
           </p:txBody>
@@ -4042,7 +4103,7 @@
             </a:xfrm>
             <a:prstGeom prst="diagStripe">
               <a:avLst>
-                <a:gd fmla="val 50000" name="adj"/>
+                <a:gd name="adj" fmla="val 50000"/>
               </a:avLst>
             </a:prstGeom>
             <a:solidFill>
@@ -4053,12 +4114,12 @@
             </a:ln>
           </p:spPr>
           <p:txBody>
-            <a:bodyPr anchorCtr="0" anchor="ctr" bIns="91425" lIns="91425" spcFirstLastPara="1" rIns="91425" wrap="square" tIns="91425">
+            <a:bodyPr spcFirstLastPara="1" wrap="square" lIns="91425" tIns="91425" rIns="91425" bIns="91425" anchor="ctr" anchorCtr="0">
               <a:noAutofit/>
             </a:bodyPr>
             <a:lstStyle/>
             <a:p>
-              <a:pPr indent="0" lvl="0" marL="0" rtl="0" algn="l">
+              <a:pPr marL="0" lvl="0" indent="0" algn="l" rtl="0">
                 <a:spcBef>
                   <a:spcPts val="0"/>
                 </a:spcBef>
@@ -4067,9 +4128,6 @@
                 </a:spcAft>
                 <a:buNone/>
               </a:pPr>
-              <a:r>
-                <a:t/>
-              </a:r>
               <a:endParaRPr/>
             </a:p>
           </p:txBody>
@@ -4087,7 +4145,7 @@
             </a:xfrm>
             <a:prstGeom prst="diagStripe">
               <a:avLst>
-                <a:gd fmla="val 50000" name="adj"/>
+                <a:gd name="adj" fmla="val 50000"/>
               </a:avLst>
             </a:prstGeom>
             <a:solidFill>
@@ -4100,12 +4158,12 @@
             </a:ln>
           </p:spPr>
           <p:txBody>
-            <a:bodyPr anchorCtr="0" anchor="ctr" bIns="91425" lIns="91425" spcFirstLastPara="1" rIns="91425" wrap="square" tIns="91425">
+            <a:bodyPr spcFirstLastPara="1" wrap="square" lIns="91425" tIns="91425" rIns="91425" bIns="91425" anchor="ctr" anchorCtr="0">
               <a:noAutofit/>
             </a:bodyPr>
             <a:lstStyle/>
             <a:p>
-              <a:pPr indent="0" lvl="0" marL="0" rtl="0" algn="l">
+              <a:pPr marL="0" lvl="0" indent="0" algn="l" rtl="0">
                 <a:spcBef>
                   <a:spcPts val="0"/>
                 </a:spcBef>
@@ -4114,9 +4172,6 @@
                 </a:spcAft>
                 <a:buNone/>
               </a:pPr>
-              <a:r>
-                <a:t/>
-              </a:r>
               <a:endParaRPr/>
             </a:p>
           </p:txBody>
@@ -4134,7 +4189,7 @@
             </a:xfrm>
             <a:prstGeom prst="diagStripe">
               <a:avLst>
-                <a:gd fmla="val 50000" name="adj"/>
+                <a:gd name="adj" fmla="val 50000"/>
               </a:avLst>
             </a:prstGeom>
             <a:solidFill>
@@ -4147,12 +4202,12 @@
             </a:ln>
           </p:spPr>
           <p:txBody>
-            <a:bodyPr anchorCtr="0" anchor="ctr" bIns="91425" lIns="91425" spcFirstLastPara="1" rIns="91425" wrap="square" tIns="91425">
+            <a:bodyPr spcFirstLastPara="1" wrap="square" lIns="91425" tIns="91425" rIns="91425" bIns="91425" anchor="ctr" anchorCtr="0">
               <a:noAutofit/>
             </a:bodyPr>
             <a:lstStyle/>
             <a:p>
-              <a:pPr indent="0" lvl="0" marL="0" rtl="0" algn="l">
+              <a:pPr marL="0" lvl="0" indent="0" algn="l" rtl="0">
                 <a:spcBef>
                   <a:spcPts val="0"/>
                 </a:spcBef>
@@ -4161,9 +4216,6 @@
                 </a:spcAft>
                 <a:buNone/>
               </a:pPr>
-              <a:r>
-                <a:t/>
-              </a:r>
               <a:endParaRPr/>
             </a:p>
           </p:txBody>
@@ -4181,7 +4233,7 @@
             </a:xfrm>
             <a:prstGeom prst="diagStripe">
               <a:avLst>
-                <a:gd fmla="val 50000" name="adj"/>
+                <a:gd name="adj" fmla="val 50000"/>
               </a:avLst>
             </a:prstGeom>
             <a:solidFill>
@@ -4194,12 +4246,12 @@
             </a:ln>
           </p:spPr>
           <p:txBody>
-            <a:bodyPr anchorCtr="0" anchor="ctr" bIns="91425" lIns="91425" spcFirstLastPara="1" rIns="91425" wrap="square" tIns="91425">
+            <a:bodyPr spcFirstLastPara="1" wrap="square" lIns="91425" tIns="91425" rIns="91425" bIns="91425" anchor="ctr" anchorCtr="0">
               <a:noAutofit/>
             </a:bodyPr>
             <a:lstStyle/>
             <a:p>
-              <a:pPr indent="0" lvl="0" marL="0" rtl="0" algn="l">
+              <a:pPr marL="0" lvl="0" indent="0" algn="l" rtl="0">
                 <a:spcBef>
                   <a:spcPts val="0"/>
                 </a:spcBef>
@@ -4208,9 +4260,6 @@
                 </a:spcAft>
                 <a:buNone/>
               </a:pPr>
-              <a:r>
-                <a:t/>
-              </a:r>
               <a:endParaRPr/>
             </a:p>
           </p:txBody>
@@ -4228,7 +4277,7 @@
             </a:xfrm>
             <a:prstGeom prst="diagStripe">
               <a:avLst>
-                <a:gd fmla="val 50000" name="adj"/>
+                <a:gd name="adj" fmla="val 50000"/>
               </a:avLst>
             </a:prstGeom>
             <a:solidFill>
@@ -4241,12 +4290,12 @@
             </a:ln>
           </p:spPr>
           <p:txBody>
-            <a:bodyPr anchorCtr="0" anchor="ctr" bIns="91425" lIns="91425" spcFirstLastPara="1" rIns="91425" wrap="square" tIns="91425">
+            <a:bodyPr spcFirstLastPara="1" wrap="square" lIns="91425" tIns="91425" rIns="91425" bIns="91425" anchor="ctr" anchorCtr="0">
               <a:noAutofit/>
             </a:bodyPr>
             <a:lstStyle/>
             <a:p>
-              <a:pPr indent="0" lvl="0" marL="0" rtl="0" algn="l">
+              <a:pPr marL="0" lvl="0" indent="0" algn="l" rtl="0">
                 <a:spcBef>
                   <a:spcPts val="0"/>
                 </a:spcBef>
@@ -4255,9 +4304,6 @@
                 </a:spcAft>
                 <a:buNone/>
               </a:pPr>
-              <a:r>
-                <a:t/>
-              </a:r>
               <a:endParaRPr/>
             </a:p>
           </p:txBody>
@@ -4266,9 +4312,11 @@
       <p:sp>
         <p:nvSpPr>
           <p:cNvPr id="125" name="Google Shape;125;p11"/>
-          <p:cNvSpPr txBox="1"/>
+          <p:cNvSpPr txBox="1">
+            <a:spLocks noGrp="1"/>
+          </p:cNvSpPr>
           <p:nvPr>
-            <p:ph hasCustomPrompt="1" type="title"/>
+            <p:ph type="title" hasCustomPrompt="1"/>
           </p:nvPr>
         </p:nvSpPr>
         <p:spPr>
@@ -4281,7 +4329,7 @@
           </a:prstGeom>
         </p:spPr>
         <p:txBody>
-          <a:bodyPr anchorCtr="0" anchor="t" bIns="91425" lIns="91425" spcFirstLastPara="1" rIns="91425" wrap="square" tIns="91425"/>
+          <a:bodyPr spcFirstLastPara="1" wrap="square" lIns="91425" tIns="91425" rIns="91425" bIns="91425" anchor="t" anchorCtr="0"/>
           <a:lstStyle>
             <a:lvl1pPr lvl="0">
               <a:spcBef>
@@ -4393,9 +4441,11 @@
       <p:sp>
         <p:nvSpPr>
           <p:cNvPr id="126" name="Google Shape;126;p11"/>
-          <p:cNvSpPr txBox="1"/>
+          <p:cNvSpPr txBox="1">
+            <a:spLocks noGrp="1"/>
+          </p:cNvSpPr>
           <p:nvPr>
-            <p:ph idx="1" type="body"/>
+            <p:ph type="body" idx="1"/>
           </p:nvPr>
         </p:nvSpPr>
         <p:spPr>
@@ -4408,9 +4458,9 @@
           </a:prstGeom>
         </p:spPr>
         <p:txBody>
-          <a:bodyPr anchorCtr="0" anchor="t" bIns="91425" lIns="91425" spcFirstLastPara="1" rIns="91425" wrap="square" tIns="91425"/>
+          <a:bodyPr spcFirstLastPara="1" wrap="square" lIns="91425" tIns="91425" rIns="91425" bIns="91425" anchor="t" anchorCtr="0"/>
           <a:lstStyle>
-            <a:lvl1pPr indent="-311150" lvl="0" marL="457200">
+            <a:lvl1pPr marL="457200" lvl="0" indent="-311150">
               <a:spcBef>
                 <a:spcPts val="0"/>
               </a:spcBef>
@@ -4421,7 +4471,7 @@
               <a:buChar char="●"/>
               <a:defRPr/>
             </a:lvl1pPr>
-            <a:lvl2pPr indent="-298450" lvl="1" marL="914400">
+            <a:lvl2pPr marL="914400" lvl="1" indent="-298450">
               <a:spcBef>
                 <a:spcPts val="1600"/>
               </a:spcBef>
@@ -4432,7 +4482,7 @@
               <a:buChar char="○"/>
               <a:defRPr/>
             </a:lvl2pPr>
-            <a:lvl3pPr indent="-298450" lvl="2" marL="1371600">
+            <a:lvl3pPr marL="1371600" lvl="2" indent="-298450">
               <a:spcBef>
                 <a:spcPts val="1600"/>
               </a:spcBef>
@@ -4443,7 +4493,7 @@
               <a:buChar char="■"/>
               <a:defRPr/>
             </a:lvl3pPr>
-            <a:lvl4pPr indent="-298450" lvl="3" marL="1828800">
+            <a:lvl4pPr marL="1828800" lvl="3" indent="-298450">
               <a:spcBef>
                 <a:spcPts val="1600"/>
               </a:spcBef>
@@ -4454,7 +4504,7 @@
               <a:buChar char="●"/>
               <a:defRPr/>
             </a:lvl4pPr>
-            <a:lvl5pPr indent="-298450" lvl="4" marL="2286000">
+            <a:lvl5pPr marL="2286000" lvl="4" indent="-298450">
               <a:spcBef>
                 <a:spcPts val="1600"/>
               </a:spcBef>
@@ -4465,7 +4515,7 @@
               <a:buChar char="○"/>
               <a:defRPr/>
             </a:lvl5pPr>
-            <a:lvl6pPr indent="-298450" lvl="5" marL="2743200">
+            <a:lvl6pPr marL="2743200" lvl="5" indent="-298450">
               <a:spcBef>
                 <a:spcPts val="1600"/>
               </a:spcBef>
@@ -4476,7 +4526,7 @@
               <a:buChar char="■"/>
               <a:defRPr/>
             </a:lvl6pPr>
-            <a:lvl7pPr indent="-298450" lvl="6" marL="3200400">
+            <a:lvl7pPr marL="3200400" lvl="6" indent="-298450">
               <a:spcBef>
                 <a:spcPts val="1600"/>
               </a:spcBef>
@@ -4487,7 +4537,7 @@
               <a:buChar char="●"/>
               <a:defRPr/>
             </a:lvl7pPr>
-            <a:lvl8pPr indent="-298450" lvl="7" marL="3657600">
+            <a:lvl8pPr marL="3657600" lvl="7" indent="-298450">
               <a:spcBef>
                 <a:spcPts val="1600"/>
               </a:spcBef>
@@ -4498,7 +4548,7 @@
               <a:buChar char="○"/>
               <a:defRPr/>
             </a:lvl8pPr>
-            <a:lvl9pPr indent="-298450" lvl="8" marL="4114800">
+            <a:lvl9pPr marL="4114800" lvl="8" indent="-298450">
               <a:spcBef>
                 <a:spcPts val="1600"/>
               </a:spcBef>
@@ -4510,15 +4560,19 @@
               <a:defRPr/>
             </a:lvl9pPr>
           </a:lstStyle>
-          <a:p/>
+          <a:p>
+            <a:endParaRPr/>
+          </a:p>
         </p:txBody>
       </p:sp>
       <p:sp>
         <p:nvSpPr>
           <p:cNvPr id="127" name="Google Shape;127;p11"/>
-          <p:cNvSpPr txBox="1"/>
+          <p:cNvSpPr txBox="1">
+            <a:spLocks noGrp="1"/>
+          </p:cNvSpPr>
           <p:nvPr>
-            <p:ph idx="12" type="sldNum"/>
+            <p:ph type="sldNum" idx="12"/>
           </p:nvPr>
         </p:nvSpPr>
         <p:spPr>
@@ -4531,7 +4585,7 @@
           </a:prstGeom>
         </p:spPr>
         <p:txBody>
-          <a:bodyPr anchorCtr="0" anchor="ctr" bIns="91425" lIns="91425" spcFirstLastPara="1" rIns="91425" wrap="square" tIns="91425">
+          <a:bodyPr spcFirstLastPara="1" wrap="square" lIns="91425" tIns="91425" rIns="91425" bIns="91425" anchor="ctr" anchorCtr="0">
             <a:noAutofit/>
           </a:bodyPr>
           <a:lstStyle>
@@ -4573,7 +4627,7 @@
             </a:lvl9pPr>
           </a:lstStyle>
           <a:p>
-            <a:pPr indent="0" lvl="0" marL="0" rtl="0" algn="r">
+            <a:pPr marL="0" lvl="0" indent="0" algn="r" rtl="0">
               <a:spcBef>
                 <a:spcPts val="0"/>
               </a:spcBef>
@@ -4599,11 +4653,11 @@
 </file>
 
 <file path=ppt/slideLayouts/slideLayout11.xml><?xml version="1.0" encoding="utf-8"?>
-<p:sldLayout xmlns:a="http://schemas.openxmlformats.org/drawingml/2006/main" xmlns:r="http://schemas.openxmlformats.org/officeDocument/2006/relationships" xmlns:mc="http://schemas.openxmlformats.org/markup-compatibility/2006" xmlns:mv="urn:schemas-microsoft-com:mac:vml" xmlns:p="http://schemas.openxmlformats.org/presentationml/2006/main" xmlns:c="http://schemas.openxmlformats.org/drawingml/2006/chart" xmlns:dgm="http://schemas.openxmlformats.org/drawingml/2006/diagram" xmlns:o="urn:schemas-microsoft-com:office:office" xmlns:v="urn:schemas-microsoft-com:vml" xmlns:pvml="urn:schemas-microsoft-com:office:powerpoint" xmlns:com="http://schemas.openxmlformats.org/drawingml/2006/compatibility" xmlns:p14="http://schemas.microsoft.com/office/powerpoint/2010/main" xmlns:p15="http://schemas.microsoft.com/office/powerpoint/2012/main" matchingName="Blank" type="blank">
+<p:sldLayout xmlns:a="http://schemas.openxmlformats.org/drawingml/2006/main" xmlns:r="http://schemas.openxmlformats.org/officeDocument/2006/relationships" xmlns:p="http://schemas.openxmlformats.org/presentationml/2006/main" matchingName="Blank" type="blank">
   <p:cSld name="BLANK">
     <p:spTree>
       <p:nvGrpSpPr>
-        <p:cNvPr id="128" name="Shape 128"/>
+        <p:cNvPr id="1" name="Shape 128"/>
         <p:cNvGrpSpPr/>
         <p:nvPr/>
       </p:nvGrpSpPr>
@@ -4618,9 +4672,11 @@
       <p:sp>
         <p:nvSpPr>
           <p:cNvPr id="129" name="Google Shape;129;p12"/>
-          <p:cNvSpPr txBox="1"/>
+          <p:cNvSpPr txBox="1">
+            <a:spLocks noGrp="1"/>
+          </p:cNvSpPr>
           <p:nvPr>
-            <p:ph idx="12" type="sldNum"/>
+            <p:ph type="sldNum" idx="12"/>
           </p:nvPr>
         </p:nvSpPr>
         <p:spPr>
@@ -4633,7 +4689,7 @@
           </a:prstGeom>
         </p:spPr>
         <p:txBody>
-          <a:bodyPr anchorCtr="0" anchor="ctr" bIns="91425" lIns="91425" spcFirstLastPara="1" rIns="91425" wrap="square" tIns="91425">
+          <a:bodyPr spcFirstLastPara="1" wrap="square" lIns="91425" tIns="91425" rIns="91425" bIns="91425" anchor="ctr" anchorCtr="0">
             <a:noAutofit/>
           </a:bodyPr>
           <a:lstStyle>
@@ -4675,7 +4731,7 @@
             </a:lvl9pPr>
           </a:lstStyle>
           <a:p>
-            <a:pPr indent="0" lvl="0" marL="0" rtl="0" algn="r">
+            <a:pPr marL="0" lvl="0" indent="0" algn="r" rtl="0">
               <a:spcBef>
                 <a:spcPts val="0"/>
               </a:spcBef>
@@ -4701,11 +4757,11 @@
 </file>
 
 <file path=ppt/slideLayouts/slideLayout2.xml><?xml version="1.0" encoding="utf-8"?>
-<p:sldLayout xmlns:a="http://schemas.openxmlformats.org/drawingml/2006/main" xmlns:r="http://schemas.openxmlformats.org/officeDocument/2006/relationships" xmlns:mc="http://schemas.openxmlformats.org/markup-compatibility/2006" xmlns:mv="urn:schemas-microsoft-com:mac:vml" xmlns:p="http://schemas.openxmlformats.org/presentationml/2006/main" xmlns:c="http://schemas.openxmlformats.org/drawingml/2006/chart" xmlns:dgm="http://schemas.openxmlformats.org/drawingml/2006/diagram" xmlns:o="urn:schemas-microsoft-com:office:office" xmlns:v="urn:schemas-microsoft-com:vml" xmlns:pvml="urn:schemas-microsoft-com:office:powerpoint" xmlns:com="http://schemas.openxmlformats.org/drawingml/2006/compatibility" xmlns:p14="http://schemas.microsoft.com/office/powerpoint/2010/main" xmlns:p15="http://schemas.microsoft.com/office/powerpoint/2012/main" matchingName="Section header" type="secHead">
+<p:sldLayout xmlns:a="http://schemas.openxmlformats.org/drawingml/2006/main" xmlns:r="http://schemas.openxmlformats.org/officeDocument/2006/relationships" xmlns:p="http://schemas.openxmlformats.org/presentationml/2006/main" matchingName="Section header" type="secHead">
   <p:cSld name="SECTION_HEADER">
     <p:spTree>
       <p:nvGrpSpPr>
-        <p:cNvPr id="19" name="Shape 19"/>
+        <p:cNvPr id="1" name="Shape 19"/>
         <p:cNvGrpSpPr/>
         <p:nvPr/>
       </p:nvGrpSpPr>
@@ -4744,7 +4800,7 @@
             </a:xfrm>
             <a:prstGeom prst="diagStripe">
               <a:avLst>
-                <a:gd fmla="val 49469" name="adj"/>
+                <a:gd name="adj" fmla="val 49469"/>
               </a:avLst>
             </a:prstGeom>
             <a:solidFill>
@@ -4757,12 +4813,12 @@
             </a:ln>
           </p:spPr>
           <p:txBody>
-            <a:bodyPr anchorCtr="0" anchor="ctr" bIns="91425" lIns="91425" spcFirstLastPara="1" rIns="91425" wrap="square" tIns="91425">
+            <a:bodyPr spcFirstLastPara="1" wrap="square" lIns="91425" tIns="91425" rIns="91425" bIns="91425" anchor="ctr" anchorCtr="0">
               <a:noAutofit/>
             </a:bodyPr>
             <a:lstStyle/>
             <a:p>
-              <a:pPr indent="0" lvl="0" marL="0" rtl="0" algn="l">
+              <a:pPr marL="0" lvl="0" indent="0" algn="l" rtl="0">
                 <a:spcBef>
                   <a:spcPts val="0"/>
                 </a:spcBef>
@@ -4771,9 +4827,6 @@
                 </a:spcAft>
                 <a:buNone/>
               </a:pPr>
-              <a:r>
-                <a:t/>
-              </a:r>
               <a:endParaRPr/>
             </a:p>
           </p:txBody>
@@ -4791,7 +4844,7 @@
             </a:xfrm>
             <a:prstGeom prst="diagStripe">
               <a:avLst>
-                <a:gd fmla="val 0" name="adj"/>
+                <a:gd name="adj" fmla="val 0"/>
               </a:avLst>
             </a:prstGeom>
             <a:solidFill>
@@ -4804,12 +4857,12 @@
             </a:ln>
           </p:spPr>
           <p:txBody>
-            <a:bodyPr anchorCtr="0" anchor="ctr" bIns="91425" lIns="91425" spcFirstLastPara="1" rIns="91425" wrap="square" tIns="91425">
+            <a:bodyPr spcFirstLastPara="1" wrap="square" lIns="91425" tIns="91425" rIns="91425" bIns="91425" anchor="ctr" anchorCtr="0">
               <a:noAutofit/>
             </a:bodyPr>
             <a:lstStyle/>
             <a:p>
-              <a:pPr indent="0" lvl="0" marL="0" rtl="0" algn="l">
+              <a:pPr marL="0" lvl="0" indent="0" algn="l" rtl="0">
                 <a:spcBef>
                   <a:spcPts val="0"/>
                 </a:spcBef>
@@ -4818,9 +4871,6 @@
                 </a:spcAft>
                 <a:buNone/>
               </a:pPr>
-              <a:r>
-                <a:t/>
-              </a:r>
               <a:endParaRPr/>
             </a:p>
           </p:txBody>
@@ -4838,7 +4888,7 @@
             </a:xfrm>
             <a:prstGeom prst="diagStripe">
               <a:avLst>
-                <a:gd fmla="val 50000" name="adj"/>
+                <a:gd name="adj" fmla="val 50000"/>
               </a:avLst>
             </a:prstGeom>
             <a:solidFill>
@@ -4851,12 +4901,12 @@
             </a:ln>
           </p:spPr>
           <p:txBody>
-            <a:bodyPr anchorCtr="0" anchor="ctr" bIns="91425" lIns="91425" spcFirstLastPara="1" rIns="91425" wrap="square" tIns="91425">
+            <a:bodyPr spcFirstLastPara="1" wrap="square" lIns="91425" tIns="91425" rIns="91425" bIns="91425" anchor="ctr" anchorCtr="0">
               <a:noAutofit/>
             </a:bodyPr>
             <a:lstStyle/>
             <a:p>
-              <a:pPr indent="0" lvl="0" marL="0" rtl="0" algn="l">
+              <a:pPr marL="0" lvl="0" indent="0" algn="l" rtl="0">
                 <a:spcBef>
                   <a:spcPts val="0"/>
                 </a:spcBef>
@@ -4865,9 +4915,6 @@
                 </a:spcAft>
                 <a:buNone/>
               </a:pPr>
-              <a:r>
-                <a:t/>
-              </a:r>
               <a:endParaRPr/>
             </a:p>
           </p:txBody>
@@ -4885,7 +4932,7 @@
             </a:xfrm>
             <a:prstGeom prst="diagStripe">
               <a:avLst>
-                <a:gd fmla="val 50000" name="adj"/>
+                <a:gd name="adj" fmla="val 50000"/>
               </a:avLst>
             </a:prstGeom>
             <a:solidFill>
@@ -4898,12 +4945,12 @@
             </a:ln>
           </p:spPr>
           <p:txBody>
-            <a:bodyPr anchorCtr="0" anchor="ctr" bIns="91425" lIns="91425" spcFirstLastPara="1" rIns="91425" wrap="square" tIns="91425">
+            <a:bodyPr spcFirstLastPara="1" wrap="square" lIns="91425" tIns="91425" rIns="91425" bIns="91425" anchor="ctr" anchorCtr="0">
               <a:noAutofit/>
             </a:bodyPr>
             <a:lstStyle/>
             <a:p>
-              <a:pPr indent="0" lvl="0" marL="0" rtl="0" algn="l">
+              <a:pPr marL="0" lvl="0" indent="0" algn="l" rtl="0">
                 <a:spcBef>
                   <a:spcPts val="0"/>
                 </a:spcBef>
@@ -4912,9 +4959,6 @@
                 </a:spcAft>
                 <a:buNone/>
               </a:pPr>
-              <a:r>
-                <a:t/>
-              </a:r>
               <a:endParaRPr/>
             </a:p>
           </p:txBody>
@@ -4932,7 +4976,7 @@
             </a:xfrm>
             <a:prstGeom prst="diagStripe">
               <a:avLst>
-                <a:gd fmla="val 50000" name="adj"/>
+                <a:gd name="adj" fmla="val 50000"/>
               </a:avLst>
             </a:prstGeom>
             <a:solidFill>
@@ -4945,12 +4989,12 @@
             </a:ln>
           </p:spPr>
           <p:txBody>
-            <a:bodyPr anchorCtr="0" anchor="ctr" bIns="91425" lIns="91425" spcFirstLastPara="1" rIns="91425" wrap="square" tIns="91425">
+            <a:bodyPr spcFirstLastPara="1" wrap="square" lIns="91425" tIns="91425" rIns="91425" bIns="91425" anchor="ctr" anchorCtr="0">
               <a:noAutofit/>
             </a:bodyPr>
             <a:lstStyle/>
             <a:p>
-              <a:pPr indent="0" lvl="0" marL="0" rtl="0" algn="l">
+              <a:pPr marL="0" lvl="0" indent="0" algn="l" rtl="0">
                 <a:spcBef>
                   <a:spcPts val="0"/>
                 </a:spcBef>
@@ -4959,9 +5003,6 @@
                 </a:spcAft>
                 <a:buNone/>
               </a:pPr>
-              <a:r>
-                <a:t/>
-              </a:r>
               <a:endParaRPr/>
             </a:p>
           </p:txBody>
@@ -4979,7 +5020,7 @@
             </a:xfrm>
             <a:prstGeom prst="diagStripe">
               <a:avLst>
-                <a:gd fmla="val 50000" name="adj"/>
+                <a:gd name="adj" fmla="val 50000"/>
               </a:avLst>
             </a:prstGeom>
             <a:solidFill>
@@ -4992,12 +5033,12 @@
             </a:ln>
           </p:spPr>
           <p:txBody>
-            <a:bodyPr anchorCtr="0" anchor="ctr" bIns="91425" lIns="91425" spcFirstLastPara="1" rIns="91425" wrap="square" tIns="91425">
+            <a:bodyPr spcFirstLastPara="1" wrap="square" lIns="91425" tIns="91425" rIns="91425" bIns="91425" anchor="ctr" anchorCtr="0">
               <a:noAutofit/>
             </a:bodyPr>
             <a:lstStyle/>
             <a:p>
-              <a:pPr indent="0" lvl="0" marL="0" rtl="0" algn="l">
+              <a:pPr marL="0" lvl="0" indent="0" algn="l" rtl="0">
                 <a:spcBef>
                   <a:spcPts val="0"/>
                 </a:spcBef>
@@ -5006,9 +5047,6 @@
                 </a:spcAft>
                 <a:buNone/>
               </a:pPr>
-              <a:r>
-                <a:t/>
-              </a:r>
               <a:endParaRPr/>
             </a:p>
           </p:txBody>
@@ -5026,7 +5064,7 @@
             </a:xfrm>
             <a:prstGeom prst="diagStripe">
               <a:avLst>
-                <a:gd fmla="val 50000" name="adj"/>
+                <a:gd name="adj" fmla="val 50000"/>
               </a:avLst>
             </a:prstGeom>
             <a:solidFill>
@@ -5039,12 +5077,12 @@
             </a:ln>
           </p:spPr>
           <p:txBody>
-            <a:bodyPr anchorCtr="0" anchor="ctr" bIns="91425" lIns="91425" spcFirstLastPara="1" rIns="91425" wrap="square" tIns="91425">
+            <a:bodyPr spcFirstLastPara="1" wrap="square" lIns="91425" tIns="91425" rIns="91425" bIns="91425" anchor="ctr" anchorCtr="0">
               <a:noAutofit/>
             </a:bodyPr>
             <a:lstStyle/>
             <a:p>
-              <a:pPr indent="0" lvl="0" marL="0" rtl="0" algn="l">
+              <a:pPr marL="0" lvl="0" indent="0" algn="l" rtl="0">
                 <a:spcBef>
                   <a:spcPts val="0"/>
                 </a:spcBef>
@@ -5053,9 +5091,6 @@
                 </a:spcAft>
                 <a:buNone/>
               </a:pPr>
-              <a:r>
-                <a:t/>
-              </a:r>
               <a:endParaRPr/>
             </a:p>
           </p:txBody>
@@ -5073,7 +5108,7 @@
             </a:xfrm>
             <a:prstGeom prst="diagStripe">
               <a:avLst>
-                <a:gd fmla="val 50000" name="adj"/>
+                <a:gd name="adj" fmla="val 50000"/>
               </a:avLst>
             </a:prstGeom>
             <a:solidFill>
@@ -5084,12 +5119,12 @@
             </a:ln>
           </p:spPr>
           <p:txBody>
-            <a:bodyPr anchorCtr="0" anchor="ctr" bIns="91425" lIns="91425" spcFirstLastPara="1" rIns="91425" wrap="square" tIns="91425">
+            <a:bodyPr spcFirstLastPara="1" wrap="square" lIns="91425" tIns="91425" rIns="91425" bIns="91425" anchor="ctr" anchorCtr="0">
               <a:noAutofit/>
             </a:bodyPr>
             <a:lstStyle/>
             <a:p>
-              <a:pPr indent="0" lvl="0" marL="0" rtl="0" algn="l">
+              <a:pPr marL="0" lvl="0" indent="0" algn="l" rtl="0">
                 <a:spcBef>
                   <a:spcPts val="0"/>
                 </a:spcBef>
@@ -5098,9 +5133,6 @@
                 </a:spcAft>
                 <a:buNone/>
               </a:pPr>
-              <a:r>
-                <a:t/>
-              </a:r>
               <a:endParaRPr/>
             </a:p>
           </p:txBody>
@@ -5118,7 +5150,7 @@
             </a:xfrm>
             <a:prstGeom prst="diagStripe">
               <a:avLst>
-                <a:gd fmla="val 50000" name="adj"/>
+                <a:gd name="adj" fmla="val 50000"/>
               </a:avLst>
             </a:prstGeom>
             <a:solidFill>
@@ -5131,12 +5163,12 @@
             </a:ln>
           </p:spPr>
           <p:txBody>
-            <a:bodyPr anchorCtr="0" anchor="ctr" bIns="91425" lIns="91425" spcFirstLastPara="1" rIns="91425" wrap="square" tIns="91425">
+            <a:bodyPr spcFirstLastPara="1" wrap="square" lIns="91425" tIns="91425" rIns="91425" bIns="91425" anchor="ctr" anchorCtr="0">
               <a:noAutofit/>
             </a:bodyPr>
             <a:lstStyle/>
             <a:p>
-              <a:pPr indent="0" lvl="0" marL="0" rtl="0" algn="l">
+              <a:pPr marL="0" lvl="0" indent="0" algn="l" rtl="0">
                 <a:spcBef>
                   <a:spcPts val="0"/>
                 </a:spcBef>
@@ -5145,9 +5177,6 @@
                 </a:spcAft>
                 <a:buNone/>
               </a:pPr>
-              <a:r>
-                <a:t/>
-              </a:r>
               <a:endParaRPr/>
             </a:p>
           </p:txBody>
@@ -5165,7 +5194,7 @@
             </a:xfrm>
             <a:prstGeom prst="diagStripe">
               <a:avLst>
-                <a:gd fmla="val 50000" name="adj"/>
+                <a:gd name="adj" fmla="val 50000"/>
               </a:avLst>
             </a:prstGeom>
             <a:solidFill>
@@ -5178,12 +5207,12 @@
             </a:ln>
           </p:spPr>
           <p:txBody>
-            <a:bodyPr anchorCtr="0" anchor="ctr" bIns="91425" lIns="91425" spcFirstLastPara="1" rIns="91425" wrap="square" tIns="91425">
+            <a:bodyPr spcFirstLastPara="1" wrap="square" lIns="91425" tIns="91425" rIns="91425" bIns="91425" anchor="ctr" anchorCtr="0">
               <a:noAutofit/>
             </a:bodyPr>
             <a:lstStyle/>
             <a:p>
-              <a:pPr indent="0" lvl="0" marL="0" rtl="0" algn="l">
+              <a:pPr marL="0" lvl="0" indent="0" algn="l" rtl="0">
                 <a:spcBef>
                   <a:spcPts val="0"/>
                 </a:spcBef>
@@ -5192,9 +5221,6 @@
                 </a:spcAft>
                 <a:buNone/>
               </a:pPr>
-              <a:r>
-                <a:t/>
-              </a:r>
               <a:endParaRPr/>
             </a:p>
           </p:txBody>
@@ -5212,7 +5238,7 @@
             </a:xfrm>
             <a:prstGeom prst="diagStripe">
               <a:avLst>
-                <a:gd fmla="val 50000" name="adj"/>
+                <a:gd name="adj" fmla="val 50000"/>
               </a:avLst>
             </a:prstGeom>
             <a:solidFill>
@@ -5225,12 +5251,12 @@
             </a:ln>
           </p:spPr>
           <p:txBody>
-            <a:bodyPr anchorCtr="0" anchor="ctr" bIns="91425" lIns="91425" spcFirstLastPara="1" rIns="91425" wrap="square" tIns="91425">
+            <a:bodyPr spcFirstLastPara="1" wrap="square" lIns="91425" tIns="91425" rIns="91425" bIns="91425" anchor="ctr" anchorCtr="0">
               <a:noAutofit/>
             </a:bodyPr>
             <a:lstStyle/>
             <a:p>
-              <a:pPr indent="0" lvl="0" marL="0" rtl="0" algn="l">
+              <a:pPr marL="0" lvl="0" indent="0" algn="l" rtl="0">
                 <a:spcBef>
                   <a:spcPts val="0"/>
                 </a:spcBef>
@@ -5239,9 +5265,6 @@
                 </a:spcAft>
                 <a:buNone/>
               </a:pPr>
-              <a:r>
-                <a:t/>
-              </a:r>
               <a:endParaRPr/>
             </a:p>
           </p:txBody>
@@ -5259,7 +5282,7 @@
             </a:xfrm>
             <a:prstGeom prst="diagStripe">
               <a:avLst>
-                <a:gd fmla="val 50000" name="adj"/>
+                <a:gd name="adj" fmla="val 50000"/>
               </a:avLst>
             </a:prstGeom>
             <a:solidFill>
@@ -5272,12 +5295,12 @@
             </a:ln>
           </p:spPr>
           <p:txBody>
-            <a:bodyPr anchorCtr="0" anchor="ctr" bIns="91425" lIns="91425" spcFirstLastPara="1" rIns="91425" wrap="square" tIns="91425">
+            <a:bodyPr spcFirstLastPara="1" wrap="square" lIns="91425" tIns="91425" rIns="91425" bIns="91425" anchor="ctr" anchorCtr="0">
               <a:noAutofit/>
             </a:bodyPr>
             <a:lstStyle/>
             <a:p>
-              <a:pPr indent="0" lvl="0" marL="0" rtl="0" algn="l">
+              <a:pPr marL="0" lvl="0" indent="0" algn="l" rtl="0">
                 <a:spcBef>
                   <a:spcPts val="0"/>
                 </a:spcBef>
@@ -5286,9 +5309,6 @@
                 </a:spcAft>
                 <a:buNone/>
               </a:pPr>
-              <a:r>
-                <a:t/>
-              </a:r>
               <a:endParaRPr/>
             </a:p>
           </p:txBody>
@@ -5306,7 +5326,7 @@
             </a:xfrm>
             <a:prstGeom prst="diagStripe">
               <a:avLst>
-                <a:gd fmla="val 50000" name="adj"/>
+                <a:gd name="adj" fmla="val 50000"/>
               </a:avLst>
             </a:prstGeom>
             <a:solidFill>
@@ -5319,12 +5339,12 @@
             </a:ln>
           </p:spPr>
           <p:txBody>
-            <a:bodyPr anchorCtr="0" anchor="ctr" bIns="91425" lIns="91425" spcFirstLastPara="1" rIns="91425" wrap="square" tIns="91425">
+            <a:bodyPr spcFirstLastPara="1" wrap="square" lIns="91425" tIns="91425" rIns="91425" bIns="91425" anchor="ctr" anchorCtr="0">
               <a:noAutofit/>
             </a:bodyPr>
             <a:lstStyle/>
             <a:p>
-              <a:pPr indent="0" lvl="0" marL="0" rtl="0" algn="l">
+              <a:pPr marL="0" lvl="0" indent="0" algn="l" rtl="0">
                 <a:spcBef>
                   <a:spcPts val="0"/>
                 </a:spcBef>
@@ -5333,9 +5353,6 @@
                 </a:spcAft>
                 <a:buNone/>
               </a:pPr>
-              <a:r>
-                <a:t/>
-              </a:r>
               <a:endParaRPr/>
             </a:p>
           </p:txBody>
@@ -5353,7 +5370,7 @@
             </a:xfrm>
             <a:prstGeom prst="diagStripe">
               <a:avLst>
-                <a:gd fmla="val 50000" name="adj"/>
+                <a:gd name="adj" fmla="val 50000"/>
               </a:avLst>
             </a:prstGeom>
             <a:solidFill>
@@ -5364,12 +5381,12 @@
             </a:ln>
           </p:spPr>
           <p:txBody>
-            <a:bodyPr anchorCtr="0" anchor="ctr" bIns="91425" lIns="91425" spcFirstLastPara="1" rIns="91425" wrap="square" tIns="91425">
+            <a:bodyPr spcFirstLastPara="1" wrap="square" lIns="91425" tIns="91425" rIns="91425" bIns="91425" anchor="ctr" anchorCtr="0">
               <a:noAutofit/>
             </a:bodyPr>
             <a:lstStyle/>
             <a:p>
-              <a:pPr indent="0" lvl="0" marL="0" rtl="0" algn="l">
+              <a:pPr marL="0" lvl="0" indent="0" algn="l" rtl="0">
                 <a:spcBef>
                   <a:spcPts val="0"/>
                 </a:spcBef>
@@ -5378,9 +5395,6 @@
                 </a:spcAft>
                 <a:buNone/>
               </a:pPr>
-              <a:r>
-                <a:t/>
-              </a:r>
               <a:endParaRPr/>
             </a:p>
           </p:txBody>
@@ -5398,7 +5412,7 @@
             </a:xfrm>
             <a:prstGeom prst="diagStripe">
               <a:avLst>
-                <a:gd fmla="val 50000" name="adj"/>
+                <a:gd name="adj" fmla="val 50000"/>
               </a:avLst>
             </a:prstGeom>
             <a:solidFill>
@@ -5411,12 +5425,12 @@
             </a:ln>
           </p:spPr>
           <p:txBody>
-            <a:bodyPr anchorCtr="0" anchor="ctr" bIns="91425" lIns="91425" spcFirstLastPara="1" rIns="91425" wrap="square" tIns="91425">
+            <a:bodyPr spcFirstLastPara="1" wrap="square" lIns="91425" tIns="91425" rIns="91425" bIns="91425" anchor="ctr" anchorCtr="0">
               <a:noAutofit/>
             </a:bodyPr>
             <a:lstStyle/>
             <a:p>
-              <a:pPr indent="0" lvl="0" marL="0" rtl="0" algn="l">
+              <a:pPr marL="0" lvl="0" indent="0" algn="l" rtl="0">
                 <a:spcBef>
                   <a:spcPts val="0"/>
                 </a:spcBef>
@@ -5425,9 +5439,6 @@
                 </a:spcAft>
                 <a:buNone/>
               </a:pPr>
-              <a:r>
-                <a:t/>
-              </a:r>
               <a:endParaRPr/>
             </a:p>
           </p:txBody>
@@ -5445,7 +5456,7 @@
             </a:xfrm>
             <a:prstGeom prst="diagStripe">
               <a:avLst>
-                <a:gd fmla="val 50000" name="adj"/>
+                <a:gd name="adj" fmla="val 50000"/>
               </a:avLst>
             </a:prstGeom>
             <a:solidFill>
@@ -5458,12 +5469,12 @@
             </a:ln>
           </p:spPr>
           <p:txBody>
-            <a:bodyPr anchorCtr="0" anchor="ctr" bIns="91425" lIns="91425" spcFirstLastPara="1" rIns="91425" wrap="square" tIns="91425">
+            <a:bodyPr spcFirstLastPara="1" wrap="square" lIns="91425" tIns="91425" rIns="91425" bIns="91425" anchor="ctr" anchorCtr="0">
               <a:noAutofit/>
             </a:bodyPr>
             <a:lstStyle/>
             <a:p>
-              <a:pPr indent="0" lvl="0" marL="0" rtl="0" algn="l">
+              <a:pPr marL="0" lvl="0" indent="0" algn="l" rtl="0">
                 <a:spcBef>
                   <a:spcPts val="0"/>
                 </a:spcBef>
@@ -5472,9 +5483,6 @@
                 </a:spcAft>
                 <a:buNone/>
               </a:pPr>
-              <a:r>
-                <a:t/>
-              </a:r>
               <a:endParaRPr/>
             </a:p>
           </p:txBody>
@@ -5492,7 +5500,7 @@
             </a:xfrm>
             <a:prstGeom prst="diagStripe">
               <a:avLst>
-                <a:gd fmla="val 50000" name="adj"/>
+                <a:gd name="adj" fmla="val 50000"/>
               </a:avLst>
             </a:prstGeom>
             <a:solidFill>
@@ -5505,12 +5513,12 @@
             </a:ln>
           </p:spPr>
           <p:txBody>
-            <a:bodyPr anchorCtr="0" anchor="ctr" bIns="91425" lIns="91425" spcFirstLastPara="1" rIns="91425" wrap="square" tIns="91425">
+            <a:bodyPr spcFirstLastPara="1" wrap="square" lIns="91425" tIns="91425" rIns="91425" bIns="91425" anchor="ctr" anchorCtr="0">
               <a:noAutofit/>
             </a:bodyPr>
             <a:lstStyle/>
             <a:p>
-              <a:pPr indent="0" lvl="0" marL="0" rtl="0" algn="l">
+              <a:pPr marL="0" lvl="0" indent="0" algn="l" rtl="0">
                 <a:spcBef>
                   <a:spcPts val="0"/>
                 </a:spcBef>
@@ -5519,9 +5527,6 @@
                 </a:spcAft>
                 <a:buNone/>
               </a:pPr>
-              <a:r>
-                <a:t/>
-              </a:r>
               <a:endParaRPr/>
             </a:p>
           </p:txBody>
@@ -5539,7 +5544,7 @@
             </a:xfrm>
             <a:prstGeom prst="diagStripe">
               <a:avLst>
-                <a:gd fmla="val 50000" name="adj"/>
+                <a:gd name="adj" fmla="val 50000"/>
               </a:avLst>
             </a:prstGeom>
             <a:solidFill>
@@ -5552,12 +5557,12 @@
             </a:ln>
           </p:spPr>
           <p:txBody>
-            <a:bodyPr anchorCtr="0" anchor="ctr" bIns="91425" lIns="91425" spcFirstLastPara="1" rIns="91425" wrap="square" tIns="91425">
+            <a:bodyPr spcFirstLastPara="1" wrap="square" lIns="91425" tIns="91425" rIns="91425" bIns="91425" anchor="ctr" anchorCtr="0">
               <a:noAutofit/>
             </a:bodyPr>
             <a:lstStyle/>
             <a:p>
-              <a:pPr indent="0" lvl="0" marL="0" rtl="0" algn="l">
+              <a:pPr marL="0" lvl="0" indent="0" algn="l" rtl="0">
                 <a:spcBef>
                   <a:spcPts val="0"/>
                 </a:spcBef>
@@ -5566,9 +5571,6 @@
                 </a:spcAft>
                 <a:buNone/>
               </a:pPr>
-              <a:r>
-                <a:t/>
-              </a:r>
               <a:endParaRPr/>
             </a:p>
           </p:txBody>
@@ -5577,7 +5579,9 @@
       <p:sp>
         <p:nvSpPr>
           <p:cNvPr id="39" name="Google Shape;39;p3"/>
-          <p:cNvSpPr txBox="1"/>
+          <p:cNvSpPr txBox="1">
+            <a:spLocks noGrp="1"/>
+          </p:cNvSpPr>
           <p:nvPr>
             <p:ph type="title"/>
           </p:nvPr>
@@ -5592,7 +5596,7 @@
           </a:prstGeom>
         </p:spPr>
         <p:txBody>
-          <a:bodyPr anchorCtr="0" anchor="ctr" bIns="91425" lIns="91425" spcFirstLastPara="1" rIns="91425" wrap="square" tIns="91425"/>
+          <a:bodyPr spcFirstLastPara="1" wrap="square" lIns="91425" tIns="91425" rIns="91425" bIns="91425" anchor="ctr" anchorCtr="0"/>
           <a:lstStyle>
             <a:lvl1pPr lvl="0">
               <a:spcBef>
@@ -5694,15 +5698,19 @@
               <a:defRPr/>
             </a:lvl9pPr>
           </a:lstStyle>
-          <a:p/>
+          <a:p>
+            <a:endParaRPr/>
+          </a:p>
         </p:txBody>
       </p:sp>
       <p:sp>
         <p:nvSpPr>
           <p:cNvPr id="40" name="Google Shape;40;p3"/>
-          <p:cNvSpPr txBox="1"/>
+          <p:cNvSpPr txBox="1">
+            <a:spLocks noGrp="1"/>
+          </p:cNvSpPr>
           <p:nvPr>
-            <p:ph idx="12" type="sldNum"/>
+            <p:ph type="sldNum" idx="12"/>
           </p:nvPr>
         </p:nvSpPr>
         <p:spPr>
@@ -5715,7 +5723,7 @@
           </a:prstGeom>
         </p:spPr>
         <p:txBody>
-          <a:bodyPr anchorCtr="0" anchor="ctr" bIns="91425" lIns="91425" spcFirstLastPara="1" rIns="91425" wrap="square" tIns="91425">
+          <a:bodyPr spcFirstLastPara="1" wrap="square" lIns="91425" tIns="91425" rIns="91425" bIns="91425" anchor="ctr" anchorCtr="0">
             <a:noAutofit/>
           </a:bodyPr>
           <a:lstStyle>
@@ -5757,7 +5765,7 @@
             </a:lvl9pPr>
           </a:lstStyle>
           <a:p>
-            <a:pPr indent="0" lvl="0" marL="0" rtl="0" algn="r">
+            <a:pPr marL="0" lvl="0" indent="0" algn="r" rtl="0">
               <a:spcBef>
                 <a:spcPts val="0"/>
               </a:spcBef>
@@ -5783,11 +5791,11 @@
 </file>
 
 <file path=ppt/slideLayouts/slideLayout3.xml><?xml version="1.0" encoding="utf-8"?>
-<p:sldLayout xmlns:a="http://schemas.openxmlformats.org/drawingml/2006/main" xmlns:r="http://schemas.openxmlformats.org/officeDocument/2006/relationships" xmlns:mc="http://schemas.openxmlformats.org/markup-compatibility/2006" xmlns:mv="urn:schemas-microsoft-com:mac:vml" xmlns:p="http://schemas.openxmlformats.org/presentationml/2006/main" xmlns:c="http://schemas.openxmlformats.org/drawingml/2006/chart" xmlns:dgm="http://schemas.openxmlformats.org/drawingml/2006/diagram" xmlns:o="urn:schemas-microsoft-com:office:office" xmlns:v="urn:schemas-microsoft-com:vml" xmlns:pvml="urn:schemas-microsoft-com:office:powerpoint" xmlns:com="http://schemas.openxmlformats.org/drawingml/2006/compatibility" xmlns:p14="http://schemas.microsoft.com/office/powerpoint/2010/main" xmlns:p15="http://schemas.microsoft.com/office/powerpoint/2012/main" matchingName="Title and body" type="tx">
+<p:sldLayout xmlns:a="http://schemas.openxmlformats.org/drawingml/2006/main" xmlns:r="http://schemas.openxmlformats.org/officeDocument/2006/relationships" xmlns:p="http://schemas.openxmlformats.org/presentationml/2006/main" matchingName="Title and body" type="tx">
   <p:cSld name="TITLE_AND_BODY">
     <p:spTree>
       <p:nvGrpSpPr>
-        <p:cNvPr id="41" name="Shape 41"/>
+        <p:cNvPr id="1" name="Shape 41"/>
         <p:cNvGrpSpPr/>
         <p:nvPr/>
       </p:nvGrpSpPr>
@@ -5826,7 +5834,7 @@
             </a:xfrm>
             <a:prstGeom prst="diagStripe">
               <a:avLst>
-                <a:gd fmla="val 50000" name="adj"/>
+                <a:gd name="adj" fmla="val 50000"/>
               </a:avLst>
             </a:prstGeom>
             <a:solidFill>
@@ -5837,12 +5845,12 @@
             </a:ln>
           </p:spPr>
           <p:txBody>
-            <a:bodyPr anchorCtr="0" anchor="ctr" bIns="91425" lIns="91425" spcFirstLastPara="1" rIns="91425" wrap="square" tIns="91425">
+            <a:bodyPr spcFirstLastPara="1" wrap="square" lIns="91425" tIns="91425" rIns="91425" bIns="91425" anchor="ctr" anchorCtr="0">
               <a:noAutofit/>
             </a:bodyPr>
             <a:lstStyle/>
             <a:p>
-              <a:pPr indent="0" lvl="0" marL="0" rtl="0" algn="l">
+              <a:pPr marL="0" lvl="0" indent="0" algn="l" rtl="0">
                 <a:spcBef>
                   <a:spcPts val="0"/>
                 </a:spcBef>
@@ -5851,9 +5859,6 @@
                 </a:spcAft>
                 <a:buNone/>
               </a:pPr>
-              <a:r>
-                <a:t/>
-              </a:r>
               <a:endParaRPr/>
             </a:p>
           </p:txBody>
@@ -5871,7 +5876,7 @@
             </a:xfrm>
             <a:prstGeom prst="diagStripe">
               <a:avLst>
-                <a:gd fmla="val 50000" name="adj"/>
+                <a:gd name="adj" fmla="val 50000"/>
               </a:avLst>
             </a:prstGeom>
             <a:solidFill>
@@ -5882,12 +5887,12 @@
             </a:ln>
           </p:spPr>
           <p:txBody>
-            <a:bodyPr anchorCtr="0" anchor="ctr" bIns="91425" lIns="91425" spcFirstLastPara="1" rIns="91425" wrap="square" tIns="91425">
+            <a:bodyPr spcFirstLastPara="1" wrap="square" lIns="91425" tIns="91425" rIns="91425" bIns="91425" anchor="ctr" anchorCtr="0">
               <a:noAutofit/>
             </a:bodyPr>
             <a:lstStyle/>
             <a:p>
-              <a:pPr indent="0" lvl="0" marL="0" rtl="0" algn="l">
+              <a:pPr marL="0" lvl="0" indent="0" algn="l" rtl="0">
                 <a:spcBef>
                   <a:spcPts val="0"/>
                 </a:spcBef>
@@ -5896,9 +5901,6 @@
                 </a:spcAft>
                 <a:buNone/>
               </a:pPr>
-              <a:r>
-                <a:t/>
-              </a:r>
               <a:endParaRPr/>
             </a:p>
           </p:txBody>
@@ -5907,7 +5909,9 @@
       <p:sp>
         <p:nvSpPr>
           <p:cNvPr id="45" name="Google Shape;45;p4"/>
-          <p:cNvSpPr txBox="1"/>
+          <p:cNvSpPr txBox="1">
+            <a:spLocks noGrp="1"/>
+          </p:cNvSpPr>
           <p:nvPr>
             <p:ph type="title"/>
           </p:nvPr>
@@ -5922,7 +5926,7 @@
           </a:prstGeom>
         </p:spPr>
         <p:txBody>
-          <a:bodyPr anchorCtr="0" anchor="t" bIns="91425" lIns="91425" spcFirstLastPara="1" rIns="91425" wrap="square" tIns="91425"/>
+          <a:bodyPr spcFirstLastPara="1" wrap="square" lIns="91425" tIns="91425" rIns="91425" bIns="91425" anchor="t" anchorCtr="0"/>
           <a:lstStyle>
             <a:lvl1pPr lvl="0">
               <a:spcBef>
@@ -6024,15 +6028,19 @@
               <a:defRPr sz="2400"/>
             </a:lvl9pPr>
           </a:lstStyle>
-          <a:p/>
+          <a:p>
+            <a:endParaRPr/>
+          </a:p>
         </p:txBody>
       </p:sp>
       <p:sp>
         <p:nvSpPr>
           <p:cNvPr id="46" name="Google Shape;46;p4"/>
-          <p:cNvSpPr txBox="1"/>
+          <p:cNvSpPr txBox="1">
+            <a:spLocks noGrp="1"/>
+          </p:cNvSpPr>
           <p:nvPr>
-            <p:ph idx="1" type="body"/>
+            <p:ph type="body" idx="1"/>
           </p:nvPr>
         </p:nvSpPr>
         <p:spPr>
@@ -6045,9 +6053,9 @@
           </a:prstGeom>
         </p:spPr>
         <p:txBody>
-          <a:bodyPr anchorCtr="0" anchor="t" bIns="91425" lIns="91425" spcFirstLastPara="1" rIns="91425" wrap="square" tIns="91425"/>
+          <a:bodyPr spcFirstLastPara="1" wrap="square" lIns="91425" tIns="91425" rIns="91425" bIns="91425" anchor="t" anchorCtr="0"/>
           <a:lstStyle>
-            <a:lvl1pPr indent="-311150" lvl="0" marL="457200">
+            <a:lvl1pPr marL="457200" lvl="0" indent="-311150">
               <a:spcBef>
                 <a:spcPts val="0"/>
               </a:spcBef>
@@ -6058,7 +6066,7 @@
               <a:buChar char="●"/>
               <a:defRPr/>
             </a:lvl1pPr>
-            <a:lvl2pPr indent="-298450" lvl="1" marL="914400">
+            <a:lvl2pPr marL="914400" lvl="1" indent="-298450">
               <a:spcBef>
                 <a:spcPts val="1600"/>
               </a:spcBef>
@@ -6069,7 +6077,7 @@
               <a:buChar char="○"/>
               <a:defRPr/>
             </a:lvl2pPr>
-            <a:lvl3pPr indent="-298450" lvl="2" marL="1371600">
+            <a:lvl3pPr marL="1371600" lvl="2" indent="-298450">
               <a:spcBef>
                 <a:spcPts val="1600"/>
               </a:spcBef>
@@ -6080,7 +6088,7 @@
               <a:buChar char="■"/>
               <a:defRPr/>
             </a:lvl3pPr>
-            <a:lvl4pPr indent="-298450" lvl="3" marL="1828800">
+            <a:lvl4pPr marL="1828800" lvl="3" indent="-298450">
               <a:spcBef>
                 <a:spcPts val="1600"/>
               </a:spcBef>
@@ -6091,7 +6099,7 @@
               <a:buChar char="●"/>
               <a:defRPr/>
             </a:lvl4pPr>
-            <a:lvl5pPr indent="-298450" lvl="4" marL="2286000">
+            <a:lvl5pPr marL="2286000" lvl="4" indent="-298450">
               <a:spcBef>
                 <a:spcPts val="1600"/>
               </a:spcBef>
@@ -6102,7 +6110,7 @@
               <a:buChar char="○"/>
               <a:defRPr/>
             </a:lvl5pPr>
-            <a:lvl6pPr indent="-298450" lvl="5" marL="2743200">
+            <a:lvl6pPr marL="2743200" lvl="5" indent="-298450">
               <a:spcBef>
                 <a:spcPts val="1600"/>
               </a:spcBef>
@@ -6113,7 +6121,7 @@
               <a:buChar char="■"/>
               <a:defRPr/>
             </a:lvl6pPr>
-            <a:lvl7pPr indent="-298450" lvl="6" marL="3200400">
+            <a:lvl7pPr marL="3200400" lvl="6" indent="-298450">
               <a:spcBef>
                 <a:spcPts val="1600"/>
               </a:spcBef>
@@ -6124,7 +6132,7 @@
               <a:buChar char="●"/>
               <a:defRPr/>
             </a:lvl7pPr>
-            <a:lvl8pPr indent="-298450" lvl="7" marL="3657600">
+            <a:lvl8pPr marL="3657600" lvl="7" indent="-298450">
               <a:spcBef>
                 <a:spcPts val="1600"/>
               </a:spcBef>
@@ -6135,7 +6143,7 @@
               <a:buChar char="○"/>
               <a:defRPr/>
             </a:lvl8pPr>
-            <a:lvl9pPr indent="-298450" lvl="8" marL="4114800">
+            <a:lvl9pPr marL="4114800" lvl="8" indent="-298450">
               <a:spcBef>
                 <a:spcPts val="1600"/>
               </a:spcBef>
@@ -6147,15 +6155,19 @@
               <a:defRPr/>
             </a:lvl9pPr>
           </a:lstStyle>
-          <a:p/>
+          <a:p>
+            <a:endParaRPr/>
+          </a:p>
         </p:txBody>
       </p:sp>
       <p:sp>
         <p:nvSpPr>
           <p:cNvPr id="47" name="Google Shape;47;p4"/>
-          <p:cNvSpPr txBox="1"/>
+          <p:cNvSpPr txBox="1">
+            <a:spLocks noGrp="1"/>
+          </p:cNvSpPr>
           <p:nvPr>
-            <p:ph idx="12" type="sldNum"/>
+            <p:ph type="sldNum" idx="12"/>
           </p:nvPr>
         </p:nvSpPr>
         <p:spPr>
@@ -6168,7 +6180,7 @@
           </a:prstGeom>
         </p:spPr>
         <p:txBody>
-          <a:bodyPr anchorCtr="0" anchor="ctr" bIns="91425" lIns="91425" spcFirstLastPara="1" rIns="91425" wrap="square" tIns="91425">
+          <a:bodyPr spcFirstLastPara="1" wrap="square" lIns="91425" tIns="91425" rIns="91425" bIns="91425" anchor="ctr" anchorCtr="0">
             <a:noAutofit/>
           </a:bodyPr>
           <a:lstStyle>
@@ -6210,7 +6222,7 @@
             </a:lvl9pPr>
           </a:lstStyle>
           <a:p>
-            <a:pPr indent="0" lvl="0" marL="0" rtl="0" algn="r">
+            <a:pPr marL="0" lvl="0" indent="0" algn="r" rtl="0">
               <a:spcBef>
                 <a:spcPts val="0"/>
               </a:spcBef>
@@ -6236,11 +6248,11 @@
 </file>
 
 <file path=ppt/slideLayouts/slideLayout4.xml><?xml version="1.0" encoding="utf-8"?>
-<p:sldLayout xmlns:a="http://schemas.openxmlformats.org/drawingml/2006/main" xmlns:r="http://schemas.openxmlformats.org/officeDocument/2006/relationships" xmlns:mc="http://schemas.openxmlformats.org/markup-compatibility/2006" xmlns:mv="urn:schemas-microsoft-com:mac:vml" xmlns:p="http://schemas.openxmlformats.org/presentationml/2006/main" xmlns:c="http://schemas.openxmlformats.org/drawingml/2006/chart" xmlns:dgm="http://schemas.openxmlformats.org/drawingml/2006/diagram" xmlns:o="urn:schemas-microsoft-com:office:office" xmlns:v="urn:schemas-microsoft-com:vml" xmlns:pvml="urn:schemas-microsoft-com:office:powerpoint" xmlns:com="http://schemas.openxmlformats.org/drawingml/2006/compatibility" xmlns:p14="http://schemas.microsoft.com/office/powerpoint/2010/main" xmlns:p15="http://schemas.microsoft.com/office/powerpoint/2012/main" matchingName="Title and two columns" type="twoColTx">
+<p:sldLayout xmlns:a="http://schemas.openxmlformats.org/drawingml/2006/main" xmlns:r="http://schemas.openxmlformats.org/officeDocument/2006/relationships" xmlns:p="http://schemas.openxmlformats.org/presentationml/2006/main" matchingName="Title and two columns" type="twoColTx">
   <p:cSld name="TITLE_AND_TWO_COLUMNS">
     <p:spTree>
       <p:nvGrpSpPr>
-        <p:cNvPr id="48" name="Shape 48"/>
+        <p:cNvPr id="1" name="Shape 48"/>
         <p:cNvGrpSpPr/>
         <p:nvPr/>
       </p:nvGrpSpPr>
@@ -6279,7 +6291,7 @@
             </a:xfrm>
             <a:prstGeom prst="diagStripe">
               <a:avLst>
-                <a:gd fmla="val 50000" name="adj"/>
+                <a:gd name="adj" fmla="val 50000"/>
               </a:avLst>
             </a:prstGeom>
             <a:solidFill>
@@ -6290,12 +6302,12 @@
             </a:ln>
           </p:spPr>
           <p:txBody>
-            <a:bodyPr anchorCtr="0" anchor="ctr" bIns="91425" lIns="91425" spcFirstLastPara="1" rIns="91425" wrap="square" tIns="91425">
+            <a:bodyPr spcFirstLastPara="1" wrap="square" lIns="91425" tIns="91425" rIns="91425" bIns="91425" anchor="ctr" anchorCtr="0">
               <a:noAutofit/>
             </a:bodyPr>
             <a:lstStyle/>
             <a:p>
-              <a:pPr indent="0" lvl="0" marL="0" rtl="0" algn="l">
+              <a:pPr marL="0" lvl="0" indent="0" algn="l" rtl="0">
                 <a:spcBef>
                   <a:spcPts val="0"/>
                 </a:spcBef>
@@ -6304,9 +6316,6 @@
                 </a:spcAft>
                 <a:buNone/>
               </a:pPr>
-              <a:r>
-                <a:t/>
-              </a:r>
               <a:endParaRPr/>
             </a:p>
           </p:txBody>
@@ -6324,7 +6333,7 @@
             </a:xfrm>
             <a:prstGeom prst="diagStripe">
               <a:avLst>
-                <a:gd fmla="val 50000" name="adj"/>
+                <a:gd name="adj" fmla="val 50000"/>
               </a:avLst>
             </a:prstGeom>
             <a:solidFill>
@@ -6335,12 +6344,12 @@
             </a:ln>
           </p:spPr>
           <p:txBody>
-            <a:bodyPr anchorCtr="0" anchor="ctr" bIns="91425" lIns="91425" spcFirstLastPara="1" rIns="91425" wrap="square" tIns="91425">
+            <a:bodyPr spcFirstLastPara="1" wrap="square" lIns="91425" tIns="91425" rIns="91425" bIns="91425" anchor="ctr" anchorCtr="0">
               <a:noAutofit/>
             </a:bodyPr>
             <a:lstStyle/>
             <a:p>
-              <a:pPr indent="0" lvl="0" marL="0" rtl="0" algn="l">
+              <a:pPr marL="0" lvl="0" indent="0" algn="l" rtl="0">
                 <a:spcBef>
                   <a:spcPts val="0"/>
                 </a:spcBef>
@@ -6349,9 +6358,6 @@
                 </a:spcAft>
                 <a:buNone/>
               </a:pPr>
-              <a:r>
-                <a:t/>
-              </a:r>
               <a:endParaRPr/>
             </a:p>
           </p:txBody>
@@ -6360,7 +6366,9 @@
       <p:sp>
         <p:nvSpPr>
           <p:cNvPr id="52" name="Google Shape;52;p5"/>
-          <p:cNvSpPr txBox="1"/>
+          <p:cNvSpPr txBox="1">
+            <a:spLocks noGrp="1"/>
+          </p:cNvSpPr>
           <p:nvPr>
             <p:ph type="title"/>
           </p:nvPr>
@@ -6375,7 +6383,7 @@
           </a:prstGeom>
         </p:spPr>
         <p:txBody>
-          <a:bodyPr anchorCtr="0" anchor="t" bIns="91425" lIns="91425" spcFirstLastPara="1" rIns="91425" wrap="square" tIns="91425"/>
+          <a:bodyPr spcFirstLastPara="1" wrap="square" lIns="91425" tIns="91425" rIns="91425" bIns="91425" anchor="t" anchorCtr="0"/>
           <a:lstStyle>
             <a:lvl1pPr lvl="0">
               <a:spcBef>
@@ -6477,15 +6485,19 @@
               <a:defRPr sz="2400"/>
             </a:lvl9pPr>
           </a:lstStyle>
-          <a:p/>
+          <a:p>
+            <a:endParaRPr/>
+          </a:p>
         </p:txBody>
       </p:sp>
       <p:sp>
         <p:nvSpPr>
           <p:cNvPr id="53" name="Google Shape;53;p5"/>
-          <p:cNvSpPr txBox="1"/>
+          <p:cNvSpPr txBox="1">
+            <a:spLocks noGrp="1"/>
+          </p:cNvSpPr>
           <p:nvPr>
-            <p:ph idx="1" type="body"/>
+            <p:ph type="body" idx="1"/>
           </p:nvPr>
         </p:nvSpPr>
         <p:spPr>
@@ -6498,9 +6510,9 @@
           </a:prstGeom>
         </p:spPr>
         <p:txBody>
-          <a:bodyPr anchorCtr="0" anchor="t" bIns="91425" lIns="91425" spcFirstLastPara="1" rIns="91425" wrap="square" tIns="91425"/>
+          <a:bodyPr spcFirstLastPara="1" wrap="square" lIns="91425" tIns="91425" rIns="91425" bIns="91425" anchor="t" anchorCtr="0"/>
           <a:lstStyle>
-            <a:lvl1pPr indent="-311150" lvl="0" marL="457200">
+            <a:lvl1pPr marL="457200" lvl="0" indent="-311150">
               <a:spcBef>
                 <a:spcPts val="0"/>
               </a:spcBef>
@@ -6511,7 +6523,7 @@
               <a:buChar char="●"/>
               <a:defRPr/>
             </a:lvl1pPr>
-            <a:lvl2pPr indent="-298450" lvl="1" marL="914400">
+            <a:lvl2pPr marL="914400" lvl="1" indent="-298450">
               <a:spcBef>
                 <a:spcPts val="1600"/>
               </a:spcBef>
@@ -6522,7 +6534,7 @@
               <a:buChar char="○"/>
               <a:defRPr/>
             </a:lvl2pPr>
-            <a:lvl3pPr indent="-298450" lvl="2" marL="1371600">
+            <a:lvl3pPr marL="1371600" lvl="2" indent="-298450">
               <a:spcBef>
                 <a:spcPts val="1600"/>
               </a:spcBef>
@@ -6533,7 +6545,7 @@
               <a:buChar char="■"/>
               <a:defRPr/>
             </a:lvl3pPr>
-            <a:lvl4pPr indent="-298450" lvl="3" marL="1828800">
+            <a:lvl4pPr marL="1828800" lvl="3" indent="-298450">
               <a:spcBef>
                 <a:spcPts val="1600"/>
               </a:spcBef>
@@ -6544,7 +6556,7 @@
               <a:buChar char="●"/>
               <a:defRPr/>
             </a:lvl4pPr>
-            <a:lvl5pPr indent="-298450" lvl="4" marL="2286000">
+            <a:lvl5pPr marL="2286000" lvl="4" indent="-298450">
               <a:spcBef>
                 <a:spcPts val="1600"/>
               </a:spcBef>
@@ -6555,7 +6567,7 @@
               <a:buChar char="○"/>
               <a:defRPr/>
             </a:lvl5pPr>
-            <a:lvl6pPr indent="-298450" lvl="5" marL="2743200">
+            <a:lvl6pPr marL="2743200" lvl="5" indent="-298450">
               <a:spcBef>
                 <a:spcPts val="1600"/>
               </a:spcBef>
@@ -6566,7 +6578,7 @@
               <a:buChar char="■"/>
               <a:defRPr/>
             </a:lvl6pPr>
-            <a:lvl7pPr indent="-298450" lvl="6" marL="3200400">
+            <a:lvl7pPr marL="3200400" lvl="6" indent="-298450">
               <a:spcBef>
                 <a:spcPts val="1600"/>
               </a:spcBef>
@@ -6577,7 +6589,7 @@
               <a:buChar char="●"/>
               <a:defRPr/>
             </a:lvl7pPr>
-            <a:lvl8pPr indent="-298450" lvl="7" marL="3657600">
+            <a:lvl8pPr marL="3657600" lvl="7" indent="-298450">
               <a:spcBef>
                 <a:spcPts val="1600"/>
               </a:spcBef>
@@ -6588,7 +6600,7 @@
               <a:buChar char="○"/>
               <a:defRPr/>
             </a:lvl8pPr>
-            <a:lvl9pPr indent="-298450" lvl="8" marL="4114800">
+            <a:lvl9pPr marL="4114800" lvl="8" indent="-298450">
               <a:spcBef>
                 <a:spcPts val="1600"/>
               </a:spcBef>
@@ -6600,15 +6612,19 @@
               <a:defRPr/>
             </a:lvl9pPr>
           </a:lstStyle>
-          <a:p/>
+          <a:p>
+            <a:endParaRPr/>
+          </a:p>
         </p:txBody>
       </p:sp>
       <p:sp>
         <p:nvSpPr>
           <p:cNvPr id="54" name="Google Shape;54;p5"/>
-          <p:cNvSpPr txBox="1"/>
+          <p:cNvSpPr txBox="1">
+            <a:spLocks noGrp="1"/>
+          </p:cNvSpPr>
           <p:nvPr>
-            <p:ph idx="2" type="body"/>
+            <p:ph type="body" idx="2"/>
           </p:nvPr>
         </p:nvSpPr>
         <p:spPr>
@@ -6621,9 +6637,9 @@
           </a:prstGeom>
         </p:spPr>
         <p:txBody>
-          <a:bodyPr anchorCtr="0" anchor="t" bIns="91425" lIns="91425" spcFirstLastPara="1" rIns="91425" wrap="square" tIns="91425"/>
+          <a:bodyPr spcFirstLastPara="1" wrap="square" lIns="91425" tIns="91425" rIns="91425" bIns="91425" anchor="t" anchorCtr="0"/>
           <a:lstStyle>
-            <a:lvl1pPr indent="-311150" lvl="0" marL="457200">
+            <a:lvl1pPr marL="457200" lvl="0" indent="-311150">
               <a:spcBef>
                 <a:spcPts val="0"/>
               </a:spcBef>
@@ -6634,7 +6650,7 @@
               <a:buChar char="●"/>
               <a:defRPr/>
             </a:lvl1pPr>
-            <a:lvl2pPr indent="-298450" lvl="1" marL="914400">
+            <a:lvl2pPr marL="914400" lvl="1" indent="-298450">
               <a:spcBef>
                 <a:spcPts val="1600"/>
               </a:spcBef>
@@ -6645,7 +6661,7 @@
               <a:buChar char="○"/>
               <a:defRPr/>
             </a:lvl2pPr>
-            <a:lvl3pPr indent="-298450" lvl="2" marL="1371600">
+            <a:lvl3pPr marL="1371600" lvl="2" indent="-298450">
               <a:spcBef>
                 <a:spcPts val="1600"/>
               </a:spcBef>
@@ -6656,7 +6672,7 @@
               <a:buChar char="■"/>
               <a:defRPr/>
             </a:lvl3pPr>
-            <a:lvl4pPr indent="-298450" lvl="3" marL="1828800">
+            <a:lvl4pPr marL="1828800" lvl="3" indent="-298450">
               <a:spcBef>
                 <a:spcPts val="1600"/>
               </a:spcBef>
@@ -6667,7 +6683,7 @@
               <a:buChar char="●"/>
               <a:defRPr/>
             </a:lvl4pPr>
-            <a:lvl5pPr indent="-298450" lvl="4" marL="2286000">
+            <a:lvl5pPr marL="2286000" lvl="4" indent="-298450">
               <a:spcBef>
                 <a:spcPts val="1600"/>
               </a:spcBef>
@@ -6678,7 +6694,7 @@
               <a:buChar char="○"/>
               <a:defRPr/>
             </a:lvl5pPr>
-            <a:lvl6pPr indent="-298450" lvl="5" marL="2743200">
+            <a:lvl6pPr marL="2743200" lvl="5" indent="-298450">
               <a:spcBef>
                 <a:spcPts val="1600"/>
               </a:spcBef>
@@ -6689,7 +6705,7 @@
               <a:buChar char="■"/>
               <a:defRPr/>
             </a:lvl6pPr>
-            <a:lvl7pPr indent="-298450" lvl="6" marL="3200400">
+            <a:lvl7pPr marL="3200400" lvl="6" indent="-298450">
               <a:spcBef>
                 <a:spcPts val="1600"/>
               </a:spcBef>
@@ -6700,7 +6716,7 @@
               <a:buChar char="●"/>
               <a:defRPr/>
             </a:lvl7pPr>
-            <a:lvl8pPr indent="-298450" lvl="7" marL="3657600">
+            <a:lvl8pPr marL="3657600" lvl="7" indent="-298450">
               <a:spcBef>
                 <a:spcPts val="1600"/>
               </a:spcBef>
@@ -6711,7 +6727,7 @@
               <a:buChar char="○"/>
               <a:defRPr/>
             </a:lvl8pPr>
-            <a:lvl9pPr indent="-298450" lvl="8" marL="4114800">
+            <a:lvl9pPr marL="4114800" lvl="8" indent="-298450">
               <a:spcBef>
                 <a:spcPts val="1600"/>
               </a:spcBef>
@@ -6723,15 +6739,19 @@
               <a:defRPr/>
             </a:lvl9pPr>
           </a:lstStyle>
-          <a:p/>
+          <a:p>
+            <a:endParaRPr/>
+          </a:p>
         </p:txBody>
       </p:sp>
       <p:sp>
         <p:nvSpPr>
           <p:cNvPr id="55" name="Google Shape;55;p5"/>
-          <p:cNvSpPr txBox="1"/>
+          <p:cNvSpPr txBox="1">
+            <a:spLocks noGrp="1"/>
+          </p:cNvSpPr>
           <p:nvPr>
-            <p:ph idx="12" type="sldNum"/>
+            <p:ph type="sldNum" idx="12"/>
           </p:nvPr>
         </p:nvSpPr>
         <p:spPr>
@@ -6744,7 +6764,7 @@
           </a:prstGeom>
         </p:spPr>
         <p:txBody>
-          <a:bodyPr anchorCtr="0" anchor="ctr" bIns="91425" lIns="91425" spcFirstLastPara="1" rIns="91425" wrap="square" tIns="91425">
+          <a:bodyPr spcFirstLastPara="1" wrap="square" lIns="91425" tIns="91425" rIns="91425" bIns="91425" anchor="ctr" anchorCtr="0">
             <a:noAutofit/>
           </a:bodyPr>
           <a:lstStyle>
@@ -6786,7 +6806,7 @@
             </a:lvl9pPr>
           </a:lstStyle>
           <a:p>
-            <a:pPr indent="0" lvl="0" marL="0" rtl="0" algn="r">
+            <a:pPr marL="0" lvl="0" indent="0" algn="r" rtl="0">
               <a:spcBef>
                 <a:spcPts val="0"/>
               </a:spcBef>
@@ -6812,11 +6832,11 @@
 </file>
 
 <file path=ppt/slideLayouts/slideLayout5.xml><?xml version="1.0" encoding="utf-8"?>
-<p:sldLayout xmlns:a="http://schemas.openxmlformats.org/drawingml/2006/main" xmlns:r="http://schemas.openxmlformats.org/officeDocument/2006/relationships" xmlns:mc="http://schemas.openxmlformats.org/markup-compatibility/2006" xmlns:mv="urn:schemas-microsoft-com:mac:vml" xmlns:p="http://schemas.openxmlformats.org/presentationml/2006/main" xmlns:c="http://schemas.openxmlformats.org/drawingml/2006/chart" xmlns:dgm="http://schemas.openxmlformats.org/drawingml/2006/diagram" xmlns:o="urn:schemas-microsoft-com:office:office" xmlns:v="urn:schemas-microsoft-com:vml" xmlns:pvml="urn:schemas-microsoft-com:office:powerpoint" xmlns:com="http://schemas.openxmlformats.org/drawingml/2006/compatibility" xmlns:p14="http://schemas.microsoft.com/office/powerpoint/2010/main" xmlns:p15="http://schemas.microsoft.com/office/powerpoint/2012/main" matchingName="Title only" type="titleOnly">
+<p:sldLayout xmlns:a="http://schemas.openxmlformats.org/drawingml/2006/main" xmlns:r="http://schemas.openxmlformats.org/officeDocument/2006/relationships" xmlns:p="http://schemas.openxmlformats.org/presentationml/2006/main" matchingName="Title only" type="titleOnly">
   <p:cSld name="TITLE_ONLY">
     <p:spTree>
       <p:nvGrpSpPr>
-        <p:cNvPr id="56" name="Shape 56"/>
+        <p:cNvPr id="1" name="Shape 56"/>
         <p:cNvGrpSpPr/>
         <p:nvPr/>
       </p:nvGrpSpPr>
@@ -6855,7 +6875,7 @@
             </a:xfrm>
             <a:prstGeom prst="diagStripe">
               <a:avLst>
-                <a:gd fmla="val 50000" name="adj"/>
+                <a:gd name="adj" fmla="val 50000"/>
               </a:avLst>
             </a:prstGeom>
             <a:solidFill>
@@ -6866,12 +6886,12 @@
             </a:ln>
           </p:spPr>
           <p:txBody>
-            <a:bodyPr anchorCtr="0" anchor="ctr" bIns="91425" lIns="91425" spcFirstLastPara="1" rIns="91425" wrap="square" tIns="91425">
+            <a:bodyPr spcFirstLastPara="1" wrap="square" lIns="91425" tIns="91425" rIns="91425" bIns="91425" anchor="ctr" anchorCtr="0">
               <a:noAutofit/>
             </a:bodyPr>
             <a:lstStyle/>
             <a:p>
-              <a:pPr indent="0" lvl="0" marL="0" rtl="0" algn="l">
+              <a:pPr marL="0" lvl="0" indent="0" algn="l" rtl="0">
                 <a:spcBef>
                   <a:spcPts val="0"/>
                 </a:spcBef>
@@ -6880,9 +6900,6 @@
                 </a:spcAft>
                 <a:buNone/>
               </a:pPr>
-              <a:r>
-                <a:t/>
-              </a:r>
               <a:endParaRPr/>
             </a:p>
           </p:txBody>
@@ -6900,7 +6917,7 @@
             </a:xfrm>
             <a:prstGeom prst="diagStripe">
               <a:avLst>
-                <a:gd fmla="val 50000" name="adj"/>
+                <a:gd name="adj" fmla="val 50000"/>
               </a:avLst>
             </a:prstGeom>
             <a:solidFill>
@@ -6911,12 +6928,12 @@
             </a:ln>
           </p:spPr>
           <p:txBody>
-            <a:bodyPr anchorCtr="0" anchor="ctr" bIns="91425" lIns="91425" spcFirstLastPara="1" rIns="91425" wrap="square" tIns="91425">
+            <a:bodyPr spcFirstLastPara="1" wrap="square" lIns="91425" tIns="91425" rIns="91425" bIns="91425" anchor="ctr" anchorCtr="0">
               <a:noAutofit/>
             </a:bodyPr>
             <a:lstStyle/>
             <a:p>
-              <a:pPr indent="0" lvl="0" marL="0" rtl="0" algn="l">
+              <a:pPr marL="0" lvl="0" indent="0" algn="l" rtl="0">
                 <a:spcBef>
                   <a:spcPts val="0"/>
                 </a:spcBef>
@@ -6925,9 +6942,6 @@
                 </a:spcAft>
                 <a:buNone/>
               </a:pPr>
-              <a:r>
-                <a:t/>
-              </a:r>
               <a:endParaRPr/>
             </a:p>
           </p:txBody>
@@ -6936,7 +6950,9 @@
       <p:sp>
         <p:nvSpPr>
           <p:cNvPr id="60" name="Google Shape;60;p6"/>
-          <p:cNvSpPr txBox="1"/>
+          <p:cNvSpPr txBox="1">
+            <a:spLocks noGrp="1"/>
+          </p:cNvSpPr>
           <p:nvPr>
             <p:ph type="title"/>
           </p:nvPr>
@@ -6951,7 +6967,7 @@
           </a:prstGeom>
         </p:spPr>
         <p:txBody>
-          <a:bodyPr anchorCtr="0" anchor="t" bIns="91425" lIns="91425" spcFirstLastPara="1" rIns="91425" wrap="square" tIns="91425"/>
+          <a:bodyPr spcFirstLastPara="1" wrap="square" lIns="91425" tIns="91425" rIns="91425" bIns="91425" anchor="t" anchorCtr="0"/>
           <a:lstStyle>
             <a:lvl1pPr lvl="0">
               <a:spcBef>
@@ -7053,15 +7069,19 @@
               <a:defRPr sz="2400"/>
             </a:lvl9pPr>
           </a:lstStyle>
-          <a:p/>
+          <a:p>
+            <a:endParaRPr/>
+          </a:p>
         </p:txBody>
       </p:sp>
       <p:sp>
         <p:nvSpPr>
           <p:cNvPr id="61" name="Google Shape;61;p6"/>
-          <p:cNvSpPr txBox="1"/>
+          <p:cNvSpPr txBox="1">
+            <a:spLocks noGrp="1"/>
+          </p:cNvSpPr>
           <p:nvPr>
-            <p:ph idx="12" type="sldNum"/>
+            <p:ph type="sldNum" idx="12"/>
           </p:nvPr>
         </p:nvSpPr>
         <p:spPr>
@@ -7074,7 +7094,7 @@
           </a:prstGeom>
         </p:spPr>
         <p:txBody>
-          <a:bodyPr anchorCtr="0" anchor="ctr" bIns="91425" lIns="91425" spcFirstLastPara="1" rIns="91425" wrap="square" tIns="91425">
+          <a:bodyPr spcFirstLastPara="1" wrap="square" lIns="91425" tIns="91425" rIns="91425" bIns="91425" anchor="ctr" anchorCtr="0">
             <a:noAutofit/>
           </a:bodyPr>
           <a:lstStyle>
@@ -7116,7 +7136,7 @@
             </a:lvl9pPr>
           </a:lstStyle>
           <a:p>
-            <a:pPr indent="0" lvl="0" marL="0" rtl="0" algn="r">
+            <a:pPr marL="0" lvl="0" indent="0" algn="r" rtl="0">
               <a:spcBef>
                 <a:spcPts val="0"/>
               </a:spcBef>
@@ -7142,11 +7162,11 @@
 </file>
 
 <file path=ppt/slideLayouts/slideLayout6.xml><?xml version="1.0" encoding="utf-8"?>
-<p:sldLayout xmlns:a="http://schemas.openxmlformats.org/drawingml/2006/main" xmlns:r="http://schemas.openxmlformats.org/officeDocument/2006/relationships" xmlns:mc="http://schemas.openxmlformats.org/markup-compatibility/2006" xmlns:mv="urn:schemas-microsoft-com:mac:vml" xmlns:p="http://schemas.openxmlformats.org/presentationml/2006/main" xmlns:c="http://schemas.openxmlformats.org/drawingml/2006/chart" xmlns:dgm="http://schemas.openxmlformats.org/drawingml/2006/diagram" xmlns:o="urn:schemas-microsoft-com:office:office" xmlns:v="urn:schemas-microsoft-com:vml" xmlns:pvml="urn:schemas-microsoft-com:office:powerpoint" xmlns:com="http://schemas.openxmlformats.org/drawingml/2006/compatibility" xmlns:p14="http://schemas.microsoft.com/office/powerpoint/2010/main" xmlns:p15="http://schemas.microsoft.com/office/powerpoint/2012/main" matchingName="One column text">
+<p:sldLayout xmlns:a="http://schemas.openxmlformats.org/drawingml/2006/main" xmlns:r="http://schemas.openxmlformats.org/officeDocument/2006/relationships" xmlns:p="http://schemas.openxmlformats.org/presentationml/2006/main" matchingName="One column text">
   <p:cSld name="ONE_COLUMN_TEXT">
     <p:spTree>
       <p:nvGrpSpPr>
-        <p:cNvPr id="62" name="Shape 62"/>
+        <p:cNvPr id="1" name="Shape 62"/>
         <p:cNvGrpSpPr/>
         <p:nvPr/>
       </p:nvGrpSpPr>
@@ -7185,7 +7205,7 @@
             </a:xfrm>
             <a:prstGeom prst="diagStripe">
               <a:avLst>
-                <a:gd fmla="val 50000" name="adj"/>
+                <a:gd name="adj" fmla="val 50000"/>
               </a:avLst>
             </a:prstGeom>
             <a:solidFill>
@@ -7196,12 +7216,12 @@
             </a:ln>
           </p:spPr>
           <p:txBody>
-            <a:bodyPr anchorCtr="0" anchor="ctr" bIns="91425" lIns="91425" spcFirstLastPara="1" rIns="91425" wrap="square" tIns="91425">
+            <a:bodyPr spcFirstLastPara="1" wrap="square" lIns="91425" tIns="91425" rIns="91425" bIns="91425" anchor="ctr" anchorCtr="0">
               <a:noAutofit/>
             </a:bodyPr>
             <a:lstStyle/>
             <a:p>
-              <a:pPr indent="0" lvl="0" marL="0" rtl="0" algn="l">
+              <a:pPr marL="0" lvl="0" indent="0" algn="l" rtl="0">
                 <a:spcBef>
                   <a:spcPts val="0"/>
                 </a:spcBef>
@@ -7210,9 +7230,6 @@
                 </a:spcAft>
                 <a:buNone/>
               </a:pPr>
-              <a:r>
-                <a:t/>
-              </a:r>
               <a:endParaRPr/>
             </a:p>
           </p:txBody>
@@ -7230,7 +7247,7 @@
             </a:xfrm>
             <a:prstGeom prst="diagStripe">
               <a:avLst>
-                <a:gd fmla="val 50000" name="adj"/>
+                <a:gd name="adj" fmla="val 50000"/>
               </a:avLst>
             </a:prstGeom>
             <a:solidFill>
@@ -7241,12 +7258,12 @@
             </a:ln>
           </p:spPr>
           <p:txBody>
-            <a:bodyPr anchorCtr="0" anchor="ctr" bIns="91425" lIns="91425" spcFirstLastPara="1" rIns="91425" wrap="square" tIns="91425">
+            <a:bodyPr spcFirstLastPara="1" wrap="square" lIns="91425" tIns="91425" rIns="91425" bIns="91425" anchor="ctr" anchorCtr="0">
               <a:noAutofit/>
             </a:bodyPr>
             <a:lstStyle/>
             <a:p>
-              <a:pPr indent="0" lvl="0" marL="0" rtl="0" algn="l">
+              <a:pPr marL="0" lvl="0" indent="0" algn="l" rtl="0">
                 <a:spcBef>
                   <a:spcPts val="0"/>
                 </a:spcBef>
@@ -7255,9 +7272,6 @@
                 </a:spcAft>
                 <a:buNone/>
               </a:pPr>
-              <a:r>
-                <a:t/>
-              </a:r>
               <a:endParaRPr/>
             </a:p>
           </p:txBody>
@@ -7266,7 +7280,9 @@
       <p:sp>
         <p:nvSpPr>
           <p:cNvPr id="66" name="Google Shape;66;p7"/>
-          <p:cNvSpPr txBox="1"/>
+          <p:cNvSpPr txBox="1">
+            <a:spLocks noGrp="1"/>
+          </p:cNvSpPr>
           <p:nvPr>
             <p:ph type="title"/>
           </p:nvPr>
@@ -7281,7 +7297,7 @@
           </a:prstGeom>
         </p:spPr>
         <p:txBody>
-          <a:bodyPr anchorCtr="0" anchor="t" bIns="91425" lIns="91425" spcFirstLastPara="1" rIns="91425" wrap="square" tIns="91425"/>
+          <a:bodyPr spcFirstLastPara="1" wrap="square" lIns="91425" tIns="91425" rIns="91425" bIns="91425" anchor="t" anchorCtr="0"/>
           <a:lstStyle>
             <a:lvl1pPr lvl="0">
               <a:spcBef>
@@ -7383,15 +7399,19 @@
               <a:defRPr sz="2400"/>
             </a:lvl9pPr>
           </a:lstStyle>
-          <a:p/>
+          <a:p>
+            <a:endParaRPr/>
+          </a:p>
         </p:txBody>
       </p:sp>
       <p:sp>
         <p:nvSpPr>
           <p:cNvPr id="67" name="Google Shape;67;p7"/>
-          <p:cNvSpPr txBox="1"/>
+          <p:cNvSpPr txBox="1">
+            <a:spLocks noGrp="1"/>
+          </p:cNvSpPr>
           <p:nvPr>
-            <p:ph idx="1" type="body"/>
+            <p:ph type="body" idx="1"/>
           </p:nvPr>
         </p:nvSpPr>
         <p:spPr>
@@ -7404,9 +7424,9 @@
           </a:prstGeom>
         </p:spPr>
         <p:txBody>
-          <a:bodyPr anchorCtr="0" anchor="t" bIns="91425" lIns="91425" spcFirstLastPara="1" rIns="91425" wrap="square" tIns="91425"/>
+          <a:bodyPr spcFirstLastPara="1" wrap="square" lIns="91425" tIns="91425" rIns="91425" bIns="91425" anchor="t" anchorCtr="0"/>
           <a:lstStyle>
-            <a:lvl1pPr indent="-311150" lvl="0" marL="457200">
+            <a:lvl1pPr marL="457200" lvl="0" indent="-311150">
               <a:spcBef>
                 <a:spcPts val="0"/>
               </a:spcBef>
@@ -7417,7 +7437,7 @@
               <a:buChar char="●"/>
               <a:defRPr/>
             </a:lvl1pPr>
-            <a:lvl2pPr indent="-298450" lvl="1" marL="914400">
+            <a:lvl2pPr marL="914400" lvl="1" indent="-298450">
               <a:spcBef>
                 <a:spcPts val="1600"/>
               </a:spcBef>
@@ -7428,7 +7448,7 @@
               <a:buChar char="○"/>
               <a:defRPr/>
             </a:lvl2pPr>
-            <a:lvl3pPr indent="-298450" lvl="2" marL="1371600">
+            <a:lvl3pPr marL="1371600" lvl="2" indent="-298450">
               <a:spcBef>
                 <a:spcPts val="1600"/>
               </a:spcBef>
@@ -7439,7 +7459,7 @@
               <a:buChar char="■"/>
               <a:defRPr/>
             </a:lvl3pPr>
-            <a:lvl4pPr indent="-298450" lvl="3" marL="1828800">
+            <a:lvl4pPr marL="1828800" lvl="3" indent="-298450">
               <a:spcBef>
                 <a:spcPts val="1600"/>
               </a:spcBef>
@@ -7450,7 +7470,7 @@
               <a:buChar char="●"/>
               <a:defRPr/>
             </a:lvl4pPr>
-            <a:lvl5pPr indent="-298450" lvl="4" marL="2286000">
+            <a:lvl5pPr marL="2286000" lvl="4" indent="-298450">
               <a:spcBef>
                 <a:spcPts val="1600"/>
               </a:spcBef>
@@ -7461,7 +7481,7 @@
               <a:buChar char="○"/>
               <a:defRPr/>
             </a:lvl5pPr>
-            <a:lvl6pPr indent="-298450" lvl="5" marL="2743200">
+            <a:lvl6pPr marL="2743200" lvl="5" indent="-298450">
               <a:spcBef>
                 <a:spcPts val="1600"/>
               </a:spcBef>
@@ -7472,7 +7492,7 @@
               <a:buChar char="■"/>
               <a:defRPr/>
             </a:lvl6pPr>
-            <a:lvl7pPr indent="-298450" lvl="6" marL="3200400">
+            <a:lvl7pPr marL="3200400" lvl="6" indent="-298450">
               <a:spcBef>
                 <a:spcPts val="1600"/>
               </a:spcBef>
@@ -7483,7 +7503,7 @@
               <a:buChar char="●"/>
               <a:defRPr/>
             </a:lvl7pPr>
-            <a:lvl8pPr indent="-298450" lvl="7" marL="3657600">
+            <a:lvl8pPr marL="3657600" lvl="7" indent="-298450">
               <a:spcBef>
                 <a:spcPts val="1600"/>
               </a:spcBef>
@@ -7494,7 +7514,7 @@
               <a:buChar char="○"/>
               <a:defRPr/>
             </a:lvl8pPr>
-            <a:lvl9pPr indent="-298450" lvl="8" marL="4114800">
+            <a:lvl9pPr marL="4114800" lvl="8" indent="-298450">
               <a:spcBef>
                 <a:spcPts val="1600"/>
               </a:spcBef>
@@ -7506,15 +7526,19 @@
               <a:defRPr/>
             </a:lvl9pPr>
           </a:lstStyle>
-          <a:p/>
+          <a:p>
+            <a:endParaRPr/>
+          </a:p>
         </p:txBody>
       </p:sp>
       <p:sp>
         <p:nvSpPr>
           <p:cNvPr id="68" name="Google Shape;68;p7"/>
-          <p:cNvSpPr txBox="1"/>
+          <p:cNvSpPr txBox="1">
+            <a:spLocks noGrp="1"/>
+          </p:cNvSpPr>
           <p:nvPr>
-            <p:ph idx="12" type="sldNum"/>
+            <p:ph type="sldNum" idx="12"/>
           </p:nvPr>
         </p:nvSpPr>
         <p:spPr>
@@ -7527,7 +7551,7 @@
           </a:prstGeom>
         </p:spPr>
         <p:txBody>
-          <a:bodyPr anchorCtr="0" anchor="ctr" bIns="91425" lIns="91425" spcFirstLastPara="1" rIns="91425" wrap="square" tIns="91425">
+          <a:bodyPr spcFirstLastPara="1" wrap="square" lIns="91425" tIns="91425" rIns="91425" bIns="91425" anchor="ctr" anchorCtr="0">
             <a:noAutofit/>
           </a:bodyPr>
           <a:lstStyle>
@@ -7569,7 +7593,7 @@
             </a:lvl9pPr>
           </a:lstStyle>
           <a:p>
-            <a:pPr indent="0" lvl="0" marL="0" rtl="0" algn="r">
+            <a:pPr marL="0" lvl="0" indent="0" algn="r" rtl="0">
               <a:spcBef>
                 <a:spcPts val="0"/>
               </a:spcBef>
@@ -7595,11 +7619,11 @@
 </file>
 
 <file path=ppt/slideLayouts/slideLayout7.xml><?xml version="1.0" encoding="utf-8"?>
-<p:sldLayout xmlns:a="http://schemas.openxmlformats.org/drawingml/2006/main" xmlns:r="http://schemas.openxmlformats.org/officeDocument/2006/relationships" xmlns:mc="http://schemas.openxmlformats.org/markup-compatibility/2006" xmlns:mv="urn:schemas-microsoft-com:mac:vml" xmlns:p="http://schemas.openxmlformats.org/presentationml/2006/main" xmlns:c="http://schemas.openxmlformats.org/drawingml/2006/chart" xmlns:dgm="http://schemas.openxmlformats.org/drawingml/2006/diagram" xmlns:o="urn:schemas-microsoft-com:office:office" xmlns:v="urn:schemas-microsoft-com:vml" xmlns:pvml="urn:schemas-microsoft-com:office:powerpoint" xmlns:com="http://schemas.openxmlformats.org/drawingml/2006/compatibility" xmlns:p14="http://schemas.microsoft.com/office/powerpoint/2010/main" xmlns:p15="http://schemas.microsoft.com/office/powerpoint/2012/main" matchingName="Main point">
+<p:sldLayout xmlns:a="http://schemas.openxmlformats.org/drawingml/2006/main" xmlns:r="http://schemas.openxmlformats.org/officeDocument/2006/relationships" xmlns:p="http://schemas.openxmlformats.org/presentationml/2006/main" matchingName="Main point">
   <p:cSld name="MAIN_POINT">
     <p:spTree>
       <p:nvGrpSpPr>
-        <p:cNvPr id="69" name="Shape 69"/>
+        <p:cNvPr id="1" name="Shape 69"/>
         <p:cNvGrpSpPr/>
         <p:nvPr/>
       </p:nvGrpSpPr>
@@ -7638,7 +7662,7 @@
             </a:xfrm>
             <a:prstGeom prst="diagStripe">
               <a:avLst>
-                <a:gd fmla="val 49469" name="adj"/>
+                <a:gd name="adj" fmla="val 49469"/>
               </a:avLst>
             </a:prstGeom>
             <a:solidFill>
@@ -7651,12 +7675,12 @@
             </a:ln>
           </p:spPr>
           <p:txBody>
-            <a:bodyPr anchorCtr="0" anchor="ctr" bIns="91425" lIns="91425" spcFirstLastPara="1" rIns="91425" wrap="square" tIns="91425">
+            <a:bodyPr spcFirstLastPara="1" wrap="square" lIns="91425" tIns="91425" rIns="91425" bIns="91425" anchor="ctr" anchorCtr="0">
               <a:noAutofit/>
             </a:bodyPr>
             <a:lstStyle/>
             <a:p>
-              <a:pPr indent="0" lvl="0" marL="0" rtl="0" algn="l">
+              <a:pPr marL="0" lvl="0" indent="0" algn="l" rtl="0">
                 <a:spcBef>
                   <a:spcPts val="0"/>
                 </a:spcBef>
@@ -7665,9 +7689,6 @@
                 </a:spcAft>
                 <a:buNone/>
               </a:pPr>
-              <a:r>
-                <a:t/>
-              </a:r>
               <a:endParaRPr/>
             </a:p>
           </p:txBody>
@@ -7685,7 +7706,7 @@
             </a:xfrm>
             <a:prstGeom prst="diagStripe">
               <a:avLst>
-                <a:gd fmla="val 0" name="adj"/>
+                <a:gd name="adj" fmla="val 0"/>
               </a:avLst>
             </a:prstGeom>
             <a:solidFill>
@@ -7698,12 +7719,12 @@
             </a:ln>
           </p:spPr>
           <p:txBody>
-            <a:bodyPr anchorCtr="0" anchor="ctr" bIns="91425" lIns="91425" spcFirstLastPara="1" rIns="91425" wrap="square" tIns="91425">
+            <a:bodyPr spcFirstLastPara="1" wrap="square" lIns="91425" tIns="91425" rIns="91425" bIns="91425" anchor="ctr" anchorCtr="0">
               <a:noAutofit/>
             </a:bodyPr>
             <a:lstStyle/>
             <a:p>
-              <a:pPr indent="0" lvl="0" marL="0" rtl="0" algn="l">
+              <a:pPr marL="0" lvl="0" indent="0" algn="l" rtl="0">
                 <a:spcBef>
                   <a:spcPts val="0"/>
                 </a:spcBef>
@@ -7712,9 +7733,6 @@
                 </a:spcAft>
                 <a:buNone/>
               </a:pPr>
-              <a:r>
-                <a:t/>
-              </a:r>
               <a:endParaRPr/>
             </a:p>
           </p:txBody>
@@ -7732,7 +7750,7 @@
             </a:xfrm>
             <a:prstGeom prst="diagStripe">
               <a:avLst>
-                <a:gd fmla="val 50000" name="adj"/>
+                <a:gd name="adj" fmla="val 50000"/>
               </a:avLst>
             </a:prstGeom>
             <a:solidFill>
@@ -7745,12 +7763,12 @@
             </a:ln>
           </p:spPr>
           <p:txBody>
-            <a:bodyPr anchorCtr="0" anchor="ctr" bIns="91425" lIns="91425" spcFirstLastPara="1" rIns="91425" wrap="square" tIns="91425">
+            <a:bodyPr spcFirstLastPara="1" wrap="square" lIns="91425" tIns="91425" rIns="91425" bIns="91425" anchor="ctr" anchorCtr="0">
               <a:noAutofit/>
             </a:bodyPr>
             <a:lstStyle/>
             <a:p>
-              <a:pPr indent="0" lvl="0" marL="0" rtl="0" algn="l">
+              <a:pPr marL="0" lvl="0" indent="0" algn="l" rtl="0">
                 <a:spcBef>
                   <a:spcPts val="0"/>
                 </a:spcBef>
@@ -7759,9 +7777,6 @@
                 </a:spcAft>
                 <a:buNone/>
               </a:pPr>
-              <a:r>
-                <a:t/>
-              </a:r>
               <a:endParaRPr/>
             </a:p>
           </p:txBody>
@@ -7779,7 +7794,7 @@
             </a:xfrm>
             <a:prstGeom prst="diagStripe">
               <a:avLst>
-                <a:gd fmla="val 50000" name="adj"/>
+                <a:gd name="adj" fmla="val 50000"/>
               </a:avLst>
             </a:prstGeom>
             <a:solidFill>
@@ -7792,12 +7807,12 @@
             </a:ln>
           </p:spPr>
           <p:txBody>
-            <a:bodyPr anchorCtr="0" anchor="ctr" bIns="91425" lIns="91425" spcFirstLastPara="1" rIns="91425" wrap="square" tIns="91425">
+            <a:bodyPr spcFirstLastPara="1" wrap="square" lIns="91425" tIns="91425" rIns="91425" bIns="91425" anchor="ctr" anchorCtr="0">
               <a:noAutofit/>
             </a:bodyPr>
             <a:lstStyle/>
             <a:p>
-              <a:pPr indent="0" lvl="0" marL="0" rtl="0" algn="l">
+              <a:pPr marL="0" lvl="0" indent="0" algn="l" rtl="0">
                 <a:spcBef>
                   <a:spcPts val="0"/>
                 </a:spcBef>
@@ -7806,9 +7821,6 @@
                 </a:spcAft>
                 <a:buNone/>
               </a:pPr>
-              <a:r>
-                <a:t/>
-              </a:r>
               <a:endParaRPr/>
             </a:p>
           </p:txBody>
@@ -7826,7 +7838,7 @@
             </a:xfrm>
             <a:prstGeom prst="diagStripe">
               <a:avLst>
-                <a:gd fmla="val 50000" name="adj"/>
+                <a:gd name="adj" fmla="val 50000"/>
               </a:avLst>
             </a:prstGeom>
             <a:solidFill>
@@ -7839,12 +7851,12 @@
             </a:ln>
           </p:spPr>
           <p:txBody>
-            <a:bodyPr anchorCtr="0" anchor="ctr" bIns="91425" lIns="91425" spcFirstLastPara="1" rIns="91425" wrap="square" tIns="91425">
+            <a:bodyPr spcFirstLastPara="1" wrap="square" lIns="91425" tIns="91425" rIns="91425" bIns="91425" anchor="ctr" anchorCtr="0">
               <a:noAutofit/>
             </a:bodyPr>
             <a:lstStyle/>
             <a:p>
-              <a:pPr indent="0" lvl="0" marL="0" rtl="0" algn="l">
+              <a:pPr marL="0" lvl="0" indent="0" algn="l" rtl="0">
                 <a:spcBef>
                   <a:spcPts val="0"/>
                 </a:spcBef>
@@ -7853,9 +7865,6 @@
                 </a:spcAft>
                 <a:buNone/>
               </a:pPr>
-              <a:r>
-                <a:t/>
-              </a:r>
               <a:endParaRPr/>
             </a:p>
           </p:txBody>
@@ -7873,7 +7882,7 @@
             </a:xfrm>
             <a:prstGeom prst="diagStripe">
               <a:avLst>
-                <a:gd fmla="val 50000" name="adj"/>
+                <a:gd name="adj" fmla="val 50000"/>
               </a:avLst>
             </a:prstGeom>
             <a:solidFill>
@@ -7886,12 +7895,12 @@
             </a:ln>
           </p:spPr>
           <p:txBody>
-            <a:bodyPr anchorCtr="0" anchor="ctr" bIns="91425" lIns="91425" spcFirstLastPara="1" rIns="91425" wrap="square" tIns="91425">
+            <a:bodyPr spcFirstLastPara="1" wrap="square" lIns="91425" tIns="91425" rIns="91425" bIns="91425" anchor="ctr" anchorCtr="0">
               <a:noAutofit/>
             </a:bodyPr>
             <a:lstStyle/>
             <a:p>
-              <a:pPr indent="0" lvl="0" marL="0" rtl="0" algn="l">
+              <a:pPr marL="0" lvl="0" indent="0" algn="l" rtl="0">
                 <a:spcBef>
                   <a:spcPts val="0"/>
                 </a:spcBef>
@@ -7900,9 +7909,6 @@
                 </a:spcAft>
                 <a:buNone/>
               </a:pPr>
-              <a:r>
-                <a:t/>
-              </a:r>
               <a:endParaRPr/>
             </a:p>
           </p:txBody>
@@ -7920,7 +7926,7 @@
             </a:xfrm>
             <a:prstGeom prst="diagStripe">
               <a:avLst>
-                <a:gd fmla="val 50000" name="adj"/>
+                <a:gd name="adj" fmla="val 50000"/>
               </a:avLst>
             </a:prstGeom>
             <a:solidFill>
@@ -7933,12 +7939,12 @@
             </a:ln>
           </p:spPr>
           <p:txBody>
-            <a:bodyPr anchorCtr="0" anchor="ctr" bIns="91425" lIns="91425" spcFirstLastPara="1" rIns="91425" wrap="square" tIns="91425">
+            <a:bodyPr spcFirstLastPara="1" wrap="square" lIns="91425" tIns="91425" rIns="91425" bIns="91425" anchor="ctr" anchorCtr="0">
               <a:noAutofit/>
             </a:bodyPr>
             <a:lstStyle/>
             <a:p>
-              <a:pPr indent="0" lvl="0" marL="0" rtl="0" algn="l">
+              <a:pPr marL="0" lvl="0" indent="0" algn="l" rtl="0">
                 <a:spcBef>
                   <a:spcPts val="0"/>
                 </a:spcBef>
@@ -7947,9 +7953,6 @@
                 </a:spcAft>
                 <a:buNone/>
               </a:pPr>
-              <a:r>
-                <a:t/>
-              </a:r>
               <a:endParaRPr/>
             </a:p>
           </p:txBody>
@@ -7967,7 +7970,7 @@
             </a:xfrm>
             <a:prstGeom prst="diagStripe">
               <a:avLst>
-                <a:gd fmla="val 50000" name="adj"/>
+                <a:gd name="adj" fmla="val 50000"/>
               </a:avLst>
             </a:prstGeom>
             <a:solidFill>
@@ -7978,12 +7981,12 @@
             </a:ln>
           </p:spPr>
           <p:txBody>
-            <a:bodyPr anchorCtr="0" anchor="ctr" bIns="91425" lIns="91425" spcFirstLastPara="1" rIns="91425" wrap="square" tIns="91425">
+            <a:bodyPr spcFirstLastPara="1" wrap="square" lIns="91425" tIns="91425" rIns="91425" bIns="91425" anchor="ctr" anchorCtr="0">
               <a:noAutofit/>
             </a:bodyPr>
             <a:lstStyle/>
             <a:p>
-              <a:pPr indent="0" lvl="0" marL="0" rtl="0" algn="l">
+              <a:pPr marL="0" lvl="0" indent="0" algn="l" rtl="0">
                 <a:spcBef>
                   <a:spcPts val="0"/>
                 </a:spcBef>
@@ -7992,9 +7995,6 @@
                 </a:spcAft>
                 <a:buNone/>
               </a:pPr>
-              <a:r>
-                <a:t/>
-              </a:r>
               <a:endParaRPr/>
             </a:p>
           </p:txBody>
@@ -8012,7 +8012,7 @@
             </a:xfrm>
             <a:prstGeom prst="diagStripe">
               <a:avLst>
-                <a:gd fmla="val 50000" name="adj"/>
+                <a:gd name="adj" fmla="val 50000"/>
               </a:avLst>
             </a:prstGeom>
             <a:solidFill>
@@ -8025,12 +8025,12 @@
             </a:ln>
           </p:spPr>
           <p:txBody>
-            <a:bodyPr anchorCtr="0" anchor="ctr" bIns="91425" lIns="91425" spcFirstLastPara="1" rIns="91425" wrap="square" tIns="91425">
+            <a:bodyPr spcFirstLastPara="1" wrap="square" lIns="91425" tIns="91425" rIns="91425" bIns="91425" anchor="ctr" anchorCtr="0">
               <a:noAutofit/>
             </a:bodyPr>
             <a:lstStyle/>
             <a:p>
-              <a:pPr indent="0" lvl="0" marL="0" rtl="0" algn="l">
+              <a:pPr marL="0" lvl="0" indent="0" algn="l" rtl="0">
                 <a:spcBef>
                   <a:spcPts val="0"/>
                 </a:spcBef>
@@ -8039,9 +8039,6 @@
                 </a:spcAft>
                 <a:buNone/>
               </a:pPr>
-              <a:r>
-                <a:t/>
-              </a:r>
               <a:endParaRPr/>
             </a:p>
           </p:txBody>
@@ -8059,7 +8056,7 @@
             </a:xfrm>
             <a:prstGeom prst="diagStripe">
               <a:avLst>
-                <a:gd fmla="val 50000" name="adj"/>
+                <a:gd name="adj" fmla="val 50000"/>
               </a:avLst>
             </a:prstGeom>
             <a:solidFill>
@@ -8072,12 +8069,12 @@
             </a:ln>
           </p:spPr>
           <p:txBody>
-            <a:bodyPr anchorCtr="0" anchor="ctr" bIns="91425" lIns="91425" spcFirstLastPara="1" rIns="91425" wrap="square" tIns="91425">
+            <a:bodyPr spcFirstLastPara="1" wrap="square" lIns="91425" tIns="91425" rIns="91425" bIns="91425" anchor="ctr" anchorCtr="0">
               <a:noAutofit/>
             </a:bodyPr>
             <a:lstStyle/>
             <a:p>
-              <a:pPr indent="0" lvl="0" marL="0" rtl="0" algn="l">
+              <a:pPr marL="0" lvl="0" indent="0" algn="l" rtl="0">
                 <a:spcBef>
                   <a:spcPts val="0"/>
                 </a:spcBef>
@@ -8086,9 +8083,6 @@
                 </a:spcAft>
                 <a:buNone/>
               </a:pPr>
-              <a:r>
-                <a:t/>
-              </a:r>
               <a:endParaRPr/>
             </a:p>
           </p:txBody>
@@ -8106,7 +8100,7 @@
             </a:xfrm>
             <a:prstGeom prst="diagStripe">
               <a:avLst>
-                <a:gd fmla="val 50000" name="adj"/>
+                <a:gd name="adj" fmla="val 50000"/>
               </a:avLst>
             </a:prstGeom>
             <a:solidFill>
@@ -8119,12 +8113,12 @@
             </a:ln>
           </p:spPr>
           <p:txBody>
-            <a:bodyPr anchorCtr="0" anchor="ctr" bIns="91425" lIns="91425" spcFirstLastPara="1" rIns="91425" wrap="square" tIns="91425">
+            <a:bodyPr spcFirstLastPara="1" wrap="square" lIns="91425" tIns="91425" rIns="91425" bIns="91425" anchor="ctr" anchorCtr="0">
               <a:noAutofit/>
             </a:bodyPr>
             <a:lstStyle/>
             <a:p>
-              <a:pPr indent="0" lvl="0" marL="0" rtl="0" algn="l">
+              <a:pPr marL="0" lvl="0" indent="0" algn="l" rtl="0">
                 <a:spcBef>
                   <a:spcPts val="0"/>
                 </a:spcBef>
@@ -8133,9 +8127,6 @@
                 </a:spcAft>
                 <a:buNone/>
               </a:pPr>
-              <a:r>
-                <a:t/>
-              </a:r>
               <a:endParaRPr/>
             </a:p>
           </p:txBody>
@@ -8153,7 +8144,7 @@
             </a:xfrm>
             <a:prstGeom prst="diagStripe">
               <a:avLst>
-                <a:gd fmla="val 50000" name="adj"/>
+                <a:gd name="adj" fmla="val 50000"/>
               </a:avLst>
             </a:prstGeom>
             <a:solidFill>
@@ -8166,12 +8157,12 @@
             </a:ln>
           </p:spPr>
           <p:txBody>
-            <a:bodyPr anchorCtr="0" anchor="ctr" bIns="91425" lIns="91425" spcFirstLastPara="1" rIns="91425" wrap="square" tIns="91425">
+            <a:bodyPr spcFirstLastPara="1" wrap="square" lIns="91425" tIns="91425" rIns="91425" bIns="91425" anchor="ctr" anchorCtr="0">
               <a:noAutofit/>
             </a:bodyPr>
             <a:lstStyle/>
             <a:p>
-              <a:pPr indent="0" lvl="0" marL="0" rtl="0" algn="l">
+              <a:pPr marL="0" lvl="0" indent="0" algn="l" rtl="0">
                 <a:spcBef>
                   <a:spcPts val="0"/>
                 </a:spcBef>
@@ -8180,9 +8171,6 @@
                 </a:spcAft>
                 <a:buNone/>
               </a:pPr>
-              <a:r>
-                <a:t/>
-              </a:r>
               <a:endParaRPr/>
             </a:p>
           </p:txBody>
@@ -8200,7 +8188,7 @@
             </a:xfrm>
             <a:prstGeom prst="diagStripe">
               <a:avLst>
-                <a:gd fmla="val 50000" name="adj"/>
+                <a:gd name="adj" fmla="val 50000"/>
               </a:avLst>
             </a:prstGeom>
             <a:solidFill>
@@ -8213,12 +8201,12 @@
             </a:ln>
           </p:spPr>
           <p:txBody>
-            <a:bodyPr anchorCtr="0" anchor="ctr" bIns="91425" lIns="91425" spcFirstLastPara="1" rIns="91425" wrap="square" tIns="91425">
+            <a:bodyPr spcFirstLastPara="1" wrap="square" lIns="91425" tIns="91425" rIns="91425" bIns="91425" anchor="ctr" anchorCtr="0">
               <a:noAutofit/>
             </a:bodyPr>
             <a:lstStyle/>
             <a:p>
-              <a:pPr indent="0" lvl="0" marL="0" rtl="0" algn="l">
+              <a:pPr marL="0" lvl="0" indent="0" algn="l" rtl="0">
                 <a:spcBef>
                   <a:spcPts val="0"/>
                 </a:spcBef>
@@ -8227,9 +8215,6 @@
                 </a:spcAft>
                 <a:buNone/>
               </a:pPr>
-              <a:r>
-                <a:t/>
-              </a:r>
               <a:endParaRPr/>
             </a:p>
           </p:txBody>
@@ -8247,7 +8232,7 @@
             </a:xfrm>
             <a:prstGeom prst="diagStripe">
               <a:avLst>
-                <a:gd fmla="val 50000" name="adj"/>
+                <a:gd name="adj" fmla="val 50000"/>
               </a:avLst>
             </a:prstGeom>
             <a:solidFill>
@@ -8258,12 +8243,12 @@
             </a:ln>
           </p:spPr>
           <p:txBody>
-            <a:bodyPr anchorCtr="0" anchor="ctr" bIns="91425" lIns="91425" spcFirstLastPara="1" rIns="91425" wrap="square" tIns="91425">
+            <a:bodyPr spcFirstLastPara="1" wrap="square" lIns="91425" tIns="91425" rIns="91425" bIns="91425" anchor="ctr" anchorCtr="0">
               <a:noAutofit/>
             </a:bodyPr>
             <a:lstStyle/>
             <a:p>
-              <a:pPr indent="0" lvl="0" marL="0" rtl="0" algn="l">
+              <a:pPr marL="0" lvl="0" indent="0" algn="l" rtl="0">
                 <a:spcBef>
                   <a:spcPts val="0"/>
                 </a:spcBef>
@@ -8272,9 +8257,6 @@
                 </a:spcAft>
                 <a:buNone/>
               </a:pPr>
-              <a:r>
-                <a:t/>
-              </a:r>
               <a:endParaRPr/>
             </a:p>
           </p:txBody>
@@ -8292,7 +8274,7 @@
             </a:xfrm>
             <a:prstGeom prst="diagStripe">
               <a:avLst>
-                <a:gd fmla="val 50000" name="adj"/>
+                <a:gd name="adj" fmla="val 50000"/>
               </a:avLst>
             </a:prstGeom>
             <a:solidFill>
@@ -8305,12 +8287,12 @@
             </a:ln>
           </p:spPr>
           <p:txBody>
-            <a:bodyPr anchorCtr="0" anchor="ctr" bIns="91425" lIns="91425" spcFirstLastPara="1" rIns="91425" wrap="square" tIns="91425">
+            <a:bodyPr spcFirstLastPara="1" wrap="square" lIns="91425" tIns="91425" rIns="91425" bIns="91425" anchor="ctr" anchorCtr="0">
               <a:noAutofit/>
             </a:bodyPr>
             <a:lstStyle/>
             <a:p>
-              <a:pPr indent="0" lvl="0" marL="0" rtl="0" algn="l">
+              <a:pPr marL="0" lvl="0" indent="0" algn="l" rtl="0">
                 <a:spcBef>
                   <a:spcPts val="0"/>
                 </a:spcBef>
@@ -8319,9 +8301,6 @@
                 </a:spcAft>
                 <a:buNone/>
               </a:pPr>
-              <a:r>
-                <a:t/>
-              </a:r>
               <a:endParaRPr/>
             </a:p>
           </p:txBody>
@@ -8339,7 +8318,7 @@
             </a:xfrm>
             <a:prstGeom prst="diagStripe">
               <a:avLst>
-                <a:gd fmla="val 50000" name="adj"/>
+                <a:gd name="adj" fmla="val 50000"/>
               </a:avLst>
             </a:prstGeom>
             <a:solidFill>
@@ -8352,12 +8331,12 @@
             </a:ln>
           </p:spPr>
           <p:txBody>
-            <a:bodyPr anchorCtr="0" anchor="ctr" bIns="91425" lIns="91425" spcFirstLastPara="1" rIns="91425" wrap="square" tIns="91425">
+            <a:bodyPr spcFirstLastPara="1" wrap="square" lIns="91425" tIns="91425" rIns="91425" bIns="91425" anchor="ctr" anchorCtr="0">
               <a:noAutofit/>
             </a:bodyPr>
             <a:lstStyle/>
             <a:p>
-              <a:pPr indent="0" lvl="0" marL="0" rtl="0" algn="l">
+              <a:pPr marL="0" lvl="0" indent="0" algn="l" rtl="0">
                 <a:spcBef>
                   <a:spcPts val="0"/>
                 </a:spcBef>
@@ -8366,9 +8345,6 @@
                 </a:spcAft>
                 <a:buNone/>
               </a:pPr>
-              <a:r>
-                <a:t/>
-              </a:r>
               <a:endParaRPr/>
             </a:p>
           </p:txBody>
@@ -8386,7 +8362,7 @@
             </a:xfrm>
             <a:prstGeom prst="diagStripe">
               <a:avLst>
-                <a:gd fmla="val 50000" name="adj"/>
+                <a:gd name="adj" fmla="val 50000"/>
               </a:avLst>
             </a:prstGeom>
             <a:solidFill>
@@ -8399,12 +8375,12 @@
             </a:ln>
           </p:spPr>
           <p:txBody>
-            <a:bodyPr anchorCtr="0" anchor="ctr" bIns="91425" lIns="91425" spcFirstLastPara="1" rIns="91425" wrap="square" tIns="91425">
+            <a:bodyPr spcFirstLastPara="1" wrap="square" lIns="91425" tIns="91425" rIns="91425" bIns="91425" anchor="ctr" anchorCtr="0">
               <a:noAutofit/>
             </a:bodyPr>
             <a:lstStyle/>
             <a:p>
-              <a:pPr indent="0" lvl="0" marL="0" rtl="0" algn="l">
+              <a:pPr marL="0" lvl="0" indent="0" algn="l" rtl="0">
                 <a:spcBef>
                   <a:spcPts val="0"/>
                 </a:spcBef>
@@ -8413,9 +8389,6 @@
                 </a:spcAft>
                 <a:buNone/>
               </a:pPr>
-              <a:r>
-                <a:t/>
-              </a:r>
               <a:endParaRPr/>
             </a:p>
           </p:txBody>
@@ -8433,7 +8406,7 @@
             </a:xfrm>
             <a:prstGeom prst="diagStripe">
               <a:avLst>
-                <a:gd fmla="val 50000" name="adj"/>
+                <a:gd name="adj" fmla="val 50000"/>
               </a:avLst>
             </a:prstGeom>
             <a:solidFill>
@@ -8446,12 +8419,12 @@
             </a:ln>
           </p:spPr>
           <p:txBody>
-            <a:bodyPr anchorCtr="0" anchor="ctr" bIns="91425" lIns="91425" spcFirstLastPara="1" rIns="91425" wrap="square" tIns="91425">
+            <a:bodyPr spcFirstLastPara="1" wrap="square" lIns="91425" tIns="91425" rIns="91425" bIns="91425" anchor="ctr" anchorCtr="0">
               <a:noAutofit/>
             </a:bodyPr>
             <a:lstStyle/>
             <a:p>
-              <a:pPr indent="0" lvl="0" marL="0" rtl="0" algn="l">
+              <a:pPr marL="0" lvl="0" indent="0" algn="l" rtl="0">
                 <a:spcBef>
                   <a:spcPts val="0"/>
                 </a:spcBef>
@@ -8460,9 +8433,6 @@
                 </a:spcAft>
                 <a:buNone/>
               </a:pPr>
-              <a:r>
-                <a:t/>
-              </a:r>
               <a:endParaRPr/>
             </a:p>
           </p:txBody>
@@ -8471,7 +8441,9 @@
       <p:sp>
         <p:nvSpPr>
           <p:cNvPr id="89" name="Google Shape;89;p8"/>
-          <p:cNvSpPr txBox="1"/>
+          <p:cNvSpPr txBox="1">
+            <a:spLocks noGrp="1"/>
+          </p:cNvSpPr>
           <p:nvPr>
             <p:ph type="title"/>
           </p:nvPr>
@@ -8486,7 +8458,7 @@
           </a:prstGeom>
         </p:spPr>
         <p:txBody>
-          <a:bodyPr anchorCtr="0" anchor="ctr" bIns="91425" lIns="91425" spcFirstLastPara="1" rIns="91425" wrap="square" tIns="91425"/>
+          <a:bodyPr spcFirstLastPara="1" wrap="square" lIns="91425" tIns="91425" rIns="91425" bIns="91425" anchor="ctr" anchorCtr="0"/>
           <a:lstStyle>
             <a:lvl1pPr lvl="0">
               <a:spcBef>
@@ -8588,15 +8560,19 @@
               <a:defRPr/>
             </a:lvl9pPr>
           </a:lstStyle>
-          <a:p/>
+          <a:p>
+            <a:endParaRPr/>
+          </a:p>
         </p:txBody>
       </p:sp>
       <p:sp>
         <p:nvSpPr>
           <p:cNvPr id="90" name="Google Shape;90;p8"/>
-          <p:cNvSpPr txBox="1"/>
+          <p:cNvSpPr txBox="1">
+            <a:spLocks noGrp="1"/>
+          </p:cNvSpPr>
           <p:nvPr>
-            <p:ph idx="12" type="sldNum"/>
+            <p:ph type="sldNum" idx="12"/>
           </p:nvPr>
         </p:nvSpPr>
         <p:spPr>
@@ -8609,7 +8585,7 @@
           </a:prstGeom>
         </p:spPr>
         <p:txBody>
-          <a:bodyPr anchorCtr="0" anchor="ctr" bIns="91425" lIns="91425" spcFirstLastPara="1" rIns="91425" wrap="square" tIns="91425">
+          <a:bodyPr spcFirstLastPara="1" wrap="square" lIns="91425" tIns="91425" rIns="91425" bIns="91425" anchor="ctr" anchorCtr="0">
             <a:noAutofit/>
           </a:bodyPr>
           <a:lstStyle>
@@ -8651,7 +8627,7 @@
             </a:lvl9pPr>
           </a:lstStyle>
           <a:p>
-            <a:pPr indent="0" lvl="0" marL="0" rtl="0" algn="r">
+            <a:pPr marL="0" lvl="0" indent="0" algn="r" rtl="0">
               <a:spcBef>
                 <a:spcPts val="0"/>
               </a:spcBef>
@@ -8677,11 +8653,11 @@
 </file>
 
 <file path=ppt/slideLayouts/slideLayout8.xml><?xml version="1.0" encoding="utf-8"?>
-<p:sldLayout xmlns:a="http://schemas.openxmlformats.org/drawingml/2006/main" xmlns:r="http://schemas.openxmlformats.org/officeDocument/2006/relationships" xmlns:mc="http://schemas.openxmlformats.org/markup-compatibility/2006" xmlns:mv="urn:schemas-microsoft-com:mac:vml" xmlns:p="http://schemas.openxmlformats.org/presentationml/2006/main" xmlns:c="http://schemas.openxmlformats.org/drawingml/2006/chart" xmlns:dgm="http://schemas.openxmlformats.org/drawingml/2006/diagram" xmlns:o="urn:schemas-microsoft-com:office:office" xmlns:v="urn:schemas-microsoft-com:vml" xmlns:pvml="urn:schemas-microsoft-com:office:powerpoint" xmlns:com="http://schemas.openxmlformats.org/drawingml/2006/compatibility" xmlns:p14="http://schemas.microsoft.com/office/powerpoint/2010/main" xmlns:p15="http://schemas.microsoft.com/office/powerpoint/2012/main" matchingName="Section title and description">
+<p:sldLayout xmlns:a="http://schemas.openxmlformats.org/drawingml/2006/main" xmlns:r="http://schemas.openxmlformats.org/officeDocument/2006/relationships" xmlns:p="http://schemas.openxmlformats.org/presentationml/2006/main" matchingName="Section title and description">
   <p:cSld name="SECTION_TITLE_AND_DESCRIPTION">
     <p:spTree>
       <p:nvGrpSpPr>
-        <p:cNvPr id="91" name="Shape 91"/>
+        <p:cNvPr id="1" name="Shape 91"/>
         <p:cNvGrpSpPr/>
         <p:nvPr/>
       </p:nvGrpSpPr>
@@ -8720,7 +8696,7 @@
             </a:xfrm>
             <a:prstGeom prst="diagStripe">
               <a:avLst>
-                <a:gd fmla="val 50000" name="adj"/>
+                <a:gd name="adj" fmla="val 50000"/>
               </a:avLst>
             </a:prstGeom>
             <a:solidFill>
@@ -8731,12 +8707,12 @@
             </a:ln>
           </p:spPr>
           <p:txBody>
-            <a:bodyPr anchorCtr="0" anchor="ctr" bIns="91425" lIns="91425" spcFirstLastPara="1" rIns="91425" wrap="square" tIns="91425">
+            <a:bodyPr spcFirstLastPara="1" wrap="square" lIns="91425" tIns="91425" rIns="91425" bIns="91425" anchor="ctr" anchorCtr="0">
               <a:noAutofit/>
             </a:bodyPr>
             <a:lstStyle/>
             <a:p>
-              <a:pPr indent="0" lvl="0" marL="0" rtl="0" algn="l">
+              <a:pPr marL="0" lvl="0" indent="0" algn="l" rtl="0">
                 <a:spcBef>
                   <a:spcPts val="0"/>
                 </a:spcBef>
@@ -8745,9 +8721,6 @@
                 </a:spcAft>
                 <a:buNone/>
               </a:pPr>
-              <a:r>
-                <a:t/>
-              </a:r>
               <a:endParaRPr/>
             </a:p>
           </p:txBody>
@@ -8765,7 +8738,7 @@
             </a:xfrm>
             <a:prstGeom prst="diagStripe">
               <a:avLst>
-                <a:gd fmla="val 50000" name="adj"/>
+                <a:gd name="adj" fmla="val 50000"/>
               </a:avLst>
             </a:prstGeom>
             <a:solidFill>
@@ -8776,12 +8749,12 @@
             </a:ln>
           </p:spPr>
           <p:txBody>
-            <a:bodyPr anchorCtr="0" anchor="ctr" bIns="91425" lIns="91425" spcFirstLastPara="1" rIns="91425" wrap="square" tIns="91425">
+            <a:bodyPr spcFirstLastPara="1" wrap="square" lIns="91425" tIns="91425" rIns="91425" bIns="91425" anchor="ctr" anchorCtr="0">
               <a:noAutofit/>
             </a:bodyPr>
             <a:lstStyle/>
             <a:p>
-              <a:pPr indent="0" lvl="0" marL="0" rtl="0" algn="l">
+              <a:pPr marL="0" lvl="0" indent="0" algn="l" rtl="0">
                 <a:spcBef>
                   <a:spcPts val="0"/>
                 </a:spcBef>
@@ -8790,9 +8763,6 @@
                 </a:spcAft>
                 <a:buNone/>
               </a:pPr>
-              <a:r>
-                <a:t/>
-              </a:r>
               <a:endParaRPr/>
             </a:p>
           </p:txBody>
@@ -8801,7 +8771,9 @@
       <p:sp>
         <p:nvSpPr>
           <p:cNvPr id="95" name="Google Shape;95;p9"/>
-          <p:cNvSpPr txBox="1"/>
+          <p:cNvSpPr txBox="1">
+            <a:spLocks noGrp="1"/>
+          </p:cNvSpPr>
           <p:nvPr>
             <p:ph type="title"/>
           </p:nvPr>
@@ -8816,7 +8788,7 @@
           </a:prstGeom>
         </p:spPr>
         <p:txBody>
-          <a:bodyPr anchorCtr="0" anchor="t" bIns="91425" lIns="91425" spcFirstLastPara="1" rIns="91425" wrap="square" tIns="91425"/>
+          <a:bodyPr spcFirstLastPara="1" wrap="square" lIns="91425" tIns="91425" rIns="91425" bIns="91425" anchor="t" anchorCtr="0"/>
           <a:lstStyle>
             <a:lvl1pPr lvl="0">
               <a:spcBef>
@@ -8918,15 +8890,19 @@
               <a:defRPr sz="2400"/>
             </a:lvl9pPr>
           </a:lstStyle>
-          <a:p/>
+          <a:p>
+            <a:endParaRPr/>
+          </a:p>
         </p:txBody>
       </p:sp>
       <p:sp>
         <p:nvSpPr>
           <p:cNvPr id="96" name="Google Shape;96;p9"/>
-          <p:cNvSpPr txBox="1"/>
+          <p:cNvSpPr txBox="1">
+            <a:spLocks noGrp="1"/>
+          </p:cNvSpPr>
           <p:nvPr>
-            <p:ph idx="1" type="subTitle"/>
+            <p:ph type="subTitle" idx="1"/>
           </p:nvPr>
         </p:nvSpPr>
         <p:spPr>
@@ -8939,7 +8915,7 @@
           </a:prstGeom>
         </p:spPr>
         <p:txBody>
-          <a:bodyPr anchorCtr="0" anchor="t" bIns="91425" lIns="91425" spcFirstLastPara="1" rIns="91425" wrap="square" tIns="91425"/>
+          <a:bodyPr spcFirstLastPara="1" wrap="square" lIns="91425" tIns="91425" rIns="91425" bIns="91425" anchor="t" anchorCtr="0"/>
           <a:lstStyle>
             <a:lvl1pPr lvl="0">
               <a:lnSpc>
@@ -9068,15 +9044,19 @@
               <a:defRPr sz="1300"/>
             </a:lvl9pPr>
           </a:lstStyle>
-          <a:p/>
+          <a:p>
+            <a:endParaRPr/>
+          </a:p>
         </p:txBody>
       </p:sp>
       <p:sp>
         <p:nvSpPr>
           <p:cNvPr id="97" name="Google Shape;97;p9"/>
-          <p:cNvSpPr txBox="1"/>
+          <p:cNvSpPr txBox="1">
+            <a:spLocks noGrp="1"/>
+          </p:cNvSpPr>
           <p:nvPr>
-            <p:ph idx="2" type="body"/>
+            <p:ph type="body" idx="2"/>
           </p:nvPr>
         </p:nvSpPr>
         <p:spPr>
@@ -9089,9 +9069,9 @@
           </a:prstGeom>
         </p:spPr>
         <p:txBody>
-          <a:bodyPr anchorCtr="0" anchor="t" bIns="91425" lIns="91425" spcFirstLastPara="1" rIns="91425" wrap="square" tIns="91425"/>
+          <a:bodyPr spcFirstLastPara="1" wrap="square" lIns="91425" tIns="91425" rIns="91425" bIns="91425" anchor="t" anchorCtr="0"/>
           <a:lstStyle>
-            <a:lvl1pPr indent="-311150" lvl="0" marL="457200">
+            <a:lvl1pPr marL="457200" lvl="0" indent="-311150">
               <a:spcBef>
                 <a:spcPts val="0"/>
               </a:spcBef>
@@ -9102,7 +9082,7 @@
               <a:buChar char="●"/>
               <a:defRPr/>
             </a:lvl1pPr>
-            <a:lvl2pPr indent="-298450" lvl="1" marL="914400">
+            <a:lvl2pPr marL="914400" lvl="1" indent="-298450">
               <a:spcBef>
                 <a:spcPts val="1600"/>
               </a:spcBef>
@@ -9113,7 +9093,7 @@
               <a:buChar char="○"/>
               <a:defRPr/>
             </a:lvl2pPr>
-            <a:lvl3pPr indent="-298450" lvl="2" marL="1371600">
+            <a:lvl3pPr marL="1371600" lvl="2" indent="-298450">
               <a:spcBef>
                 <a:spcPts val="1600"/>
               </a:spcBef>
@@ -9124,7 +9104,7 @@
               <a:buChar char="■"/>
               <a:defRPr/>
             </a:lvl3pPr>
-            <a:lvl4pPr indent="-298450" lvl="3" marL="1828800">
+            <a:lvl4pPr marL="1828800" lvl="3" indent="-298450">
               <a:spcBef>
                 <a:spcPts val="1600"/>
               </a:spcBef>
@@ -9135,7 +9115,7 @@
               <a:buChar char="●"/>
               <a:defRPr/>
             </a:lvl4pPr>
-            <a:lvl5pPr indent="-298450" lvl="4" marL="2286000">
+            <a:lvl5pPr marL="2286000" lvl="4" indent="-298450">
               <a:spcBef>
                 <a:spcPts val="1600"/>
               </a:spcBef>
@@ -9146,7 +9126,7 @@
               <a:buChar char="○"/>
               <a:defRPr/>
             </a:lvl5pPr>
-            <a:lvl6pPr indent="-298450" lvl="5" marL="2743200">
+            <a:lvl6pPr marL="2743200" lvl="5" indent="-298450">
               <a:spcBef>
                 <a:spcPts val="1600"/>
               </a:spcBef>
@@ -9157,7 +9137,7 @@
               <a:buChar char="■"/>
               <a:defRPr/>
             </a:lvl6pPr>
-            <a:lvl7pPr indent="-298450" lvl="6" marL="3200400">
+            <a:lvl7pPr marL="3200400" lvl="6" indent="-298450">
               <a:spcBef>
                 <a:spcPts val="1600"/>
               </a:spcBef>
@@ -9168,7 +9148,7 @@
               <a:buChar char="●"/>
               <a:defRPr/>
             </a:lvl7pPr>
-            <a:lvl8pPr indent="-298450" lvl="7" marL="3657600">
+            <a:lvl8pPr marL="3657600" lvl="7" indent="-298450">
               <a:spcBef>
                 <a:spcPts val="1600"/>
               </a:spcBef>
@@ -9179,7 +9159,7 @@
               <a:buChar char="○"/>
               <a:defRPr/>
             </a:lvl8pPr>
-            <a:lvl9pPr indent="-298450" lvl="8" marL="4114800">
+            <a:lvl9pPr marL="4114800" lvl="8" indent="-298450">
               <a:spcBef>
                 <a:spcPts val="1600"/>
               </a:spcBef>
@@ -9191,15 +9171,19 @@
               <a:defRPr/>
             </a:lvl9pPr>
           </a:lstStyle>
-          <a:p/>
+          <a:p>
+            <a:endParaRPr/>
+          </a:p>
         </p:txBody>
       </p:sp>
       <p:sp>
         <p:nvSpPr>
           <p:cNvPr id="98" name="Google Shape;98;p9"/>
-          <p:cNvSpPr txBox="1"/>
+          <p:cNvSpPr txBox="1">
+            <a:spLocks noGrp="1"/>
+          </p:cNvSpPr>
           <p:nvPr>
-            <p:ph idx="12" type="sldNum"/>
+            <p:ph type="sldNum" idx="12"/>
           </p:nvPr>
         </p:nvSpPr>
         <p:spPr>
@@ -9212,7 +9196,7 @@
           </a:prstGeom>
         </p:spPr>
         <p:txBody>
-          <a:bodyPr anchorCtr="0" anchor="ctr" bIns="91425" lIns="91425" spcFirstLastPara="1" rIns="91425" wrap="square" tIns="91425">
+          <a:bodyPr spcFirstLastPara="1" wrap="square" lIns="91425" tIns="91425" rIns="91425" bIns="91425" anchor="ctr" anchorCtr="0">
             <a:noAutofit/>
           </a:bodyPr>
           <a:lstStyle>
@@ -9254,7 +9238,7 @@
             </a:lvl9pPr>
           </a:lstStyle>
           <a:p>
-            <a:pPr indent="0" lvl="0" marL="0" rtl="0" algn="r">
+            <a:pPr marL="0" lvl="0" indent="0" algn="r" rtl="0">
               <a:spcBef>
                 <a:spcPts val="0"/>
               </a:spcBef>
@@ -9280,11 +9264,11 @@
 </file>
 
 <file path=ppt/slideLayouts/slideLayout9.xml><?xml version="1.0" encoding="utf-8"?>
-<p:sldLayout xmlns:a="http://schemas.openxmlformats.org/drawingml/2006/main" xmlns:r="http://schemas.openxmlformats.org/officeDocument/2006/relationships" xmlns:mc="http://schemas.openxmlformats.org/markup-compatibility/2006" xmlns:mv="urn:schemas-microsoft-com:mac:vml" xmlns:p="http://schemas.openxmlformats.org/presentationml/2006/main" xmlns:c="http://schemas.openxmlformats.org/drawingml/2006/chart" xmlns:dgm="http://schemas.openxmlformats.org/drawingml/2006/diagram" xmlns:o="urn:schemas-microsoft-com:office:office" xmlns:v="urn:schemas-microsoft-com:vml" xmlns:pvml="urn:schemas-microsoft-com:office:powerpoint" xmlns:com="http://schemas.openxmlformats.org/drawingml/2006/compatibility" xmlns:p14="http://schemas.microsoft.com/office/powerpoint/2010/main" xmlns:p15="http://schemas.microsoft.com/office/powerpoint/2012/main" matchingName="Caption">
+<p:sldLayout xmlns:a="http://schemas.openxmlformats.org/drawingml/2006/main" xmlns:r="http://schemas.openxmlformats.org/officeDocument/2006/relationships" xmlns:p="http://schemas.openxmlformats.org/presentationml/2006/main" matchingName="Caption">
   <p:cSld name="CAPTION_ONLY">
     <p:spTree>
       <p:nvGrpSpPr>
-        <p:cNvPr id="99" name="Shape 99"/>
+        <p:cNvPr id="1" name="Shape 99"/>
         <p:cNvGrpSpPr/>
         <p:nvPr/>
       </p:nvGrpSpPr>
@@ -9323,7 +9307,7 @@
             </a:xfrm>
             <a:prstGeom prst="diagStripe">
               <a:avLst>
-                <a:gd fmla="val 50000" name="adj"/>
+                <a:gd name="adj" fmla="val 50000"/>
               </a:avLst>
             </a:prstGeom>
             <a:solidFill>
@@ -9336,12 +9320,12 @@
             </a:ln>
           </p:spPr>
           <p:txBody>
-            <a:bodyPr anchorCtr="0" anchor="ctr" bIns="91425" lIns="91425" spcFirstLastPara="1" rIns="91425" wrap="square" tIns="91425">
+            <a:bodyPr spcFirstLastPara="1" wrap="square" lIns="91425" tIns="91425" rIns="91425" bIns="91425" anchor="ctr" anchorCtr="0">
               <a:noAutofit/>
             </a:bodyPr>
             <a:lstStyle/>
             <a:p>
-              <a:pPr indent="0" lvl="0" marL="0" rtl="0" algn="l">
+              <a:pPr marL="0" lvl="0" indent="0" algn="l" rtl="0">
                 <a:spcBef>
                   <a:spcPts val="0"/>
                 </a:spcBef>
@@ -9350,9 +9334,6 @@
                 </a:spcAft>
                 <a:buNone/>
               </a:pPr>
-              <a:r>
-                <a:t/>
-              </a:r>
               <a:endParaRPr/>
             </a:p>
           </p:txBody>
@@ -9370,7 +9351,7 @@
             </a:xfrm>
             <a:prstGeom prst="diagStripe">
               <a:avLst>
-                <a:gd fmla="val 50000" name="adj"/>
+                <a:gd name="adj" fmla="val 50000"/>
               </a:avLst>
             </a:prstGeom>
             <a:solidFill>
@@ -9383,12 +9364,12 @@
             </a:ln>
           </p:spPr>
           <p:txBody>
-            <a:bodyPr anchorCtr="0" anchor="ctr" bIns="91425" lIns="91425" spcFirstLastPara="1" rIns="91425" wrap="square" tIns="91425">
+            <a:bodyPr spcFirstLastPara="1" wrap="square" lIns="91425" tIns="91425" rIns="91425" bIns="91425" anchor="ctr" anchorCtr="0">
               <a:noAutofit/>
             </a:bodyPr>
             <a:lstStyle/>
             <a:p>
-              <a:pPr indent="0" lvl="0" marL="0" rtl="0" algn="l">
+              <a:pPr marL="0" lvl="0" indent="0" algn="l" rtl="0">
                 <a:spcBef>
                   <a:spcPts val="0"/>
                 </a:spcBef>
@@ -9397,9 +9378,6 @@
                 </a:spcAft>
                 <a:buNone/>
               </a:pPr>
-              <a:r>
-                <a:t/>
-              </a:r>
               <a:endParaRPr/>
             </a:p>
           </p:txBody>
@@ -9408,9 +9386,11 @@
       <p:sp>
         <p:nvSpPr>
           <p:cNvPr id="103" name="Google Shape;103;p10"/>
-          <p:cNvSpPr txBox="1"/>
+          <p:cNvSpPr txBox="1">
+            <a:spLocks noGrp="1"/>
+          </p:cNvSpPr>
           <p:nvPr>
-            <p:ph idx="1" type="body"/>
+            <p:ph type="body" idx="1"/>
           </p:nvPr>
         </p:nvSpPr>
         <p:spPr>
@@ -9423,9 +9403,9 @@
           </a:prstGeom>
         </p:spPr>
         <p:txBody>
-          <a:bodyPr anchorCtr="0" anchor="ctr" bIns="91425" lIns="91425" spcFirstLastPara="1" rIns="91425" wrap="square" tIns="91425"/>
+          <a:bodyPr spcFirstLastPara="1" wrap="square" lIns="91425" tIns="91425" rIns="91425" bIns="91425" anchor="ctr" anchorCtr="0"/>
           <a:lstStyle>
-            <a:lvl1pPr indent="-228600" lvl="0" marL="457200">
+            <a:lvl1pPr marL="457200" lvl="0" indent="-228600">
               <a:lnSpc>
                 <a:spcPct val="100000"/>
               </a:lnSpc>
@@ -9440,15 +9420,19 @@
               <a:defRPr/>
             </a:lvl1pPr>
           </a:lstStyle>
-          <a:p/>
+          <a:p>
+            <a:endParaRPr/>
+          </a:p>
         </p:txBody>
       </p:sp>
       <p:sp>
         <p:nvSpPr>
           <p:cNvPr id="104" name="Google Shape;104;p10"/>
-          <p:cNvSpPr txBox="1"/>
+          <p:cNvSpPr txBox="1">
+            <a:spLocks noGrp="1"/>
+          </p:cNvSpPr>
           <p:nvPr>
-            <p:ph idx="12" type="sldNum"/>
+            <p:ph type="sldNum" idx="12"/>
           </p:nvPr>
         </p:nvSpPr>
         <p:spPr>
@@ -9461,7 +9445,7 @@
           </a:prstGeom>
         </p:spPr>
         <p:txBody>
-          <a:bodyPr anchorCtr="0" anchor="ctr" bIns="91425" lIns="91425" spcFirstLastPara="1" rIns="91425" wrap="square" tIns="91425">
+          <a:bodyPr spcFirstLastPara="1" wrap="square" lIns="91425" tIns="91425" rIns="91425" bIns="91425" anchor="ctr" anchorCtr="0">
             <a:noAutofit/>
           </a:bodyPr>
           <a:lstStyle>
@@ -9503,7 +9487,7 @@
             </a:lvl9pPr>
           </a:lstStyle>
           <a:p>
-            <a:pPr indent="0" lvl="0" marL="0" rtl="0" algn="r">
+            <a:pPr marL="0" lvl="0" indent="0" algn="r" rtl="0">
               <a:spcBef>
                 <a:spcPts val="0"/>
               </a:spcBef>
@@ -9529,18 +9513,19 @@
 </file>
 
 <file path=ppt/slideMasters/slideMaster1.xml><?xml version="1.0" encoding="utf-8"?>
-<p:sldMaster xmlns:a="http://schemas.openxmlformats.org/drawingml/2006/main" xmlns:r="http://schemas.openxmlformats.org/officeDocument/2006/relationships" xmlns:mc="http://schemas.openxmlformats.org/markup-compatibility/2006" xmlns:mv="urn:schemas-microsoft-com:mac:vml" xmlns:p="http://schemas.openxmlformats.org/presentationml/2006/main" xmlns:c="http://schemas.openxmlformats.org/drawingml/2006/chart" xmlns:dgm="http://schemas.openxmlformats.org/drawingml/2006/diagram" xmlns:o="urn:schemas-microsoft-com:office:office" xmlns:v="urn:schemas-microsoft-com:vml" xmlns:pvml="urn:schemas-microsoft-com:office:powerpoint" xmlns:com="http://schemas.openxmlformats.org/drawingml/2006/compatibility" xmlns:p14="http://schemas.microsoft.com/office/powerpoint/2010/main" xmlns:p15="http://schemas.microsoft.com/office/powerpoint/2012/main">
+<p:sldMaster xmlns:a="http://schemas.openxmlformats.org/drawingml/2006/main" xmlns:r="http://schemas.openxmlformats.org/officeDocument/2006/relationships" xmlns:p="http://schemas.openxmlformats.org/presentationml/2006/main">
   <p:cSld name="focus">
     <p:bg>
       <p:bgPr>
         <a:solidFill>
           <a:schemeClr val="dk1"/>
         </a:solidFill>
+        <a:effectLst/>
       </p:bgPr>
     </p:bg>
     <p:spTree>
       <p:nvGrpSpPr>
-        <p:cNvPr id="5" name="Shape 5"/>
+        <p:cNvPr id="1" name="Shape 5"/>
         <p:cNvGrpSpPr/>
         <p:nvPr/>
       </p:nvGrpSpPr>
@@ -9555,7 +9540,9 @@
       <p:sp>
         <p:nvSpPr>
           <p:cNvPr id="6" name="Google Shape;6;p1"/>
-          <p:cNvSpPr txBox="1"/>
+          <p:cNvSpPr txBox="1">
+            <a:spLocks noGrp="1"/>
+          </p:cNvSpPr>
           <p:nvPr>
             <p:ph type="title"/>
           </p:nvPr>
@@ -9574,7 +9561,7 @@
           </a:ln>
         </p:spPr>
         <p:txBody>
-          <a:bodyPr anchorCtr="0" anchor="t" bIns="91425" lIns="91425" spcFirstLastPara="1" rIns="91425" wrap="square" tIns="91425"/>
+          <a:bodyPr spcFirstLastPara="1" wrap="square" lIns="91425" tIns="91425" rIns="91425" bIns="91425" anchor="t" anchorCtr="0"/>
           <a:lstStyle>
             <a:lvl1pPr lvl="0">
               <a:spcBef>
@@ -9784,15 +9771,19 @@
               </a:defRPr>
             </a:lvl9pPr>
           </a:lstStyle>
-          <a:p/>
+          <a:p>
+            <a:endParaRPr/>
+          </a:p>
         </p:txBody>
       </p:sp>
       <p:sp>
         <p:nvSpPr>
           <p:cNvPr id="7" name="Google Shape;7;p1"/>
-          <p:cNvSpPr txBox="1"/>
+          <p:cNvSpPr txBox="1">
+            <a:spLocks noGrp="1"/>
+          </p:cNvSpPr>
           <p:nvPr>
-            <p:ph idx="1" type="body"/>
+            <p:ph type="body" idx="1"/>
           </p:nvPr>
         </p:nvSpPr>
         <p:spPr>
@@ -9809,9 +9800,9 @@
           </a:ln>
         </p:spPr>
         <p:txBody>
-          <a:bodyPr anchorCtr="0" anchor="t" bIns="91425" lIns="91425" spcFirstLastPara="1" rIns="91425" wrap="square" tIns="91425"/>
+          <a:bodyPr spcFirstLastPara="1" wrap="square" lIns="91425" tIns="91425" rIns="91425" bIns="91425" anchor="t" anchorCtr="0"/>
           <a:lstStyle>
-            <a:lvl1pPr indent="-311150" lvl="0" marL="457200">
+            <a:lvl1pPr marL="457200" lvl="0" indent="-311150">
               <a:lnSpc>
                 <a:spcPct val="115000"/>
               </a:lnSpc>
@@ -9837,7 +9828,7 @@
                 <a:sym typeface="Lato"/>
               </a:defRPr>
             </a:lvl1pPr>
-            <a:lvl2pPr indent="-298450" lvl="1" marL="914400">
+            <a:lvl2pPr marL="914400" lvl="1" indent="-298450">
               <a:lnSpc>
                 <a:spcPct val="115000"/>
               </a:lnSpc>
@@ -9863,7 +9854,7 @@
                 <a:sym typeface="Lato"/>
               </a:defRPr>
             </a:lvl2pPr>
-            <a:lvl3pPr indent="-298450" lvl="2" marL="1371600">
+            <a:lvl3pPr marL="1371600" lvl="2" indent="-298450">
               <a:lnSpc>
                 <a:spcPct val="115000"/>
               </a:lnSpc>
@@ -9889,7 +9880,7 @@
                 <a:sym typeface="Lato"/>
               </a:defRPr>
             </a:lvl3pPr>
-            <a:lvl4pPr indent="-298450" lvl="3" marL="1828800">
+            <a:lvl4pPr marL="1828800" lvl="3" indent="-298450">
               <a:lnSpc>
                 <a:spcPct val="115000"/>
               </a:lnSpc>
@@ -9915,7 +9906,7 @@
                 <a:sym typeface="Lato"/>
               </a:defRPr>
             </a:lvl4pPr>
-            <a:lvl5pPr indent="-298450" lvl="4" marL="2286000">
+            <a:lvl5pPr marL="2286000" lvl="4" indent="-298450">
               <a:lnSpc>
                 <a:spcPct val="115000"/>
               </a:lnSpc>
@@ -9941,7 +9932,7 @@
                 <a:sym typeface="Lato"/>
               </a:defRPr>
             </a:lvl5pPr>
-            <a:lvl6pPr indent="-298450" lvl="5" marL="2743200">
+            <a:lvl6pPr marL="2743200" lvl="5" indent="-298450">
               <a:lnSpc>
                 <a:spcPct val="115000"/>
               </a:lnSpc>
@@ -9967,7 +9958,7 @@
                 <a:sym typeface="Lato"/>
               </a:defRPr>
             </a:lvl6pPr>
-            <a:lvl7pPr indent="-298450" lvl="6" marL="3200400">
+            <a:lvl7pPr marL="3200400" lvl="6" indent="-298450">
               <a:lnSpc>
                 <a:spcPct val="115000"/>
               </a:lnSpc>
@@ -9993,7 +9984,7 @@
                 <a:sym typeface="Lato"/>
               </a:defRPr>
             </a:lvl7pPr>
-            <a:lvl8pPr indent="-298450" lvl="7" marL="3657600">
+            <a:lvl8pPr marL="3657600" lvl="7" indent="-298450">
               <a:lnSpc>
                 <a:spcPct val="115000"/>
               </a:lnSpc>
@@ -10019,7 +10010,7 @@
                 <a:sym typeface="Lato"/>
               </a:defRPr>
             </a:lvl8pPr>
-            <a:lvl9pPr indent="-298450" lvl="8" marL="4114800">
+            <a:lvl9pPr marL="4114800" lvl="8" indent="-298450">
               <a:lnSpc>
                 <a:spcPct val="115000"/>
               </a:lnSpc>
@@ -10046,15 +10037,19 @@
               </a:defRPr>
             </a:lvl9pPr>
           </a:lstStyle>
-          <a:p/>
+          <a:p>
+            <a:endParaRPr/>
+          </a:p>
         </p:txBody>
       </p:sp>
       <p:sp>
         <p:nvSpPr>
           <p:cNvPr id="8" name="Google Shape;8;p1"/>
-          <p:cNvSpPr txBox="1"/>
+          <p:cNvSpPr txBox="1">
+            <a:spLocks noGrp="1"/>
+          </p:cNvSpPr>
           <p:nvPr>
-            <p:ph idx="12" type="sldNum"/>
+            <p:ph type="sldNum" idx="12"/>
           </p:nvPr>
         </p:nvSpPr>
         <p:spPr>
@@ -10071,7 +10066,7 @@
           </a:ln>
         </p:spPr>
         <p:txBody>
-          <a:bodyPr anchorCtr="0" anchor="ctr" bIns="91425" lIns="91425" spcFirstLastPara="1" rIns="91425" wrap="square" tIns="91425">
+          <a:bodyPr spcFirstLastPara="1" wrap="square" lIns="91425" tIns="91425" rIns="91425" bIns="91425" anchor="ctr" anchorCtr="0">
             <a:noAutofit/>
           </a:bodyPr>
           <a:lstStyle>
@@ -10185,7 +10180,7 @@
             </a:lvl9pPr>
           </a:lstStyle>
           <a:p>
-            <a:pPr indent="0" lvl="0" marL="0" rtl="0" algn="r">
+            <a:pPr marL="0" lvl="0" indent="0" algn="r" rtl="0">
               <a:spcBef>
                 <a:spcPts val="0"/>
               </a:spcBef>
@@ -10204,7 +10199,7 @@
       </p:sp>
     </p:spTree>
   </p:cSld>
-  <p:clrMap accent1="accent1" accent2="accent2" accent3="accent3" accent4="accent4" accent5="accent5" accent6="accent6" bg1="lt1" bg2="dk2" tx1="dk1" tx2="lt2" folHlink="folHlink" hlink="hlink"/>
+  <p:clrMap bg1="lt1" tx1="dk1" bg2="dk2" tx2="lt2" accent1="accent1" accent2="accent2" accent3="accent3" accent4="accent4" accent5="accent5" accent6="accent6" hlink="hlink" folHlink="folHlink"/>
   <p:sldLayoutIdLst>
     <p:sldLayoutId id="2147483648" r:id="rId1"/>
     <p:sldLayoutId id="2147483649" r:id="rId2"/>
@@ -10218,10 +10213,10 @@
     <p:sldLayoutId id="2147483657" r:id="rId10"/>
     <p:sldLayoutId id="2147483658" r:id="rId11"/>
   </p:sldLayoutIdLst>
-  <p:hf dt="0" ftr="0" hdr="0" sldNum="0"/>
+  <p:hf sldNum="0" hdr="0" ftr="0" dt="0"/>
   <p:txStyles>
     <p:titleStyle>
-      <a:defPPr lvl="0" marR="0" rtl="0" algn="l">
+      <a:defPPr marR="0" lvl="0" algn="l" rtl="0">
         <a:lnSpc>
           <a:spcPct val="100000"/>
         </a:lnSpc>
@@ -10232,7 +10227,7 @@
           <a:spcPts val="0"/>
         </a:spcAft>
       </a:defPPr>
-      <a:lvl1pPr lvl="0" marR="0" rtl="0" algn="l">
+      <a:lvl1pPr marR="0" lvl="0" algn="l" rtl="0">
         <a:lnSpc>
           <a:spcPct val="100000"/>
         </a:lnSpc>
@@ -10246,7 +10241,7 @@
           <a:srgbClr val="000000"/>
         </a:buClr>
         <a:buFont typeface="Arial"/>
-        <a:defRPr b="0" i="0" sz="1400" u="none" cap="none" strike="noStrike">
+        <a:defRPr sz="1400" b="0" i="0" u="none" strike="noStrike" cap="none">
           <a:solidFill>
             <a:srgbClr val="000000"/>
           </a:solidFill>
@@ -10256,7 +10251,7 @@
           <a:sym typeface="Arial"/>
         </a:defRPr>
       </a:lvl1pPr>
-      <a:lvl2pPr lvl="1" marR="0" rtl="0" algn="l">
+      <a:lvl2pPr marR="0" lvl="1" algn="l" rtl="0">
         <a:lnSpc>
           <a:spcPct val="100000"/>
         </a:lnSpc>
@@ -10270,7 +10265,7 @@
           <a:srgbClr val="000000"/>
         </a:buClr>
         <a:buFont typeface="Arial"/>
-        <a:defRPr b="0" i="0" sz="1400" u="none" cap="none" strike="noStrike">
+        <a:defRPr sz="1400" b="0" i="0" u="none" strike="noStrike" cap="none">
           <a:solidFill>
             <a:srgbClr val="000000"/>
           </a:solidFill>
@@ -10280,7 +10275,7 @@
           <a:sym typeface="Arial"/>
         </a:defRPr>
       </a:lvl2pPr>
-      <a:lvl3pPr lvl="2" marR="0" rtl="0" algn="l">
+      <a:lvl3pPr marR="0" lvl="2" algn="l" rtl="0">
         <a:lnSpc>
           <a:spcPct val="100000"/>
         </a:lnSpc>
@@ -10294,7 +10289,7 @@
           <a:srgbClr val="000000"/>
         </a:buClr>
         <a:buFont typeface="Arial"/>
-        <a:defRPr b="0" i="0" sz="1400" u="none" cap="none" strike="noStrike">
+        <a:defRPr sz="1400" b="0" i="0" u="none" strike="noStrike" cap="none">
           <a:solidFill>
             <a:srgbClr val="000000"/>
           </a:solidFill>
@@ -10304,7 +10299,7 @@
           <a:sym typeface="Arial"/>
         </a:defRPr>
       </a:lvl3pPr>
-      <a:lvl4pPr lvl="3" marR="0" rtl="0" algn="l">
+      <a:lvl4pPr marR="0" lvl="3" algn="l" rtl="0">
         <a:lnSpc>
           <a:spcPct val="100000"/>
         </a:lnSpc>
@@ -10318,7 +10313,7 @@
           <a:srgbClr val="000000"/>
         </a:buClr>
         <a:buFont typeface="Arial"/>
-        <a:defRPr b="0" i="0" sz="1400" u="none" cap="none" strike="noStrike">
+        <a:defRPr sz="1400" b="0" i="0" u="none" strike="noStrike" cap="none">
           <a:solidFill>
             <a:srgbClr val="000000"/>
           </a:solidFill>
@@ -10328,7 +10323,7 @@
           <a:sym typeface="Arial"/>
         </a:defRPr>
       </a:lvl4pPr>
-      <a:lvl5pPr lvl="4" marR="0" rtl="0" algn="l">
+      <a:lvl5pPr marR="0" lvl="4" algn="l" rtl="0">
         <a:lnSpc>
           <a:spcPct val="100000"/>
         </a:lnSpc>
@@ -10342,7 +10337,7 @@
           <a:srgbClr val="000000"/>
         </a:buClr>
         <a:buFont typeface="Arial"/>
-        <a:defRPr b="0" i="0" sz="1400" u="none" cap="none" strike="noStrike">
+        <a:defRPr sz="1400" b="0" i="0" u="none" strike="noStrike" cap="none">
           <a:solidFill>
             <a:srgbClr val="000000"/>
           </a:solidFill>
@@ -10352,7 +10347,7 @@
           <a:sym typeface="Arial"/>
         </a:defRPr>
       </a:lvl5pPr>
-      <a:lvl6pPr lvl="5" marR="0" rtl="0" algn="l">
+      <a:lvl6pPr marR="0" lvl="5" algn="l" rtl="0">
         <a:lnSpc>
           <a:spcPct val="100000"/>
         </a:lnSpc>
@@ -10366,7 +10361,7 @@
           <a:srgbClr val="000000"/>
         </a:buClr>
         <a:buFont typeface="Arial"/>
-        <a:defRPr b="0" i="0" sz="1400" u="none" cap="none" strike="noStrike">
+        <a:defRPr sz="1400" b="0" i="0" u="none" strike="noStrike" cap="none">
           <a:solidFill>
             <a:srgbClr val="000000"/>
           </a:solidFill>
@@ -10376,7 +10371,7 @@
           <a:sym typeface="Arial"/>
         </a:defRPr>
       </a:lvl6pPr>
-      <a:lvl7pPr lvl="6" marR="0" rtl="0" algn="l">
+      <a:lvl7pPr marR="0" lvl="6" algn="l" rtl="0">
         <a:lnSpc>
           <a:spcPct val="100000"/>
         </a:lnSpc>
@@ -10390,7 +10385,7 @@
           <a:srgbClr val="000000"/>
         </a:buClr>
         <a:buFont typeface="Arial"/>
-        <a:defRPr b="0" i="0" sz="1400" u="none" cap="none" strike="noStrike">
+        <a:defRPr sz="1400" b="0" i="0" u="none" strike="noStrike" cap="none">
           <a:solidFill>
             <a:srgbClr val="000000"/>
           </a:solidFill>
@@ -10400,7 +10395,7 @@
           <a:sym typeface="Arial"/>
         </a:defRPr>
       </a:lvl7pPr>
-      <a:lvl8pPr lvl="7" marR="0" rtl="0" algn="l">
+      <a:lvl8pPr marR="0" lvl="7" algn="l" rtl="0">
         <a:lnSpc>
           <a:spcPct val="100000"/>
         </a:lnSpc>
@@ -10414,7 +10409,7 @@
           <a:srgbClr val="000000"/>
         </a:buClr>
         <a:buFont typeface="Arial"/>
-        <a:defRPr b="0" i="0" sz="1400" u="none" cap="none" strike="noStrike">
+        <a:defRPr sz="1400" b="0" i="0" u="none" strike="noStrike" cap="none">
           <a:solidFill>
             <a:srgbClr val="000000"/>
           </a:solidFill>
@@ -10424,7 +10419,7 @@
           <a:sym typeface="Arial"/>
         </a:defRPr>
       </a:lvl8pPr>
-      <a:lvl9pPr lvl="8" marR="0" rtl="0" algn="l">
+      <a:lvl9pPr marR="0" lvl="8" algn="l" rtl="0">
         <a:lnSpc>
           <a:spcPct val="100000"/>
         </a:lnSpc>
@@ -10438,7 +10433,7 @@
           <a:srgbClr val="000000"/>
         </a:buClr>
         <a:buFont typeface="Arial"/>
-        <a:defRPr b="0" i="0" sz="1400" u="none" cap="none" strike="noStrike">
+        <a:defRPr sz="1400" b="0" i="0" u="none" strike="noStrike" cap="none">
           <a:solidFill>
             <a:srgbClr val="000000"/>
           </a:solidFill>
@@ -10450,7 +10445,7 @@
       </a:lvl9pPr>
     </p:titleStyle>
     <p:bodyStyle>
-      <a:defPPr lvl="0" marR="0" rtl="0" algn="l">
+      <a:defPPr marR="0" lvl="0" algn="l" rtl="0">
         <a:lnSpc>
           <a:spcPct val="100000"/>
         </a:lnSpc>
@@ -10461,7 +10456,7 @@
           <a:spcPts val="0"/>
         </a:spcAft>
       </a:defPPr>
-      <a:lvl1pPr lvl="0" marR="0" rtl="0" algn="l">
+      <a:lvl1pPr marR="0" lvl="0" algn="l" rtl="0">
         <a:lnSpc>
           <a:spcPct val="100000"/>
         </a:lnSpc>
@@ -10475,7 +10470,7 @@
           <a:srgbClr val="000000"/>
         </a:buClr>
         <a:buFont typeface="Arial"/>
-        <a:defRPr b="0" i="0" sz="1400" u="none" cap="none" strike="noStrike">
+        <a:defRPr sz="1400" b="0" i="0" u="none" strike="noStrike" cap="none">
           <a:solidFill>
             <a:srgbClr val="000000"/>
           </a:solidFill>
@@ -10485,7 +10480,7 @@
           <a:sym typeface="Arial"/>
         </a:defRPr>
       </a:lvl1pPr>
-      <a:lvl2pPr lvl="1" marR="0" rtl="0" algn="l">
+      <a:lvl2pPr marR="0" lvl="1" algn="l" rtl="0">
         <a:lnSpc>
           <a:spcPct val="100000"/>
         </a:lnSpc>
@@ -10499,7 +10494,7 @@
           <a:srgbClr val="000000"/>
         </a:buClr>
         <a:buFont typeface="Arial"/>
-        <a:defRPr b="0" i="0" sz="1400" u="none" cap="none" strike="noStrike">
+        <a:defRPr sz="1400" b="0" i="0" u="none" strike="noStrike" cap="none">
           <a:solidFill>
             <a:srgbClr val="000000"/>
           </a:solidFill>
@@ -10509,7 +10504,7 @@
           <a:sym typeface="Arial"/>
         </a:defRPr>
       </a:lvl2pPr>
-      <a:lvl3pPr lvl="2" marR="0" rtl="0" algn="l">
+      <a:lvl3pPr marR="0" lvl="2" algn="l" rtl="0">
         <a:lnSpc>
           <a:spcPct val="100000"/>
         </a:lnSpc>
@@ -10523,7 +10518,7 @@
           <a:srgbClr val="000000"/>
         </a:buClr>
         <a:buFont typeface="Arial"/>
-        <a:defRPr b="0" i="0" sz="1400" u="none" cap="none" strike="noStrike">
+        <a:defRPr sz="1400" b="0" i="0" u="none" strike="noStrike" cap="none">
           <a:solidFill>
             <a:srgbClr val="000000"/>
           </a:solidFill>
@@ -10533,7 +10528,7 @@
           <a:sym typeface="Arial"/>
         </a:defRPr>
       </a:lvl3pPr>
-      <a:lvl4pPr lvl="3" marR="0" rtl="0" algn="l">
+      <a:lvl4pPr marR="0" lvl="3" algn="l" rtl="0">
         <a:lnSpc>
           <a:spcPct val="100000"/>
         </a:lnSpc>
@@ -10547,7 +10542,7 @@
           <a:srgbClr val="000000"/>
         </a:buClr>
         <a:buFont typeface="Arial"/>
-        <a:defRPr b="0" i="0" sz="1400" u="none" cap="none" strike="noStrike">
+        <a:defRPr sz="1400" b="0" i="0" u="none" strike="noStrike" cap="none">
           <a:solidFill>
             <a:srgbClr val="000000"/>
           </a:solidFill>
@@ -10557,7 +10552,7 @@
           <a:sym typeface="Arial"/>
         </a:defRPr>
       </a:lvl4pPr>
-      <a:lvl5pPr lvl="4" marR="0" rtl="0" algn="l">
+      <a:lvl5pPr marR="0" lvl="4" algn="l" rtl="0">
         <a:lnSpc>
           <a:spcPct val="100000"/>
         </a:lnSpc>
@@ -10571,7 +10566,7 @@
           <a:srgbClr val="000000"/>
         </a:buClr>
         <a:buFont typeface="Arial"/>
-        <a:defRPr b="0" i="0" sz="1400" u="none" cap="none" strike="noStrike">
+        <a:defRPr sz="1400" b="0" i="0" u="none" strike="noStrike" cap="none">
           <a:solidFill>
             <a:srgbClr val="000000"/>
           </a:solidFill>
@@ -10581,7 +10576,7 @@
           <a:sym typeface="Arial"/>
         </a:defRPr>
       </a:lvl5pPr>
-      <a:lvl6pPr lvl="5" marR="0" rtl="0" algn="l">
+      <a:lvl6pPr marR="0" lvl="5" algn="l" rtl="0">
         <a:lnSpc>
           <a:spcPct val="100000"/>
         </a:lnSpc>
@@ -10595,7 +10590,7 @@
           <a:srgbClr val="000000"/>
         </a:buClr>
         <a:buFont typeface="Arial"/>
-        <a:defRPr b="0" i="0" sz="1400" u="none" cap="none" strike="noStrike">
+        <a:defRPr sz="1400" b="0" i="0" u="none" strike="noStrike" cap="none">
           <a:solidFill>
             <a:srgbClr val="000000"/>
           </a:solidFill>
@@ -10605,7 +10600,7 @@
           <a:sym typeface="Arial"/>
         </a:defRPr>
       </a:lvl6pPr>
-      <a:lvl7pPr lvl="6" marR="0" rtl="0" algn="l">
+      <a:lvl7pPr marR="0" lvl="6" algn="l" rtl="0">
         <a:lnSpc>
           <a:spcPct val="100000"/>
         </a:lnSpc>
@@ -10619,7 +10614,7 @@
           <a:srgbClr val="000000"/>
         </a:buClr>
         <a:buFont typeface="Arial"/>
-        <a:defRPr b="0" i="0" sz="1400" u="none" cap="none" strike="noStrike">
+        <a:defRPr sz="1400" b="0" i="0" u="none" strike="noStrike" cap="none">
           <a:solidFill>
             <a:srgbClr val="000000"/>
           </a:solidFill>
@@ -10629,7 +10624,7 @@
           <a:sym typeface="Arial"/>
         </a:defRPr>
       </a:lvl7pPr>
-      <a:lvl8pPr lvl="7" marR="0" rtl="0" algn="l">
+      <a:lvl8pPr marR="0" lvl="7" algn="l" rtl="0">
         <a:lnSpc>
           <a:spcPct val="100000"/>
         </a:lnSpc>
@@ -10643,7 +10638,7 @@
           <a:srgbClr val="000000"/>
         </a:buClr>
         <a:buFont typeface="Arial"/>
-        <a:defRPr b="0" i="0" sz="1400" u="none" cap="none" strike="noStrike">
+        <a:defRPr sz="1400" b="0" i="0" u="none" strike="noStrike" cap="none">
           <a:solidFill>
             <a:srgbClr val="000000"/>
           </a:solidFill>
@@ -10653,7 +10648,7 @@
           <a:sym typeface="Arial"/>
         </a:defRPr>
       </a:lvl8pPr>
-      <a:lvl9pPr lvl="8" marR="0" rtl="0" algn="l">
+      <a:lvl9pPr marR="0" lvl="8" algn="l" rtl="0">
         <a:lnSpc>
           <a:spcPct val="100000"/>
         </a:lnSpc>
@@ -10667,7 +10662,7 @@
           <a:srgbClr val="000000"/>
         </a:buClr>
         <a:buFont typeface="Arial"/>
-        <a:defRPr b="0" i="0" sz="1400" u="none" cap="none" strike="noStrike">
+        <a:defRPr sz="1400" b="0" i="0" u="none" strike="noStrike" cap="none">
           <a:solidFill>
             <a:srgbClr val="000000"/>
           </a:solidFill>
@@ -10679,7 +10674,7 @@
       </a:lvl9pPr>
     </p:bodyStyle>
     <p:otherStyle>
-      <a:defPPr lvl="0" marR="0" rtl="0" algn="l">
+      <a:defPPr marR="0" lvl="0" algn="l" rtl="0">
         <a:lnSpc>
           <a:spcPct val="100000"/>
         </a:lnSpc>
@@ -10690,7 +10685,7 @@
           <a:spcPts val="0"/>
         </a:spcAft>
       </a:defPPr>
-      <a:lvl1pPr lvl="0" marR="0" rtl="0" algn="l">
+      <a:lvl1pPr marR="0" lvl="0" algn="l" rtl="0">
         <a:lnSpc>
           <a:spcPct val="100000"/>
         </a:lnSpc>
@@ -10704,7 +10699,7 @@
           <a:srgbClr val="000000"/>
         </a:buClr>
         <a:buFont typeface="Arial"/>
-        <a:defRPr b="0" i="0" sz="1400" u="none" cap="none" strike="noStrike">
+        <a:defRPr sz="1400" b="0" i="0" u="none" strike="noStrike" cap="none">
           <a:solidFill>
             <a:srgbClr val="000000"/>
           </a:solidFill>
@@ -10714,7 +10709,7 @@
           <a:sym typeface="Arial"/>
         </a:defRPr>
       </a:lvl1pPr>
-      <a:lvl2pPr lvl="1" marR="0" rtl="0" algn="l">
+      <a:lvl2pPr marR="0" lvl="1" algn="l" rtl="0">
         <a:lnSpc>
           <a:spcPct val="100000"/>
         </a:lnSpc>
@@ -10728,7 +10723,7 @@
           <a:srgbClr val="000000"/>
         </a:buClr>
         <a:buFont typeface="Arial"/>
-        <a:defRPr b="0" i="0" sz="1400" u="none" cap="none" strike="noStrike">
+        <a:defRPr sz="1400" b="0" i="0" u="none" strike="noStrike" cap="none">
           <a:solidFill>
             <a:srgbClr val="000000"/>
           </a:solidFill>
@@ -10738,7 +10733,7 @@
           <a:sym typeface="Arial"/>
         </a:defRPr>
       </a:lvl2pPr>
-      <a:lvl3pPr lvl="2" marR="0" rtl="0" algn="l">
+      <a:lvl3pPr marR="0" lvl="2" algn="l" rtl="0">
         <a:lnSpc>
           <a:spcPct val="100000"/>
         </a:lnSpc>
@@ -10752,7 +10747,7 @@
           <a:srgbClr val="000000"/>
         </a:buClr>
         <a:buFont typeface="Arial"/>
-        <a:defRPr b="0" i="0" sz="1400" u="none" cap="none" strike="noStrike">
+        <a:defRPr sz="1400" b="0" i="0" u="none" strike="noStrike" cap="none">
           <a:solidFill>
             <a:srgbClr val="000000"/>
           </a:solidFill>
@@ -10762,7 +10757,7 @@
           <a:sym typeface="Arial"/>
         </a:defRPr>
       </a:lvl3pPr>
-      <a:lvl4pPr lvl="3" marR="0" rtl="0" algn="l">
+      <a:lvl4pPr marR="0" lvl="3" algn="l" rtl="0">
         <a:lnSpc>
           <a:spcPct val="100000"/>
         </a:lnSpc>
@@ -10776,7 +10771,7 @@
           <a:srgbClr val="000000"/>
         </a:buClr>
         <a:buFont typeface="Arial"/>
-        <a:defRPr b="0" i="0" sz="1400" u="none" cap="none" strike="noStrike">
+        <a:defRPr sz="1400" b="0" i="0" u="none" strike="noStrike" cap="none">
           <a:solidFill>
             <a:srgbClr val="000000"/>
           </a:solidFill>
@@ -10786,7 +10781,7 @@
           <a:sym typeface="Arial"/>
         </a:defRPr>
       </a:lvl4pPr>
-      <a:lvl5pPr lvl="4" marR="0" rtl="0" algn="l">
+      <a:lvl5pPr marR="0" lvl="4" algn="l" rtl="0">
         <a:lnSpc>
           <a:spcPct val="100000"/>
         </a:lnSpc>
@@ -10800,7 +10795,7 @@
           <a:srgbClr val="000000"/>
         </a:buClr>
         <a:buFont typeface="Arial"/>
-        <a:defRPr b="0" i="0" sz="1400" u="none" cap="none" strike="noStrike">
+        <a:defRPr sz="1400" b="0" i="0" u="none" strike="noStrike" cap="none">
           <a:solidFill>
             <a:srgbClr val="000000"/>
           </a:solidFill>
@@ -10810,7 +10805,7 @@
           <a:sym typeface="Arial"/>
         </a:defRPr>
       </a:lvl5pPr>
-      <a:lvl6pPr lvl="5" marR="0" rtl="0" algn="l">
+      <a:lvl6pPr marR="0" lvl="5" algn="l" rtl="0">
         <a:lnSpc>
           <a:spcPct val="100000"/>
         </a:lnSpc>
@@ -10824,7 +10819,7 @@
           <a:srgbClr val="000000"/>
         </a:buClr>
         <a:buFont typeface="Arial"/>
-        <a:defRPr b="0" i="0" sz="1400" u="none" cap="none" strike="noStrike">
+        <a:defRPr sz="1400" b="0" i="0" u="none" strike="noStrike" cap="none">
           <a:solidFill>
             <a:srgbClr val="000000"/>
           </a:solidFill>
@@ -10834,7 +10829,7 @@
           <a:sym typeface="Arial"/>
         </a:defRPr>
       </a:lvl6pPr>
-      <a:lvl7pPr lvl="6" marR="0" rtl="0" algn="l">
+      <a:lvl7pPr marR="0" lvl="6" algn="l" rtl="0">
         <a:lnSpc>
           <a:spcPct val="100000"/>
         </a:lnSpc>
@@ -10848,7 +10843,7 @@
           <a:srgbClr val="000000"/>
         </a:buClr>
         <a:buFont typeface="Arial"/>
-        <a:defRPr b="0" i="0" sz="1400" u="none" cap="none" strike="noStrike">
+        <a:defRPr sz="1400" b="0" i="0" u="none" strike="noStrike" cap="none">
           <a:solidFill>
             <a:srgbClr val="000000"/>
           </a:solidFill>
@@ -10858,7 +10853,7 @@
           <a:sym typeface="Arial"/>
         </a:defRPr>
       </a:lvl7pPr>
-      <a:lvl8pPr lvl="7" marR="0" rtl="0" algn="l">
+      <a:lvl8pPr marR="0" lvl="7" algn="l" rtl="0">
         <a:lnSpc>
           <a:spcPct val="100000"/>
         </a:lnSpc>
@@ -10872,7 +10867,7 @@
           <a:srgbClr val="000000"/>
         </a:buClr>
         <a:buFont typeface="Arial"/>
-        <a:defRPr b="0" i="0" sz="1400" u="none" cap="none" strike="noStrike">
+        <a:defRPr sz="1400" b="0" i="0" u="none" strike="noStrike" cap="none">
           <a:solidFill>
             <a:srgbClr val="000000"/>
           </a:solidFill>
@@ -10882,7 +10877,7 @@
           <a:sym typeface="Arial"/>
         </a:defRPr>
       </a:lvl8pPr>
-      <a:lvl9pPr lvl="8" marR="0" rtl="0" algn="l">
+      <a:lvl9pPr marR="0" lvl="8" algn="l" rtl="0">
         <a:lnSpc>
           <a:spcPct val="100000"/>
         </a:lnSpc>
@@ -10896,7 +10891,7 @@
           <a:srgbClr val="000000"/>
         </a:buClr>
         <a:buFont typeface="Arial"/>
-        <a:defRPr b="0" i="0" sz="1400" u="none" cap="none" strike="noStrike">
+        <a:defRPr sz="1400" b="0" i="0" u="none" strike="noStrike" cap="none">
           <a:solidFill>
             <a:srgbClr val="000000"/>
           </a:solidFill>
@@ -10912,11 +10907,11 @@
 </file>
 
 <file path=ppt/slides/slide1.xml><?xml version="1.0" encoding="utf-8"?>
-<p:sld xmlns:a="http://schemas.openxmlformats.org/drawingml/2006/main" xmlns:r="http://schemas.openxmlformats.org/officeDocument/2006/relationships" xmlns:mc="http://schemas.openxmlformats.org/markup-compatibility/2006" xmlns:mv="urn:schemas-microsoft-com:mac:vml" xmlns:p="http://schemas.openxmlformats.org/presentationml/2006/main" xmlns:c="http://schemas.openxmlformats.org/drawingml/2006/chart" xmlns:dgm="http://schemas.openxmlformats.org/drawingml/2006/diagram" xmlns:o="urn:schemas-microsoft-com:office:office" xmlns:v="urn:schemas-microsoft-com:vml" xmlns:pvml="urn:schemas-microsoft-com:office:powerpoint" xmlns:com="http://schemas.openxmlformats.org/drawingml/2006/compatibility" xmlns:p14="http://schemas.microsoft.com/office/powerpoint/2010/main" xmlns:p15="http://schemas.microsoft.com/office/powerpoint/2012/main">
+<p:sld xmlns:a="http://schemas.openxmlformats.org/drawingml/2006/main" xmlns:r="http://schemas.openxmlformats.org/officeDocument/2006/relationships" xmlns:p="http://schemas.openxmlformats.org/presentationml/2006/main">
   <p:cSld>
     <p:spTree>
       <p:nvGrpSpPr>
-        <p:cNvPr id="133" name="Shape 133"/>
+        <p:cNvPr id="1" name="Shape 133"/>
         <p:cNvGrpSpPr/>
         <p:nvPr/>
       </p:nvGrpSpPr>
@@ -10931,7 +10926,9 @@
       <p:sp>
         <p:nvSpPr>
           <p:cNvPr id="134" name="Google Shape;134;p13"/>
-          <p:cNvSpPr txBox="1"/>
+          <p:cNvSpPr txBox="1">
+            <a:spLocks noGrp="1"/>
+          </p:cNvSpPr>
           <p:nvPr>
             <p:ph type="ctrTitle"/>
           </p:nvPr>
@@ -10946,12 +10943,12 @@
           </a:prstGeom>
         </p:spPr>
         <p:txBody>
-          <a:bodyPr anchorCtr="0" anchor="t" bIns="91425" lIns="91425" spcFirstLastPara="1" rIns="91425" wrap="square" tIns="91425">
+          <a:bodyPr spcFirstLastPara="1" wrap="square" lIns="91425" tIns="91425" rIns="91425" bIns="91425" anchor="t" anchorCtr="0">
             <a:noAutofit/>
           </a:bodyPr>
           <a:lstStyle/>
           <a:p>
-            <a:pPr indent="0" lvl="0" marL="0" rtl="0" algn="l">
+            <a:pPr marL="0" lvl="0" indent="0" algn="l" rtl="0">
               <a:spcBef>
                 <a:spcPts val="0"/>
               </a:spcBef>
@@ -10977,11 +10974,11 @@
 </file>
 
 <file path=ppt/slides/slide10.xml><?xml version="1.0" encoding="utf-8"?>
-<p:sld xmlns:a="http://schemas.openxmlformats.org/drawingml/2006/main" xmlns:r="http://schemas.openxmlformats.org/officeDocument/2006/relationships" xmlns:mc="http://schemas.openxmlformats.org/markup-compatibility/2006" xmlns:mv="urn:schemas-microsoft-com:mac:vml" xmlns:p="http://schemas.openxmlformats.org/presentationml/2006/main" xmlns:c="http://schemas.openxmlformats.org/drawingml/2006/chart" xmlns:dgm="http://schemas.openxmlformats.org/drawingml/2006/diagram" xmlns:o="urn:schemas-microsoft-com:office:office" xmlns:v="urn:schemas-microsoft-com:vml" xmlns:pvml="urn:schemas-microsoft-com:office:powerpoint" xmlns:com="http://schemas.openxmlformats.org/drawingml/2006/compatibility" xmlns:p14="http://schemas.microsoft.com/office/powerpoint/2010/main" xmlns:p15="http://schemas.microsoft.com/office/powerpoint/2012/main">
+<p:sld xmlns:a="http://schemas.openxmlformats.org/drawingml/2006/main" xmlns:r="http://schemas.openxmlformats.org/officeDocument/2006/relationships" xmlns:p="http://schemas.openxmlformats.org/presentationml/2006/main">
   <p:cSld>
     <p:spTree>
       <p:nvGrpSpPr>
-        <p:cNvPr id="200" name="Shape 200"/>
+        <p:cNvPr id="1" name="Shape 200"/>
         <p:cNvGrpSpPr/>
         <p:nvPr/>
       </p:nvGrpSpPr>
@@ -10996,7 +10993,9 @@
       <p:sp>
         <p:nvSpPr>
           <p:cNvPr id="201" name="Google Shape;201;p22"/>
-          <p:cNvSpPr txBox="1"/>
+          <p:cNvSpPr txBox="1">
+            <a:spLocks noGrp="1"/>
+          </p:cNvSpPr>
           <p:nvPr>
             <p:ph type="title"/>
           </p:nvPr>
@@ -11011,12 +11010,12 @@
           </a:prstGeom>
         </p:spPr>
         <p:txBody>
-          <a:bodyPr anchorCtr="0" anchor="t" bIns="91425" lIns="91425" spcFirstLastPara="1" rIns="91425" wrap="square" tIns="91425">
+          <a:bodyPr spcFirstLastPara="1" wrap="square" lIns="91425" tIns="91425" rIns="91425" bIns="91425" anchor="t" anchorCtr="0">
             <a:noAutofit/>
           </a:bodyPr>
           <a:lstStyle/>
           <a:p>
-            <a:pPr indent="0" lvl="0" marL="0" rtl="0" algn="l">
+            <a:pPr marL="0" lvl="0" indent="0" algn="l" rtl="0">
               <a:spcBef>
                 <a:spcPts val="0"/>
               </a:spcBef>
@@ -11037,7 +11036,7 @@
             <a:endParaRPr/>
           </a:p>
           <a:p>
-            <a:pPr indent="0" lvl="0" marL="0" rtl="0" algn="l">
+            <a:pPr marL="0" lvl="0" indent="0" algn="l" rtl="0">
               <a:spcBef>
                 <a:spcPts val="0"/>
               </a:spcBef>
@@ -11046,9 +11045,6 @@
               </a:spcAft>
               <a:buNone/>
             </a:pPr>
-            <a:r>
-              <a:t/>
-            </a:r>
             <a:endParaRPr/>
           </a:p>
         </p:txBody>
@@ -11056,9 +11052,11 @@
       <p:sp>
         <p:nvSpPr>
           <p:cNvPr id="202" name="Google Shape;202;p22"/>
-          <p:cNvSpPr txBox="1"/>
+          <p:cNvSpPr txBox="1">
+            <a:spLocks noGrp="1"/>
+          </p:cNvSpPr>
           <p:nvPr>
-            <p:ph idx="1" type="body"/>
+            <p:ph type="body" idx="1"/>
           </p:nvPr>
         </p:nvSpPr>
         <p:spPr>
@@ -11071,12 +11069,12 @@
           </a:prstGeom>
         </p:spPr>
         <p:txBody>
-          <a:bodyPr anchorCtr="0" anchor="t" bIns="91425" lIns="91425" spcFirstLastPara="1" rIns="91425" wrap="square" tIns="91425">
+          <a:bodyPr spcFirstLastPara="1" wrap="square" lIns="91425" tIns="91425" rIns="91425" bIns="91425" anchor="t" anchorCtr="0">
             <a:noAutofit/>
           </a:bodyPr>
           <a:lstStyle/>
           <a:p>
-            <a:pPr indent="0" lvl="0" marL="0" rtl="0" algn="l">
+            <a:pPr marL="0" lvl="0" indent="0" algn="l" rtl="0">
               <a:spcBef>
                 <a:spcPts val="0"/>
               </a:spcBef>
@@ -11085,9 +11083,6 @@
               </a:spcAft>
               <a:buNone/>
             </a:pPr>
-            <a:r>
-              <a:t/>
-            </a:r>
             <a:endParaRPr/>
           </a:p>
         </p:txBody>
@@ -11185,11 +11180,11 @@
 </file>
 
 <file path=ppt/slides/slide11.xml><?xml version="1.0" encoding="utf-8"?>
-<p:sld xmlns:a="http://schemas.openxmlformats.org/drawingml/2006/main" xmlns:r="http://schemas.openxmlformats.org/officeDocument/2006/relationships" xmlns:mc="http://schemas.openxmlformats.org/markup-compatibility/2006" xmlns:mv="urn:schemas-microsoft-com:mac:vml" xmlns:p="http://schemas.openxmlformats.org/presentationml/2006/main" xmlns:c="http://schemas.openxmlformats.org/drawingml/2006/chart" xmlns:dgm="http://schemas.openxmlformats.org/drawingml/2006/diagram" xmlns:o="urn:schemas-microsoft-com:office:office" xmlns:v="urn:schemas-microsoft-com:vml" xmlns:pvml="urn:schemas-microsoft-com:office:powerpoint" xmlns:com="http://schemas.openxmlformats.org/drawingml/2006/compatibility" xmlns:p14="http://schemas.microsoft.com/office/powerpoint/2010/main" xmlns:p15="http://schemas.microsoft.com/office/powerpoint/2012/main">
+<p:sld xmlns:a="http://schemas.openxmlformats.org/drawingml/2006/main" xmlns:r="http://schemas.openxmlformats.org/officeDocument/2006/relationships" xmlns:p="http://schemas.openxmlformats.org/presentationml/2006/main">
   <p:cSld>
     <p:spTree>
       <p:nvGrpSpPr>
-        <p:cNvPr id="209" name="Shape 209"/>
+        <p:cNvPr id="1" name="Shape 209"/>
         <p:cNvGrpSpPr/>
         <p:nvPr/>
       </p:nvGrpSpPr>
@@ -11204,7 +11199,9 @@
       <p:sp>
         <p:nvSpPr>
           <p:cNvPr id="210" name="Google Shape;210;p23"/>
-          <p:cNvSpPr txBox="1"/>
+          <p:cNvSpPr txBox="1">
+            <a:spLocks noGrp="1"/>
+          </p:cNvSpPr>
           <p:nvPr>
             <p:ph type="title"/>
           </p:nvPr>
@@ -11219,12 +11216,12 @@
           </a:prstGeom>
         </p:spPr>
         <p:txBody>
-          <a:bodyPr anchorCtr="0" anchor="t" bIns="91425" lIns="91425" spcFirstLastPara="1" rIns="91425" wrap="square" tIns="91425">
+          <a:bodyPr spcFirstLastPara="1" wrap="square" lIns="91425" tIns="91425" rIns="91425" bIns="91425" anchor="t" anchorCtr="0">
             <a:noAutofit/>
           </a:bodyPr>
           <a:lstStyle/>
           <a:p>
-            <a:pPr indent="0" lvl="0" marL="0" rtl="0" algn="l">
+            <a:pPr marL="0" lvl="0" indent="0" algn="l" rtl="0">
               <a:spcBef>
                 <a:spcPts val="0"/>
               </a:spcBef>
@@ -11244,9 +11241,11 @@
       <p:sp>
         <p:nvSpPr>
           <p:cNvPr id="211" name="Google Shape;211;p23"/>
-          <p:cNvSpPr txBox="1"/>
+          <p:cNvSpPr txBox="1">
+            <a:spLocks noGrp="1"/>
+          </p:cNvSpPr>
           <p:nvPr>
-            <p:ph idx="1" type="body"/>
+            <p:ph type="body" idx="1"/>
           </p:nvPr>
         </p:nvSpPr>
         <p:spPr>
@@ -11259,12 +11258,12 @@
           </a:prstGeom>
         </p:spPr>
         <p:txBody>
-          <a:bodyPr anchorCtr="0" anchor="t" bIns="91425" lIns="91425" spcFirstLastPara="1" rIns="91425" wrap="square" tIns="91425">
+          <a:bodyPr spcFirstLastPara="1" wrap="square" lIns="91425" tIns="91425" rIns="91425" bIns="91425" anchor="t" anchorCtr="0">
             <a:noAutofit/>
           </a:bodyPr>
           <a:lstStyle/>
           <a:p>
-            <a:pPr indent="0" lvl="0" marL="0" rtl="0" algn="l">
+            <a:pPr marL="0" lvl="0" indent="0" algn="l" rtl="0">
               <a:spcBef>
                 <a:spcPts val="0"/>
               </a:spcBef>
@@ -11273,9 +11272,6 @@
               </a:spcAft>
               <a:buNone/>
             </a:pPr>
-            <a:r>
-              <a:t/>
-            </a:r>
             <a:endParaRPr/>
           </a:p>
         </p:txBody>
@@ -11345,11 +11341,11 @@
 </file>
 
 <file path=ppt/slides/slide12.xml><?xml version="1.0" encoding="utf-8"?>
-<p:sld xmlns:a="http://schemas.openxmlformats.org/drawingml/2006/main" xmlns:r="http://schemas.openxmlformats.org/officeDocument/2006/relationships" xmlns:mc="http://schemas.openxmlformats.org/markup-compatibility/2006" xmlns:mv="urn:schemas-microsoft-com:mac:vml" xmlns:p="http://schemas.openxmlformats.org/presentationml/2006/main" xmlns:c="http://schemas.openxmlformats.org/drawingml/2006/chart" xmlns:dgm="http://schemas.openxmlformats.org/drawingml/2006/diagram" xmlns:o="urn:schemas-microsoft-com:office:office" xmlns:v="urn:schemas-microsoft-com:vml" xmlns:pvml="urn:schemas-microsoft-com:office:powerpoint" xmlns:com="http://schemas.openxmlformats.org/drawingml/2006/compatibility" xmlns:p14="http://schemas.microsoft.com/office/powerpoint/2010/main" xmlns:p15="http://schemas.microsoft.com/office/powerpoint/2012/main">
+<p:sld xmlns:a="http://schemas.openxmlformats.org/drawingml/2006/main" xmlns:r="http://schemas.openxmlformats.org/officeDocument/2006/relationships" xmlns:p="http://schemas.openxmlformats.org/presentationml/2006/main">
   <p:cSld>
     <p:spTree>
       <p:nvGrpSpPr>
-        <p:cNvPr id="217" name="Shape 217"/>
+        <p:cNvPr id="1" name="Shape 217"/>
         <p:cNvGrpSpPr/>
         <p:nvPr/>
       </p:nvGrpSpPr>
@@ -11364,7 +11360,9 @@
       <p:sp>
         <p:nvSpPr>
           <p:cNvPr id="218" name="Google Shape;218;p24"/>
-          <p:cNvSpPr txBox="1"/>
+          <p:cNvSpPr txBox="1">
+            <a:spLocks noGrp="1"/>
+          </p:cNvSpPr>
           <p:nvPr>
             <p:ph type="title"/>
           </p:nvPr>
@@ -11379,12 +11377,12 @@
           </a:prstGeom>
         </p:spPr>
         <p:txBody>
-          <a:bodyPr anchorCtr="0" anchor="t" bIns="91425" lIns="91425" spcFirstLastPara="1" rIns="91425" wrap="square" tIns="91425">
+          <a:bodyPr spcFirstLastPara="1" wrap="square" lIns="91425" tIns="91425" rIns="91425" bIns="91425" anchor="t" anchorCtr="0">
             <a:noAutofit/>
           </a:bodyPr>
           <a:lstStyle/>
           <a:p>
-            <a:pPr indent="0" lvl="0" marL="0" rtl="0" algn="l">
+            <a:pPr marL="0" lvl="0" indent="0" algn="l" rtl="0">
               <a:spcBef>
                 <a:spcPts val="0"/>
               </a:spcBef>
@@ -11393,9 +11391,6 @@
               </a:spcAft>
               <a:buNone/>
             </a:pPr>
-            <a:r>
-              <a:t/>
-            </a:r>
             <a:endParaRPr/>
           </a:p>
         </p:txBody>
@@ -11403,9 +11398,11 @@
       <p:sp>
         <p:nvSpPr>
           <p:cNvPr id="219" name="Google Shape;219;p24"/>
-          <p:cNvSpPr txBox="1"/>
+          <p:cNvSpPr txBox="1">
+            <a:spLocks noGrp="1"/>
+          </p:cNvSpPr>
           <p:nvPr>
-            <p:ph idx="1" type="body"/>
+            <p:ph type="body" idx="1"/>
           </p:nvPr>
         </p:nvSpPr>
         <p:spPr>
@@ -11418,12 +11415,12 @@
           </a:prstGeom>
         </p:spPr>
         <p:txBody>
-          <a:bodyPr anchorCtr="0" anchor="t" bIns="91425" lIns="91425" spcFirstLastPara="1" rIns="91425" wrap="square" tIns="91425">
+          <a:bodyPr spcFirstLastPara="1" wrap="square" lIns="91425" tIns="91425" rIns="91425" bIns="91425" anchor="t" anchorCtr="0">
             <a:noAutofit/>
           </a:bodyPr>
           <a:lstStyle/>
           <a:p>
-            <a:pPr indent="0" lvl="0" marL="0" rtl="0" algn="l">
+            <a:pPr marL="0" lvl="0" indent="0" algn="l" rtl="0">
               <a:spcBef>
                 <a:spcPts val="0"/>
               </a:spcBef>
@@ -11432,9 +11429,6 @@
               </a:spcAft>
               <a:buNone/>
             </a:pPr>
-            <a:r>
-              <a:t/>
-            </a:r>
             <a:endParaRPr/>
           </a:p>
         </p:txBody>
@@ -11476,11 +11470,11 @@
 </file>
 
 <file path=ppt/slides/slide13.xml><?xml version="1.0" encoding="utf-8"?>
-<p:sld xmlns:a="http://schemas.openxmlformats.org/drawingml/2006/main" xmlns:r="http://schemas.openxmlformats.org/officeDocument/2006/relationships" xmlns:mc="http://schemas.openxmlformats.org/markup-compatibility/2006" xmlns:mv="urn:schemas-microsoft-com:mac:vml" xmlns:p="http://schemas.openxmlformats.org/presentationml/2006/main" xmlns:c="http://schemas.openxmlformats.org/drawingml/2006/chart" xmlns:dgm="http://schemas.openxmlformats.org/drawingml/2006/diagram" xmlns:o="urn:schemas-microsoft-com:office:office" xmlns:v="urn:schemas-microsoft-com:vml" xmlns:pvml="urn:schemas-microsoft-com:office:powerpoint" xmlns:com="http://schemas.openxmlformats.org/drawingml/2006/compatibility" xmlns:p14="http://schemas.microsoft.com/office/powerpoint/2010/main" xmlns:p15="http://schemas.microsoft.com/office/powerpoint/2012/main">
+<p:sld xmlns:a="http://schemas.openxmlformats.org/drawingml/2006/main" xmlns:r="http://schemas.openxmlformats.org/officeDocument/2006/relationships" xmlns:p="http://schemas.openxmlformats.org/presentationml/2006/main">
   <p:cSld>
     <p:spTree>
       <p:nvGrpSpPr>
-        <p:cNvPr id="224" name="Shape 224"/>
+        <p:cNvPr id="1" name="Shape 224"/>
         <p:cNvGrpSpPr/>
         <p:nvPr/>
       </p:nvGrpSpPr>
@@ -11495,7 +11489,9 @@
       <p:sp>
         <p:nvSpPr>
           <p:cNvPr id="225" name="Google Shape;225;p25"/>
-          <p:cNvSpPr txBox="1"/>
+          <p:cNvSpPr txBox="1">
+            <a:spLocks noGrp="1"/>
+          </p:cNvSpPr>
           <p:nvPr>
             <p:ph type="title"/>
           </p:nvPr>
@@ -11510,12 +11506,12 @@
           </a:prstGeom>
         </p:spPr>
         <p:txBody>
-          <a:bodyPr anchorCtr="0" anchor="t" bIns="91425" lIns="91425" spcFirstLastPara="1" rIns="91425" wrap="square" tIns="91425">
+          <a:bodyPr spcFirstLastPara="1" wrap="square" lIns="91425" tIns="91425" rIns="91425" bIns="91425" anchor="t" anchorCtr="0">
             <a:noAutofit/>
           </a:bodyPr>
           <a:lstStyle/>
           <a:p>
-            <a:pPr indent="0" lvl="0" marL="0" rtl="0" algn="l">
+            <a:pPr marL="0" lvl="0" indent="0" algn="l" rtl="0">
               <a:spcBef>
                 <a:spcPts val="0"/>
               </a:spcBef>
@@ -11524,9 +11520,6 @@
               </a:spcAft>
               <a:buNone/>
             </a:pPr>
-            <a:r>
-              <a:t/>
-            </a:r>
             <a:endParaRPr/>
           </a:p>
         </p:txBody>
@@ -11534,9 +11527,11 @@
       <p:sp>
         <p:nvSpPr>
           <p:cNvPr id="226" name="Google Shape;226;p25"/>
-          <p:cNvSpPr txBox="1"/>
+          <p:cNvSpPr txBox="1">
+            <a:spLocks noGrp="1"/>
+          </p:cNvSpPr>
           <p:nvPr>
-            <p:ph idx="1" type="body"/>
+            <p:ph type="body" idx="1"/>
           </p:nvPr>
         </p:nvSpPr>
         <p:spPr>
@@ -11549,12 +11544,12 @@
           </a:prstGeom>
         </p:spPr>
         <p:txBody>
-          <a:bodyPr anchorCtr="0" anchor="t" bIns="91425" lIns="91425" spcFirstLastPara="1" rIns="91425" wrap="square" tIns="91425">
+          <a:bodyPr spcFirstLastPara="1" wrap="square" lIns="91425" tIns="91425" rIns="91425" bIns="91425" anchor="t" anchorCtr="0">
             <a:noAutofit/>
           </a:bodyPr>
           <a:lstStyle/>
           <a:p>
-            <a:pPr indent="0" lvl="0" marL="0" rtl="0" algn="l">
+            <a:pPr marL="0" lvl="0" indent="0" algn="l" rtl="0">
               <a:spcBef>
                 <a:spcPts val="0"/>
               </a:spcBef>
@@ -11563,9 +11558,6 @@
               </a:spcAft>
               <a:buNone/>
             </a:pPr>
-            <a:r>
-              <a:t/>
-            </a:r>
             <a:endParaRPr/>
           </a:p>
         </p:txBody>
@@ -11607,11 +11599,11 @@
 </file>
 
 <file path=ppt/slides/slide14.xml><?xml version="1.0" encoding="utf-8"?>
-<p:sld xmlns:a="http://schemas.openxmlformats.org/drawingml/2006/main" xmlns:r="http://schemas.openxmlformats.org/officeDocument/2006/relationships" xmlns:mc="http://schemas.openxmlformats.org/markup-compatibility/2006" xmlns:mv="urn:schemas-microsoft-com:mac:vml" xmlns:p="http://schemas.openxmlformats.org/presentationml/2006/main" xmlns:c="http://schemas.openxmlformats.org/drawingml/2006/chart" xmlns:dgm="http://schemas.openxmlformats.org/drawingml/2006/diagram" xmlns:o="urn:schemas-microsoft-com:office:office" xmlns:v="urn:schemas-microsoft-com:vml" xmlns:pvml="urn:schemas-microsoft-com:office:powerpoint" xmlns:com="http://schemas.openxmlformats.org/drawingml/2006/compatibility" xmlns:p14="http://schemas.microsoft.com/office/powerpoint/2010/main" xmlns:p15="http://schemas.microsoft.com/office/powerpoint/2012/main">
+<p:sld xmlns:a="http://schemas.openxmlformats.org/drawingml/2006/main" xmlns:r="http://schemas.openxmlformats.org/officeDocument/2006/relationships" xmlns:p="http://schemas.openxmlformats.org/presentationml/2006/main">
   <p:cSld>
     <p:spTree>
       <p:nvGrpSpPr>
-        <p:cNvPr id="231" name="Shape 231"/>
+        <p:cNvPr id="1" name="Shape 231"/>
         <p:cNvGrpSpPr/>
         <p:nvPr/>
       </p:nvGrpSpPr>
@@ -11626,7 +11618,9 @@
       <p:sp>
         <p:nvSpPr>
           <p:cNvPr id="232" name="Google Shape;232;p26"/>
-          <p:cNvSpPr txBox="1"/>
+          <p:cNvSpPr txBox="1">
+            <a:spLocks noGrp="1"/>
+          </p:cNvSpPr>
           <p:nvPr>
             <p:ph type="title"/>
           </p:nvPr>
@@ -11641,12 +11635,12 @@
           </a:prstGeom>
         </p:spPr>
         <p:txBody>
-          <a:bodyPr anchorCtr="0" anchor="t" bIns="91425" lIns="91425" spcFirstLastPara="1" rIns="91425" wrap="square" tIns="91425">
+          <a:bodyPr spcFirstLastPara="1" wrap="square" lIns="91425" tIns="91425" rIns="91425" bIns="91425" anchor="t" anchorCtr="0">
             <a:noAutofit/>
           </a:bodyPr>
           <a:lstStyle/>
           <a:p>
-            <a:pPr indent="0" lvl="0" marL="0" rtl="0" algn="l">
+            <a:pPr marL="0" lvl="0" indent="0" algn="l" rtl="0">
               <a:spcBef>
                 <a:spcPts val="0"/>
               </a:spcBef>
@@ -11655,9 +11649,6 @@
               </a:spcAft>
               <a:buNone/>
             </a:pPr>
-            <a:r>
-              <a:t/>
-            </a:r>
             <a:endParaRPr/>
           </a:p>
         </p:txBody>
@@ -11665,9 +11656,11 @@
       <p:sp>
         <p:nvSpPr>
           <p:cNvPr id="233" name="Google Shape;233;p26"/>
-          <p:cNvSpPr txBox="1"/>
+          <p:cNvSpPr txBox="1">
+            <a:spLocks noGrp="1"/>
+          </p:cNvSpPr>
           <p:nvPr>
-            <p:ph idx="1" type="body"/>
+            <p:ph type="body" idx="1"/>
           </p:nvPr>
         </p:nvSpPr>
         <p:spPr>
@@ -11680,12 +11673,12 @@
           </a:prstGeom>
         </p:spPr>
         <p:txBody>
-          <a:bodyPr anchorCtr="0" anchor="t" bIns="91425" lIns="91425" spcFirstLastPara="1" rIns="91425" wrap="square" tIns="91425">
+          <a:bodyPr spcFirstLastPara="1" wrap="square" lIns="91425" tIns="91425" rIns="91425" bIns="91425" anchor="t" anchorCtr="0">
             <a:noAutofit/>
           </a:bodyPr>
           <a:lstStyle/>
           <a:p>
-            <a:pPr indent="0" lvl="0" marL="0" rtl="0" algn="l">
+            <a:pPr marL="0" lvl="0" indent="0" algn="l" rtl="0">
               <a:spcBef>
                 <a:spcPts val="0"/>
               </a:spcBef>
@@ -11694,9 +11687,6 @@
               </a:spcAft>
               <a:buNone/>
             </a:pPr>
-            <a:r>
-              <a:t/>
-            </a:r>
             <a:endParaRPr/>
           </a:p>
         </p:txBody>
@@ -11749,12 +11739,12 @@
           </a:ln>
         </p:spPr>
         <p:txBody>
-          <a:bodyPr anchorCtr="0" anchor="t" bIns="91425" lIns="91425" spcFirstLastPara="1" rIns="91425" wrap="square" tIns="91425">
+          <a:bodyPr spcFirstLastPara="1" wrap="square" lIns="91425" tIns="91425" rIns="91425" bIns="91425" anchor="t" anchorCtr="0">
             <a:noAutofit/>
           </a:bodyPr>
           <a:lstStyle/>
           <a:p>
-            <a:pPr indent="0" lvl="0" marL="0" rtl="0" algn="l">
+            <a:pPr marL="0" lvl="0" indent="0" algn="l" rtl="0">
               <a:spcBef>
                 <a:spcPts val="0"/>
               </a:spcBef>
@@ -11778,7 +11768,7 @@
             </a:endParaRPr>
           </a:p>
           <a:p>
-            <a:pPr indent="0" lvl="0" marL="0" rtl="0" algn="l">
+            <a:pPr marL="0" lvl="0" indent="0" algn="l" rtl="0">
               <a:spcBef>
                 <a:spcPts val="0"/>
               </a:spcBef>
@@ -11812,11 +11802,11 @@
 </file>
 
 <file path=ppt/slides/slide15.xml><?xml version="1.0" encoding="utf-8"?>
-<p:sld xmlns:a="http://schemas.openxmlformats.org/drawingml/2006/main" xmlns:r="http://schemas.openxmlformats.org/officeDocument/2006/relationships" xmlns:mc="http://schemas.openxmlformats.org/markup-compatibility/2006" xmlns:mv="urn:schemas-microsoft-com:mac:vml" xmlns:p="http://schemas.openxmlformats.org/presentationml/2006/main" xmlns:c="http://schemas.openxmlformats.org/drawingml/2006/chart" xmlns:dgm="http://schemas.openxmlformats.org/drawingml/2006/diagram" xmlns:o="urn:schemas-microsoft-com:office:office" xmlns:v="urn:schemas-microsoft-com:vml" xmlns:pvml="urn:schemas-microsoft-com:office:powerpoint" xmlns:com="http://schemas.openxmlformats.org/drawingml/2006/compatibility" xmlns:p14="http://schemas.microsoft.com/office/powerpoint/2010/main" xmlns:p15="http://schemas.microsoft.com/office/powerpoint/2012/main">
+<p:sld xmlns:a="http://schemas.openxmlformats.org/drawingml/2006/main" xmlns:r="http://schemas.openxmlformats.org/officeDocument/2006/relationships" xmlns:p="http://schemas.openxmlformats.org/presentationml/2006/main">
   <p:cSld>
     <p:spTree>
       <p:nvGrpSpPr>
-        <p:cNvPr id="239" name="Shape 239"/>
+        <p:cNvPr id="1" name="Shape 239"/>
         <p:cNvGrpSpPr/>
         <p:nvPr/>
       </p:nvGrpSpPr>
@@ -11831,7 +11821,9 @@
       <p:sp>
         <p:nvSpPr>
           <p:cNvPr id="240" name="Google Shape;240;p27"/>
-          <p:cNvSpPr txBox="1"/>
+          <p:cNvSpPr txBox="1">
+            <a:spLocks noGrp="1"/>
+          </p:cNvSpPr>
           <p:nvPr>
             <p:ph type="title"/>
           </p:nvPr>
@@ -11846,12 +11838,12 @@
           </a:prstGeom>
         </p:spPr>
         <p:txBody>
-          <a:bodyPr anchorCtr="0" anchor="t" bIns="91425" lIns="91425" spcFirstLastPara="1" rIns="91425" wrap="square" tIns="91425">
+          <a:bodyPr spcFirstLastPara="1" wrap="square" lIns="91425" tIns="91425" rIns="91425" bIns="91425" anchor="t" anchorCtr="0">
             <a:noAutofit/>
           </a:bodyPr>
           <a:lstStyle/>
           <a:p>
-            <a:pPr indent="0" lvl="0" marL="0" rtl="0" algn="l">
+            <a:pPr marL="0" lvl="0" indent="0" algn="l" rtl="0">
               <a:spcBef>
                 <a:spcPts val="0"/>
               </a:spcBef>
@@ -11871,9 +11863,11 @@
       <p:sp>
         <p:nvSpPr>
           <p:cNvPr id="241" name="Google Shape;241;p27"/>
-          <p:cNvSpPr txBox="1"/>
+          <p:cNvSpPr txBox="1">
+            <a:spLocks noGrp="1"/>
+          </p:cNvSpPr>
           <p:nvPr>
-            <p:ph idx="1" type="body"/>
+            <p:ph type="body" idx="1"/>
           </p:nvPr>
         </p:nvSpPr>
         <p:spPr>
@@ -11886,12 +11880,12 @@
           </a:prstGeom>
         </p:spPr>
         <p:txBody>
-          <a:bodyPr anchorCtr="0" anchor="t" bIns="91425" lIns="91425" spcFirstLastPara="1" rIns="91425" wrap="square" tIns="91425">
+          <a:bodyPr spcFirstLastPara="1" wrap="square" lIns="91425" tIns="91425" rIns="91425" bIns="91425" anchor="t" anchorCtr="0">
             <a:noAutofit/>
           </a:bodyPr>
           <a:lstStyle/>
           <a:p>
-            <a:pPr indent="0" lvl="0" marL="457200" rtl="0" algn="l">
+            <a:pPr marL="457200" lvl="0" indent="0" algn="l" rtl="0">
               <a:spcBef>
                 <a:spcPts val="0"/>
               </a:spcBef>
@@ -11901,7 +11895,7 @@
               <a:buNone/>
             </a:pPr>
             <a:r>
-              <a:rPr i="1" lang="en" sz="1600">
+              <a:rPr lang="en" sz="1600" i="1" dirty="0">
                 <a:latin typeface="Arial"/>
                 <a:ea typeface="Arial"/>
                 <a:cs typeface="Arial"/>
@@ -11910,7 +11904,7 @@
               <a:t>Assumption: More accidents would occur in the winter months in the northern part of the country</a:t>
             </a:r>
             <a:br>
-              <a:rPr i="1" lang="en" sz="1600">
+              <a:rPr lang="en" sz="1600" i="1" dirty="0">
                 <a:latin typeface="Arial"/>
                 <a:ea typeface="Arial"/>
                 <a:cs typeface="Arial"/>
@@ -11918,7 +11912,7 @@
               </a:rPr>
             </a:br>
             <a:r>
-              <a:rPr i="1" lang="en" sz="1600">
+              <a:rPr lang="en" sz="1600" i="1" dirty="0">
                 <a:latin typeface="Arial"/>
                 <a:ea typeface="Arial"/>
                 <a:cs typeface="Arial"/>
@@ -11926,7 +11920,7 @@
               </a:rPr>
               <a:t>Finding: Least no. of accidents occured in the months of Jan, Feb, Mar</a:t>
             </a:r>
-            <a:endParaRPr i="1" sz="1600">
+            <a:endParaRPr sz="1600" i="1" dirty="0">
               <a:latin typeface="Arial"/>
               <a:ea typeface="Arial"/>
               <a:cs typeface="Arial"/>
@@ -11934,7 +11928,7 @@
             </a:endParaRPr>
           </a:p>
           <a:p>
-            <a:pPr indent="0" lvl="0" marL="457200" rtl="0" algn="l">
+            <a:pPr marL="457200" lvl="0" indent="0" algn="l" rtl="0">
               <a:spcBef>
                 <a:spcPts val="1600"/>
               </a:spcBef>
@@ -11944,7 +11938,7 @@
               <a:buNone/>
             </a:pPr>
             <a:r>
-              <a:rPr i="1" lang="en" sz="1600">
+              <a:rPr lang="en" sz="1600" i="1" dirty="0">
                 <a:latin typeface="Arial"/>
                 <a:ea typeface="Arial"/>
                 <a:cs typeface="Arial"/>
@@ -11953,7 +11947,7 @@
               <a:t>Assumption: More accidents would occur when driver is drunk </a:t>
             </a:r>
             <a:br>
-              <a:rPr i="1" lang="en" sz="1600">
+              <a:rPr lang="en" sz="1600" i="1" dirty="0">
                 <a:latin typeface="Arial"/>
                 <a:ea typeface="Arial"/>
                 <a:cs typeface="Arial"/>
@@ -11961,7 +11955,7 @@
               </a:rPr>
             </a:br>
             <a:r>
-              <a:rPr i="1" lang="en" sz="1600">
+              <a:rPr lang="en" sz="1600" i="1" dirty="0">
                 <a:latin typeface="Arial"/>
                 <a:ea typeface="Arial"/>
                 <a:cs typeface="Arial"/>
@@ -11969,7 +11963,7 @@
               </a:rPr>
               <a:t>Finding: Alcohol was not the most contributing factor</a:t>
             </a:r>
-            <a:endParaRPr i="1" sz="1600">
+            <a:endParaRPr sz="1600" i="1" dirty="0">
               <a:latin typeface="Arial"/>
               <a:ea typeface="Arial"/>
               <a:cs typeface="Arial"/>
@@ -11977,7 +11971,7 @@
             </a:endParaRPr>
           </a:p>
           <a:p>
-            <a:pPr indent="0" lvl="0" marL="457200" rtl="0" algn="l">
+            <a:pPr marL="457200" lvl="0" indent="0" algn="l" rtl="0">
               <a:spcBef>
                 <a:spcPts val="1600"/>
               </a:spcBef>
@@ -11987,7 +11981,7 @@
               <a:buNone/>
             </a:pPr>
             <a:r>
-              <a:rPr i="1" lang="en" sz="1600">
+              <a:rPr lang="en" sz="1600" i="1" dirty="0">
                 <a:latin typeface="Arial"/>
                 <a:ea typeface="Arial"/>
                 <a:cs typeface="Arial"/>
@@ -11996,7 +11990,7 @@
               <a:t>Assumption: There would be more accidents on the weekend</a:t>
             </a:r>
             <a:br>
-              <a:rPr i="1" lang="en" sz="1600">
+              <a:rPr lang="en" sz="1600" i="1" dirty="0">
                 <a:latin typeface="Arial"/>
                 <a:ea typeface="Arial"/>
                 <a:cs typeface="Arial"/>
@@ -12004,24 +11998,24 @@
               </a:rPr>
             </a:br>
             <a:r>
-              <a:rPr i="1" lang="en" sz="1600">
+              <a:rPr lang="en" sz="1600" i="1">
                 <a:latin typeface="Arial"/>
                 <a:ea typeface="Arial"/>
                 <a:cs typeface="Arial"/>
                 <a:sym typeface="Arial"/>
               </a:rPr>
-              <a:t>Finding: Indeed. Also most accidents occur during rush hours.</a:t>
+              <a:t>Finding: </a:t>
             </a:r>
             <a:r>
-              <a:rPr i="1" lang="en" sz="1600">
+              <a:rPr lang="en" sz="1600" i="1" dirty="0">
                 <a:latin typeface="Arial"/>
                 <a:ea typeface="Arial"/>
                 <a:cs typeface="Arial"/>
                 <a:sym typeface="Arial"/>
               </a:rPr>
-              <a:t> </a:t>
+              <a:t>Also most accidents occur during rush hours. </a:t>
             </a:r>
-            <a:endParaRPr i="1" sz="1600">
+            <a:endParaRPr sz="1600" i="1" dirty="0">
               <a:latin typeface="Arial"/>
               <a:ea typeface="Arial"/>
               <a:cs typeface="Arial"/>
@@ -12029,7 +12023,7 @@
             </a:endParaRPr>
           </a:p>
           <a:p>
-            <a:pPr indent="0" lvl="0" marL="457200" rtl="0" algn="l">
+            <a:pPr marL="457200" lvl="0" indent="0" algn="l" rtl="0">
               <a:spcBef>
                 <a:spcPts val="1600"/>
               </a:spcBef>
@@ -12038,10 +12032,7 @@
               </a:spcAft>
               <a:buNone/>
             </a:pPr>
-            <a:r>
-              <a:t/>
-            </a:r>
-            <a:endParaRPr i="1" sz="1600">
+            <a:endParaRPr sz="1600" i="1" dirty="0">
               <a:latin typeface="Arial"/>
               <a:ea typeface="Arial"/>
               <a:cs typeface="Arial"/>
@@ -12049,7 +12040,7 @@
             </a:endParaRPr>
           </a:p>
           <a:p>
-            <a:pPr indent="0" lvl="0" marL="0" rtl="0" algn="l">
+            <a:pPr marL="0" lvl="0" indent="0" algn="l" rtl="0">
               <a:spcBef>
                 <a:spcPts val="1600"/>
               </a:spcBef>
@@ -12063,13 +12054,10 @@
               <a:buFont typeface="Arial"/>
               <a:buNone/>
             </a:pPr>
-            <a:r>
-              <a:t/>
-            </a:r>
-            <a:endParaRPr/>
+            <a:endParaRPr dirty="0"/>
           </a:p>
           <a:p>
-            <a:pPr indent="0" lvl="0" marL="0" rtl="0" algn="l">
+            <a:pPr marL="0" lvl="0" indent="0" algn="l" rtl="0">
               <a:spcBef>
                 <a:spcPts val="1600"/>
               </a:spcBef>
@@ -12078,13 +12066,10 @@
               </a:spcAft>
               <a:buNone/>
             </a:pPr>
-            <a:r>
-              <a:t/>
-            </a:r>
-            <a:endParaRPr/>
+            <a:endParaRPr dirty="0"/>
           </a:p>
           <a:p>
-            <a:pPr indent="0" lvl="0" marL="0" rtl="0" algn="l">
+            <a:pPr marL="0" lvl="0" indent="0" algn="l" rtl="0">
               <a:spcBef>
                 <a:spcPts val="1600"/>
               </a:spcBef>
@@ -12093,10 +12078,7 @@
               </a:spcAft>
               <a:buNone/>
             </a:pPr>
-            <a:r>
-              <a:t/>
-            </a:r>
-            <a:endParaRPr/>
+            <a:endParaRPr dirty="0"/>
           </a:p>
         </p:txBody>
       </p:sp>
@@ -12109,11 +12091,11 @@
 </file>
 
 <file path=ppt/slides/slide16.xml><?xml version="1.0" encoding="utf-8"?>
-<p:sld xmlns:a="http://schemas.openxmlformats.org/drawingml/2006/main" xmlns:r="http://schemas.openxmlformats.org/officeDocument/2006/relationships" xmlns:mc="http://schemas.openxmlformats.org/markup-compatibility/2006" xmlns:mv="urn:schemas-microsoft-com:mac:vml" xmlns:p="http://schemas.openxmlformats.org/presentationml/2006/main" xmlns:c="http://schemas.openxmlformats.org/drawingml/2006/chart" xmlns:dgm="http://schemas.openxmlformats.org/drawingml/2006/diagram" xmlns:o="urn:schemas-microsoft-com:office:office" xmlns:v="urn:schemas-microsoft-com:vml" xmlns:pvml="urn:schemas-microsoft-com:office:powerpoint" xmlns:com="http://schemas.openxmlformats.org/drawingml/2006/compatibility" xmlns:p14="http://schemas.microsoft.com/office/powerpoint/2010/main" xmlns:p15="http://schemas.microsoft.com/office/powerpoint/2012/main">
+<p:sld xmlns:a="http://schemas.openxmlformats.org/drawingml/2006/main" xmlns:r="http://schemas.openxmlformats.org/officeDocument/2006/relationships" xmlns:p="http://schemas.openxmlformats.org/presentationml/2006/main">
   <p:cSld>
     <p:spTree>
       <p:nvGrpSpPr>
-        <p:cNvPr id="245" name="Shape 245"/>
+        <p:cNvPr id="1" name="Shape 245"/>
         <p:cNvGrpSpPr/>
         <p:nvPr/>
       </p:nvGrpSpPr>
@@ -12128,7 +12110,9 @@
       <p:sp>
         <p:nvSpPr>
           <p:cNvPr id="246" name="Google Shape;246;p28"/>
-          <p:cNvSpPr txBox="1"/>
+          <p:cNvSpPr txBox="1">
+            <a:spLocks noGrp="1"/>
+          </p:cNvSpPr>
           <p:nvPr>
             <p:ph type="title"/>
           </p:nvPr>
@@ -12143,12 +12127,12 @@
           </a:prstGeom>
         </p:spPr>
         <p:txBody>
-          <a:bodyPr anchorCtr="0" anchor="t" bIns="91425" lIns="91425" spcFirstLastPara="1" rIns="91425" wrap="square" tIns="91425">
+          <a:bodyPr spcFirstLastPara="1" wrap="square" lIns="91425" tIns="91425" rIns="91425" bIns="91425" anchor="t" anchorCtr="0">
             <a:noAutofit/>
           </a:bodyPr>
           <a:lstStyle/>
           <a:p>
-            <a:pPr indent="0" lvl="0" marL="0" rtl="0" algn="l">
+            <a:pPr marL="0" lvl="0" indent="0" algn="l" rtl="0">
               <a:spcBef>
                 <a:spcPts val="0"/>
               </a:spcBef>
@@ -12168,9 +12152,11 @@
       <p:sp>
         <p:nvSpPr>
           <p:cNvPr id="247" name="Google Shape;247;p28"/>
-          <p:cNvSpPr txBox="1"/>
+          <p:cNvSpPr txBox="1">
+            <a:spLocks noGrp="1"/>
+          </p:cNvSpPr>
           <p:nvPr>
-            <p:ph idx="1" type="body"/>
+            <p:ph type="body" idx="1"/>
           </p:nvPr>
         </p:nvSpPr>
         <p:spPr>
@@ -12183,12 +12169,12 @@
           </a:prstGeom>
         </p:spPr>
         <p:txBody>
-          <a:bodyPr anchorCtr="0" anchor="t" bIns="91425" lIns="91425" spcFirstLastPara="1" rIns="91425" wrap="square" tIns="91425">
+          <a:bodyPr spcFirstLastPara="1" wrap="square" lIns="91425" tIns="91425" rIns="91425" bIns="91425" anchor="t" anchorCtr="0">
             <a:noAutofit/>
           </a:bodyPr>
           <a:lstStyle/>
           <a:p>
-            <a:pPr indent="0" lvl="0" marL="0" rtl="0" algn="l">
+            <a:pPr marL="0" lvl="0" indent="0" algn="l" rtl="0">
               <a:spcBef>
                 <a:spcPts val="0"/>
               </a:spcBef>
@@ -12198,7 +12184,7 @@
               <a:buNone/>
             </a:pPr>
             <a:r>
-              <a:rPr i="1" lang="en" sz="1600">
+              <a:rPr lang="en" sz="1600" i="1">
                 <a:latin typeface="Arial"/>
                 <a:ea typeface="Arial"/>
                 <a:cs typeface="Arial"/>
@@ -12207,7 +12193,7 @@
               <a:t>Assumption: More fatal crashes occur in highly populated areas</a:t>
             </a:r>
             <a:br>
-              <a:rPr i="1" lang="en" sz="1600">
+              <a:rPr lang="en" sz="1600" i="1">
                 <a:latin typeface="Arial"/>
                 <a:ea typeface="Arial"/>
                 <a:cs typeface="Arial"/>
@@ -12215,7 +12201,7 @@
               </a:rPr>
             </a:br>
             <a:r>
-              <a:rPr i="1" lang="en" sz="1600">
+              <a:rPr lang="en" sz="1600" i="1">
                 <a:latin typeface="Arial"/>
                 <a:ea typeface="Arial"/>
                 <a:cs typeface="Arial"/>
@@ -12223,7 +12209,7 @@
               </a:rPr>
               <a:t>Finding: Indeed</a:t>
             </a:r>
-            <a:endParaRPr i="1" sz="1600">
+            <a:endParaRPr sz="1600" i="1">
               <a:latin typeface="Arial"/>
               <a:ea typeface="Arial"/>
               <a:cs typeface="Arial"/>
@@ -12231,7 +12217,7 @@
             </a:endParaRPr>
           </a:p>
           <a:p>
-            <a:pPr indent="0" lvl="0" marL="0" rtl="0" algn="l">
+            <a:pPr marL="0" lvl="0" indent="0" algn="l" rtl="0">
               <a:spcBef>
                 <a:spcPts val="1600"/>
               </a:spcBef>
@@ -12240,10 +12226,7 @@
               </a:spcAft>
               <a:buNone/>
             </a:pPr>
-            <a:r>
-              <a:t/>
-            </a:r>
-            <a:endParaRPr i="1" sz="1600">
+            <a:endParaRPr sz="1600" i="1">
               <a:latin typeface="Arial"/>
               <a:ea typeface="Arial"/>
               <a:cs typeface="Arial"/>
@@ -12251,7 +12234,7 @@
             </a:endParaRPr>
           </a:p>
           <a:p>
-            <a:pPr indent="0" lvl="0" marL="0" rtl="0" algn="l">
+            <a:pPr marL="0" lvl="0" indent="0" algn="l" rtl="0">
               <a:spcBef>
                 <a:spcPts val="1600"/>
               </a:spcBef>
@@ -12261,7 +12244,7 @@
               <a:buNone/>
             </a:pPr>
             <a:r>
-              <a:rPr i="1" lang="en" sz="1600">
+              <a:rPr lang="en" sz="1600" i="1">
                 <a:latin typeface="Arial"/>
                 <a:ea typeface="Arial"/>
                 <a:cs typeface="Arial"/>
@@ -12269,7 +12252,7 @@
               </a:rPr>
               <a:t>Our analysis is consistent with multiple surveys for fatality accidents</a:t>
             </a:r>
-            <a:endParaRPr i="1" sz="1600">
+            <a:endParaRPr sz="1600" i="1">
               <a:latin typeface="Arial"/>
               <a:ea typeface="Arial"/>
               <a:cs typeface="Arial"/>
@@ -12277,7 +12260,7 @@
             </a:endParaRPr>
           </a:p>
           <a:p>
-            <a:pPr indent="0" lvl="0" marL="0" rtl="0" algn="l">
+            <a:pPr marL="0" lvl="0" indent="0" algn="l" rtl="0">
               <a:spcBef>
                 <a:spcPts val="1600"/>
               </a:spcBef>
@@ -12286,9 +12269,6 @@
               </a:spcAft>
               <a:buNone/>
             </a:pPr>
-            <a:r>
-              <a:t/>
-            </a:r>
             <a:endParaRPr/>
           </a:p>
         </p:txBody>
@@ -12302,11 +12282,11 @@
 </file>
 
 <file path=ppt/slides/slide17.xml><?xml version="1.0" encoding="utf-8"?>
-<p:sld xmlns:a="http://schemas.openxmlformats.org/drawingml/2006/main" xmlns:r="http://schemas.openxmlformats.org/officeDocument/2006/relationships" xmlns:mc="http://schemas.openxmlformats.org/markup-compatibility/2006" xmlns:mv="urn:schemas-microsoft-com:mac:vml" xmlns:p="http://schemas.openxmlformats.org/presentationml/2006/main" xmlns:c="http://schemas.openxmlformats.org/drawingml/2006/chart" xmlns:dgm="http://schemas.openxmlformats.org/drawingml/2006/diagram" xmlns:o="urn:schemas-microsoft-com:office:office" xmlns:v="urn:schemas-microsoft-com:vml" xmlns:pvml="urn:schemas-microsoft-com:office:powerpoint" xmlns:com="http://schemas.openxmlformats.org/drawingml/2006/compatibility" xmlns:p14="http://schemas.microsoft.com/office/powerpoint/2010/main" xmlns:p15="http://schemas.microsoft.com/office/powerpoint/2012/main">
+<p:sld xmlns:a="http://schemas.openxmlformats.org/drawingml/2006/main" xmlns:r="http://schemas.openxmlformats.org/officeDocument/2006/relationships" xmlns:p="http://schemas.openxmlformats.org/presentationml/2006/main">
   <p:cSld>
     <p:spTree>
       <p:nvGrpSpPr>
-        <p:cNvPr id="251" name="Shape 251"/>
+        <p:cNvPr id="1" name="Shape 251"/>
         <p:cNvGrpSpPr/>
         <p:nvPr/>
       </p:nvGrpSpPr>
@@ -12321,7 +12301,9 @@
       <p:sp>
         <p:nvSpPr>
           <p:cNvPr id="252" name="Google Shape;252;p29"/>
-          <p:cNvSpPr txBox="1"/>
+          <p:cNvSpPr txBox="1">
+            <a:spLocks noGrp="1"/>
+          </p:cNvSpPr>
           <p:nvPr>
             <p:ph type="title"/>
           </p:nvPr>
@@ -12336,12 +12318,12 @@
           </a:prstGeom>
         </p:spPr>
         <p:txBody>
-          <a:bodyPr anchorCtr="0" anchor="t" bIns="91425" lIns="91425" spcFirstLastPara="1" rIns="91425" wrap="square" tIns="91425">
+          <a:bodyPr spcFirstLastPara="1" wrap="square" lIns="91425" tIns="91425" rIns="91425" bIns="91425" anchor="t" anchorCtr="0">
             <a:noAutofit/>
           </a:bodyPr>
           <a:lstStyle/>
           <a:p>
-            <a:pPr indent="0" lvl="0" marL="0" rtl="0" algn="l">
+            <a:pPr marL="0" lvl="0" indent="0" algn="l" rtl="0">
               <a:spcBef>
                 <a:spcPts val="0"/>
               </a:spcBef>
@@ -12361,9 +12343,11 @@
       <p:sp>
         <p:nvSpPr>
           <p:cNvPr id="253" name="Google Shape;253;p29"/>
-          <p:cNvSpPr txBox="1"/>
+          <p:cNvSpPr txBox="1">
+            <a:spLocks noGrp="1"/>
+          </p:cNvSpPr>
           <p:nvPr>
-            <p:ph idx="1" type="body"/>
+            <p:ph type="body" idx="1"/>
           </p:nvPr>
         </p:nvSpPr>
         <p:spPr>
@@ -12376,12 +12360,12 @@
           </a:prstGeom>
         </p:spPr>
         <p:txBody>
-          <a:bodyPr anchorCtr="0" anchor="t" bIns="91425" lIns="91425" spcFirstLastPara="1" rIns="91425" wrap="square" tIns="91425">
+          <a:bodyPr spcFirstLastPara="1" wrap="square" lIns="91425" tIns="91425" rIns="91425" bIns="91425" anchor="t" anchorCtr="0">
             <a:noAutofit/>
           </a:bodyPr>
           <a:lstStyle/>
           <a:p>
-            <a:pPr indent="-342900" lvl="0" marL="457200" rtl="0" algn="l">
+            <a:pPr marL="457200" lvl="0" indent="-342900" algn="l" rtl="0">
               <a:spcBef>
                 <a:spcPts val="0"/>
               </a:spcBef>
@@ -12398,7 +12382,7 @@
             <a:endParaRPr sz="1800"/>
           </a:p>
           <a:p>
-            <a:pPr indent="-342900" lvl="1" marL="914400" rtl="0" algn="l">
+            <a:pPr marL="914400" lvl="1" indent="-342900" algn="l" rtl="0">
               <a:spcBef>
                 <a:spcPts val="0"/>
               </a:spcBef>
@@ -12415,7 +12399,7 @@
             <a:endParaRPr sz="1800"/>
           </a:p>
           <a:p>
-            <a:pPr indent="-342900" lvl="0" marL="457200" rtl="0" algn="l">
+            <a:pPr marL="457200" lvl="0" indent="-342900" algn="l" rtl="0">
               <a:spcBef>
                 <a:spcPts val="0"/>
               </a:spcBef>
@@ -12432,7 +12416,7 @@
             <a:endParaRPr sz="1800"/>
           </a:p>
           <a:p>
-            <a:pPr indent="-342900" lvl="1" marL="914400" rtl="0" algn="l">
+            <a:pPr marL="914400" lvl="1" indent="-342900" algn="l" rtl="0">
               <a:spcBef>
                 <a:spcPts val="0"/>
               </a:spcBef>
@@ -12449,7 +12433,7 @@
             <a:endParaRPr sz="1800"/>
           </a:p>
           <a:p>
-            <a:pPr indent="-342900" lvl="0" marL="457200" rtl="0" algn="l">
+            <a:pPr marL="457200" lvl="0" indent="-342900" algn="l" rtl="0">
               <a:spcBef>
                 <a:spcPts val="0"/>
               </a:spcBef>
@@ -12466,7 +12450,7 @@
             <a:endParaRPr sz="1800"/>
           </a:p>
           <a:p>
-            <a:pPr indent="-342900" lvl="0" marL="457200" rtl="0" algn="l">
+            <a:pPr marL="457200" lvl="0" indent="-342900" algn="l" rtl="0">
               <a:spcBef>
                 <a:spcPts val="0"/>
               </a:spcBef>
@@ -12483,7 +12467,7 @@
             <a:endParaRPr sz="1800"/>
           </a:p>
           <a:p>
-            <a:pPr indent="0" lvl="0" marL="457200" rtl="0" algn="l">
+            <a:pPr marL="457200" lvl="0" indent="0" algn="l" rtl="0">
               <a:spcBef>
                 <a:spcPts val="1600"/>
               </a:spcBef>
@@ -12492,9 +12476,6 @@
               </a:spcAft>
               <a:buNone/>
             </a:pPr>
-            <a:r>
-              <a:t/>
-            </a:r>
             <a:endParaRPr sz="1800"/>
           </a:p>
         </p:txBody>
@@ -12508,11 +12489,11 @@
 </file>
 
 <file path=ppt/slides/slide18.xml><?xml version="1.0" encoding="utf-8"?>
-<p:sld xmlns:a="http://schemas.openxmlformats.org/drawingml/2006/main" xmlns:r="http://schemas.openxmlformats.org/officeDocument/2006/relationships" xmlns:mc="http://schemas.openxmlformats.org/markup-compatibility/2006" xmlns:mv="urn:schemas-microsoft-com:mac:vml" xmlns:p="http://schemas.openxmlformats.org/presentationml/2006/main" xmlns:c="http://schemas.openxmlformats.org/drawingml/2006/chart" xmlns:dgm="http://schemas.openxmlformats.org/drawingml/2006/diagram" xmlns:o="urn:schemas-microsoft-com:office:office" xmlns:v="urn:schemas-microsoft-com:vml" xmlns:pvml="urn:schemas-microsoft-com:office:powerpoint" xmlns:com="http://schemas.openxmlformats.org/drawingml/2006/compatibility" xmlns:p14="http://schemas.microsoft.com/office/powerpoint/2010/main" xmlns:p15="http://schemas.microsoft.com/office/powerpoint/2012/main">
+<p:sld xmlns:a="http://schemas.openxmlformats.org/drawingml/2006/main" xmlns:r="http://schemas.openxmlformats.org/officeDocument/2006/relationships" xmlns:p="http://schemas.openxmlformats.org/presentationml/2006/main">
   <p:cSld>
     <p:spTree>
       <p:nvGrpSpPr>
-        <p:cNvPr id="257" name="Shape 257"/>
+        <p:cNvPr id="1" name="Shape 257"/>
         <p:cNvGrpSpPr/>
         <p:nvPr/>
       </p:nvGrpSpPr>
@@ -12527,7 +12508,9 @@
       <p:sp>
         <p:nvSpPr>
           <p:cNvPr id="258" name="Google Shape;258;p30"/>
-          <p:cNvSpPr txBox="1"/>
+          <p:cNvSpPr txBox="1">
+            <a:spLocks noGrp="1"/>
+          </p:cNvSpPr>
           <p:nvPr>
             <p:ph type="title"/>
           </p:nvPr>
@@ -12542,12 +12525,12 @@
           </a:prstGeom>
         </p:spPr>
         <p:txBody>
-          <a:bodyPr anchorCtr="0" anchor="t" bIns="91425" lIns="91425" spcFirstLastPara="1" rIns="91425" wrap="square" tIns="91425">
+          <a:bodyPr spcFirstLastPara="1" wrap="square" lIns="91425" tIns="91425" rIns="91425" bIns="91425" anchor="t" anchorCtr="0">
             <a:noAutofit/>
           </a:bodyPr>
           <a:lstStyle/>
           <a:p>
-            <a:pPr indent="0" lvl="0" marL="0" rtl="0" algn="ctr">
+            <a:pPr marL="0" lvl="0" indent="0" algn="ctr" rtl="0">
               <a:spcBef>
                 <a:spcPts val="0"/>
               </a:spcBef>
@@ -12573,11 +12556,11 @@
 </file>
 
 <file path=ppt/slides/slide2.xml><?xml version="1.0" encoding="utf-8"?>
-<p:sld xmlns:a="http://schemas.openxmlformats.org/drawingml/2006/main" xmlns:r="http://schemas.openxmlformats.org/officeDocument/2006/relationships" xmlns:mc="http://schemas.openxmlformats.org/markup-compatibility/2006" xmlns:mv="urn:schemas-microsoft-com:mac:vml" xmlns:p="http://schemas.openxmlformats.org/presentationml/2006/main" xmlns:c="http://schemas.openxmlformats.org/drawingml/2006/chart" xmlns:dgm="http://schemas.openxmlformats.org/drawingml/2006/diagram" xmlns:o="urn:schemas-microsoft-com:office:office" xmlns:v="urn:schemas-microsoft-com:vml" xmlns:pvml="urn:schemas-microsoft-com:office:powerpoint" xmlns:com="http://schemas.openxmlformats.org/drawingml/2006/compatibility" xmlns:p14="http://schemas.microsoft.com/office/powerpoint/2010/main" xmlns:p15="http://schemas.microsoft.com/office/powerpoint/2012/main">
+<p:sld xmlns:a="http://schemas.openxmlformats.org/drawingml/2006/main" xmlns:r="http://schemas.openxmlformats.org/officeDocument/2006/relationships" xmlns:p="http://schemas.openxmlformats.org/presentationml/2006/main">
   <p:cSld>
     <p:spTree>
       <p:nvGrpSpPr>
-        <p:cNvPr id="138" name="Shape 138"/>
+        <p:cNvPr id="1" name="Shape 138"/>
         <p:cNvGrpSpPr/>
         <p:nvPr/>
       </p:nvGrpSpPr>
@@ -12592,7 +12575,9 @@
       <p:sp>
         <p:nvSpPr>
           <p:cNvPr id="139" name="Google Shape;139;p14"/>
-          <p:cNvSpPr txBox="1"/>
+          <p:cNvSpPr txBox="1">
+            <a:spLocks noGrp="1"/>
+          </p:cNvSpPr>
           <p:nvPr>
             <p:ph type="title"/>
           </p:nvPr>
@@ -12607,12 +12592,12 @@
           </a:prstGeom>
         </p:spPr>
         <p:txBody>
-          <a:bodyPr anchorCtr="0" anchor="t" bIns="91425" lIns="91425" spcFirstLastPara="1" rIns="91425" wrap="square" tIns="91425">
+          <a:bodyPr spcFirstLastPara="1" wrap="square" lIns="91425" tIns="91425" rIns="91425" bIns="91425" anchor="t" anchorCtr="0">
             <a:noAutofit/>
           </a:bodyPr>
           <a:lstStyle/>
           <a:p>
-            <a:pPr indent="0" lvl="0" marL="0" rtl="0" algn="l">
+            <a:pPr marL="0" lvl="0" indent="0" algn="l" rtl="0">
               <a:spcBef>
                 <a:spcPts val="0"/>
               </a:spcBef>
@@ -12632,9 +12617,11 @@
       <p:sp>
         <p:nvSpPr>
           <p:cNvPr id="140" name="Google Shape;140;p14"/>
-          <p:cNvSpPr txBox="1"/>
+          <p:cNvSpPr txBox="1">
+            <a:spLocks noGrp="1"/>
+          </p:cNvSpPr>
           <p:nvPr>
-            <p:ph idx="1" type="body"/>
+            <p:ph type="body" idx="1"/>
           </p:nvPr>
         </p:nvSpPr>
         <p:spPr>
@@ -12647,12 +12634,12 @@
           </a:prstGeom>
         </p:spPr>
         <p:txBody>
-          <a:bodyPr anchorCtr="0" anchor="t" bIns="91425" lIns="91425" spcFirstLastPara="1" rIns="91425" wrap="square" tIns="91425">
+          <a:bodyPr spcFirstLastPara="1" wrap="square" lIns="91425" tIns="91425" rIns="91425" bIns="91425" anchor="t" anchorCtr="0">
             <a:noAutofit/>
           </a:bodyPr>
           <a:lstStyle/>
           <a:p>
-            <a:pPr indent="-342900" lvl="0" marL="457200" rtl="0" algn="l">
+            <a:pPr marL="457200" lvl="0" indent="-342900" algn="l" rtl="0">
               <a:spcBef>
                 <a:spcPts val="0"/>
               </a:spcBef>
@@ -12669,7 +12656,7 @@
             <a:endParaRPr sz="1800"/>
           </a:p>
           <a:p>
-            <a:pPr indent="-317500" lvl="1" marL="914400" rtl="0" algn="l">
+            <a:pPr marL="914400" lvl="1" indent="-317500" algn="l" rtl="0">
               <a:spcBef>
                 <a:spcPts val="0"/>
               </a:spcBef>
@@ -12686,7 +12673,7 @@
             <a:endParaRPr sz="1400"/>
           </a:p>
           <a:p>
-            <a:pPr indent="-317500" lvl="2" marL="1371600" rtl="0" algn="l">
+            <a:pPr marL="1371600" lvl="2" indent="-317500" algn="l" rtl="0">
               <a:spcBef>
                 <a:spcPts val="0"/>
               </a:spcBef>
@@ -12703,7 +12690,7 @@
             <a:endParaRPr sz="1400"/>
           </a:p>
           <a:p>
-            <a:pPr indent="-317500" lvl="2" marL="1371600" rtl="0" algn="l">
+            <a:pPr marL="1371600" lvl="2" indent="-317500" algn="l" rtl="0">
               <a:spcBef>
                 <a:spcPts val="0"/>
               </a:spcBef>
@@ -12720,7 +12707,7 @@
             <a:endParaRPr sz="1400"/>
           </a:p>
           <a:p>
-            <a:pPr indent="-317500" lvl="2" marL="1371600" rtl="0" algn="l">
+            <a:pPr marL="1371600" lvl="2" indent="-317500" algn="l" rtl="0">
               <a:spcBef>
                 <a:spcPts val="0"/>
               </a:spcBef>
@@ -12737,7 +12724,7 @@
             <a:endParaRPr sz="1400"/>
           </a:p>
           <a:p>
-            <a:pPr indent="-317500" lvl="1" marL="914400" rtl="0" algn="l">
+            <a:pPr marL="914400" lvl="1" indent="-317500" algn="l" rtl="0">
               <a:spcBef>
                 <a:spcPts val="0"/>
               </a:spcBef>
@@ -12754,7 +12741,7 @@
             <a:endParaRPr sz="1400"/>
           </a:p>
           <a:p>
-            <a:pPr indent="-317500" lvl="0" marL="457200" rtl="0" algn="l">
+            <a:pPr marL="457200" lvl="0" indent="-317500" algn="l" rtl="0">
               <a:spcBef>
                 <a:spcPts val="0"/>
               </a:spcBef>
@@ -12781,11 +12768,11 @@
 </file>
 
 <file path=ppt/slides/slide3.xml><?xml version="1.0" encoding="utf-8"?>
-<p:sld xmlns:a="http://schemas.openxmlformats.org/drawingml/2006/main" xmlns:r="http://schemas.openxmlformats.org/officeDocument/2006/relationships" xmlns:mc="http://schemas.openxmlformats.org/markup-compatibility/2006" xmlns:mv="urn:schemas-microsoft-com:mac:vml" xmlns:p="http://schemas.openxmlformats.org/presentationml/2006/main" xmlns:c="http://schemas.openxmlformats.org/drawingml/2006/chart" xmlns:dgm="http://schemas.openxmlformats.org/drawingml/2006/diagram" xmlns:o="urn:schemas-microsoft-com:office:office" xmlns:v="urn:schemas-microsoft-com:vml" xmlns:pvml="urn:schemas-microsoft-com:office:powerpoint" xmlns:com="http://schemas.openxmlformats.org/drawingml/2006/compatibility" xmlns:p14="http://schemas.microsoft.com/office/powerpoint/2010/main" xmlns:p15="http://schemas.microsoft.com/office/powerpoint/2012/main">
+<p:sld xmlns:a="http://schemas.openxmlformats.org/drawingml/2006/main" xmlns:r="http://schemas.openxmlformats.org/officeDocument/2006/relationships" xmlns:p="http://schemas.openxmlformats.org/presentationml/2006/main">
   <p:cSld>
     <p:spTree>
       <p:nvGrpSpPr>
-        <p:cNvPr id="144" name="Shape 144"/>
+        <p:cNvPr id="1" name="Shape 144"/>
         <p:cNvGrpSpPr/>
         <p:nvPr/>
       </p:nvGrpSpPr>
@@ -12800,7 +12787,9 @@
       <p:sp>
         <p:nvSpPr>
           <p:cNvPr id="145" name="Google Shape;145;p15"/>
-          <p:cNvSpPr txBox="1"/>
+          <p:cNvSpPr txBox="1">
+            <a:spLocks noGrp="1"/>
+          </p:cNvSpPr>
           <p:nvPr>
             <p:ph type="title"/>
           </p:nvPr>
@@ -12815,12 +12804,12 @@
           </a:prstGeom>
         </p:spPr>
         <p:txBody>
-          <a:bodyPr anchorCtr="0" anchor="t" bIns="91425" lIns="91425" spcFirstLastPara="1" rIns="91425" wrap="square" tIns="91425">
+          <a:bodyPr spcFirstLastPara="1" wrap="square" lIns="91425" tIns="91425" rIns="91425" bIns="91425" anchor="t" anchorCtr="0">
             <a:noAutofit/>
           </a:bodyPr>
           <a:lstStyle/>
           <a:p>
-            <a:pPr indent="0" lvl="0" marL="0" rtl="0" algn="l">
+            <a:pPr marL="0" lvl="0" indent="0" algn="l" rtl="0">
               <a:spcBef>
                 <a:spcPts val="0"/>
               </a:spcBef>
@@ -12840,9 +12829,11 @@
       <p:sp>
         <p:nvSpPr>
           <p:cNvPr id="146" name="Google Shape;146;p15"/>
-          <p:cNvSpPr txBox="1"/>
+          <p:cNvSpPr txBox="1">
+            <a:spLocks noGrp="1"/>
+          </p:cNvSpPr>
           <p:nvPr>
-            <p:ph idx="1" type="body"/>
+            <p:ph type="body" idx="1"/>
           </p:nvPr>
         </p:nvSpPr>
         <p:spPr>
@@ -12855,12 +12846,12 @@
           </a:prstGeom>
         </p:spPr>
         <p:txBody>
-          <a:bodyPr anchorCtr="0" anchor="t" bIns="91425" lIns="91425" spcFirstLastPara="1" rIns="91425" wrap="square" tIns="91425">
+          <a:bodyPr spcFirstLastPara="1" wrap="square" lIns="91425" tIns="91425" rIns="91425" bIns="91425" anchor="t" anchorCtr="0">
             <a:noAutofit/>
           </a:bodyPr>
           <a:lstStyle/>
           <a:p>
-            <a:pPr indent="0" lvl="0" marL="0" rtl="0" algn="l">
+            <a:pPr marL="0" lvl="0" indent="0" algn="l" rtl="0">
               <a:spcBef>
                 <a:spcPts val="0"/>
               </a:spcBef>
@@ -12876,7 +12867,7 @@
             <a:endParaRPr sz="1800"/>
           </a:p>
           <a:p>
-            <a:pPr indent="0" lvl="0" marL="0" marR="0" rtl="0" algn="l">
+            <a:pPr marL="0" marR="0" lvl="0" indent="0" algn="l" rtl="0">
               <a:lnSpc>
                 <a:spcPct val="100000"/>
               </a:lnSpc>
@@ -12912,7 +12903,7 @@
             </a:endParaRPr>
           </a:p>
           <a:p>
-            <a:pPr indent="-330200" lvl="0" marL="457200" rtl="0" algn="l">
+            <a:pPr marL="457200" lvl="0" indent="-330200" algn="l" rtl="0">
               <a:spcBef>
                 <a:spcPts val="0"/>
               </a:spcBef>
@@ -12926,7 +12917,7 @@
               <a:buChar char="●"/>
             </a:pPr>
             <a:r>
-              <a:rPr i="1" lang="en" sz="1600">
+              <a:rPr lang="en" sz="1600" i="1">
                 <a:solidFill>
                   <a:srgbClr val="FFFFFF"/>
                 </a:solidFill>
@@ -12937,7 +12928,7 @@
               </a:rPr>
               <a:t>Does time factor into fatal accidents?</a:t>
             </a:r>
-            <a:endParaRPr i="1" sz="1600">
+            <a:endParaRPr sz="1600" i="1">
               <a:solidFill>
                 <a:srgbClr val="FFFFFF"/>
               </a:solidFill>
@@ -12948,7 +12939,7 @@
             </a:endParaRPr>
           </a:p>
           <a:p>
-            <a:pPr indent="-330200" lvl="1" marL="914400" rtl="0" algn="l">
+            <a:pPr marL="914400" lvl="1" indent="-330200" algn="l" rtl="0">
               <a:spcBef>
                 <a:spcPts val="0"/>
               </a:spcBef>
@@ -12963,7 +12954,7 @@
               <a:buChar char="○"/>
             </a:pPr>
             <a:r>
-              <a:rPr i="1" lang="en" sz="1600">
+              <a:rPr lang="en" sz="1600" i="1">
                 <a:solidFill>
                   <a:srgbClr val="FFFFFF"/>
                 </a:solidFill>
@@ -12974,7 +12965,7 @@
               </a:rPr>
               <a:t>Day of week, month, time of day</a:t>
             </a:r>
-            <a:endParaRPr i="1" sz="1600">
+            <a:endParaRPr sz="1600" i="1">
               <a:solidFill>
                 <a:srgbClr val="FFFFFF"/>
               </a:solidFill>
@@ -12985,7 +12976,7 @@
             </a:endParaRPr>
           </a:p>
           <a:p>
-            <a:pPr indent="-330200" lvl="0" marL="457200" rtl="0" algn="l">
+            <a:pPr marL="457200" lvl="0" indent="-330200" algn="l" rtl="0">
               <a:spcBef>
                 <a:spcPts val="0"/>
               </a:spcBef>
@@ -12996,7 +12987,7 @@
               <a:buChar char="●"/>
             </a:pPr>
             <a:r>
-              <a:rPr i="1" lang="en" sz="1600">
+              <a:rPr lang="en" sz="1600" i="1">
                 <a:latin typeface="Arial"/>
                 <a:ea typeface="Arial"/>
                 <a:cs typeface="Arial"/>
@@ -13004,7 +12995,7 @@
               </a:rPr>
               <a:t>Do personal factors affect fatal accidents?</a:t>
             </a:r>
-            <a:endParaRPr i="1" sz="1600">
+            <a:endParaRPr sz="1600" i="1">
               <a:latin typeface="Arial"/>
               <a:ea typeface="Arial"/>
               <a:cs typeface="Arial"/>
@@ -13012,7 +13003,7 @@
             </a:endParaRPr>
           </a:p>
           <a:p>
-            <a:pPr indent="-330200" lvl="1" marL="914400" rtl="0" algn="l">
+            <a:pPr marL="914400" lvl="1" indent="-330200" algn="l" rtl="0">
               <a:spcBef>
                 <a:spcPts val="0"/>
               </a:spcBef>
@@ -13024,7 +13015,7 @@
               <a:buChar char="○"/>
             </a:pPr>
             <a:r>
-              <a:rPr i="1" lang="en" sz="1600">
+              <a:rPr lang="en" sz="1600" i="1">
                 <a:latin typeface="Arial"/>
                 <a:ea typeface="Arial"/>
                 <a:cs typeface="Arial"/>
@@ -13032,7 +13023,7 @@
               </a:rPr>
               <a:t>Alcohol, age, distracted, etc.</a:t>
             </a:r>
-            <a:endParaRPr i="1" sz="1600">
+            <a:endParaRPr sz="1600" i="1">
               <a:latin typeface="Arial"/>
               <a:ea typeface="Arial"/>
               <a:cs typeface="Arial"/>
@@ -13040,7 +13031,7 @@
             </a:endParaRPr>
           </a:p>
           <a:p>
-            <a:pPr indent="-330200" lvl="0" marL="457200" rtl="0" algn="l">
+            <a:pPr marL="457200" lvl="0" indent="-330200" algn="l" rtl="0">
               <a:spcBef>
                 <a:spcPts val="0"/>
               </a:spcBef>
@@ -13052,7 +13043,7 @@
               <a:buChar char="●"/>
             </a:pPr>
             <a:r>
-              <a:rPr i="1" lang="en" sz="1600">
+              <a:rPr lang="en" sz="1600" i="1">
                 <a:latin typeface="Arial"/>
                 <a:ea typeface="Arial"/>
                 <a:cs typeface="Arial"/>
@@ -13060,7 +13051,7 @@
               </a:rPr>
               <a:t>Does location impact the number of fatalities?</a:t>
             </a:r>
-            <a:endParaRPr i="1" sz="1600">
+            <a:endParaRPr sz="1600" i="1">
               <a:latin typeface="Arial"/>
               <a:ea typeface="Arial"/>
               <a:cs typeface="Arial"/>
@@ -13068,7 +13059,7 @@
             </a:endParaRPr>
           </a:p>
           <a:p>
-            <a:pPr indent="-330200" lvl="1" marL="914400" rtl="0" algn="l">
+            <a:pPr marL="914400" lvl="1" indent="-330200" algn="l" rtl="0">
               <a:spcBef>
                 <a:spcPts val="0"/>
               </a:spcBef>
@@ -13080,7 +13071,7 @@
               <a:buChar char="○"/>
             </a:pPr>
             <a:r>
-              <a:rPr i="1" lang="en" sz="1600">
+              <a:rPr lang="en" sz="1600" i="1">
                 <a:latin typeface="Arial"/>
                 <a:ea typeface="Arial"/>
                 <a:cs typeface="Arial"/>
@@ -13088,7 +13079,7 @@
               </a:rPr>
               <a:t>City, state, region</a:t>
             </a:r>
-            <a:endParaRPr i="1" sz="1600">
+            <a:endParaRPr sz="1600" i="1">
               <a:latin typeface="Arial"/>
               <a:ea typeface="Arial"/>
               <a:cs typeface="Arial"/>
@@ -13096,7 +13087,7 @@
             </a:endParaRPr>
           </a:p>
           <a:p>
-            <a:pPr indent="-330200" lvl="0" marL="457200" rtl="0" algn="l">
+            <a:pPr marL="457200" lvl="0" indent="-330200" algn="l" rtl="0">
               <a:spcBef>
                 <a:spcPts val="0"/>
               </a:spcBef>
@@ -13108,7 +13099,7 @@
               <a:buChar char="●"/>
             </a:pPr>
             <a:r>
-              <a:rPr i="1" lang="en" sz="1600">
+              <a:rPr lang="en" sz="1600" i="1">
                 <a:latin typeface="Arial"/>
                 <a:ea typeface="Arial"/>
                 <a:cs typeface="Arial"/>
@@ -13116,7 +13107,7 @@
               </a:rPr>
               <a:t>Does weather impact the number of fatalities?</a:t>
             </a:r>
-            <a:endParaRPr i="1" sz="1600">
+            <a:endParaRPr sz="1600" i="1">
               <a:latin typeface="Arial"/>
               <a:ea typeface="Arial"/>
               <a:cs typeface="Arial"/>
@@ -13124,7 +13115,7 @@
             </a:endParaRPr>
           </a:p>
           <a:p>
-            <a:pPr indent="0" lvl="0" marL="0" rtl="0" algn="l">
+            <a:pPr marL="0" lvl="0" indent="0" algn="l" rtl="0">
               <a:spcBef>
                 <a:spcPts val="1600"/>
               </a:spcBef>
@@ -13138,13 +13129,10 @@
               <a:buFont typeface="Arial"/>
               <a:buNone/>
             </a:pPr>
-            <a:r>
-              <a:t/>
-            </a:r>
             <a:endParaRPr/>
           </a:p>
           <a:p>
-            <a:pPr indent="0" lvl="0" marL="0" rtl="0" algn="l">
+            <a:pPr marL="0" lvl="0" indent="0" algn="l" rtl="0">
               <a:spcBef>
                 <a:spcPts val="1600"/>
               </a:spcBef>
@@ -13158,13 +13146,10 @@
               <a:buFont typeface="Arial"/>
               <a:buNone/>
             </a:pPr>
-            <a:r>
-              <a:t/>
-            </a:r>
             <a:endParaRPr/>
           </a:p>
           <a:p>
-            <a:pPr indent="0" lvl="0" marL="0" rtl="0" algn="l">
+            <a:pPr marL="0" lvl="0" indent="0" algn="l" rtl="0">
               <a:spcBef>
                 <a:spcPts val="1600"/>
               </a:spcBef>
@@ -13173,9 +13158,6 @@
               </a:spcAft>
               <a:buNone/>
             </a:pPr>
-            <a:r>
-              <a:t/>
-            </a:r>
             <a:endParaRPr/>
           </a:p>
         </p:txBody>
@@ -13189,11 +13171,11 @@
 </file>
 
 <file path=ppt/slides/slide4.xml><?xml version="1.0" encoding="utf-8"?>
-<p:sld xmlns:a="http://schemas.openxmlformats.org/drawingml/2006/main" xmlns:r="http://schemas.openxmlformats.org/officeDocument/2006/relationships" xmlns:mc="http://schemas.openxmlformats.org/markup-compatibility/2006" xmlns:mv="urn:schemas-microsoft-com:mac:vml" xmlns:p="http://schemas.openxmlformats.org/presentationml/2006/main" xmlns:c="http://schemas.openxmlformats.org/drawingml/2006/chart" xmlns:dgm="http://schemas.openxmlformats.org/drawingml/2006/diagram" xmlns:o="urn:schemas-microsoft-com:office:office" xmlns:v="urn:schemas-microsoft-com:vml" xmlns:pvml="urn:schemas-microsoft-com:office:powerpoint" xmlns:com="http://schemas.openxmlformats.org/drawingml/2006/compatibility" xmlns:p14="http://schemas.microsoft.com/office/powerpoint/2010/main" xmlns:p15="http://schemas.microsoft.com/office/powerpoint/2012/main">
+<p:sld xmlns:a="http://schemas.openxmlformats.org/drawingml/2006/main" xmlns:r="http://schemas.openxmlformats.org/officeDocument/2006/relationships" xmlns:p="http://schemas.openxmlformats.org/presentationml/2006/main">
   <p:cSld>
     <p:spTree>
       <p:nvGrpSpPr>
-        <p:cNvPr id="150" name="Shape 150"/>
+        <p:cNvPr id="1" name="Shape 150"/>
         <p:cNvGrpSpPr/>
         <p:nvPr/>
       </p:nvGrpSpPr>
@@ -13208,7 +13190,9 @@
       <p:sp>
         <p:nvSpPr>
           <p:cNvPr id="151" name="Google Shape;151;p16"/>
-          <p:cNvSpPr txBox="1"/>
+          <p:cNvSpPr txBox="1">
+            <a:spLocks noGrp="1"/>
+          </p:cNvSpPr>
           <p:nvPr>
             <p:ph type="title"/>
           </p:nvPr>
@@ -13223,12 +13207,12 @@
           </a:prstGeom>
         </p:spPr>
         <p:txBody>
-          <a:bodyPr anchorCtr="0" anchor="t" bIns="91425" lIns="91425" spcFirstLastPara="1" rIns="91425" wrap="square" tIns="91425">
+          <a:bodyPr spcFirstLastPara="1" wrap="square" lIns="91425" tIns="91425" rIns="91425" bIns="91425" anchor="t" anchorCtr="0">
             <a:noAutofit/>
           </a:bodyPr>
           <a:lstStyle/>
           <a:p>
-            <a:pPr indent="0" lvl="0" marL="0" rtl="0" algn="l">
+            <a:pPr marL="0" lvl="0" indent="0" algn="l" rtl="0">
               <a:spcBef>
                 <a:spcPts val="0"/>
               </a:spcBef>
@@ -13248,9 +13232,11 @@
       <p:sp>
         <p:nvSpPr>
           <p:cNvPr id="152" name="Google Shape;152;p16"/>
-          <p:cNvSpPr txBox="1"/>
+          <p:cNvSpPr txBox="1">
+            <a:spLocks noGrp="1"/>
+          </p:cNvSpPr>
           <p:nvPr>
-            <p:ph idx="1" type="body"/>
+            <p:ph type="body" idx="1"/>
           </p:nvPr>
         </p:nvSpPr>
         <p:spPr>
@@ -13263,12 +13249,12 @@
           </a:prstGeom>
         </p:spPr>
         <p:txBody>
-          <a:bodyPr anchorCtr="0" anchor="t" bIns="91425" lIns="91425" spcFirstLastPara="1" rIns="91425" wrap="square" tIns="91425">
+          <a:bodyPr spcFirstLastPara="1" wrap="square" lIns="91425" tIns="91425" rIns="91425" bIns="91425" anchor="t" anchorCtr="0">
             <a:noAutofit/>
           </a:bodyPr>
           <a:lstStyle/>
           <a:p>
-            <a:pPr indent="0" lvl="0" marL="0" rtl="0" algn="l">
+            <a:pPr marL="0" lvl="0" indent="0" algn="l" rtl="0">
               <a:spcBef>
                 <a:spcPts val="0"/>
               </a:spcBef>
@@ -13277,9 +13263,6 @@
               </a:spcAft>
               <a:buNone/>
             </a:pPr>
-            <a:r>
-              <a:t/>
-            </a:r>
             <a:endParaRPr/>
           </a:p>
         </p:txBody>
@@ -13321,11 +13304,11 @@
 </file>
 
 <file path=ppt/slides/slide5.xml><?xml version="1.0" encoding="utf-8"?>
-<p:sld xmlns:a="http://schemas.openxmlformats.org/drawingml/2006/main" xmlns:r="http://schemas.openxmlformats.org/officeDocument/2006/relationships" xmlns:mc="http://schemas.openxmlformats.org/markup-compatibility/2006" xmlns:mv="urn:schemas-microsoft-com:mac:vml" xmlns:p="http://schemas.openxmlformats.org/presentationml/2006/main" xmlns:c="http://schemas.openxmlformats.org/drawingml/2006/chart" xmlns:dgm="http://schemas.openxmlformats.org/drawingml/2006/diagram" xmlns:o="urn:schemas-microsoft-com:office:office" xmlns:v="urn:schemas-microsoft-com:vml" xmlns:pvml="urn:schemas-microsoft-com:office:powerpoint" xmlns:com="http://schemas.openxmlformats.org/drawingml/2006/compatibility" xmlns:p14="http://schemas.microsoft.com/office/powerpoint/2010/main" xmlns:p15="http://schemas.microsoft.com/office/powerpoint/2012/main">
+<p:sld xmlns:a="http://schemas.openxmlformats.org/drawingml/2006/main" xmlns:r="http://schemas.openxmlformats.org/officeDocument/2006/relationships" xmlns:p="http://schemas.openxmlformats.org/presentationml/2006/main">
   <p:cSld>
     <p:spTree>
       <p:nvGrpSpPr>
-        <p:cNvPr id="157" name="Shape 157"/>
+        <p:cNvPr id="1" name="Shape 157"/>
         <p:cNvGrpSpPr/>
         <p:nvPr/>
       </p:nvGrpSpPr>
@@ -13340,7 +13323,9 @@
       <p:sp>
         <p:nvSpPr>
           <p:cNvPr id="158" name="Google Shape;158;p17"/>
-          <p:cNvSpPr txBox="1"/>
+          <p:cNvSpPr txBox="1">
+            <a:spLocks noGrp="1"/>
+          </p:cNvSpPr>
           <p:nvPr>
             <p:ph type="title"/>
           </p:nvPr>
@@ -13355,12 +13340,12 @@
           </a:prstGeom>
         </p:spPr>
         <p:txBody>
-          <a:bodyPr anchorCtr="0" anchor="t" bIns="91425" lIns="91425" spcFirstLastPara="1" rIns="91425" wrap="square" tIns="91425">
+          <a:bodyPr spcFirstLastPara="1" wrap="square" lIns="91425" tIns="91425" rIns="91425" bIns="91425" anchor="t" anchorCtr="0">
             <a:noAutofit/>
           </a:bodyPr>
           <a:lstStyle/>
           <a:p>
-            <a:pPr indent="0" lvl="0" marL="0" rtl="0" algn="l">
+            <a:pPr marL="0" lvl="0" indent="0" algn="l" rtl="0">
               <a:spcBef>
                 <a:spcPts val="0"/>
               </a:spcBef>
@@ -13380,9 +13365,11 @@
       <p:sp>
         <p:nvSpPr>
           <p:cNvPr id="159" name="Google Shape;159;p17"/>
-          <p:cNvSpPr txBox="1"/>
+          <p:cNvSpPr txBox="1">
+            <a:spLocks noGrp="1"/>
+          </p:cNvSpPr>
           <p:nvPr>
-            <p:ph idx="1" type="body"/>
+            <p:ph type="body" idx="1"/>
           </p:nvPr>
         </p:nvSpPr>
         <p:spPr>
@@ -13395,12 +13382,12 @@
           </a:prstGeom>
         </p:spPr>
         <p:txBody>
-          <a:bodyPr anchorCtr="0" anchor="t" bIns="91425" lIns="91425" spcFirstLastPara="1" rIns="91425" wrap="square" tIns="91425">
+          <a:bodyPr spcFirstLastPara="1" wrap="square" lIns="91425" tIns="91425" rIns="91425" bIns="91425" anchor="t" anchorCtr="0">
             <a:noAutofit/>
           </a:bodyPr>
           <a:lstStyle/>
           <a:p>
-            <a:pPr indent="0" lvl="0" marL="0" rtl="0" algn="l">
+            <a:pPr marL="0" lvl="0" indent="0" algn="l" rtl="0">
               <a:spcBef>
                 <a:spcPts val="0"/>
               </a:spcBef>
@@ -13409,9 +13396,6 @@
               </a:spcAft>
               <a:buNone/>
             </a:pPr>
-            <a:r>
-              <a:t/>
-            </a:r>
             <a:endParaRPr/>
           </a:p>
         </p:txBody>
@@ -13487,23 +13471,23 @@
             <a:avLst/>
           </a:prstGeom>
           <a:noFill/>
-          <a:ln cap="flat" cmpd="sng" w="38100">
+          <a:ln w="38100" cap="flat" cmpd="sng">
             <a:solidFill>
               <a:srgbClr val="FF0000"/>
             </a:solidFill>
             <a:prstDash val="solid"/>
             <a:round/>
-            <a:headEnd len="sm" w="sm" type="none"/>
-            <a:tailEnd len="sm" w="sm" type="none"/>
+            <a:headEnd type="none" w="sm" len="sm"/>
+            <a:tailEnd type="none" w="sm" len="sm"/>
           </a:ln>
         </p:spPr>
         <p:txBody>
-          <a:bodyPr anchorCtr="0" anchor="ctr" bIns="91425" lIns="91425" spcFirstLastPara="1" rIns="91425" wrap="square" tIns="91425">
+          <a:bodyPr spcFirstLastPara="1" wrap="square" lIns="91425" tIns="91425" rIns="91425" bIns="91425" anchor="ctr" anchorCtr="0">
             <a:noAutofit/>
           </a:bodyPr>
           <a:lstStyle/>
           <a:p>
-            <a:pPr indent="0" lvl="0" marL="0" rtl="0" algn="l">
+            <a:pPr marL="0" lvl="0" indent="0" algn="l" rtl="0">
               <a:spcBef>
                 <a:spcPts val="0"/>
               </a:spcBef>
@@ -13512,9 +13496,6 @@
               </a:spcAft>
               <a:buNone/>
             </a:pPr>
-            <a:r>
-              <a:t/>
-            </a:r>
             <a:endParaRPr/>
           </a:p>
         </p:txBody>
@@ -13534,23 +13515,23 @@
             <a:avLst/>
           </a:prstGeom>
           <a:noFill/>
-          <a:ln cap="flat" cmpd="sng" w="38100">
+          <a:ln w="38100" cap="flat" cmpd="sng">
             <a:solidFill>
               <a:srgbClr val="FF0000"/>
             </a:solidFill>
             <a:prstDash val="solid"/>
             <a:round/>
-            <a:headEnd len="sm" w="sm" type="none"/>
-            <a:tailEnd len="sm" w="sm" type="none"/>
+            <a:headEnd type="none" w="sm" len="sm"/>
+            <a:tailEnd type="none" w="sm" len="sm"/>
           </a:ln>
         </p:spPr>
         <p:txBody>
-          <a:bodyPr anchorCtr="0" anchor="ctr" bIns="91425" lIns="91425" spcFirstLastPara="1" rIns="91425" wrap="square" tIns="91425">
+          <a:bodyPr spcFirstLastPara="1" wrap="square" lIns="91425" tIns="91425" rIns="91425" bIns="91425" anchor="ctr" anchorCtr="0">
             <a:noAutofit/>
           </a:bodyPr>
           <a:lstStyle/>
           <a:p>
-            <a:pPr indent="0" lvl="0" marL="0" rtl="0" algn="l">
+            <a:pPr marL="0" lvl="0" indent="0" algn="l" rtl="0">
               <a:spcBef>
                 <a:spcPts val="0"/>
               </a:spcBef>
@@ -13559,9 +13540,6 @@
               </a:spcAft>
               <a:buNone/>
             </a:pPr>
-            <a:r>
-              <a:t/>
-            </a:r>
             <a:endParaRPr/>
           </a:p>
         </p:txBody>
@@ -13575,11 +13553,11 @@
 </file>
 
 <file path=ppt/slides/slide6.xml><?xml version="1.0" encoding="utf-8"?>
-<p:sld xmlns:a="http://schemas.openxmlformats.org/drawingml/2006/main" xmlns:r="http://schemas.openxmlformats.org/officeDocument/2006/relationships" xmlns:mc="http://schemas.openxmlformats.org/markup-compatibility/2006" xmlns:mv="urn:schemas-microsoft-com:mac:vml" xmlns:p="http://schemas.openxmlformats.org/presentationml/2006/main" xmlns:c="http://schemas.openxmlformats.org/drawingml/2006/chart" xmlns:dgm="http://schemas.openxmlformats.org/drawingml/2006/diagram" xmlns:o="urn:schemas-microsoft-com:office:office" xmlns:v="urn:schemas-microsoft-com:vml" xmlns:pvml="urn:schemas-microsoft-com:office:powerpoint" xmlns:com="http://schemas.openxmlformats.org/drawingml/2006/compatibility" xmlns:p14="http://schemas.microsoft.com/office/powerpoint/2010/main" xmlns:p15="http://schemas.microsoft.com/office/powerpoint/2012/main">
+<p:sld xmlns:a="http://schemas.openxmlformats.org/drawingml/2006/main" xmlns:r="http://schemas.openxmlformats.org/officeDocument/2006/relationships" xmlns:p="http://schemas.openxmlformats.org/presentationml/2006/main">
   <p:cSld>
     <p:spTree>
       <p:nvGrpSpPr>
-        <p:cNvPr id="167" name="Shape 167"/>
+        <p:cNvPr id="1" name="Shape 167"/>
         <p:cNvGrpSpPr/>
         <p:nvPr/>
       </p:nvGrpSpPr>
@@ -13594,7 +13572,9 @@
       <p:sp>
         <p:nvSpPr>
           <p:cNvPr id="168" name="Google Shape;168;p18"/>
-          <p:cNvSpPr txBox="1"/>
+          <p:cNvSpPr txBox="1">
+            <a:spLocks noGrp="1"/>
+          </p:cNvSpPr>
           <p:nvPr>
             <p:ph type="title"/>
           </p:nvPr>
@@ -13609,12 +13589,12 @@
           </a:prstGeom>
         </p:spPr>
         <p:txBody>
-          <a:bodyPr anchorCtr="0" anchor="t" bIns="91425" lIns="91425" spcFirstLastPara="1" rIns="91425" wrap="square" tIns="91425">
+          <a:bodyPr spcFirstLastPara="1" wrap="square" lIns="91425" tIns="91425" rIns="91425" bIns="91425" anchor="t" anchorCtr="0">
             <a:noAutofit/>
           </a:bodyPr>
           <a:lstStyle/>
           <a:p>
-            <a:pPr indent="0" lvl="0" marL="0" rtl="0" algn="l">
+            <a:pPr marL="0" lvl="0" indent="0" algn="l" rtl="0">
               <a:spcBef>
                 <a:spcPts val="0"/>
               </a:spcBef>
@@ -13634,9 +13614,11 @@
       <p:sp>
         <p:nvSpPr>
           <p:cNvPr id="169" name="Google Shape;169;p18"/>
-          <p:cNvSpPr txBox="1"/>
+          <p:cNvSpPr txBox="1">
+            <a:spLocks noGrp="1"/>
+          </p:cNvSpPr>
           <p:nvPr>
-            <p:ph idx="1" type="body"/>
+            <p:ph type="body" idx="1"/>
           </p:nvPr>
         </p:nvSpPr>
         <p:spPr>
@@ -13649,12 +13631,12 @@
           </a:prstGeom>
         </p:spPr>
         <p:txBody>
-          <a:bodyPr anchorCtr="0" anchor="t" bIns="91425" lIns="91425" spcFirstLastPara="1" rIns="91425" wrap="square" tIns="91425">
+          <a:bodyPr spcFirstLastPara="1" wrap="square" lIns="91425" tIns="91425" rIns="91425" bIns="91425" anchor="t" anchorCtr="0">
             <a:noAutofit/>
           </a:bodyPr>
           <a:lstStyle/>
           <a:p>
-            <a:pPr indent="0" lvl="0" marL="0" marR="0" rtl="0" algn="l">
+            <a:pPr marL="0" marR="0" lvl="0" indent="0" algn="l" rtl="0">
               <a:lnSpc>
                 <a:spcPct val="100000"/>
               </a:lnSpc>
@@ -13680,7 +13662,7 @@
               </a:rPr>
               <a:t>Citipy</a:t>
             </a:r>
-            <a:endParaRPr i="1" sz="1600">
+            <a:endParaRPr sz="1600" i="1">
               <a:solidFill>
                 <a:srgbClr val="FFFFFF"/>
               </a:solidFill>
@@ -13691,7 +13673,7 @@
             </a:endParaRPr>
           </a:p>
           <a:p>
-            <a:pPr indent="-330200" lvl="0" marL="457200" marR="0" rtl="0" algn="l">
+            <a:pPr marL="457200" marR="0" lvl="0" indent="-330200" algn="l" rtl="0">
               <a:lnSpc>
                 <a:spcPct val="115000"/>
               </a:lnSpc>
@@ -13708,7 +13690,7 @@
               <a:buChar char="●"/>
             </a:pPr>
             <a:r>
-              <a:rPr i="1" lang="en" sz="1600">
+              <a:rPr lang="en" sz="1600" i="1">
                 <a:solidFill>
                   <a:srgbClr val="FFFFFF"/>
                 </a:solidFill>
@@ -13719,7 +13701,7 @@
               </a:rPr>
               <a:t>Finding city name based on lat and long using citipy library.</a:t>
             </a:r>
-            <a:endParaRPr i="1" sz="1600">
+            <a:endParaRPr sz="1600" i="1">
               <a:solidFill>
                 <a:srgbClr val="FFFFFF"/>
               </a:solidFill>
@@ -13730,7 +13712,7 @@
             </a:endParaRPr>
           </a:p>
           <a:p>
-            <a:pPr indent="0" lvl="0" marL="0" marR="0" rtl="0" algn="l">
+            <a:pPr marL="0" marR="0" lvl="0" indent="0" algn="l" rtl="0">
               <a:lnSpc>
                 <a:spcPct val="100000"/>
               </a:lnSpc>
@@ -13756,7 +13738,7 @@
               </a:rPr>
               <a:t>Geocoding API</a:t>
             </a:r>
-            <a:endParaRPr i="1" sz="1600">
+            <a:endParaRPr sz="1600" i="1">
               <a:solidFill>
                 <a:srgbClr val="FFFFFF"/>
               </a:solidFill>
@@ -13767,7 +13749,7 @@
             </a:endParaRPr>
           </a:p>
           <a:p>
-            <a:pPr indent="-330200" lvl="0" marL="457200" marR="0" rtl="0" algn="l">
+            <a:pPr marL="457200" marR="0" lvl="0" indent="-330200" algn="l" rtl="0">
               <a:lnSpc>
                 <a:spcPct val="115000"/>
               </a:lnSpc>
@@ -13784,7 +13766,7 @@
               <a:buChar char="●"/>
             </a:pPr>
             <a:r>
-              <a:rPr i="1" lang="en" sz="1600">
+              <a:rPr lang="en" sz="1600" i="1">
                 <a:solidFill>
                   <a:srgbClr val="FFFFFF"/>
                 </a:solidFill>
@@ -13793,33 +13775,9 @@
                 <a:cs typeface="Arial"/>
                 <a:sym typeface="Arial"/>
               </a:rPr>
-              <a:t>Finding </a:t>
+              <a:t>Finding latitude and longitude based on citi name using Geocoding API. </a:t>
             </a:r>
-            <a:r>
-              <a:rPr i="1" lang="en" sz="1600">
-                <a:solidFill>
-                  <a:srgbClr val="FFFFFF"/>
-                </a:solidFill>
-                <a:latin typeface="Arial"/>
-                <a:ea typeface="Arial"/>
-                <a:cs typeface="Arial"/>
-                <a:sym typeface="Arial"/>
-              </a:rPr>
-              <a:t>latitude</a:t>
-            </a:r>
-            <a:r>
-              <a:rPr i="1" lang="en" sz="1600">
-                <a:solidFill>
-                  <a:srgbClr val="FFFFFF"/>
-                </a:solidFill>
-                <a:latin typeface="Arial"/>
-                <a:ea typeface="Arial"/>
-                <a:cs typeface="Arial"/>
-                <a:sym typeface="Arial"/>
-              </a:rPr>
-              <a:t> and longitude based on citi name using Geocoding API. </a:t>
-            </a:r>
-            <a:endParaRPr i="1" sz="1600">
+            <a:endParaRPr sz="1600" i="1">
               <a:solidFill>
                 <a:srgbClr val="FFFFFF"/>
               </a:solidFill>
@@ -13830,7 +13788,7 @@
             </a:endParaRPr>
           </a:p>
           <a:p>
-            <a:pPr indent="0" lvl="0" marL="457200" marR="0" rtl="0" algn="l">
+            <a:pPr marL="457200" marR="0" lvl="0" indent="0" algn="l" rtl="0">
               <a:lnSpc>
                 <a:spcPct val="115000"/>
               </a:lnSpc>
@@ -13842,10 +13800,7 @@
               </a:spcAft>
               <a:buNone/>
             </a:pPr>
-            <a:r>
-              <a:t/>
-            </a:r>
-            <a:endParaRPr i="1" sz="1600">
+            <a:endParaRPr sz="1600" i="1">
               <a:solidFill>
                 <a:srgbClr val="FFFFFF"/>
               </a:solidFill>
@@ -13866,11 +13821,11 @@
 </file>
 
 <file path=ppt/slides/slide7.xml><?xml version="1.0" encoding="utf-8"?>
-<p:sld xmlns:a="http://schemas.openxmlformats.org/drawingml/2006/main" xmlns:r="http://schemas.openxmlformats.org/officeDocument/2006/relationships" xmlns:mc="http://schemas.openxmlformats.org/markup-compatibility/2006" xmlns:mv="urn:schemas-microsoft-com:mac:vml" xmlns:p="http://schemas.openxmlformats.org/presentationml/2006/main" xmlns:c="http://schemas.openxmlformats.org/drawingml/2006/chart" xmlns:dgm="http://schemas.openxmlformats.org/drawingml/2006/diagram" xmlns:o="urn:schemas-microsoft-com:office:office" xmlns:v="urn:schemas-microsoft-com:vml" xmlns:pvml="urn:schemas-microsoft-com:office:powerpoint" xmlns:com="http://schemas.openxmlformats.org/drawingml/2006/compatibility" xmlns:p14="http://schemas.microsoft.com/office/powerpoint/2010/main" xmlns:p15="http://schemas.microsoft.com/office/powerpoint/2012/main">
+<p:sld xmlns:a="http://schemas.openxmlformats.org/drawingml/2006/main" xmlns:r="http://schemas.openxmlformats.org/officeDocument/2006/relationships" xmlns:p="http://schemas.openxmlformats.org/presentationml/2006/main">
   <p:cSld>
     <p:spTree>
       <p:nvGrpSpPr>
-        <p:cNvPr id="173" name="Shape 173"/>
+        <p:cNvPr id="1" name="Shape 173"/>
         <p:cNvGrpSpPr/>
         <p:nvPr/>
       </p:nvGrpSpPr>
@@ -13885,7 +13840,9 @@
       <p:sp>
         <p:nvSpPr>
           <p:cNvPr id="174" name="Google Shape;174;p19"/>
-          <p:cNvSpPr txBox="1"/>
+          <p:cNvSpPr txBox="1">
+            <a:spLocks noGrp="1"/>
+          </p:cNvSpPr>
           <p:nvPr>
             <p:ph type="title"/>
           </p:nvPr>
@@ -13900,12 +13857,12 @@
           </a:prstGeom>
         </p:spPr>
         <p:txBody>
-          <a:bodyPr anchorCtr="0" anchor="t" bIns="91425" lIns="91425" spcFirstLastPara="1" rIns="91425" wrap="square" tIns="91425">
+          <a:bodyPr spcFirstLastPara="1" wrap="square" lIns="91425" tIns="91425" rIns="91425" bIns="91425" anchor="t" anchorCtr="0">
             <a:noAutofit/>
           </a:bodyPr>
           <a:lstStyle/>
           <a:p>
-            <a:pPr indent="0" lvl="0" marL="0" rtl="0" algn="l">
+            <a:pPr marL="0" lvl="0" indent="0" algn="l" rtl="0">
               <a:spcBef>
                 <a:spcPts val="0"/>
               </a:spcBef>
@@ -13914,13 +13871,10 @@
               </a:spcAft>
               <a:buNone/>
             </a:pPr>
-            <a:r>
-              <a:t/>
-            </a:r>
             <a:endParaRPr/>
           </a:p>
           <a:p>
-            <a:pPr indent="0" lvl="0" marL="0" rtl="0" algn="l">
+            <a:pPr marL="0" lvl="0" indent="0" algn="l" rtl="0">
               <a:spcBef>
                 <a:spcPts val="0"/>
               </a:spcBef>
@@ -13940,9 +13894,11 @@
       <p:sp>
         <p:nvSpPr>
           <p:cNvPr id="175" name="Google Shape;175;p19"/>
-          <p:cNvSpPr txBox="1"/>
+          <p:cNvSpPr txBox="1">
+            <a:spLocks noGrp="1"/>
+          </p:cNvSpPr>
           <p:nvPr>
-            <p:ph idx="1" type="body"/>
+            <p:ph type="body" idx="1"/>
           </p:nvPr>
         </p:nvSpPr>
         <p:spPr>
@@ -13955,12 +13911,12 @@
           </a:prstGeom>
         </p:spPr>
         <p:txBody>
-          <a:bodyPr anchorCtr="0" anchor="t" bIns="91425" lIns="91425" spcFirstLastPara="1" rIns="91425" wrap="square" tIns="91425">
+          <a:bodyPr spcFirstLastPara="1" wrap="square" lIns="91425" tIns="91425" rIns="91425" bIns="91425" anchor="t" anchorCtr="0">
             <a:noAutofit/>
           </a:bodyPr>
           <a:lstStyle/>
           <a:p>
-            <a:pPr indent="0" lvl="0" marL="0" rtl="0" algn="l">
+            <a:pPr marL="0" lvl="0" indent="0" algn="l" rtl="0">
               <a:spcBef>
                 <a:spcPts val="0"/>
               </a:spcBef>
@@ -13969,9 +13925,6 @@
               </a:spcAft>
               <a:buNone/>
             </a:pPr>
-            <a:r>
-              <a:t/>
-            </a:r>
             <a:endParaRPr/>
           </a:p>
         </p:txBody>
@@ -14041,11 +13994,11 @@
 </file>
 
 <file path=ppt/slides/slide8.xml><?xml version="1.0" encoding="utf-8"?>
-<p:sld xmlns:a="http://schemas.openxmlformats.org/drawingml/2006/main" xmlns:r="http://schemas.openxmlformats.org/officeDocument/2006/relationships" xmlns:mc="http://schemas.openxmlformats.org/markup-compatibility/2006" xmlns:mv="urn:schemas-microsoft-com:mac:vml" xmlns:p="http://schemas.openxmlformats.org/presentationml/2006/main" xmlns:c="http://schemas.openxmlformats.org/drawingml/2006/chart" xmlns:dgm="http://schemas.openxmlformats.org/drawingml/2006/diagram" xmlns:o="urn:schemas-microsoft-com:office:office" xmlns:v="urn:schemas-microsoft-com:vml" xmlns:pvml="urn:schemas-microsoft-com:office:powerpoint" xmlns:com="http://schemas.openxmlformats.org/drawingml/2006/compatibility" xmlns:p14="http://schemas.microsoft.com/office/powerpoint/2010/main" xmlns:p15="http://schemas.microsoft.com/office/powerpoint/2012/main">
+<p:sld xmlns:a="http://schemas.openxmlformats.org/drawingml/2006/main" xmlns:r="http://schemas.openxmlformats.org/officeDocument/2006/relationships" xmlns:p="http://schemas.openxmlformats.org/presentationml/2006/main">
   <p:cSld>
     <p:spTree>
       <p:nvGrpSpPr>
-        <p:cNvPr id="181" name="Shape 181"/>
+        <p:cNvPr id="1" name="Shape 181"/>
         <p:cNvGrpSpPr/>
         <p:nvPr/>
       </p:nvGrpSpPr>
@@ -14060,7 +14013,9 @@
       <p:sp>
         <p:nvSpPr>
           <p:cNvPr id="182" name="Google Shape;182;p20"/>
-          <p:cNvSpPr txBox="1"/>
+          <p:cNvSpPr txBox="1">
+            <a:spLocks noGrp="1"/>
+          </p:cNvSpPr>
           <p:nvPr>
             <p:ph type="title"/>
           </p:nvPr>
@@ -14075,12 +14030,12 @@
           </a:prstGeom>
         </p:spPr>
         <p:txBody>
-          <a:bodyPr anchorCtr="0" anchor="t" bIns="91425" lIns="91425" spcFirstLastPara="1" rIns="91425" wrap="square" tIns="91425">
+          <a:bodyPr spcFirstLastPara="1" wrap="square" lIns="91425" tIns="91425" rIns="91425" bIns="91425" anchor="t" anchorCtr="0">
             <a:noAutofit/>
           </a:bodyPr>
           <a:lstStyle/>
           <a:p>
-            <a:pPr indent="0" lvl="0" marL="0" rtl="0" algn="l">
+            <a:pPr marL="0" lvl="0" indent="0" algn="l" rtl="0">
               <a:spcBef>
                 <a:spcPts val="0"/>
               </a:spcBef>
@@ -14100,9 +14055,11 @@
       <p:sp>
         <p:nvSpPr>
           <p:cNvPr id="183" name="Google Shape;183;p20"/>
-          <p:cNvSpPr txBox="1"/>
+          <p:cNvSpPr txBox="1">
+            <a:spLocks noGrp="1"/>
+          </p:cNvSpPr>
           <p:nvPr>
-            <p:ph idx="1" type="body"/>
+            <p:ph type="body" idx="1"/>
           </p:nvPr>
         </p:nvSpPr>
         <p:spPr>
@@ -14115,12 +14072,12 @@
           </a:prstGeom>
         </p:spPr>
         <p:txBody>
-          <a:bodyPr anchorCtr="0" anchor="t" bIns="91425" lIns="91425" spcFirstLastPara="1" rIns="91425" wrap="square" tIns="91425">
+          <a:bodyPr spcFirstLastPara="1" wrap="square" lIns="91425" tIns="91425" rIns="91425" bIns="91425" anchor="t" anchorCtr="0">
             <a:noAutofit/>
           </a:bodyPr>
           <a:lstStyle/>
           <a:p>
-            <a:pPr indent="0" lvl="0" marL="0" rtl="0" algn="l">
+            <a:pPr marL="0" lvl="0" indent="0" algn="l" rtl="0">
               <a:spcBef>
                 <a:spcPts val="0"/>
               </a:spcBef>
@@ -14129,9 +14086,6 @@
               </a:spcAft>
               <a:buNone/>
             </a:pPr>
-            <a:r>
-              <a:t/>
-            </a:r>
             <a:endParaRPr/>
           </a:p>
         </p:txBody>
@@ -14229,11 +14183,11 @@
 </file>
 
 <file path=ppt/slides/slide9.xml><?xml version="1.0" encoding="utf-8"?>
-<p:sld xmlns:a="http://schemas.openxmlformats.org/drawingml/2006/main" xmlns:r="http://schemas.openxmlformats.org/officeDocument/2006/relationships" xmlns:mc="http://schemas.openxmlformats.org/markup-compatibility/2006" xmlns:mv="urn:schemas-microsoft-com:mac:vml" xmlns:p="http://schemas.openxmlformats.org/presentationml/2006/main" xmlns:c="http://schemas.openxmlformats.org/drawingml/2006/chart" xmlns:dgm="http://schemas.openxmlformats.org/drawingml/2006/diagram" xmlns:o="urn:schemas-microsoft-com:office:office" xmlns:v="urn:schemas-microsoft-com:vml" xmlns:pvml="urn:schemas-microsoft-com:office:powerpoint" xmlns:com="http://schemas.openxmlformats.org/drawingml/2006/compatibility" xmlns:p14="http://schemas.microsoft.com/office/powerpoint/2010/main" xmlns:p15="http://schemas.microsoft.com/office/powerpoint/2012/main">
+<p:sld xmlns:a="http://schemas.openxmlformats.org/drawingml/2006/main" xmlns:r="http://schemas.openxmlformats.org/officeDocument/2006/relationships" xmlns:p="http://schemas.openxmlformats.org/presentationml/2006/main">
   <p:cSld>
     <p:spTree>
       <p:nvGrpSpPr>
-        <p:cNvPr id="190" name="Shape 190"/>
+        <p:cNvPr id="1" name="Shape 190"/>
         <p:cNvGrpSpPr/>
         <p:nvPr/>
       </p:nvGrpSpPr>
@@ -14248,7 +14202,9 @@
       <p:sp>
         <p:nvSpPr>
           <p:cNvPr id="191" name="Google Shape;191;p21"/>
-          <p:cNvSpPr txBox="1"/>
+          <p:cNvSpPr txBox="1">
+            <a:spLocks noGrp="1"/>
+          </p:cNvSpPr>
           <p:nvPr>
             <p:ph type="title"/>
           </p:nvPr>
@@ -14263,12 +14219,12 @@
           </a:prstGeom>
         </p:spPr>
         <p:txBody>
-          <a:bodyPr anchorCtr="0" anchor="t" bIns="91425" lIns="91425" spcFirstLastPara="1" rIns="91425" wrap="square" tIns="91425">
+          <a:bodyPr spcFirstLastPara="1" wrap="square" lIns="91425" tIns="91425" rIns="91425" bIns="91425" anchor="t" anchorCtr="0">
             <a:noAutofit/>
           </a:bodyPr>
           <a:lstStyle/>
           <a:p>
-            <a:pPr indent="0" lvl="0" marL="0" rtl="0" algn="l">
+            <a:pPr marL="0" lvl="0" indent="0" algn="l" rtl="0">
               <a:spcBef>
                 <a:spcPts val="0"/>
               </a:spcBef>
@@ -14288,9 +14244,11 @@
       <p:sp>
         <p:nvSpPr>
           <p:cNvPr id="192" name="Google Shape;192;p21"/>
-          <p:cNvSpPr txBox="1"/>
+          <p:cNvSpPr txBox="1">
+            <a:spLocks noGrp="1"/>
+          </p:cNvSpPr>
           <p:nvPr>
-            <p:ph idx="1" type="body"/>
+            <p:ph type="body" idx="1"/>
           </p:nvPr>
         </p:nvSpPr>
         <p:spPr>
@@ -14303,12 +14261,12 @@
           </a:prstGeom>
         </p:spPr>
         <p:txBody>
-          <a:bodyPr anchorCtr="0" anchor="t" bIns="91425" lIns="91425" spcFirstLastPara="1" rIns="91425" wrap="square" tIns="91425">
+          <a:bodyPr spcFirstLastPara="1" wrap="square" lIns="91425" tIns="91425" rIns="91425" bIns="91425" anchor="t" anchorCtr="0">
             <a:noAutofit/>
           </a:bodyPr>
           <a:lstStyle/>
           <a:p>
-            <a:pPr indent="0" lvl="0" marL="0" rtl="0" algn="l">
+            <a:pPr marL="0" lvl="0" indent="0" algn="l" rtl="0">
               <a:spcBef>
                 <a:spcPts val="0"/>
               </a:spcBef>
@@ -14317,9 +14275,6 @@
               </a:spcAft>
               <a:buNone/>
             </a:pPr>
-            <a:r>
-              <a:t/>
-            </a:r>
             <a:endParaRPr/>
           </a:p>
         </p:txBody>
@@ -14445,7 +14400,7 @@
 </file>
 
 <file path=ppt/theme/theme1.xml><?xml version="1.0" encoding="utf-8"?>
-<a:theme xmlns:a="http://schemas.openxmlformats.org/drawingml/2006/main" xmlns:r="http://schemas.openxmlformats.org/officeDocument/2006/relationships" name="Focus">
+<a:theme xmlns:a="http://schemas.openxmlformats.org/drawingml/2006/main" name="Focus">
   <a:themeElements>
     <a:clrScheme name="Focus">
       <a:dk1>
@@ -14720,11 +14675,13 @@
       </a:bgFillStyleLst>
     </a:fmtScheme>
   </a:themeElements>
+  <a:objectDefaults/>
+  <a:extraClrSchemeLst/>
 </a:theme>
 </file>
 
 <file path=ppt/theme/theme2.xml><?xml version="1.0" encoding="utf-8"?>
-<a:theme xmlns:a="http://schemas.openxmlformats.org/drawingml/2006/main" xmlns:r="http://schemas.openxmlformats.org/officeDocument/2006/relationships">
+<a:theme xmlns:a="http://schemas.openxmlformats.org/drawingml/2006/main">
   <a:themeElements>
     <a:clrScheme name="Default">
       <a:dk1>
@@ -14999,5 +14956,7 @@
       </a:bgFillStyleLst>
     </a:fmtScheme>
   </a:themeElements>
+  <a:objectDefaults/>
+  <a:extraClrSchemeLst/>
 </a:theme>
 </file>